--- a/5_seminar/Contents_Part_02/slides/slides_II_2.pptx
+++ b/5_seminar/Contents_Part_02/slides/slides_II_2.pptx
@@ -5,14 +5,23 @@
     <p:sldMasterId id="2147483648" r:id="rId1"/>
   </p:sldMasterIdLst>
   <p:notesMasterIdLst>
-    <p:notesMasterId r:id="rId7"/>
+    <p:notesMasterId r:id="rId16"/>
   </p:notesMasterIdLst>
   <p:sldIdLst>
     <p:sldId id="303" r:id="rId2"/>
     <p:sldId id="305" r:id="rId3"/>
     <p:sldId id="304" r:id="rId4"/>
-    <p:sldId id="331" r:id="rId5"/>
-    <p:sldId id="274" r:id="rId6"/>
+    <p:sldId id="346" r:id="rId5"/>
+    <p:sldId id="332" r:id="rId6"/>
+    <p:sldId id="347" r:id="rId7"/>
+    <p:sldId id="333" r:id="rId8"/>
+    <p:sldId id="311" r:id="rId9"/>
+    <p:sldId id="336" r:id="rId10"/>
+    <p:sldId id="334" r:id="rId11"/>
+    <p:sldId id="348" r:id="rId12"/>
+    <p:sldId id="335" r:id="rId13"/>
+    <p:sldId id="331" r:id="rId14"/>
+    <p:sldId id="274" r:id="rId15"/>
   </p:sldIdLst>
   <p:sldSz cx="12192000" cy="6858000"/>
   <p:notesSz cx="6858000" cy="9144000"/>
@@ -201,7 +210,7 @@
           <a:p>
             <a:fld id="{7A5B87F2-13FD-4A24-9F19-39B31C60B536}" type="datetimeFigureOut">
               <a:rPr lang="en-US" smtClean="0"/>
-              <a:t>4/14/2021</a:t>
+              <a:t>4/16/2021</a:t>
             </a:fld>
             <a:endParaRPr lang="en-US"/>
           </a:p>
@@ -513,18 +522,6 @@
           <a:bodyPr/>
           <a:lstStyle/>
           <a:p>
-            <a:r>
-              <a:rPr lang="de-DE"/>
-              <a:t>kurz dazu sagen, dass wir hier keine tiefe theoretische </a:t>
-            </a:r>
-            <a:r>
-              <a:rPr lang="de-DE" err="1"/>
-              <a:t>einführung</a:t>
-            </a:r>
-            <a:r>
-              <a:rPr lang="de-DE"/>
-              <a:t> machen</a:t>
-            </a:r>
             <a:endParaRPr lang="en-US"/>
           </a:p>
         </p:txBody>
@@ -556,6 +553,612 @@
     <p:extLst>
       <p:ext uri="{BB962C8B-B14F-4D97-AF65-F5344CB8AC3E}">
         <p14:creationId xmlns:p14="http://schemas.microsoft.com/office/powerpoint/2010/main" val="1441903908"/>
+      </p:ext>
+    </p:extLst>
+  </p:cSld>
+  <p:clrMapOvr>
+    <a:masterClrMapping/>
+  </p:clrMapOvr>
+</p:notes>
+</file>
+
+<file path=ppt/notesSlides/notesSlide2.xml><?xml version="1.0" encoding="utf-8"?>
+<p:notes xmlns:a="http://schemas.openxmlformats.org/drawingml/2006/main" xmlns:r="http://schemas.openxmlformats.org/officeDocument/2006/relationships" xmlns:p="http://schemas.openxmlformats.org/presentationml/2006/main">
+  <p:cSld>
+    <p:spTree>
+      <p:nvGrpSpPr>
+        <p:cNvPr id="1" name=""/>
+        <p:cNvGrpSpPr/>
+        <p:nvPr/>
+      </p:nvGrpSpPr>
+      <p:grpSpPr>
+        <a:xfrm>
+          <a:off x="0" y="0"/>
+          <a:ext cx="0" cy="0"/>
+          <a:chOff x="0" y="0"/>
+          <a:chExt cx="0" cy="0"/>
+        </a:xfrm>
+      </p:grpSpPr>
+      <p:sp>
+        <p:nvSpPr>
+          <p:cNvPr id="2" name="Folienbildplatzhalter 1"/>
+          <p:cNvSpPr>
+            <a:spLocks noGrp="1" noRot="1" noChangeAspect="1"/>
+          </p:cNvSpPr>
+          <p:nvPr>
+            <p:ph type="sldImg"/>
+          </p:nvPr>
+        </p:nvSpPr>
+        <p:spPr/>
+      </p:sp>
+      <p:sp>
+        <p:nvSpPr>
+          <p:cNvPr id="3" name="Notizenplatzhalter 2"/>
+          <p:cNvSpPr>
+            <a:spLocks noGrp="1"/>
+          </p:cNvSpPr>
+          <p:nvPr>
+            <p:ph type="body" idx="1"/>
+          </p:nvPr>
+        </p:nvSpPr>
+        <p:spPr/>
+        <p:txBody>
+          <a:bodyPr/>
+          <a:lstStyle/>
+          <a:p>
+            <a:pPr marL="0" marR="0" lvl="0" indent="0" algn="l" defTabSz="914400" rtl="0" eaLnBrk="1" fontAlgn="auto" latinLnBrk="0" hangingPunct="1">
+              <a:lnSpc>
+                <a:spcPct val="100000"/>
+              </a:lnSpc>
+              <a:spcBef>
+                <a:spcPts val="0"/>
+              </a:spcBef>
+              <a:spcAft>
+                <a:spcPts val="0"/>
+              </a:spcAft>
+              <a:buClrTx/>
+              <a:buSzTx/>
+              <a:buFontTx/>
+              <a:buNone/>
+              <a:tabLst/>
+              <a:defRPr/>
+            </a:pPr>
+            <a:endParaRPr lang="en-US" b="1"/>
+          </a:p>
+        </p:txBody>
+      </p:sp>
+      <p:sp>
+        <p:nvSpPr>
+          <p:cNvPr id="4" name="Foliennummernplatzhalter 3"/>
+          <p:cNvSpPr>
+            <a:spLocks noGrp="1"/>
+          </p:cNvSpPr>
+          <p:nvPr>
+            <p:ph type="sldNum" sz="quarter" idx="10"/>
+          </p:nvPr>
+        </p:nvSpPr>
+        <p:spPr/>
+        <p:txBody>
+          <a:bodyPr/>
+          <a:lstStyle/>
+          <a:p>
+            <a:fld id="{20A41429-B750-4047-B563-2878417A70E7}" type="slidenum">
+              <a:rPr lang="en-US" smtClean="0"/>
+              <a:t>4</a:t>
+            </a:fld>
+            <a:endParaRPr lang="en-US"/>
+          </a:p>
+        </p:txBody>
+      </p:sp>
+    </p:spTree>
+    <p:extLst>
+      <p:ext uri="{BB962C8B-B14F-4D97-AF65-F5344CB8AC3E}">
+        <p14:creationId xmlns:p14="http://schemas.microsoft.com/office/powerpoint/2010/main" val="212170600"/>
+      </p:ext>
+    </p:extLst>
+  </p:cSld>
+  <p:clrMapOvr>
+    <a:masterClrMapping/>
+  </p:clrMapOvr>
+</p:notes>
+</file>
+
+<file path=ppt/notesSlides/notesSlide3.xml><?xml version="1.0" encoding="utf-8"?>
+<p:notes xmlns:a="http://schemas.openxmlformats.org/drawingml/2006/main" xmlns:r="http://schemas.openxmlformats.org/officeDocument/2006/relationships" xmlns:p="http://schemas.openxmlformats.org/presentationml/2006/main">
+  <p:cSld>
+    <p:spTree>
+      <p:nvGrpSpPr>
+        <p:cNvPr id="1" name=""/>
+        <p:cNvGrpSpPr/>
+        <p:nvPr/>
+      </p:nvGrpSpPr>
+      <p:grpSpPr>
+        <a:xfrm>
+          <a:off x="0" y="0"/>
+          <a:ext cx="0" cy="0"/>
+          <a:chOff x="0" y="0"/>
+          <a:chExt cx="0" cy="0"/>
+        </a:xfrm>
+      </p:grpSpPr>
+      <p:sp>
+        <p:nvSpPr>
+          <p:cNvPr id="2" name="Folienbildplatzhalter 1"/>
+          <p:cNvSpPr>
+            <a:spLocks noGrp="1" noRot="1" noChangeAspect="1"/>
+          </p:cNvSpPr>
+          <p:nvPr>
+            <p:ph type="sldImg"/>
+          </p:nvPr>
+        </p:nvSpPr>
+        <p:spPr/>
+      </p:sp>
+      <p:sp>
+        <p:nvSpPr>
+          <p:cNvPr id="3" name="Notizenplatzhalter 2"/>
+          <p:cNvSpPr>
+            <a:spLocks noGrp="1"/>
+          </p:cNvSpPr>
+          <p:nvPr>
+            <p:ph type="body" idx="1"/>
+          </p:nvPr>
+        </p:nvSpPr>
+        <p:spPr/>
+        <p:txBody>
+          <a:bodyPr/>
+          <a:lstStyle/>
+          <a:p>
+            <a:pPr marL="0" marR="0" lvl="0" indent="0" algn="l" defTabSz="914400" rtl="0" eaLnBrk="1" fontAlgn="auto" latinLnBrk="0" hangingPunct="1">
+              <a:lnSpc>
+                <a:spcPct val="100000"/>
+              </a:lnSpc>
+              <a:spcBef>
+                <a:spcPts val="0"/>
+              </a:spcBef>
+              <a:spcAft>
+                <a:spcPts val="0"/>
+              </a:spcAft>
+              <a:buClrTx/>
+              <a:buSzTx/>
+              <a:buFontTx/>
+              <a:buNone/>
+              <a:tabLst/>
+              <a:defRPr/>
+            </a:pPr>
+            <a:endParaRPr lang="en-US" b="1"/>
+          </a:p>
+        </p:txBody>
+      </p:sp>
+      <p:sp>
+        <p:nvSpPr>
+          <p:cNvPr id="4" name="Foliennummernplatzhalter 3"/>
+          <p:cNvSpPr>
+            <a:spLocks noGrp="1"/>
+          </p:cNvSpPr>
+          <p:nvPr>
+            <p:ph type="sldNum" sz="quarter" idx="10"/>
+          </p:nvPr>
+        </p:nvSpPr>
+        <p:spPr/>
+        <p:txBody>
+          <a:bodyPr/>
+          <a:lstStyle/>
+          <a:p>
+            <a:fld id="{20A41429-B750-4047-B563-2878417A70E7}" type="slidenum">
+              <a:rPr lang="en-US" smtClean="0"/>
+              <a:t>6</a:t>
+            </a:fld>
+            <a:endParaRPr lang="en-US"/>
+          </a:p>
+        </p:txBody>
+      </p:sp>
+    </p:spTree>
+    <p:extLst>
+      <p:ext uri="{BB962C8B-B14F-4D97-AF65-F5344CB8AC3E}">
+        <p14:creationId xmlns:p14="http://schemas.microsoft.com/office/powerpoint/2010/main" val="1912288911"/>
+      </p:ext>
+    </p:extLst>
+  </p:cSld>
+  <p:clrMapOvr>
+    <a:masterClrMapping/>
+  </p:clrMapOvr>
+</p:notes>
+</file>
+
+<file path=ppt/notesSlides/notesSlide4.xml><?xml version="1.0" encoding="utf-8"?>
+<p:notes xmlns:a="http://schemas.openxmlformats.org/drawingml/2006/main" xmlns:r="http://schemas.openxmlformats.org/officeDocument/2006/relationships" xmlns:p="http://schemas.openxmlformats.org/presentationml/2006/main">
+  <p:cSld>
+    <p:spTree>
+      <p:nvGrpSpPr>
+        <p:cNvPr id="1" name=""/>
+        <p:cNvGrpSpPr/>
+        <p:nvPr/>
+      </p:nvGrpSpPr>
+      <p:grpSpPr>
+        <a:xfrm>
+          <a:off x="0" y="0"/>
+          <a:ext cx="0" cy="0"/>
+          <a:chOff x="0" y="0"/>
+          <a:chExt cx="0" cy="0"/>
+        </a:xfrm>
+      </p:grpSpPr>
+      <p:sp>
+        <p:nvSpPr>
+          <p:cNvPr id="2" name="Folienbildplatzhalter 1"/>
+          <p:cNvSpPr>
+            <a:spLocks noGrp="1" noRot="1" noChangeAspect="1"/>
+          </p:cNvSpPr>
+          <p:nvPr>
+            <p:ph type="sldImg"/>
+          </p:nvPr>
+        </p:nvSpPr>
+        <p:spPr/>
+      </p:sp>
+      <p:sp>
+        <p:nvSpPr>
+          <p:cNvPr id="3" name="Notizenplatzhalter 2"/>
+          <p:cNvSpPr>
+            <a:spLocks noGrp="1"/>
+          </p:cNvSpPr>
+          <p:nvPr>
+            <p:ph type="body" idx="1"/>
+          </p:nvPr>
+        </p:nvSpPr>
+        <p:spPr/>
+        <p:txBody>
+          <a:bodyPr/>
+          <a:lstStyle/>
+          <a:p>
+            <a:pPr marL="0" marR="0" lvl="0" indent="0" algn="l" defTabSz="914400" rtl="0" eaLnBrk="1" fontAlgn="auto" latinLnBrk="0" hangingPunct="1">
+              <a:lnSpc>
+                <a:spcPct val="100000"/>
+              </a:lnSpc>
+              <a:spcBef>
+                <a:spcPts val="0"/>
+              </a:spcBef>
+              <a:spcAft>
+                <a:spcPts val="0"/>
+              </a:spcAft>
+              <a:buClrTx/>
+              <a:buSzTx/>
+              <a:buFontTx/>
+              <a:buNone/>
+              <a:tabLst/>
+              <a:defRPr/>
+            </a:pPr>
+            <a:endParaRPr lang="en-US" b="1"/>
+          </a:p>
+        </p:txBody>
+      </p:sp>
+      <p:sp>
+        <p:nvSpPr>
+          <p:cNvPr id="4" name="Foliennummernplatzhalter 3"/>
+          <p:cNvSpPr>
+            <a:spLocks noGrp="1"/>
+          </p:cNvSpPr>
+          <p:nvPr>
+            <p:ph type="sldNum" sz="quarter" idx="10"/>
+          </p:nvPr>
+        </p:nvSpPr>
+        <p:spPr/>
+        <p:txBody>
+          <a:bodyPr/>
+          <a:lstStyle/>
+          <a:p>
+            <a:fld id="{20A41429-B750-4047-B563-2878417A70E7}" type="slidenum">
+              <a:rPr lang="en-US" smtClean="0"/>
+              <a:t>8</a:t>
+            </a:fld>
+            <a:endParaRPr lang="en-US"/>
+          </a:p>
+        </p:txBody>
+      </p:sp>
+    </p:spTree>
+    <p:extLst>
+      <p:ext uri="{BB962C8B-B14F-4D97-AF65-F5344CB8AC3E}">
+        <p14:creationId xmlns:p14="http://schemas.microsoft.com/office/powerpoint/2010/main" val="4272284150"/>
+      </p:ext>
+    </p:extLst>
+  </p:cSld>
+  <p:clrMapOvr>
+    <a:masterClrMapping/>
+  </p:clrMapOvr>
+</p:notes>
+</file>
+
+<file path=ppt/notesSlides/notesSlide5.xml><?xml version="1.0" encoding="utf-8"?>
+<p:notes xmlns:a="http://schemas.openxmlformats.org/drawingml/2006/main" xmlns:r="http://schemas.openxmlformats.org/officeDocument/2006/relationships" xmlns:p="http://schemas.openxmlformats.org/presentationml/2006/main">
+  <p:cSld>
+    <p:spTree>
+      <p:nvGrpSpPr>
+        <p:cNvPr id="1" name=""/>
+        <p:cNvGrpSpPr/>
+        <p:nvPr/>
+      </p:nvGrpSpPr>
+      <p:grpSpPr>
+        <a:xfrm>
+          <a:off x="0" y="0"/>
+          <a:ext cx="0" cy="0"/>
+          <a:chOff x="0" y="0"/>
+          <a:chExt cx="0" cy="0"/>
+        </a:xfrm>
+      </p:grpSpPr>
+      <p:sp>
+        <p:nvSpPr>
+          <p:cNvPr id="2" name="Folienbildplatzhalter 1"/>
+          <p:cNvSpPr>
+            <a:spLocks noGrp="1" noRot="1" noChangeAspect="1"/>
+          </p:cNvSpPr>
+          <p:nvPr>
+            <p:ph type="sldImg"/>
+          </p:nvPr>
+        </p:nvSpPr>
+        <p:spPr/>
+      </p:sp>
+      <p:sp>
+        <p:nvSpPr>
+          <p:cNvPr id="3" name="Notizenplatzhalter 2"/>
+          <p:cNvSpPr>
+            <a:spLocks noGrp="1"/>
+          </p:cNvSpPr>
+          <p:nvPr>
+            <p:ph type="body" idx="1"/>
+          </p:nvPr>
+        </p:nvSpPr>
+        <p:spPr/>
+        <p:txBody>
+          <a:bodyPr/>
+          <a:lstStyle/>
+          <a:p>
+            <a:pPr marL="0" marR="0" lvl="0" indent="0" algn="l" defTabSz="914400" rtl="0" eaLnBrk="1" fontAlgn="auto" latinLnBrk="0" hangingPunct="1">
+              <a:lnSpc>
+                <a:spcPct val="100000"/>
+              </a:lnSpc>
+              <a:spcBef>
+                <a:spcPts val="0"/>
+              </a:spcBef>
+              <a:spcAft>
+                <a:spcPts val="0"/>
+              </a:spcAft>
+              <a:buClrTx/>
+              <a:buSzTx/>
+              <a:buFontTx/>
+              <a:buNone/>
+              <a:tabLst/>
+              <a:defRPr/>
+            </a:pPr>
+            <a:endParaRPr lang="en-US" b="1"/>
+          </a:p>
+        </p:txBody>
+      </p:sp>
+      <p:sp>
+        <p:nvSpPr>
+          <p:cNvPr id="4" name="Foliennummernplatzhalter 3"/>
+          <p:cNvSpPr>
+            <a:spLocks noGrp="1"/>
+          </p:cNvSpPr>
+          <p:nvPr>
+            <p:ph type="sldNum" sz="quarter" idx="10"/>
+          </p:nvPr>
+        </p:nvSpPr>
+        <p:spPr/>
+        <p:txBody>
+          <a:bodyPr/>
+          <a:lstStyle/>
+          <a:p>
+            <a:fld id="{20A41429-B750-4047-B563-2878417A70E7}" type="slidenum">
+              <a:rPr lang="en-US" smtClean="0"/>
+              <a:t>9</a:t>
+            </a:fld>
+            <a:endParaRPr lang="en-US"/>
+          </a:p>
+        </p:txBody>
+      </p:sp>
+    </p:spTree>
+    <p:extLst>
+      <p:ext uri="{BB962C8B-B14F-4D97-AF65-F5344CB8AC3E}">
+        <p14:creationId xmlns:p14="http://schemas.microsoft.com/office/powerpoint/2010/main" val="4272284150"/>
+      </p:ext>
+    </p:extLst>
+  </p:cSld>
+  <p:clrMapOvr>
+    <a:masterClrMapping/>
+  </p:clrMapOvr>
+</p:notes>
+</file>
+
+<file path=ppt/notesSlides/notesSlide6.xml><?xml version="1.0" encoding="utf-8"?>
+<p:notes xmlns:a="http://schemas.openxmlformats.org/drawingml/2006/main" xmlns:r="http://schemas.openxmlformats.org/officeDocument/2006/relationships" xmlns:p="http://schemas.openxmlformats.org/presentationml/2006/main">
+  <p:cSld>
+    <p:spTree>
+      <p:nvGrpSpPr>
+        <p:cNvPr id="1" name=""/>
+        <p:cNvGrpSpPr/>
+        <p:nvPr/>
+      </p:nvGrpSpPr>
+      <p:grpSpPr>
+        <a:xfrm>
+          <a:off x="0" y="0"/>
+          <a:ext cx="0" cy="0"/>
+          <a:chOff x="0" y="0"/>
+          <a:chExt cx="0" cy="0"/>
+        </a:xfrm>
+      </p:grpSpPr>
+      <p:sp>
+        <p:nvSpPr>
+          <p:cNvPr id="2" name="Folienbildplatzhalter 1"/>
+          <p:cNvSpPr>
+            <a:spLocks noGrp="1" noRot="1" noChangeAspect="1"/>
+          </p:cNvSpPr>
+          <p:nvPr>
+            <p:ph type="sldImg"/>
+          </p:nvPr>
+        </p:nvSpPr>
+        <p:spPr/>
+      </p:sp>
+      <p:sp>
+        <p:nvSpPr>
+          <p:cNvPr id="3" name="Notizenplatzhalter 2"/>
+          <p:cNvSpPr>
+            <a:spLocks noGrp="1"/>
+          </p:cNvSpPr>
+          <p:nvPr>
+            <p:ph type="body" idx="1"/>
+          </p:nvPr>
+        </p:nvSpPr>
+        <p:spPr/>
+        <p:txBody>
+          <a:bodyPr/>
+          <a:lstStyle/>
+          <a:p>
+            <a:pPr marL="0" marR="0" lvl="0" indent="0" algn="l" defTabSz="914400" rtl="0" eaLnBrk="1" fontAlgn="auto" latinLnBrk="0" hangingPunct="1">
+              <a:lnSpc>
+                <a:spcPct val="100000"/>
+              </a:lnSpc>
+              <a:spcBef>
+                <a:spcPts val="0"/>
+              </a:spcBef>
+              <a:spcAft>
+                <a:spcPts val="0"/>
+              </a:spcAft>
+              <a:buClrTx/>
+              <a:buSzTx/>
+              <a:buFontTx/>
+              <a:buNone/>
+              <a:tabLst/>
+              <a:defRPr/>
+            </a:pPr>
+            <a:endParaRPr lang="en-US" b="1"/>
+          </a:p>
+        </p:txBody>
+      </p:sp>
+      <p:sp>
+        <p:nvSpPr>
+          <p:cNvPr id="4" name="Foliennummernplatzhalter 3"/>
+          <p:cNvSpPr>
+            <a:spLocks noGrp="1"/>
+          </p:cNvSpPr>
+          <p:nvPr>
+            <p:ph type="sldNum" sz="quarter" idx="10"/>
+          </p:nvPr>
+        </p:nvSpPr>
+        <p:spPr/>
+        <p:txBody>
+          <a:bodyPr/>
+          <a:lstStyle/>
+          <a:p>
+            <a:fld id="{20A41429-B750-4047-B563-2878417A70E7}" type="slidenum">
+              <a:rPr lang="en-US" smtClean="0"/>
+              <a:t>11</a:t>
+            </a:fld>
+            <a:endParaRPr lang="en-US"/>
+          </a:p>
+        </p:txBody>
+      </p:sp>
+    </p:spTree>
+    <p:extLst>
+      <p:ext uri="{BB962C8B-B14F-4D97-AF65-F5344CB8AC3E}">
+        <p14:creationId xmlns:p14="http://schemas.microsoft.com/office/powerpoint/2010/main" val="2003840370"/>
+      </p:ext>
+    </p:extLst>
+  </p:cSld>
+  <p:clrMapOvr>
+    <a:masterClrMapping/>
+  </p:clrMapOvr>
+</p:notes>
+</file>
+
+<file path=ppt/notesSlides/notesSlide7.xml><?xml version="1.0" encoding="utf-8"?>
+<p:notes xmlns:a="http://schemas.openxmlformats.org/drawingml/2006/main" xmlns:r="http://schemas.openxmlformats.org/officeDocument/2006/relationships" xmlns:p="http://schemas.openxmlformats.org/presentationml/2006/main">
+  <p:cSld>
+    <p:spTree>
+      <p:nvGrpSpPr>
+        <p:cNvPr id="1" name=""/>
+        <p:cNvGrpSpPr/>
+        <p:nvPr/>
+      </p:nvGrpSpPr>
+      <p:grpSpPr>
+        <a:xfrm>
+          <a:off x="0" y="0"/>
+          <a:ext cx="0" cy="0"/>
+          <a:chOff x="0" y="0"/>
+          <a:chExt cx="0" cy="0"/>
+        </a:xfrm>
+      </p:grpSpPr>
+      <p:sp>
+        <p:nvSpPr>
+          <p:cNvPr id="2" name="Folienbildplatzhalter 1"/>
+          <p:cNvSpPr>
+            <a:spLocks noGrp="1" noRot="1" noChangeAspect="1"/>
+          </p:cNvSpPr>
+          <p:nvPr>
+            <p:ph type="sldImg"/>
+          </p:nvPr>
+        </p:nvSpPr>
+        <p:spPr/>
+      </p:sp>
+      <p:sp>
+        <p:nvSpPr>
+          <p:cNvPr id="3" name="Notizenplatzhalter 2"/>
+          <p:cNvSpPr>
+            <a:spLocks noGrp="1"/>
+          </p:cNvSpPr>
+          <p:nvPr>
+            <p:ph type="body" idx="1"/>
+          </p:nvPr>
+        </p:nvSpPr>
+        <p:spPr/>
+        <p:txBody>
+          <a:bodyPr/>
+          <a:lstStyle/>
+          <a:p>
+            <a:pPr marL="0" marR="0" lvl="0" indent="0" algn="l" defTabSz="914400" rtl="0" eaLnBrk="1" fontAlgn="auto" latinLnBrk="0" hangingPunct="1">
+              <a:lnSpc>
+                <a:spcPct val="100000"/>
+              </a:lnSpc>
+              <a:spcBef>
+                <a:spcPts val="0"/>
+              </a:spcBef>
+              <a:spcAft>
+                <a:spcPts val="0"/>
+              </a:spcAft>
+              <a:buClrTx/>
+              <a:buSzTx/>
+              <a:buFontTx/>
+              <a:buNone/>
+              <a:tabLst/>
+              <a:defRPr/>
+            </a:pPr>
+            <a:endParaRPr lang="en-US" b="1"/>
+          </a:p>
+        </p:txBody>
+      </p:sp>
+      <p:sp>
+        <p:nvSpPr>
+          <p:cNvPr id="4" name="Foliennummernplatzhalter 3"/>
+          <p:cNvSpPr>
+            <a:spLocks noGrp="1"/>
+          </p:cNvSpPr>
+          <p:nvPr>
+            <p:ph type="sldNum" sz="quarter" idx="10"/>
+          </p:nvPr>
+        </p:nvSpPr>
+        <p:spPr/>
+        <p:txBody>
+          <a:bodyPr/>
+          <a:lstStyle/>
+          <a:p>
+            <a:fld id="{20A41429-B750-4047-B563-2878417A70E7}" type="slidenum">
+              <a:rPr lang="en-US" smtClean="0"/>
+              <a:t>12</a:t>
+            </a:fld>
+            <a:endParaRPr lang="en-US"/>
+          </a:p>
+        </p:txBody>
+      </p:sp>
+    </p:spTree>
+    <p:extLst>
+      <p:ext uri="{BB962C8B-B14F-4D97-AF65-F5344CB8AC3E}">
+        <p14:creationId xmlns:p14="http://schemas.microsoft.com/office/powerpoint/2010/main" val="4272284150"/>
       </p:ext>
     </p:extLst>
   </p:cSld>
@@ -696,7 +1299,7 @@
           <a:p>
             <a:fld id="{5A1811BA-6AD9-41A7-B7A2-456C8523519C}" type="datetime1">
               <a:rPr lang="en-US" smtClean="0"/>
-              <a:t>4/14/2021</a:t>
+              <a:t>4/16/2021</a:t>
             </a:fld>
             <a:endParaRPr lang="en-US"/>
           </a:p>
@@ -866,7 +1469,7 @@
           <a:p>
             <a:fld id="{B0494441-C196-4BB0-93EE-AF22360207AB}" type="datetime1">
               <a:rPr lang="en-US" smtClean="0"/>
-              <a:t>4/14/2021</a:t>
+              <a:t>4/16/2021</a:t>
             </a:fld>
             <a:endParaRPr lang="en-US"/>
           </a:p>
@@ -1046,7 +1649,7 @@
           <a:p>
             <a:fld id="{D7B9282B-C3CE-4F56-8DD1-5349F982F1D2}" type="datetime1">
               <a:rPr lang="en-US" smtClean="0"/>
-              <a:t>4/14/2021</a:t>
+              <a:t>4/16/2021</a:t>
             </a:fld>
             <a:endParaRPr lang="en-US"/>
           </a:p>
@@ -1216,7 +1819,7 @@
           <a:p>
             <a:fld id="{E6E86D6A-786F-4E85-AF3B-385015383ABA}" type="datetime1">
               <a:rPr lang="en-US" smtClean="0"/>
-              <a:t>4/14/2021</a:t>
+              <a:t>4/16/2021</a:t>
             </a:fld>
             <a:endParaRPr lang="en-US"/>
           </a:p>
@@ -1462,7 +2065,7 @@
           <a:p>
             <a:fld id="{051FFEB0-9C80-4A34-A5C7-72D52D52FC7D}" type="datetime1">
               <a:rPr lang="en-US" smtClean="0"/>
-              <a:t>4/14/2021</a:t>
+              <a:t>4/16/2021</a:t>
             </a:fld>
             <a:endParaRPr lang="en-US"/>
           </a:p>
@@ -1694,7 +2297,7 @@
           <a:p>
             <a:fld id="{084267AD-C299-471B-ABA1-D0EA94C7EDCF}" type="datetime1">
               <a:rPr lang="en-US" smtClean="0"/>
-              <a:t>4/14/2021</a:t>
+              <a:t>4/16/2021</a:t>
             </a:fld>
             <a:endParaRPr lang="en-US"/>
           </a:p>
@@ -2061,7 +2664,7 @@
           <a:p>
             <a:fld id="{6468DBC7-10F8-46A1-8CE1-DBB0A6F0EF3E}" type="datetime1">
               <a:rPr lang="en-US" smtClean="0"/>
-              <a:t>4/14/2021</a:t>
+              <a:t>4/16/2021</a:t>
             </a:fld>
             <a:endParaRPr lang="en-US"/>
           </a:p>
@@ -2179,7 +2782,7 @@
           <a:p>
             <a:fld id="{0A97ED80-8DDA-43A7-A78F-B0542D691D0E}" type="datetime1">
               <a:rPr lang="en-US" smtClean="0"/>
-              <a:t>4/14/2021</a:t>
+              <a:t>4/16/2021</a:t>
             </a:fld>
             <a:endParaRPr lang="en-US"/>
           </a:p>
@@ -2274,7 +2877,7 @@
           <a:p>
             <a:fld id="{0AF827E6-45BA-40D2-98F2-BE4FFF095577}" type="datetime1">
               <a:rPr lang="en-US" smtClean="0"/>
-              <a:t>4/14/2021</a:t>
+              <a:t>4/16/2021</a:t>
             </a:fld>
             <a:endParaRPr lang="en-US"/>
           </a:p>
@@ -2551,7 +3154,7 @@
           <a:p>
             <a:fld id="{42BD114C-22EA-4B1A-A45B-ED6465C7BB4E}" type="datetime1">
               <a:rPr lang="en-US" smtClean="0"/>
-              <a:t>4/14/2021</a:t>
+              <a:t>4/16/2021</a:t>
             </a:fld>
             <a:endParaRPr lang="en-US"/>
           </a:p>
@@ -2804,7 +3407,7 @@
           <a:p>
             <a:fld id="{F46F8903-38BE-4FD8-98FC-E4EF771B2D8C}" type="datetime1">
               <a:rPr lang="en-US" smtClean="0"/>
-              <a:t>4/14/2021</a:t>
+              <a:t>4/16/2021</a:t>
             </a:fld>
             <a:endParaRPr lang="en-US"/>
           </a:p>
@@ -3017,7 +3620,7 @@
           <a:p>
             <a:fld id="{A91AC8C7-9CA9-4E83-8CE3-AD3BE4150B39}" type="datetime1">
               <a:rPr lang="en-US" smtClean="0"/>
-              <a:t>4/14/2021</a:t>
+              <a:t>4/16/2021</a:t>
             </a:fld>
             <a:endParaRPr lang="en-US"/>
           </a:p>
@@ -3571,7 +4174,7 @@
 </p:sld>
 </file>
 
-<file path=ppt/slides/slide2.xml><?xml version="1.0" encoding="utf-8"?>
+<file path=ppt/slides/slide10.xml><?xml version="1.0" encoding="utf-8"?>
 <p:sld xmlns:a="http://schemas.openxmlformats.org/drawingml/2006/main" xmlns:r="http://schemas.openxmlformats.org/officeDocument/2006/relationships" xmlns:p="http://schemas.openxmlformats.org/presentationml/2006/main">
   <p:cSld>
     <p:spTree>
@@ -3600,8 +4203,8 @@
         </p:nvSpPr>
         <p:spPr>
           <a:xfrm>
-            <a:off x="1057274" y="552450"/>
-            <a:ext cx="10296526" cy="1138238"/>
+            <a:off x="1066800" y="1990724"/>
+            <a:ext cx="10287000" cy="2886075"/>
           </a:xfrm>
         </p:spPr>
         <p:txBody>
@@ -3609,63 +4212,52 @@
           <a:lstStyle/>
           <a:p>
             <a:r>
-              <a:rPr lang="en-US" b="1"/>
-              <a:t>Outline</a:t>
-            </a:r>
-          </a:p>
-        </p:txBody>
-      </p:sp>
-      <p:sp>
-        <p:nvSpPr>
-          <p:cNvPr id="3" name="Inhaltsplatzhalter 2"/>
-          <p:cNvSpPr>
-            <a:spLocks noGrp="1"/>
-          </p:cNvSpPr>
-          <p:nvPr>
-            <p:ph idx="1"/>
+              <a:rPr lang="en-US" b="1">
+                <a:effectLst>
+                  <a:outerShdw blurRad="38100" dist="38100" dir="2700000" algn="tl">
+                    <a:srgbClr val="000000">
+                      <a:alpha val="43137"/>
+                    </a:srgbClr>
+                  </a:outerShdw>
+                </a:effectLst>
+              </a:rPr>
+              <a:t>Part II-2: Topic Modeling</a:t>
+            </a:r>
+          </a:p>
+        </p:txBody>
+      </p:sp>
+      <p:sp>
+        <p:nvSpPr>
+          <p:cNvPr id="3" name="Textplatzhalter 2"/>
+          <p:cNvSpPr>
+            <a:spLocks noGrp="1"/>
+          </p:cNvSpPr>
+          <p:nvPr>
+            <p:ph type="body" idx="1"/>
           </p:nvPr>
         </p:nvSpPr>
         <p:spPr>
           <a:xfrm>
-            <a:off x="1057274" y="1990725"/>
-            <a:ext cx="10296525" cy="4186238"/>
+            <a:off x="1066798" y="4876799"/>
+            <a:ext cx="10280651" cy="1212851"/>
           </a:xfrm>
         </p:spPr>
         <p:txBody>
-          <a:bodyPr>
-            <a:normAutofit/>
-          </a:bodyPr>
-          <a:lstStyle/>
-          <a:p>
-            <a:pPr marL="571500" indent="-571500">
-              <a:buFont typeface="+mj-lt"/>
-              <a:buAutoNum type="romanLcPeriod"/>
-            </a:pPr>
-            <a:r>
-              <a:rPr lang="en-US"/>
-              <a:t>Overview</a:t>
-            </a:r>
-          </a:p>
-          <a:p>
-            <a:pPr marL="571500" indent="-571500">
-              <a:buFont typeface="+mj-lt"/>
-              <a:buAutoNum type="romanLcPeriod"/>
-            </a:pPr>
-            <a:r>
-              <a:rPr lang="en-US"/>
-              <a:t>Topic Modeling Approaches</a:t>
-            </a:r>
-          </a:p>
-          <a:p>
-            <a:pPr marL="571500" indent="-571500">
-              <a:buFont typeface="+mj-lt"/>
-              <a:buAutoNum type="romanLcPeriod"/>
-            </a:pPr>
-            <a:r>
-              <a:rPr lang="en-US"/>
-              <a:t>Structural Topic Model (STM)</a:t>
-            </a:r>
-            <a:endParaRPr lang="en-US" dirty="0"/>
+          <a:bodyPr/>
+          <a:lstStyle/>
+          <a:p>
+            <a:r>
+              <a:rPr lang="en-US" b="1">
+                <a:effectLst>
+                  <a:outerShdw blurRad="38100" dist="38100" dir="2700000" algn="tl">
+                    <a:srgbClr val="000000">
+                      <a:alpha val="43137"/>
+                    </a:srgbClr>
+                  </a:outerShdw>
+                </a:effectLst>
+              </a:rPr>
+              <a:t>Keyword-Based Topic Extraction</a:t>
+            </a:r>
           </a:p>
         </p:txBody>
       </p:sp>
@@ -3686,7 +4278,7 @@
           <a:p>
             <a:fld id="{C9E0B00B-E6DF-4183-A694-3DE28BEFB357}" type="slidenum">
               <a:rPr lang="en-US" smtClean="0"/>
-              <a:t>2</a:t>
+              <a:t>10</a:t>
             </a:fld>
             <a:endParaRPr lang="en-US"/>
           </a:p>
@@ -3695,7 +4287,7 @@
     </p:spTree>
     <p:extLst>
       <p:ext uri="{BB962C8B-B14F-4D97-AF65-F5344CB8AC3E}">
-        <p14:creationId xmlns:p14="http://schemas.microsoft.com/office/powerpoint/2010/main" val="1199198601"/>
+        <p14:creationId xmlns:p14="http://schemas.microsoft.com/office/powerpoint/2010/main" val="3502335047"/>
       </p:ext>
     </p:extLst>
   </p:cSld>
@@ -3705,7 +4297,7 @@
 </p:sld>
 </file>
 
-<file path=ppt/slides/slide3.xml><?xml version="1.0" encoding="utf-8"?>
+<file path=ppt/slides/slide11.xml><?xml version="1.0" encoding="utf-8"?>
 <p:sld xmlns:a="http://schemas.openxmlformats.org/drawingml/2006/main" xmlns:r="http://schemas.openxmlformats.org/officeDocument/2006/relationships" xmlns:p="http://schemas.openxmlformats.org/presentationml/2006/main">
   <p:cSld>
     <p:spTree>
@@ -3724,53 +4316,148 @@
       </p:grpSpPr>
       <p:sp>
         <p:nvSpPr>
-          <p:cNvPr id="2" name="Titel 1"/>
-          <p:cNvSpPr>
-            <a:spLocks noGrp="1"/>
-          </p:cNvSpPr>
-          <p:nvPr>
-            <p:ph type="title"/>
+          <p:cNvPr id="7" name="Content Placeholder 2">
+            <a:extLst>
+              <a:ext uri="{FF2B5EF4-FFF2-40B4-BE49-F238E27FC236}">
+                <a16:creationId xmlns:a16="http://schemas.microsoft.com/office/drawing/2014/main" id="{0F324A9E-9392-4545-96A6-95DE3958C6B2}"/>
+              </a:ext>
+            </a:extLst>
+          </p:cNvPr>
+          <p:cNvSpPr>
+            <a:spLocks noGrp="1"/>
+          </p:cNvSpPr>
+          <p:nvPr>
+            <p:ph idx="1"/>
           </p:nvPr>
         </p:nvSpPr>
         <p:spPr>
           <a:xfrm>
-            <a:off x="1066800" y="1990724"/>
-            <a:ext cx="10287000" cy="2886075"/>
+            <a:off x="1066797" y="1990725"/>
+            <a:ext cx="10287001" cy="4457700"/>
           </a:xfrm>
         </p:spPr>
         <p:txBody>
-          <a:bodyPr/>
-          <a:lstStyle/>
-          <a:p>
-            <a:r>
-              <a:rPr lang="en-US" b="1">
-                <a:effectLst>
-                  <a:outerShdw blurRad="38100" dist="38100" dir="2700000" algn="tl">
-                    <a:srgbClr val="000000">
-                      <a:alpha val="43137"/>
-                    </a:srgbClr>
-                  </a:outerShdw>
-                </a:effectLst>
-              </a:rPr>
-              <a:t>Part II-2: Topic Modeling</a:t>
-            </a:r>
-          </a:p>
-        </p:txBody>
-      </p:sp>
-      <p:sp>
-        <p:nvSpPr>
-          <p:cNvPr id="3" name="Textplatzhalter 2"/>
-          <p:cNvSpPr>
-            <a:spLocks noGrp="1"/>
-          </p:cNvSpPr>
-          <p:nvPr>
-            <p:ph type="body" idx="1"/>
+          <a:bodyPr>
+            <a:normAutofit/>
+          </a:bodyPr>
+          <a:lstStyle/>
+          <a:p>
+            <a:r>
+              <a:rPr lang="de-DE" b="1"/>
+              <a:t>Situation:</a:t>
+            </a:r>
+          </a:p>
+          <a:p>
+            <a:pPr lvl="1"/>
+            <a:r>
+              <a:rPr lang="de-DE"/>
+              <a:t>(Statistical) topic modeling not always producing meaningful topics</a:t>
+            </a:r>
+          </a:p>
+          <a:p>
+            <a:pPr lvl="1"/>
+            <a:r>
+              <a:rPr lang="de-DE"/>
+              <a:t>Quite some human input required still</a:t>
+            </a:r>
+          </a:p>
+          <a:p>
+            <a:pPr lvl="1"/>
+            <a:r>
+              <a:rPr lang="de-DE"/>
+              <a:t>Also, unsupervised approach not always appropriate</a:t>
+            </a:r>
+          </a:p>
+          <a:p>
+            <a:r>
+              <a:rPr lang="de-DE" b="1"/>
+              <a:t>Idea: </a:t>
+            </a:r>
+            <a:r>
+              <a:rPr lang="de-DE"/>
+              <a:t>specify keywords &amp; find related documents</a:t>
+            </a:r>
+          </a:p>
+          <a:p>
+            <a:r>
+              <a:rPr lang="de-DE" b="1"/>
+              <a:t>Approach:</a:t>
+            </a:r>
+          </a:p>
+          <a:p>
+            <a:pPr lvl="1"/>
+            <a:r>
+              <a:rPr lang="de-DE"/>
+              <a:t>Specify list of keywords.</a:t>
+            </a:r>
+          </a:p>
+          <a:p>
+            <a:pPr lvl="1"/>
+            <a:r>
+              <a:rPr lang="de-DE"/>
+              <a:t>Find similar words (both morphologically &amp; semantically).</a:t>
+            </a:r>
+          </a:p>
+          <a:p>
+            <a:pPr lvl="1"/>
+            <a:r>
+              <a:rPr lang="de-DE"/>
+              <a:t>Assign all documents using these words to the associated topic.</a:t>
+            </a:r>
+          </a:p>
+          <a:p>
+            <a:pPr lvl="1"/>
+            <a:endParaRPr lang="de-DE"/>
+          </a:p>
+          <a:p>
+            <a:pPr lvl="1"/>
+            <a:endParaRPr lang="en-US"/>
+          </a:p>
+        </p:txBody>
+      </p:sp>
+      <p:sp>
+        <p:nvSpPr>
+          <p:cNvPr id="4" name="Foliennummernplatzhalter 3"/>
+          <p:cNvSpPr>
+            <a:spLocks noGrp="1"/>
+          </p:cNvSpPr>
+          <p:nvPr>
+            <p:ph type="sldNum" sz="quarter" idx="12"/>
+          </p:nvPr>
+        </p:nvSpPr>
+        <p:spPr/>
+        <p:txBody>
+          <a:bodyPr/>
+          <a:lstStyle/>
+          <a:p>
+            <a:fld id="{C9E0B00B-E6DF-4183-A694-3DE28BEFB357}" type="slidenum">
+              <a:rPr lang="en-US" smtClean="0"/>
+              <a:t>11</a:t>
+            </a:fld>
+            <a:endParaRPr lang="en-US"/>
+          </a:p>
+        </p:txBody>
+      </p:sp>
+      <p:sp>
+        <p:nvSpPr>
+          <p:cNvPr id="12" name="Titel 1">
+            <a:extLst>
+              <a:ext uri="{FF2B5EF4-FFF2-40B4-BE49-F238E27FC236}">
+                <a16:creationId xmlns:a16="http://schemas.microsoft.com/office/drawing/2014/main" id="{478EA67A-3C39-4D0A-996A-C363F30A14B2}"/>
+              </a:ext>
+            </a:extLst>
+          </p:cNvPr>
+          <p:cNvSpPr>
+            <a:spLocks noGrp="1"/>
+          </p:cNvSpPr>
+          <p:nvPr>
+            <p:ph type="title"/>
           </p:nvPr>
         </p:nvSpPr>
         <p:spPr>
           <a:xfrm>
-            <a:off x="1066798" y="4876799"/>
-            <a:ext cx="10280651" cy="1212851"/>
+            <a:off x="1066800" y="561524"/>
+            <a:ext cx="10287000" cy="1129164"/>
           </a:xfrm>
         </p:spPr>
         <p:txBody>
@@ -3778,56 +4465,20 @@
           <a:lstStyle/>
           <a:p>
             <a:r>
-              <a:rPr lang="en-US" b="1">
-                <a:effectLst>
-                  <a:outerShdw blurRad="38100" dist="38100" dir="2700000" algn="tl">
-                    <a:srgbClr val="000000">
-                      <a:alpha val="43137"/>
-                    </a:srgbClr>
-                  </a:outerShdw>
-                </a:effectLst>
-              </a:rPr>
-              <a:t>Overview</a:t>
-            </a:r>
-            <a:endParaRPr lang="en-US" b="1" dirty="0">
-              <a:effectLst>
-                <a:outerShdw blurRad="38100" dist="38100" dir="2700000" algn="tl">
-                  <a:srgbClr val="000000">
-                    <a:alpha val="43137"/>
-                  </a:srgbClr>
-                </a:outerShdw>
-              </a:effectLst>
-            </a:endParaRPr>
-          </a:p>
-        </p:txBody>
-      </p:sp>
-      <p:sp>
-        <p:nvSpPr>
-          <p:cNvPr id="4" name="Foliennummernplatzhalter 3"/>
-          <p:cNvSpPr>
-            <a:spLocks noGrp="1"/>
-          </p:cNvSpPr>
-          <p:nvPr>
-            <p:ph type="sldNum" sz="quarter" idx="12"/>
-          </p:nvPr>
-        </p:nvSpPr>
-        <p:spPr/>
-        <p:txBody>
-          <a:bodyPr/>
-          <a:lstStyle/>
-          <a:p>
-            <a:fld id="{C9E0B00B-E6DF-4183-A694-3DE28BEFB357}" type="slidenum">
-              <a:rPr lang="en-US" smtClean="0"/>
-              <a:t>3</a:t>
-            </a:fld>
-            <a:endParaRPr lang="en-US"/>
+              <a:rPr lang="en-US"/>
+              <a:t>Keyword-Based TE  </a:t>
+            </a:r>
+            <a:r>
+              <a:rPr lang="en-US" b="1"/>
+              <a:t>Idea</a:t>
+            </a:r>
           </a:p>
         </p:txBody>
       </p:sp>
     </p:spTree>
     <p:extLst>
       <p:ext uri="{BB962C8B-B14F-4D97-AF65-F5344CB8AC3E}">
-        <p14:creationId xmlns:p14="http://schemas.microsoft.com/office/powerpoint/2010/main" val="826156543"/>
+        <p14:creationId xmlns:p14="http://schemas.microsoft.com/office/powerpoint/2010/main" val="4276507552"/>
       </p:ext>
     </p:extLst>
   </p:cSld>
@@ -3837,7 +4488,7 @@
 </p:sld>
 </file>
 
-<file path=ppt/slides/slide4.xml><?xml version="1.0" encoding="utf-8"?>
+<file path=ppt/slides/slide12.xml><?xml version="1.0" encoding="utf-8"?>
 <p:sld xmlns:a="http://schemas.openxmlformats.org/drawingml/2006/main" xmlns:r="http://schemas.openxmlformats.org/officeDocument/2006/relationships" xmlns:p="http://schemas.openxmlformats.org/presentationml/2006/main">
   <p:cSld>
     <p:spTree>
@@ -3856,7 +4507,36 @@
       </p:grpSpPr>
       <p:sp>
         <p:nvSpPr>
-          <p:cNvPr id="2" name="Titel 1"/>
+          <p:cNvPr id="4" name="Foliennummernplatzhalter 3"/>
+          <p:cNvSpPr>
+            <a:spLocks noGrp="1"/>
+          </p:cNvSpPr>
+          <p:nvPr>
+            <p:ph type="sldNum" sz="quarter" idx="12"/>
+          </p:nvPr>
+        </p:nvSpPr>
+        <p:spPr/>
+        <p:txBody>
+          <a:bodyPr/>
+          <a:lstStyle/>
+          <a:p>
+            <a:fld id="{C9E0B00B-E6DF-4183-A694-3DE28BEFB357}" type="slidenum">
+              <a:rPr lang="en-US" smtClean="0"/>
+              <a:t>12</a:t>
+            </a:fld>
+            <a:endParaRPr lang="en-US"/>
+          </a:p>
+        </p:txBody>
+      </p:sp>
+      <p:sp>
+        <p:nvSpPr>
+          <p:cNvPr id="12" name="Titel 1">
+            <a:extLst>
+              <a:ext uri="{FF2B5EF4-FFF2-40B4-BE49-F238E27FC236}">
+                <a16:creationId xmlns:a16="http://schemas.microsoft.com/office/drawing/2014/main" id="{478EA67A-3C39-4D0A-996A-C363F30A14B2}"/>
+              </a:ext>
+            </a:extLst>
+          </p:cNvPr>
           <p:cNvSpPr>
             <a:spLocks noGrp="1"/>
           </p:cNvSpPr>
@@ -3866,8 +4546,8 @@
         </p:nvSpPr>
         <p:spPr>
           <a:xfrm>
-            <a:off x="1066800" y="1990724"/>
-            <a:ext cx="10287000" cy="2886075"/>
+            <a:off x="1066800" y="561524"/>
+            <a:ext cx="10287000" cy="1129164"/>
           </a:xfrm>
         </p:spPr>
         <p:txBody>
@@ -3875,100 +4555,122 @@
           <a:lstStyle/>
           <a:p>
             <a:r>
-              <a:rPr lang="en-US" b="1">
-                <a:effectLst>
-                  <a:outerShdw blurRad="38100" dist="38100" dir="2700000" algn="tl">
-                    <a:srgbClr val="000000">
-                      <a:alpha val="43137"/>
-                    </a:srgbClr>
-                  </a:outerShdw>
-                </a:effectLst>
-              </a:rPr>
-              <a:t>Part II-2: Topic Modeling</a:t>
-            </a:r>
-            <a:endParaRPr lang="en-US">
-              <a:effectLst>
-                <a:outerShdw blurRad="38100" dist="38100" dir="2700000" algn="tl">
-                  <a:srgbClr val="000000">
-                    <a:alpha val="43137"/>
-                  </a:srgbClr>
-                </a:outerShdw>
-              </a:effectLst>
-            </a:endParaRPr>
-          </a:p>
-        </p:txBody>
-      </p:sp>
-      <p:sp>
-        <p:nvSpPr>
-          <p:cNvPr id="3" name="Textplatzhalter 2"/>
-          <p:cNvSpPr>
-            <a:spLocks noGrp="1"/>
-          </p:cNvSpPr>
-          <p:nvPr>
-            <p:ph type="body" idx="1"/>
-          </p:nvPr>
+              <a:rPr lang="en-US"/>
+              <a:t>Keyword-Based TE  </a:t>
+            </a:r>
+            <a:r>
+              <a:rPr lang="en-US" b="1"/>
+              <a:t>Approach</a:t>
+            </a:r>
+          </a:p>
+        </p:txBody>
+      </p:sp>
+      <p:sp>
+        <p:nvSpPr>
+          <p:cNvPr id="7" name="Rectangle 6">
+            <a:extLst>
+              <a:ext uri="{FF2B5EF4-FFF2-40B4-BE49-F238E27FC236}">
+                <a16:creationId xmlns:a16="http://schemas.microsoft.com/office/drawing/2014/main" id="{399D5C87-EDAB-4C4B-A55D-E6DBDD9D5ABA}"/>
+              </a:ext>
+            </a:extLst>
+          </p:cNvPr>
+          <p:cNvSpPr/>
+          <p:nvPr/>
         </p:nvSpPr>
         <p:spPr>
           <a:xfrm>
-            <a:off x="1066798" y="4876799"/>
-            <a:ext cx="10280651" cy="1212851"/>
+            <a:off x="3228976" y="1992993"/>
+            <a:ext cx="8153400" cy="2872013"/>
           </a:xfrm>
+          <a:prstGeom prst="rect">
+            <a:avLst/>
+          </a:prstGeom>
+          <a:solidFill>
+            <a:schemeClr val="bg2"/>
+          </a:solidFill>
+          <a:ln w="19050">
+            <a:solidFill>
+              <a:schemeClr val="bg2"/>
+            </a:solidFill>
+          </a:ln>
         </p:spPr>
-        <p:txBody>
-          <a:bodyPr/>
-          <a:lstStyle/>
-          <a:p>
-            <a:r>
-              <a:rPr lang="en-US" b="1">
-                <a:effectLst>
-                  <a:outerShdw blurRad="38100" dist="38100" dir="2700000" algn="tl">
-                    <a:srgbClr val="000000">
-                      <a:alpha val="43137"/>
-                    </a:srgbClr>
-                  </a:outerShdw>
-                </a:effectLst>
+        <p:style>
+          <a:lnRef idx="2">
+            <a:schemeClr val="dk1"/>
+          </a:lnRef>
+          <a:fillRef idx="1">
+            <a:schemeClr val="lt1"/>
+          </a:fillRef>
+          <a:effectRef idx="0">
+            <a:schemeClr val="dk1"/>
+          </a:effectRef>
+          <a:fontRef idx="minor">
+            <a:schemeClr val="dk1"/>
+          </a:fontRef>
+        </p:style>
+        <p:txBody>
+          <a:bodyPr rtlCol="0" anchor="ctr"/>
+          <a:lstStyle/>
+          <a:p>
+            <a:r>
+              <a:rPr lang="de-DE" sz="4000" b="1">
+                <a:solidFill>
+                  <a:schemeClr val="tx1"/>
+                </a:solidFill>
               </a:rPr>
-              <a:t>Literature and References</a:t>
-            </a:r>
-            <a:endParaRPr lang="en-US" b="1" dirty="0">
-              <a:effectLst>
-                <a:outerShdw blurRad="38100" dist="38100" dir="2700000" algn="tl">
-                  <a:srgbClr val="000000">
-                    <a:alpha val="43137"/>
-                  </a:srgbClr>
-                </a:outerShdw>
-              </a:effectLst>
+              <a:t>Demo 7: Keyword-Based TE</a:t>
+            </a:r>
+            <a:endParaRPr lang="en-US" sz="4000" b="1">
+              <a:solidFill>
+                <a:schemeClr val="tx1"/>
+              </a:solidFill>
             </a:endParaRPr>
           </a:p>
         </p:txBody>
       </p:sp>
-      <p:sp>
-        <p:nvSpPr>
-          <p:cNvPr id="4" name="Foliennummernplatzhalter 3"/>
-          <p:cNvSpPr>
-            <a:spLocks noGrp="1"/>
-          </p:cNvSpPr>
-          <p:nvPr>
-            <p:ph type="sldNum" sz="quarter" idx="12"/>
-          </p:nvPr>
-        </p:nvSpPr>
-        <p:spPr/>
-        <p:txBody>
-          <a:bodyPr/>
-          <a:lstStyle/>
-          <a:p>
-            <a:fld id="{C9E0B00B-E6DF-4183-A694-3DE28BEFB357}" type="slidenum">
-              <a:rPr lang="en-US" smtClean="0"/>
-              <a:t>4</a:t>
-            </a:fld>
-            <a:endParaRPr lang="en-US"/>
-          </a:p>
-        </p:txBody>
-      </p:sp>
+      <p:pic>
+        <p:nvPicPr>
+          <p:cNvPr id="9" name="Graphic 8" descr="Play with solid fill">
+            <a:extLst>
+              <a:ext uri="{FF2B5EF4-FFF2-40B4-BE49-F238E27FC236}">
+                <a16:creationId xmlns:a16="http://schemas.microsoft.com/office/drawing/2014/main" id="{5987626F-A389-40EE-AED1-4EC2BDAD023F}"/>
+              </a:ext>
+            </a:extLst>
+          </p:cNvPr>
+          <p:cNvPicPr>
+            <a:picLocks noChangeAspect="1"/>
+          </p:cNvPicPr>
+          <p:nvPr/>
+        </p:nvPicPr>
+        <p:blipFill>
+          <a:blip r:embed="rId3">
+            <a:extLst>
+              <a:ext uri="{28A0092B-C50C-407E-A947-70E740481C1C}">
+                <a14:useLocalDpi xmlns:a14="http://schemas.microsoft.com/office/drawing/2010/main" val="0"/>
+              </a:ext>
+              <a:ext uri="{96DAC541-7B7A-43D3-8B79-37D633B846F1}">
+                <asvg:svgBlip xmlns:asvg="http://schemas.microsoft.com/office/drawing/2016/SVG/main" r:embed="rId4"/>
+              </a:ext>
+            </a:extLst>
+          </a:blip>
+          <a:stretch>
+            <a:fillRect/>
+          </a:stretch>
+        </p:blipFill>
+        <p:spPr>
+          <a:xfrm>
+            <a:off x="923914" y="2276468"/>
+            <a:ext cx="2305062" cy="2305062"/>
+          </a:xfrm>
+          <a:prstGeom prst="rect">
+            <a:avLst/>
+          </a:prstGeom>
+        </p:spPr>
+      </p:pic>
     </p:spTree>
     <p:extLst>
       <p:ext uri="{BB962C8B-B14F-4D97-AF65-F5344CB8AC3E}">
-        <p14:creationId xmlns:p14="http://schemas.microsoft.com/office/powerpoint/2010/main" val="3483205053"/>
+        <p14:creationId xmlns:p14="http://schemas.microsoft.com/office/powerpoint/2010/main" val="3256985716"/>
       </p:ext>
     </p:extLst>
   </p:cSld>
@@ -3978,7 +4680,7 @@
 </p:sld>
 </file>
 
-<file path=ppt/slides/slide5.xml><?xml version="1.0" encoding="utf-8"?>
+<file path=ppt/slides/slide13.xml><?xml version="1.0" encoding="utf-8"?>
 <p:sld xmlns:a="http://schemas.openxmlformats.org/drawingml/2006/main" xmlns:r="http://schemas.openxmlformats.org/officeDocument/2006/relationships" xmlns:p="http://schemas.openxmlformats.org/presentationml/2006/main">
   <p:cSld>
     <p:spTree>
@@ -3997,6 +4699,147 @@
       </p:grpSpPr>
       <p:sp>
         <p:nvSpPr>
+          <p:cNvPr id="2" name="Titel 1"/>
+          <p:cNvSpPr>
+            <a:spLocks noGrp="1"/>
+          </p:cNvSpPr>
+          <p:nvPr>
+            <p:ph type="title"/>
+          </p:nvPr>
+        </p:nvSpPr>
+        <p:spPr>
+          <a:xfrm>
+            <a:off x="1066800" y="1990724"/>
+            <a:ext cx="10287000" cy="2886075"/>
+          </a:xfrm>
+        </p:spPr>
+        <p:txBody>
+          <a:bodyPr/>
+          <a:lstStyle/>
+          <a:p>
+            <a:r>
+              <a:rPr lang="en-US" b="1">
+                <a:effectLst>
+                  <a:outerShdw blurRad="38100" dist="38100" dir="2700000" algn="tl">
+                    <a:srgbClr val="000000">
+                      <a:alpha val="43137"/>
+                    </a:srgbClr>
+                  </a:outerShdw>
+                </a:effectLst>
+              </a:rPr>
+              <a:t>Part II-2: Topic Modeling</a:t>
+            </a:r>
+            <a:endParaRPr lang="en-US">
+              <a:effectLst>
+                <a:outerShdw blurRad="38100" dist="38100" dir="2700000" algn="tl">
+                  <a:srgbClr val="000000">
+                    <a:alpha val="43137"/>
+                  </a:srgbClr>
+                </a:outerShdw>
+              </a:effectLst>
+            </a:endParaRPr>
+          </a:p>
+        </p:txBody>
+      </p:sp>
+      <p:sp>
+        <p:nvSpPr>
+          <p:cNvPr id="3" name="Textplatzhalter 2"/>
+          <p:cNvSpPr>
+            <a:spLocks noGrp="1"/>
+          </p:cNvSpPr>
+          <p:nvPr>
+            <p:ph type="body" idx="1"/>
+          </p:nvPr>
+        </p:nvSpPr>
+        <p:spPr>
+          <a:xfrm>
+            <a:off x="1066798" y="4876799"/>
+            <a:ext cx="10280651" cy="1212851"/>
+          </a:xfrm>
+        </p:spPr>
+        <p:txBody>
+          <a:bodyPr/>
+          <a:lstStyle/>
+          <a:p>
+            <a:r>
+              <a:rPr lang="en-US" b="1">
+                <a:effectLst>
+                  <a:outerShdw blurRad="38100" dist="38100" dir="2700000" algn="tl">
+                    <a:srgbClr val="000000">
+                      <a:alpha val="43137"/>
+                    </a:srgbClr>
+                  </a:outerShdw>
+                </a:effectLst>
+              </a:rPr>
+              <a:t>Literature and References</a:t>
+            </a:r>
+            <a:endParaRPr lang="en-US" b="1" dirty="0">
+              <a:effectLst>
+                <a:outerShdw blurRad="38100" dist="38100" dir="2700000" algn="tl">
+                  <a:srgbClr val="000000">
+                    <a:alpha val="43137"/>
+                  </a:srgbClr>
+                </a:outerShdw>
+              </a:effectLst>
+            </a:endParaRPr>
+          </a:p>
+        </p:txBody>
+      </p:sp>
+      <p:sp>
+        <p:nvSpPr>
+          <p:cNvPr id="4" name="Foliennummernplatzhalter 3"/>
+          <p:cNvSpPr>
+            <a:spLocks noGrp="1"/>
+          </p:cNvSpPr>
+          <p:nvPr>
+            <p:ph type="sldNum" sz="quarter" idx="12"/>
+          </p:nvPr>
+        </p:nvSpPr>
+        <p:spPr/>
+        <p:txBody>
+          <a:bodyPr/>
+          <a:lstStyle/>
+          <a:p>
+            <a:fld id="{C9E0B00B-E6DF-4183-A694-3DE28BEFB357}" type="slidenum">
+              <a:rPr lang="en-US" smtClean="0"/>
+              <a:t>13</a:t>
+            </a:fld>
+            <a:endParaRPr lang="en-US"/>
+          </a:p>
+        </p:txBody>
+      </p:sp>
+    </p:spTree>
+    <p:extLst>
+      <p:ext uri="{BB962C8B-B14F-4D97-AF65-F5344CB8AC3E}">
+        <p14:creationId xmlns:p14="http://schemas.microsoft.com/office/powerpoint/2010/main" val="3483205053"/>
+      </p:ext>
+    </p:extLst>
+  </p:cSld>
+  <p:clrMapOvr>
+    <a:masterClrMapping/>
+  </p:clrMapOvr>
+</p:sld>
+</file>
+
+<file path=ppt/slides/slide14.xml><?xml version="1.0" encoding="utf-8"?>
+<p:sld xmlns:a="http://schemas.openxmlformats.org/drawingml/2006/main" xmlns:r="http://schemas.openxmlformats.org/officeDocument/2006/relationships" xmlns:p="http://schemas.openxmlformats.org/presentationml/2006/main">
+  <p:cSld>
+    <p:spTree>
+      <p:nvGrpSpPr>
+        <p:cNvPr id="1" name=""/>
+        <p:cNvGrpSpPr/>
+        <p:nvPr/>
+      </p:nvGrpSpPr>
+      <p:grpSpPr>
+        <a:xfrm>
+          <a:off x="0" y="0"/>
+          <a:ext cx="0" cy="0"/>
+          <a:chOff x="0" y="0"/>
+          <a:chExt cx="0" cy="0"/>
+        </a:xfrm>
+      </p:grpSpPr>
+      <p:sp>
+        <p:nvSpPr>
           <p:cNvPr id="3" name="Inhaltsplatzhalter 2"/>
           <p:cNvSpPr>
             <a:spLocks noGrp="1"/>
@@ -4044,7 +4887,7 @@
           <a:p>
             <a:fld id="{C9E0B00B-E6DF-4183-A694-3DE28BEFB357}" type="slidenum">
               <a:rPr lang="en-US" smtClean="0"/>
-              <a:t>5</a:t>
+              <a:t>14</a:t>
             </a:fld>
             <a:endParaRPr lang="en-US"/>
           </a:p>
@@ -4432,6 +5275,1342 @@
     <p:extLst>
       <p:ext uri="{BB962C8B-B14F-4D97-AF65-F5344CB8AC3E}">
         <p14:creationId xmlns:p14="http://schemas.microsoft.com/office/powerpoint/2010/main" val="3812680250"/>
+      </p:ext>
+    </p:extLst>
+  </p:cSld>
+  <p:clrMapOvr>
+    <a:masterClrMapping/>
+  </p:clrMapOvr>
+</p:sld>
+</file>
+
+<file path=ppt/slides/slide2.xml><?xml version="1.0" encoding="utf-8"?>
+<p:sld xmlns:a="http://schemas.openxmlformats.org/drawingml/2006/main" xmlns:r="http://schemas.openxmlformats.org/officeDocument/2006/relationships" xmlns:p="http://schemas.openxmlformats.org/presentationml/2006/main">
+  <p:cSld>
+    <p:spTree>
+      <p:nvGrpSpPr>
+        <p:cNvPr id="1" name=""/>
+        <p:cNvGrpSpPr/>
+        <p:nvPr/>
+      </p:nvGrpSpPr>
+      <p:grpSpPr>
+        <a:xfrm>
+          <a:off x="0" y="0"/>
+          <a:ext cx="0" cy="0"/>
+          <a:chOff x="0" y="0"/>
+          <a:chExt cx="0" cy="0"/>
+        </a:xfrm>
+      </p:grpSpPr>
+      <p:sp>
+        <p:nvSpPr>
+          <p:cNvPr id="2" name="Titel 1"/>
+          <p:cNvSpPr>
+            <a:spLocks noGrp="1"/>
+          </p:cNvSpPr>
+          <p:nvPr>
+            <p:ph type="title"/>
+          </p:nvPr>
+        </p:nvSpPr>
+        <p:spPr>
+          <a:xfrm>
+            <a:off x="1057274" y="552450"/>
+            <a:ext cx="10296526" cy="1138238"/>
+          </a:xfrm>
+        </p:spPr>
+        <p:txBody>
+          <a:bodyPr/>
+          <a:lstStyle/>
+          <a:p>
+            <a:r>
+              <a:rPr lang="en-US" b="1"/>
+              <a:t>Outline</a:t>
+            </a:r>
+          </a:p>
+        </p:txBody>
+      </p:sp>
+      <p:sp>
+        <p:nvSpPr>
+          <p:cNvPr id="3" name="Inhaltsplatzhalter 2"/>
+          <p:cNvSpPr>
+            <a:spLocks noGrp="1"/>
+          </p:cNvSpPr>
+          <p:nvPr>
+            <p:ph idx="1"/>
+          </p:nvPr>
+        </p:nvSpPr>
+        <p:spPr>
+          <a:xfrm>
+            <a:off x="1057274" y="1990725"/>
+            <a:ext cx="10296525" cy="4186238"/>
+          </a:xfrm>
+        </p:spPr>
+        <p:txBody>
+          <a:bodyPr>
+            <a:normAutofit/>
+          </a:bodyPr>
+          <a:lstStyle/>
+          <a:p>
+            <a:pPr marL="571500" indent="-571500">
+              <a:buFont typeface="+mj-lt"/>
+              <a:buAutoNum type="romanLcPeriod"/>
+            </a:pPr>
+            <a:r>
+              <a:rPr lang="en-US"/>
+              <a:t>Overview</a:t>
+            </a:r>
+          </a:p>
+          <a:p>
+            <a:pPr marL="571500" indent="-571500">
+              <a:buFont typeface="+mj-lt"/>
+              <a:buAutoNum type="romanLcPeriod"/>
+            </a:pPr>
+            <a:r>
+              <a:rPr lang="en-US"/>
+              <a:t>Topic Modeling Approaches</a:t>
+            </a:r>
+          </a:p>
+          <a:p>
+            <a:pPr marL="571500" indent="-571500">
+              <a:buFont typeface="+mj-lt"/>
+              <a:buAutoNum type="romanLcPeriod"/>
+            </a:pPr>
+            <a:r>
+              <a:rPr lang="en-US"/>
+              <a:t>Structural Topic Model (STM)</a:t>
+            </a:r>
+          </a:p>
+          <a:p>
+            <a:pPr marL="571500" indent="-571500">
+              <a:buFont typeface="+mj-lt"/>
+              <a:buAutoNum type="romanLcPeriod"/>
+            </a:pPr>
+            <a:r>
+              <a:rPr lang="en-US"/>
+              <a:t>Keyword-Based Topic Extraction</a:t>
+            </a:r>
+            <a:endParaRPr lang="en-US" dirty="0"/>
+          </a:p>
+        </p:txBody>
+      </p:sp>
+      <p:sp>
+        <p:nvSpPr>
+          <p:cNvPr id="4" name="Foliennummernplatzhalter 3"/>
+          <p:cNvSpPr>
+            <a:spLocks noGrp="1"/>
+          </p:cNvSpPr>
+          <p:nvPr>
+            <p:ph type="sldNum" sz="quarter" idx="12"/>
+          </p:nvPr>
+        </p:nvSpPr>
+        <p:spPr/>
+        <p:txBody>
+          <a:bodyPr/>
+          <a:lstStyle/>
+          <a:p>
+            <a:fld id="{C9E0B00B-E6DF-4183-A694-3DE28BEFB357}" type="slidenum">
+              <a:rPr lang="en-US" smtClean="0"/>
+              <a:t>2</a:t>
+            </a:fld>
+            <a:endParaRPr lang="en-US"/>
+          </a:p>
+        </p:txBody>
+      </p:sp>
+    </p:spTree>
+    <p:extLst>
+      <p:ext uri="{BB962C8B-B14F-4D97-AF65-F5344CB8AC3E}">
+        <p14:creationId xmlns:p14="http://schemas.microsoft.com/office/powerpoint/2010/main" val="1199198601"/>
+      </p:ext>
+    </p:extLst>
+  </p:cSld>
+  <p:clrMapOvr>
+    <a:masterClrMapping/>
+  </p:clrMapOvr>
+</p:sld>
+</file>
+
+<file path=ppt/slides/slide3.xml><?xml version="1.0" encoding="utf-8"?>
+<p:sld xmlns:a="http://schemas.openxmlformats.org/drawingml/2006/main" xmlns:r="http://schemas.openxmlformats.org/officeDocument/2006/relationships" xmlns:p="http://schemas.openxmlformats.org/presentationml/2006/main">
+  <p:cSld>
+    <p:spTree>
+      <p:nvGrpSpPr>
+        <p:cNvPr id="1" name=""/>
+        <p:cNvGrpSpPr/>
+        <p:nvPr/>
+      </p:nvGrpSpPr>
+      <p:grpSpPr>
+        <a:xfrm>
+          <a:off x="0" y="0"/>
+          <a:ext cx="0" cy="0"/>
+          <a:chOff x="0" y="0"/>
+          <a:chExt cx="0" cy="0"/>
+        </a:xfrm>
+      </p:grpSpPr>
+      <p:sp>
+        <p:nvSpPr>
+          <p:cNvPr id="2" name="Titel 1"/>
+          <p:cNvSpPr>
+            <a:spLocks noGrp="1"/>
+          </p:cNvSpPr>
+          <p:nvPr>
+            <p:ph type="title"/>
+          </p:nvPr>
+        </p:nvSpPr>
+        <p:spPr>
+          <a:xfrm>
+            <a:off x="1066800" y="1990724"/>
+            <a:ext cx="10287000" cy="2886075"/>
+          </a:xfrm>
+        </p:spPr>
+        <p:txBody>
+          <a:bodyPr/>
+          <a:lstStyle/>
+          <a:p>
+            <a:r>
+              <a:rPr lang="en-US" b="1">
+                <a:effectLst>
+                  <a:outerShdw blurRad="38100" dist="38100" dir="2700000" algn="tl">
+                    <a:srgbClr val="000000">
+                      <a:alpha val="43137"/>
+                    </a:srgbClr>
+                  </a:outerShdw>
+                </a:effectLst>
+              </a:rPr>
+              <a:t>Part II-2: Topic Modeling</a:t>
+            </a:r>
+          </a:p>
+        </p:txBody>
+      </p:sp>
+      <p:sp>
+        <p:nvSpPr>
+          <p:cNvPr id="3" name="Textplatzhalter 2"/>
+          <p:cNvSpPr>
+            <a:spLocks noGrp="1"/>
+          </p:cNvSpPr>
+          <p:nvPr>
+            <p:ph type="body" idx="1"/>
+          </p:nvPr>
+        </p:nvSpPr>
+        <p:spPr>
+          <a:xfrm>
+            <a:off x="1066798" y="4876799"/>
+            <a:ext cx="10280651" cy="1212851"/>
+          </a:xfrm>
+        </p:spPr>
+        <p:txBody>
+          <a:bodyPr/>
+          <a:lstStyle/>
+          <a:p>
+            <a:r>
+              <a:rPr lang="en-US" b="1">
+                <a:effectLst>
+                  <a:outerShdw blurRad="38100" dist="38100" dir="2700000" algn="tl">
+                    <a:srgbClr val="000000">
+                      <a:alpha val="43137"/>
+                    </a:srgbClr>
+                  </a:outerShdw>
+                </a:effectLst>
+              </a:rPr>
+              <a:t>Overview</a:t>
+            </a:r>
+            <a:endParaRPr lang="en-US" b="1" dirty="0">
+              <a:effectLst>
+                <a:outerShdw blurRad="38100" dist="38100" dir="2700000" algn="tl">
+                  <a:srgbClr val="000000">
+                    <a:alpha val="43137"/>
+                  </a:srgbClr>
+                </a:outerShdw>
+              </a:effectLst>
+            </a:endParaRPr>
+          </a:p>
+        </p:txBody>
+      </p:sp>
+      <p:sp>
+        <p:nvSpPr>
+          <p:cNvPr id="4" name="Foliennummernplatzhalter 3"/>
+          <p:cNvSpPr>
+            <a:spLocks noGrp="1"/>
+          </p:cNvSpPr>
+          <p:nvPr>
+            <p:ph type="sldNum" sz="quarter" idx="12"/>
+          </p:nvPr>
+        </p:nvSpPr>
+        <p:spPr/>
+        <p:txBody>
+          <a:bodyPr/>
+          <a:lstStyle/>
+          <a:p>
+            <a:fld id="{C9E0B00B-E6DF-4183-A694-3DE28BEFB357}" type="slidenum">
+              <a:rPr lang="en-US" smtClean="0"/>
+              <a:t>3</a:t>
+            </a:fld>
+            <a:endParaRPr lang="en-US"/>
+          </a:p>
+        </p:txBody>
+      </p:sp>
+    </p:spTree>
+    <p:extLst>
+      <p:ext uri="{BB962C8B-B14F-4D97-AF65-F5344CB8AC3E}">
+        <p14:creationId xmlns:p14="http://schemas.microsoft.com/office/powerpoint/2010/main" val="826156543"/>
+      </p:ext>
+    </p:extLst>
+  </p:cSld>
+  <p:clrMapOvr>
+    <a:masterClrMapping/>
+  </p:clrMapOvr>
+</p:sld>
+</file>
+
+<file path=ppt/slides/slide4.xml><?xml version="1.0" encoding="utf-8"?>
+<p:sld xmlns:a="http://schemas.openxmlformats.org/drawingml/2006/main" xmlns:r="http://schemas.openxmlformats.org/officeDocument/2006/relationships" xmlns:p="http://schemas.openxmlformats.org/presentationml/2006/main">
+  <p:cSld>
+    <p:spTree>
+      <p:nvGrpSpPr>
+        <p:cNvPr id="1" name=""/>
+        <p:cNvGrpSpPr/>
+        <p:nvPr/>
+      </p:nvGrpSpPr>
+      <p:grpSpPr>
+        <a:xfrm>
+          <a:off x="0" y="0"/>
+          <a:ext cx="0" cy="0"/>
+          <a:chOff x="0" y="0"/>
+          <a:chExt cx="0" cy="0"/>
+        </a:xfrm>
+      </p:grpSpPr>
+      <p:sp>
+        <p:nvSpPr>
+          <p:cNvPr id="7" name="Content Placeholder 2">
+            <a:extLst>
+              <a:ext uri="{FF2B5EF4-FFF2-40B4-BE49-F238E27FC236}">
+                <a16:creationId xmlns:a16="http://schemas.microsoft.com/office/drawing/2014/main" id="{0F324A9E-9392-4545-96A6-95DE3958C6B2}"/>
+              </a:ext>
+            </a:extLst>
+          </p:cNvPr>
+          <p:cNvSpPr>
+            <a:spLocks noGrp="1"/>
+          </p:cNvSpPr>
+          <p:nvPr>
+            <p:ph idx="1"/>
+          </p:nvPr>
+        </p:nvSpPr>
+        <p:spPr>
+          <a:xfrm>
+            <a:off x="1066797" y="1990725"/>
+            <a:ext cx="10287001" cy="4457700"/>
+          </a:xfrm>
+        </p:spPr>
+        <p:txBody>
+          <a:bodyPr>
+            <a:normAutofit/>
+          </a:bodyPr>
+          <a:lstStyle/>
+          <a:p>
+            <a:r>
+              <a:rPr lang="de-DE" b="1"/>
+              <a:t>G</a:t>
+            </a:r>
+            <a:r>
+              <a:rPr lang="en-US" b="1"/>
+              <a:t>oal.</a:t>
+            </a:r>
+            <a:endParaRPr lang="en-US"/>
+          </a:p>
+        </p:txBody>
+      </p:sp>
+      <p:sp>
+        <p:nvSpPr>
+          <p:cNvPr id="4" name="Foliennummernplatzhalter 3"/>
+          <p:cNvSpPr>
+            <a:spLocks noGrp="1"/>
+          </p:cNvSpPr>
+          <p:nvPr>
+            <p:ph type="sldNum" sz="quarter" idx="12"/>
+          </p:nvPr>
+        </p:nvSpPr>
+        <p:spPr/>
+        <p:txBody>
+          <a:bodyPr/>
+          <a:lstStyle/>
+          <a:p>
+            <a:fld id="{C9E0B00B-E6DF-4183-A694-3DE28BEFB357}" type="slidenum">
+              <a:rPr lang="en-US" smtClean="0"/>
+              <a:t>4</a:t>
+            </a:fld>
+            <a:endParaRPr lang="en-US"/>
+          </a:p>
+        </p:txBody>
+      </p:sp>
+      <p:sp>
+        <p:nvSpPr>
+          <p:cNvPr id="12" name="Titel 1">
+            <a:extLst>
+              <a:ext uri="{FF2B5EF4-FFF2-40B4-BE49-F238E27FC236}">
+                <a16:creationId xmlns:a16="http://schemas.microsoft.com/office/drawing/2014/main" id="{478EA67A-3C39-4D0A-996A-C363F30A14B2}"/>
+              </a:ext>
+            </a:extLst>
+          </p:cNvPr>
+          <p:cNvSpPr>
+            <a:spLocks noGrp="1"/>
+          </p:cNvSpPr>
+          <p:nvPr>
+            <p:ph type="title"/>
+          </p:nvPr>
+        </p:nvSpPr>
+        <p:spPr>
+          <a:xfrm>
+            <a:off x="1066800" y="561524"/>
+            <a:ext cx="10287000" cy="1129164"/>
+          </a:xfrm>
+        </p:spPr>
+        <p:txBody>
+          <a:bodyPr/>
+          <a:lstStyle/>
+          <a:p>
+            <a:r>
+              <a:rPr lang="en-US"/>
+              <a:t>Overview  </a:t>
+            </a:r>
+            <a:r>
+              <a:rPr lang="en-US" b="1"/>
+              <a:t>Topic Modeling Goal</a:t>
+            </a:r>
+          </a:p>
+        </p:txBody>
+      </p:sp>
+      <p:sp>
+        <p:nvSpPr>
+          <p:cNvPr id="6" name="Rectangle 5">
+            <a:extLst>
+              <a:ext uri="{FF2B5EF4-FFF2-40B4-BE49-F238E27FC236}">
+                <a16:creationId xmlns:a16="http://schemas.microsoft.com/office/drawing/2014/main" id="{D54ED021-4B71-4C90-8D2D-F3C55A355EB6}"/>
+              </a:ext>
+            </a:extLst>
+          </p:cNvPr>
+          <p:cNvSpPr/>
+          <p:nvPr/>
+        </p:nvSpPr>
+        <p:spPr>
+          <a:xfrm>
+            <a:off x="0" y="1954466"/>
+            <a:ext cx="12192000" cy="3364992"/>
+          </a:xfrm>
+          <a:prstGeom prst="rect">
+            <a:avLst/>
+          </a:prstGeom>
+        </p:spPr>
+        <p:style>
+          <a:lnRef idx="2">
+            <a:schemeClr val="accent2">
+              <a:shade val="50000"/>
+            </a:schemeClr>
+          </a:lnRef>
+          <a:fillRef idx="1">
+            <a:schemeClr val="accent2"/>
+          </a:fillRef>
+          <a:effectRef idx="0">
+            <a:schemeClr val="accent2"/>
+          </a:effectRef>
+          <a:fontRef idx="minor">
+            <a:schemeClr val="lt1"/>
+          </a:fontRef>
+        </p:style>
+        <p:txBody>
+          <a:bodyPr rtlCol="0" anchor="ctr"/>
+          <a:lstStyle/>
+          <a:p>
+            <a:pPr algn="ctr"/>
+            <a:r>
+              <a:rPr lang="de-DE"/>
+              <a:t>under construction</a:t>
+            </a:r>
+            <a:endParaRPr lang="en-US"/>
+          </a:p>
+        </p:txBody>
+      </p:sp>
+    </p:spTree>
+    <p:extLst>
+      <p:ext uri="{BB962C8B-B14F-4D97-AF65-F5344CB8AC3E}">
+        <p14:creationId xmlns:p14="http://schemas.microsoft.com/office/powerpoint/2010/main" val="519225026"/>
+      </p:ext>
+    </p:extLst>
+  </p:cSld>
+  <p:clrMapOvr>
+    <a:masterClrMapping/>
+  </p:clrMapOvr>
+</p:sld>
+</file>
+
+<file path=ppt/slides/slide5.xml><?xml version="1.0" encoding="utf-8"?>
+<p:sld xmlns:a="http://schemas.openxmlformats.org/drawingml/2006/main" xmlns:r="http://schemas.openxmlformats.org/officeDocument/2006/relationships" xmlns:p="http://schemas.openxmlformats.org/presentationml/2006/main">
+  <p:cSld>
+    <p:spTree>
+      <p:nvGrpSpPr>
+        <p:cNvPr id="1" name=""/>
+        <p:cNvGrpSpPr/>
+        <p:nvPr/>
+      </p:nvGrpSpPr>
+      <p:grpSpPr>
+        <a:xfrm>
+          <a:off x="0" y="0"/>
+          <a:ext cx="0" cy="0"/>
+          <a:chOff x="0" y="0"/>
+          <a:chExt cx="0" cy="0"/>
+        </a:xfrm>
+      </p:grpSpPr>
+      <p:sp>
+        <p:nvSpPr>
+          <p:cNvPr id="2" name="Titel 1"/>
+          <p:cNvSpPr>
+            <a:spLocks noGrp="1"/>
+          </p:cNvSpPr>
+          <p:nvPr>
+            <p:ph type="title"/>
+          </p:nvPr>
+        </p:nvSpPr>
+        <p:spPr>
+          <a:xfrm>
+            <a:off x="1066800" y="1990724"/>
+            <a:ext cx="10287000" cy="2886075"/>
+          </a:xfrm>
+        </p:spPr>
+        <p:txBody>
+          <a:bodyPr/>
+          <a:lstStyle/>
+          <a:p>
+            <a:r>
+              <a:rPr lang="en-US" b="1">
+                <a:effectLst>
+                  <a:outerShdw blurRad="38100" dist="38100" dir="2700000" algn="tl">
+                    <a:srgbClr val="000000">
+                      <a:alpha val="43137"/>
+                    </a:srgbClr>
+                  </a:outerShdw>
+                </a:effectLst>
+              </a:rPr>
+              <a:t>Part II-2: Topic Modeling</a:t>
+            </a:r>
+          </a:p>
+        </p:txBody>
+      </p:sp>
+      <p:sp>
+        <p:nvSpPr>
+          <p:cNvPr id="3" name="Textplatzhalter 2"/>
+          <p:cNvSpPr>
+            <a:spLocks noGrp="1"/>
+          </p:cNvSpPr>
+          <p:nvPr>
+            <p:ph type="body" idx="1"/>
+          </p:nvPr>
+        </p:nvSpPr>
+        <p:spPr>
+          <a:xfrm>
+            <a:off x="1066798" y="4876799"/>
+            <a:ext cx="10280651" cy="1212851"/>
+          </a:xfrm>
+        </p:spPr>
+        <p:txBody>
+          <a:bodyPr/>
+          <a:lstStyle/>
+          <a:p>
+            <a:r>
+              <a:rPr lang="en-US" b="1">
+                <a:effectLst>
+                  <a:outerShdw blurRad="38100" dist="38100" dir="2700000" algn="tl">
+                    <a:srgbClr val="000000">
+                      <a:alpha val="43137"/>
+                    </a:srgbClr>
+                  </a:outerShdw>
+                </a:effectLst>
+              </a:rPr>
+              <a:t>Topic Modeling Approaches</a:t>
+            </a:r>
+            <a:endParaRPr lang="en-US" b="1" dirty="0">
+              <a:effectLst>
+                <a:outerShdw blurRad="38100" dist="38100" dir="2700000" algn="tl">
+                  <a:srgbClr val="000000">
+                    <a:alpha val="43137"/>
+                  </a:srgbClr>
+                </a:outerShdw>
+              </a:effectLst>
+            </a:endParaRPr>
+          </a:p>
+        </p:txBody>
+      </p:sp>
+      <p:sp>
+        <p:nvSpPr>
+          <p:cNvPr id="4" name="Foliennummernplatzhalter 3"/>
+          <p:cNvSpPr>
+            <a:spLocks noGrp="1"/>
+          </p:cNvSpPr>
+          <p:nvPr>
+            <p:ph type="sldNum" sz="quarter" idx="12"/>
+          </p:nvPr>
+        </p:nvSpPr>
+        <p:spPr/>
+        <p:txBody>
+          <a:bodyPr/>
+          <a:lstStyle/>
+          <a:p>
+            <a:fld id="{C9E0B00B-E6DF-4183-A694-3DE28BEFB357}" type="slidenum">
+              <a:rPr lang="en-US" smtClean="0"/>
+              <a:t>5</a:t>
+            </a:fld>
+            <a:endParaRPr lang="en-US"/>
+          </a:p>
+        </p:txBody>
+      </p:sp>
+    </p:spTree>
+    <p:extLst>
+      <p:ext uri="{BB962C8B-B14F-4D97-AF65-F5344CB8AC3E}">
+        <p14:creationId xmlns:p14="http://schemas.microsoft.com/office/powerpoint/2010/main" val="2592975598"/>
+      </p:ext>
+    </p:extLst>
+  </p:cSld>
+  <p:clrMapOvr>
+    <a:masterClrMapping/>
+  </p:clrMapOvr>
+</p:sld>
+</file>
+
+<file path=ppt/slides/slide6.xml><?xml version="1.0" encoding="utf-8"?>
+<p:sld xmlns:a="http://schemas.openxmlformats.org/drawingml/2006/main" xmlns:r="http://schemas.openxmlformats.org/officeDocument/2006/relationships" xmlns:p="http://schemas.openxmlformats.org/presentationml/2006/main">
+  <p:cSld>
+    <p:spTree>
+      <p:nvGrpSpPr>
+        <p:cNvPr id="1" name=""/>
+        <p:cNvGrpSpPr/>
+        <p:nvPr/>
+      </p:nvGrpSpPr>
+      <p:grpSpPr>
+        <a:xfrm>
+          <a:off x="0" y="0"/>
+          <a:ext cx="0" cy="0"/>
+          <a:chOff x="0" y="0"/>
+          <a:chExt cx="0" cy="0"/>
+        </a:xfrm>
+      </p:grpSpPr>
+      <p:sp>
+        <p:nvSpPr>
+          <p:cNvPr id="7" name="Content Placeholder 2">
+            <a:extLst>
+              <a:ext uri="{FF2B5EF4-FFF2-40B4-BE49-F238E27FC236}">
+                <a16:creationId xmlns:a16="http://schemas.microsoft.com/office/drawing/2014/main" id="{0F324A9E-9392-4545-96A6-95DE3958C6B2}"/>
+              </a:ext>
+            </a:extLst>
+          </p:cNvPr>
+          <p:cNvSpPr>
+            <a:spLocks noGrp="1"/>
+          </p:cNvSpPr>
+          <p:nvPr>
+            <p:ph idx="1"/>
+          </p:nvPr>
+        </p:nvSpPr>
+        <p:spPr>
+          <a:xfrm>
+            <a:off x="1066797" y="1990725"/>
+            <a:ext cx="10287001" cy="4457700"/>
+          </a:xfrm>
+        </p:spPr>
+        <p:txBody>
+          <a:bodyPr>
+            <a:normAutofit/>
+          </a:bodyPr>
+          <a:lstStyle/>
+          <a:p>
+            <a:r>
+              <a:rPr lang="de-DE" b="1"/>
+              <a:t>G</a:t>
+            </a:r>
+            <a:r>
+              <a:rPr lang="en-US" b="1"/>
+              <a:t>oal.</a:t>
+            </a:r>
+            <a:endParaRPr lang="en-US"/>
+          </a:p>
+        </p:txBody>
+      </p:sp>
+      <p:sp>
+        <p:nvSpPr>
+          <p:cNvPr id="4" name="Foliennummernplatzhalter 3"/>
+          <p:cNvSpPr>
+            <a:spLocks noGrp="1"/>
+          </p:cNvSpPr>
+          <p:nvPr>
+            <p:ph type="sldNum" sz="quarter" idx="12"/>
+          </p:nvPr>
+        </p:nvSpPr>
+        <p:spPr/>
+        <p:txBody>
+          <a:bodyPr/>
+          <a:lstStyle/>
+          <a:p>
+            <a:fld id="{C9E0B00B-E6DF-4183-A694-3DE28BEFB357}" type="slidenum">
+              <a:rPr lang="en-US" smtClean="0"/>
+              <a:t>6</a:t>
+            </a:fld>
+            <a:endParaRPr lang="en-US"/>
+          </a:p>
+        </p:txBody>
+      </p:sp>
+      <p:sp>
+        <p:nvSpPr>
+          <p:cNvPr id="12" name="Titel 1">
+            <a:extLst>
+              <a:ext uri="{FF2B5EF4-FFF2-40B4-BE49-F238E27FC236}">
+                <a16:creationId xmlns:a16="http://schemas.microsoft.com/office/drawing/2014/main" id="{478EA67A-3C39-4D0A-996A-C363F30A14B2}"/>
+              </a:ext>
+            </a:extLst>
+          </p:cNvPr>
+          <p:cNvSpPr>
+            <a:spLocks noGrp="1"/>
+          </p:cNvSpPr>
+          <p:nvPr>
+            <p:ph type="title"/>
+          </p:nvPr>
+        </p:nvSpPr>
+        <p:spPr>
+          <a:xfrm>
+            <a:off x="1066800" y="561524"/>
+            <a:ext cx="10287000" cy="1129164"/>
+          </a:xfrm>
+        </p:spPr>
+        <p:txBody>
+          <a:bodyPr/>
+          <a:lstStyle/>
+          <a:p>
+            <a:r>
+              <a:rPr lang="en-US"/>
+              <a:t>Approaches  </a:t>
+            </a:r>
+            <a:r>
+              <a:rPr lang="en-US" b="1"/>
+              <a:t>Foooooooo</a:t>
+            </a:r>
+          </a:p>
+        </p:txBody>
+      </p:sp>
+      <p:sp>
+        <p:nvSpPr>
+          <p:cNvPr id="6" name="Rectangle 5">
+            <a:extLst>
+              <a:ext uri="{FF2B5EF4-FFF2-40B4-BE49-F238E27FC236}">
+                <a16:creationId xmlns:a16="http://schemas.microsoft.com/office/drawing/2014/main" id="{D54ED021-4B71-4C90-8D2D-F3C55A355EB6}"/>
+              </a:ext>
+            </a:extLst>
+          </p:cNvPr>
+          <p:cNvSpPr/>
+          <p:nvPr/>
+        </p:nvSpPr>
+        <p:spPr>
+          <a:xfrm>
+            <a:off x="0" y="1954466"/>
+            <a:ext cx="12192000" cy="3364992"/>
+          </a:xfrm>
+          <a:prstGeom prst="rect">
+            <a:avLst/>
+          </a:prstGeom>
+        </p:spPr>
+        <p:style>
+          <a:lnRef idx="2">
+            <a:schemeClr val="accent2">
+              <a:shade val="50000"/>
+            </a:schemeClr>
+          </a:lnRef>
+          <a:fillRef idx="1">
+            <a:schemeClr val="accent2"/>
+          </a:fillRef>
+          <a:effectRef idx="0">
+            <a:schemeClr val="accent2"/>
+          </a:effectRef>
+          <a:fontRef idx="minor">
+            <a:schemeClr val="lt1"/>
+          </a:fontRef>
+        </p:style>
+        <p:txBody>
+          <a:bodyPr rtlCol="0" anchor="ctr"/>
+          <a:lstStyle/>
+          <a:p>
+            <a:pPr algn="ctr"/>
+            <a:r>
+              <a:rPr lang="de-DE"/>
+              <a:t>under construction</a:t>
+            </a:r>
+            <a:endParaRPr lang="en-US"/>
+          </a:p>
+        </p:txBody>
+      </p:sp>
+    </p:spTree>
+    <p:extLst>
+      <p:ext uri="{BB962C8B-B14F-4D97-AF65-F5344CB8AC3E}">
+        <p14:creationId xmlns:p14="http://schemas.microsoft.com/office/powerpoint/2010/main" val="3653094653"/>
+      </p:ext>
+    </p:extLst>
+  </p:cSld>
+  <p:clrMapOvr>
+    <a:masterClrMapping/>
+  </p:clrMapOvr>
+</p:sld>
+</file>
+
+<file path=ppt/slides/slide7.xml><?xml version="1.0" encoding="utf-8"?>
+<p:sld xmlns:a="http://schemas.openxmlformats.org/drawingml/2006/main" xmlns:r="http://schemas.openxmlformats.org/officeDocument/2006/relationships" xmlns:p="http://schemas.openxmlformats.org/presentationml/2006/main">
+  <p:cSld>
+    <p:spTree>
+      <p:nvGrpSpPr>
+        <p:cNvPr id="1" name=""/>
+        <p:cNvGrpSpPr/>
+        <p:nvPr/>
+      </p:nvGrpSpPr>
+      <p:grpSpPr>
+        <a:xfrm>
+          <a:off x="0" y="0"/>
+          <a:ext cx="0" cy="0"/>
+          <a:chOff x="0" y="0"/>
+          <a:chExt cx="0" cy="0"/>
+        </a:xfrm>
+      </p:grpSpPr>
+      <p:sp>
+        <p:nvSpPr>
+          <p:cNvPr id="2" name="Titel 1"/>
+          <p:cNvSpPr>
+            <a:spLocks noGrp="1"/>
+          </p:cNvSpPr>
+          <p:nvPr>
+            <p:ph type="title"/>
+          </p:nvPr>
+        </p:nvSpPr>
+        <p:spPr>
+          <a:xfrm>
+            <a:off x="1066800" y="1990724"/>
+            <a:ext cx="10287000" cy="2886075"/>
+          </a:xfrm>
+        </p:spPr>
+        <p:txBody>
+          <a:bodyPr/>
+          <a:lstStyle/>
+          <a:p>
+            <a:r>
+              <a:rPr lang="en-US" b="1">
+                <a:effectLst>
+                  <a:outerShdw blurRad="38100" dist="38100" dir="2700000" algn="tl">
+                    <a:srgbClr val="000000">
+                      <a:alpha val="43137"/>
+                    </a:srgbClr>
+                  </a:outerShdw>
+                </a:effectLst>
+              </a:rPr>
+              <a:t>Part II-2: Topic Modeling</a:t>
+            </a:r>
+          </a:p>
+        </p:txBody>
+      </p:sp>
+      <p:sp>
+        <p:nvSpPr>
+          <p:cNvPr id="3" name="Textplatzhalter 2"/>
+          <p:cNvSpPr>
+            <a:spLocks noGrp="1"/>
+          </p:cNvSpPr>
+          <p:nvPr>
+            <p:ph type="body" idx="1"/>
+          </p:nvPr>
+        </p:nvSpPr>
+        <p:spPr>
+          <a:xfrm>
+            <a:off x="1066798" y="4876799"/>
+            <a:ext cx="10280651" cy="1212851"/>
+          </a:xfrm>
+        </p:spPr>
+        <p:txBody>
+          <a:bodyPr/>
+          <a:lstStyle/>
+          <a:p>
+            <a:r>
+              <a:rPr lang="en-US" b="1">
+                <a:effectLst>
+                  <a:outerShdw blurRad="38100" dist="38100" dir="2700000" algn="tl">
+                    <a:srgbClr val="000000">
+                      <a:alpha val="43137"/>
+                    </a:srgbClr>
+                  </a:outerShdw>
+                </a:effectLst>
+              </a:rPr>
+              <a:t>Structural Topic Model (STM)</a:t>
+            </a:r>
+            <a:endParaRPr lang="en-US" b="1" dirty="0">
+              <a:effectLst>
+                <a:outerShdw blurRad="38100" dist="38100" dir="2700000" algn="tl">
+                  <a:srgbClr val="000000">
+                    <a:alpha val="43137"/>
+                  </a:srgbClr>
+                </a:outerShdw>
+              </a:effectLst>
+            </a:endParaRPr>
+          </a:p>
+        </p:txBody>
+      </p:sp>
+      <p:sp>
+        <p:nvSpPr>
+          <p:cNvPr id="4" name="Foliennummernplatzhalter 3"/>
+          <p:cNvSpPr>
+            <a:spLocks noGrp="1"/>
+          </p:cNvSpPr>
+          <p:nvPr>
+            <p:ph type="sldNum" sz="quarter" idx="12"/>
+          </p:nvPr>
+        </p:nvSpPr>
+        <p:spPr/>
+        <p:txBody>
+          <a:bodyPr/>
+          <a:lstStyle/>
+          <a:p>
+            <a:fld id="{C9E0B00B-E6DF-4183-A694-3DE28BEFB357}" type="slidenum">
+              <a:rPr lang="en-US" smtClean="0"/>
+              <a:t>7</a:t>
+            </a:fld>
+            <a:endParaRPr lang="en-US"/>
+          </a:p>
+        </p:txBody>
+      </p:sp>
+    </p:spTree>
+    <p:extLst>
+      <p:ext uri="{BB962C8B-B14F-4D97-AF65-F5344CB8AC3E}">
+        <p14:creationId xmlns:p14="http://schemas.microsoft.com/office/powerpoint/2010/main" val="2560491301"/>
+      </p:ext>
+    </p:extLst>
+  </p:cSld>
+  <p:clrMapOvr>
+    <a:masterClrMapping/>
+  </p:clrMapOvr>
+</p:sld>
+</file>
+
+<file path=ppt/slides/slide8.xml><?xml version="1.0" encoding="utf-8"?>
+<p:sld xmlns:a="http://schemas.openxmlformats.org/drawingml/2006/main" xmlns:r="http://schemas.openxmlformats.org/officeDocument/2006/relationships" xmlns:p="http://schemas.openxmlformats.org/presentationml/2006/main">
+  <p:cSld>
+    <p:spTree>
+      <p:nvGrpSpPr>
+        <p:cNvPr id="1" name=""/>
+        <p:cNvGrpSpPr/>
+        <p:nvPr/>
+      </p:nvGrpSpPr>
+      <p:grpSpPr>
+        <a:xfrm>
+          <a:off x="0" y="0"/>
+          <a:ext cx="0" cy="0"/>
+          <a:chOff x="0" y="0"/>
+          <a:chExt cx="0" cy="0"/>
+        </a:xfrm>
+      </p:grpSpPr>
+      <p:sp>
+        <p:nvSpPr>
+          <p:cNvPr id="4" name="Foliennummernplatzhalter 3"/>
+          <p:cNvSpPr>
+            <a:spLocks noGrp="1"/>
+          </p:cNvSpPr>
+          <p:nvPr>
+            <p:ph type="sldNum" sz="quarter" idx="12"/>
+          </p:nvPr>
+        </p:nvSpPr>
+        <p:spPr/>
+        <p:txBody>
+          <a:bodyPr/>
+          <a:lstStyle/>
+          <a:p>
+            <a:fld id="{C9E0B00B-E6DF-4183-A694-3DE28BEFB357}" type="slidenum">
+              <a:rPr lang="en-US" smtClean="0"/>
+              <a:t>8</a:t>
+            </a:fld>
+            <a:endParaRPr lang="en-US"/>
+          </a:p>
+        </p:txBody>
+      </p:sp>
+      <p:sp>
+        <p:nvSpPr>
+          <p:cNvPr id="12" name="Titel 1">
+            <a:extLst>
+              <a:ext uri="{FF2B5EF4-FFF2-40B4-BE49-F238E27FC236}">
+                <a16:creationId xmlns:a16="http://schemas.microsoft.com/office/drawing/2014/main" id="{478EA67A-3C39-4D0A-996A-C363F30A14B2}"/>
+              </a:ext>
+            </a:extLst>
+          </p:cNvPr>
+          <p:cNvSpPr>
+            <a:spLocks noGrp="1"/>
+          </p:cNvSpPr>
+          <p:nvPr>
+            <p:ph type="title"/>
+          </p:nvPr>
+        </p:nvSpPr>
+        <p:spPr>
+          <a:xfrm>
+            <a:off x="1066800" y="561524"/>
+            <a:ext cx="10287000" cy="1129164"/>
+          </a:xfrm>
+        </p:spPr>
+        <p:txBody>
+          <a:bodyPr/>
+          <a:lstStyle/>
+          <a:p>
+            <a:r>
+              <a:rPr lang="en-US"/>
+              <a:t>STM  </a:t>
+            </a:r>
+            <a:r>
+              <a:rPr lang="en-US" b="1"/>
+              <a:t>Expert Talk</a:t>
+            </a:r>
+          </a:p>
+        </p:txBody>
+      </p:sp>
+      <p:sp>
+        <p:nvSpPr>
+          <p:cNvPr id="7" name="Rectangle 6">
+            <a:extLst>
+              <a:ext uri="{FF2B5EF4-FFF2-40B4-BE49-F238E27FC236}">
+                <a16:creationId xmlns:a16="http://schemas.microsoft.com/office/drawing/2014/main" id="{399D5C87-EDAB-4C4B-A55D-E6DBDD9D5ABA}"/>
+              </a:ext>
+            </a:extLst>
+          </p:cNvPr>
+          <p:cNvSpPr/>
+          <p:nvPr/>
+        </p:nvSpPr>
+        <p:spPr>
+          <a:xfrm>
+            <a:off x="3228976" y="1992993"/>
+            <a:ext cx="8153400" cy="2872013"/>
+          </a:xfrm>
+          <a:prstGeom prst="rect">
+            <a:avLst/>
+          </a:prstGeom>
+          <a:solidFill>
+            <a:schemeClr val="bg2"/>
+          </a:solidFill>
+          <a:ln w="19050">
+            <a:solidFill>
+              <a:schemeClr val="bg2"/>
+            </a:solidFill>
+          </a:ln>
+        </p:spPr>
+        <p:style>
+          <a:lnRef idx="2">
+            <a:schemeClr val="dk1"/>
+          </a:lnRef>
+          <a:fillRef idx="1">
+            <a:schemeClr val="lt1"/>
+          </a:fillRef>
+          <a:effectRef idx="0">
+            <a:schemeClr val="dk1"/>
+          </a:effectRef>
+          <a:fontRef idx="minor">
+            <a:schemeClr val="dk1"/>
+          </a:fontRef>
+        </p:style>
+        <p:txBody>
+          <a:bodyPr rtlCol="0" anchor="ctr"/>
+          <a:lstStyle/>
+          <a:p>
+            <a:r>
+              <a:rPr lang="de-DE" sz="4000" b="1">
+                <a:solidFill>
+                  <a:schemeClr val="tx1"/>
+                </a:solidFill>
+              </a:rPr>
+              <a:t>Expert Talk: STM</a:t>
+            </a:r>
+            <a:endParaRPr lang="en-US" sz="4000" b="1">
+              <a:solidFill>
+                <a:schemeClr val="tx1"/>
+              </a:solidFill>
+            </a:endParaRPr>
+          </a:p>
+        </p:txBody>
+      </p:sp>
+      <p:sp>
+        <p:nvSpPr>
+          <p:cNvPr id="2" name="TextBox 1">
+            <a:extLst>
+              <a:ext uri="{FF2B5EF4-FFF2-40B4-BE49-F238E27FC236}">
+                <a16:creationId xmlns:a16="http://schemas.microsoft.com/office/drawing/2014/main" id="{8552A58E-4C18-4E7D-A047-DD4352A79AE2}"/>
+              </a:ext>
+            </a:extLst>
+          </p:cNvPr>
+          <p:cNvSpPr txBox="1"/>
+          <p:nvPr/>
+        </p:nvSpPr>
+        <p:spPr>
+          <a:xfrm>
+            <a:off x="3228976" y="5096147"/>
+            <a:ext cx="8124824" cy="830997"/>
+          </a:xfrm>
+          <a:prstGeom prst="rect">
+            <a:avLst/>
+          </a:prstGeom>
+          <a:noFill/>
+        </p:spPr>
+        <p:txBody>
+          <a:bodyPr wrap="square" rtlCol="0">
+            <a:spAutoFit/>
+          </a:bodyPr>
+          <a:lstStyle/>
+          <a:p>
+            <a:pPr algn="l"/>
+            <a:r>
+              <a:rPr lang="de-DE" sz="2400" i="1"/>
+              <a:t>Patrick Schulze &amp; Simon Wiegrebe: </a:t>
+            </a:r>
+            <a:r>
+              <a:rPr lang="en-US" sz="2400" b="1" i="1" u="none" strike="noStrike" baseline="0">
+                <a:latin typeface="CMSS12"/>
+              </a:rPr>
+              <a:t>Twitter in the Parliament – </a:t>
+            </a:r>
+          </a:p>
+          <a:p>
+            <a:pPr algn="l"/>
+            <a:r>
+              <a:rPr lang="en-US" sz="2400" b="1" i="1" u="none" strike="noStrike" baseline="0">
+                <a:latin typeface="CMSS12"/>
+              </a:rPr>
+              <a:t>A Text-based Analysis of German Political Entities</a:t>
+            </a:r>
+            <a:endParaRPr lang="en-US" sz="2400" b="1" i="1"/>
+          </a:p>
+        </p:txBody>
+      </p:sp>
+      <p:pic>
+        <p:nvPicPr>
+          <p:cNvPr id="8" name="Graphic 7" descr="Subtitles with solid fill">
+            <a:extLst>
+              <a:ext uri="{FF2B5EF4-FFF2-40B4-BE49-F238E27FC236}">
+                <a16:creationId xmlns:a16="http://schemas.microsoft.com/office/drawing/2014/main" id="{F0E3C23E-8574-4F1B-A16B-A3822679D626}"/>
+              </a:ext>
+            </a:extLst>
+          </p:cNvPr>
+          <p:cNvPicPr>
+            <a:picLocks noChangeAspect="1"/>
+          </p:cNvPicPr>
+          <p:nvPr/>
+        </p:nvPicPr>
+        <p:blipFill>
+          <a:blip r:embed="rId3">
+            <a:extLst>
+              <a:ext uri="{28A0092B-C50C-407E-A947-70E740481C1C}">
+                <a14:useLocalDpi xmlns:a14="http://schemas.microsoft.com/office/drawing/2010/main" val="0"/>
+              </a:ext>
+              <a:ext uri="{96DAC541-7B7A-43D3-8B79-37D633B846F1}">
+                <asvg:svgBlip xmlns:asvg="http://schemas.microsoft.com/office/drawing/2016/SVG/main" r:embed="rId4"/>
+              </a:ext>
+            </a:extLst>
+          </a:blip>
+          <a:stretch>
+            <a:fillRect/>
+          </a:stretch>
+        </p:blipFill>
+        <p:spPr>
+          <a:xfrm>
+            <a:off x="1066800" y="2581546"/>
+            <a:ext cx="1990725" cy="1990725"/>
+          </a:xfrm>
+          <a:prstGeom prst="rect">
+            <a:avLst/>
+          </a:prstGeom>
+        </p:spPr>
+      </p:pic>
+    </p:spTree>
+    <p:extLst>
+      <p:ext uri="{BB962C8B-B14F-4D97-AF65-F5344CB8AC3E}">
+        <p14:creationId xmlns:p14="http://schemas.microsoft.com/office/powerpoint/2010/main" val="3327678176"/>
+      </p:ext>
+    </p:extLst>
+  </p:cSld>
+  <p:clrMapOvr>
+    <a:masterClrMapping/>
+  </p:clrMapOvr>
+</p:sld>
+</file>
+
+<file path=ppt/slides/slide9.xml><?xml version="1.0" encoding="utf-8"?>
+<p:sld xmlns:a="http://schemas.openxmlformats.org/drawingml/2006/main" xmlns:r="http://schemas.openxmlformats.org/officeDocument/2006/relationships" xmlns:p="http://schemas.openxmlformats.org/presentationml/2006/main">
+  <p:cSld>
+    <p:spTree>
+      <p:nvGrpSpPr>
+        <p:cNvPr id="1" name=""/>
+        <p:cNvGrpSpPr/>
+        <p:nvPr/>
+      </p:nvGrpSpPr>
+      <p:grpSpPr>
+        <a:xfrm>
+          <a:off x="0" y="0"/>
+          <a:ext cx="0" cy="0"/>
+          <a:chOff x="0" y="0"/>
+          <a:chExt cx="0" cy="0"/>
+        </a:xfrm>
+      </p:grpSpPr>
+      <p:sp>
+        <p:nvSpPr>
+          <p:cNvPr id="4" name="Foliennummernplatzhalter 3"/>
+          <p:cNvSpPr>
+            <a:spLocks noGrp="1"/>
+          </p:cNvSpPr>
+          <p:nvPr>
+            <p:ph type="sldNum" sz="quarter" idx="12"/>
+          </p:nvPr>
+        </p:nvSpPr>
+        <p:spPr/>
+        <p:txBody>
+          <a:bodyPr/>
+          <a:lstStyle/>
+          <a:p>
+            <a:fld id="{C9E0B00B-E6DF-4183-A694-3DE28BEFB357}" type="slidenum">
+              <a:rPr lang="en-US" smtClean="0"/>
+              <a:t>9</a:t>
+            </a:fld>
+            <a:endParaRPr lang="en-US"/>
+          </a:p>
+        </p:txBody>
+      </p:sp>
+      <p:sp>
+        <p:nvSpPr>
+          <p:cNvPr id="12" name="Titel 1">
+            <a:extLst>
+              <a:ext uri="{FF2B5EF4-FFF2-40B4-BE49-F238E27FC236}">
+                <a16:creationId xmlns:a16="http://schemas.microsoft.com/office/drawing/2014/main" id="{478EA67A-3C39-4D0A-996A-C363F30A14B2}"/>
+              </a:ext>
+            </a:extLst>
+          </p:cNvPr>
+          <p:cNvSpPr>
+            <a:spLocks noGrp="1"/>
+          </p:cNvSpPr>
+          <p:nvPr>
+            <p:ph type="title"/>
+          </p:nvPr>
+        </p:nvSpPr>
+        <p:spPr>
+          <a:xfrm>
+            <a:off x="1066800" y="561524"/>
+            <a:ext cx="10287000" cy="1129164"/>
+          </a:xfrm>
+        </p:spPr>
+        <p:txBody>
+          <a:bodyPr/>
+          <a:lstStyle/>
+          <a:p>
+            <a:r>
+              <a:rPr lang="en-US"/>
+              <a:t>STM  </a:t>
+            </a:r>
+            <a:r>
+              <a:rPr lang="en-US" b="1"/>
+              <a:t>Exercise</a:t>
+            </a:r>
+          </a:p>
+        </p:txBody>
+      </p:sp>
+      <p:sp>
+        <p:nvSpPr>
+          <p:cNvPr id="7" name="Rectangle 6">
+            <a:extLst>
+              <a:ext uri="{FF2B5EF4-FFF2-40B4-BE49-F238E27FC236}">
+                <a16:creationId xmlns:a16="http://schemas.microsoft.com/office/drawing/2014/main" id="{399D5C87-EDAB-4C4B-A55D-E6DBDD9D5ABA}"/>
+              </a:ext>
+            </a:extLst>
+          </p:cNvPr>
+          <p:cNvSpPr/>
+          <p:nvPr/>
+        </p:nvSpPr>
+        <p:spPr>
+          <a:xfrm>
+            <a:off x="3228976" y="1992993"/>
+            <a:ext cx="8153400" cy="2872013"/>
+          </a:xfrm>
+          <a:prstGeom prst="rect">
+            <a:avLst/>
+          </a:prstGeom>
+          <a:solidFill>
+            <a:schemeClr val="bg2"/>
+          </a:solidFill>
+          <a:ln w="19050">
+            <a:solidFill>
+              <a:schemeClr val="bg2"/>
+            </a:solidFill>
+          </a:ln>
+        </p:spPr>
+        <p:style>
+          <a:lnRef idx="2">
+            <a:schemeClr val="dk1"/>
+          </a:lnRef>
+          <a:fillRef idx="1">
+            <a:schemeClr val="lt1"/>
+          </a:fillRef>
+          <a:effectRef idx="0">
+            <a:schemeClr val="dk1"/>
+          </a:effectRef>
+          <a:fontRef idx="minor">
+            <a:schemeClr val="dk1"/>
+          </a:fontRef>
+        </p:style>
+        <p:txBody>
+          <a:bodyPr rtlCol="0" anchor="ctr"/>
+          <a:lstStyle/>
+          <a:p>
+            <a:r>
+              <a:rPr lang="de-DE" sz="4000" b="1">
+                <a:solidFill>
+                  <a:schemeClr val="tx1"/>
+                </a:solidFill>
+              </a:rPr>
+              <a:t>Exercise 4: Analyzing Topics</a:t>
+            </a:r>
+            <a:endParaRPr lang="en-US" sz="4000" b="1">
+              <a:solidFill>
+                <a:schemeClr val="tx1"/>
+              </a:solidFill>
+            </a:endParaRPr>
+          </a:p>
+        </p:txBody>
+      </p:sp>
+      <p:pic>
+        <p:nvPicPr>
+          <p:cNvPr id="6" name="Graphic 5" descr="Game controller with solid fill">
+            <a:extLst>
+              <a:ext uri="{FF2B5EF4-FFF2-40B4-BE49-F238E27FC236}">
+                <a16:creationId xmlns:a16="http://schemas.microsoft.com/office/drawing/2014/main" id="{9AA4C070-CDB8-4FC2-A154-5F8CF4DAF93A}"/>
+              </a:ext>
+            </a:extLst>
+          </p:cNvPr>
+          <p:cNvPicPr>
+            <a:picLocks noChangeAspect="1"/>
+          </p:cNvPicPr>
+          <p:nvPr/>
+        </p:nvPicPr>
+        <p:blipFill>
+          <a:blip r:embed="rId3">
+            <a:extLst>
+              <a:ext uri="{28A0092B-C50C-407E-A947-70E740481C1C}">
+                <a14:useLocalDpi xmlns:a14="http://schemas.microsoft.com/office/drawing/2010/main" val="0"/>
+              </a:ext>
+              <a:ext uri="{96DAC541-7B7A-43D3-8B79-37D633B846F1}">
+                <asvg:svgBlip xmlns:asvg="http://schemas.microsoft.com/office/drawing/2016/SVG/main" r:embed="rId4"/>
+              </a:ext>
+            </a:extLst>
+          </a:blip>
+          <a:stretch>
+            <a:fillRect/>
+          </a:stretch>
+        </p:blipFill>
+        <p:spPr>
+          <a:xfrm>
+            <a:off x="1066800" y="2481284"/>
+            <a:ext cx="1894360" cy="1895432"/>
+          </a:xfrm>
+          <a:prstGeom prst="rect">
+            <a:avLst/>
+          </a:prstGeom>
+        </p:spPr>
+      </p:pic>
+    </p:spTree>
+    <p:extLst>
+      <p:ext uri="{BB962C8B-B14F-4D97-AF65-F5344CB8AC3E}">
+        <p14:creationId xmlns:p14="http://schemas.microsoft.com/office/powerpoint/2010/main" val="1190508300"/>
       </p:ext>
     </p:extLst>
   </p:cSld>

--- a/5_seminar/Contents_Part_02/slides/slides_II_2.pptx
+++ b/5_seminar/Contents_Part_02/slides/slides_II_2.pptx
@@ -5,7 +5,7 @@
     <p:sldMasterId id="2147483648" r:id="rId1"/>
   </p:sldMasterIdLst>
   <p:notesMasterIdLst>
-    <p:notesMasterId r:id="rId16"/>
+    <p:notesMasterId r:id="rId17"/>
   </p:notesMasterIdLst>
   <p:sldIdLst>
     <p:sldId id="303" r:id="rId2"/>
@@ -16,12 +16,13 @@
     <p:sldId id="347" r:id="rId7"/>
     <p:sldId id="333" r:id="rId8"/>
     <p:sldId id="311" r:id="rId9"/>
-    <p:sldId id="336" r:id="rId10"/>
-    <p:sldId id="334" r:id="rId11"/>
-    <p:sldId id="348" r:id="rId12"/>
-    <p:sldId id="335" r:id="rId13"/>
-    <p:sldId id="331" r:id="rId14"/>
-    <p:sldId id="274" r:id="rId15"/>
+    <p:sldId id="349" r:id="rId10"/>
+    <p:sldId id="336" r:id="rId11"/>
+    <p:sldId id="334" r:id="rId12"/>
+    <p:sldId id="348" r:id="rId13"/>
+    <p:sldId id="335" r:id="rId14"/>
+    <p:sldId id="331" r:id="rId15"/>
+    <p:sldId id="274" r:id="rId16"/>
   </p:sldIdLst>
   <p:sldSz cx="12192000" cy="6858000"/>
   <p:notesSz cx="6858000" cy="9144000"/>
@@ -956,7 +957,7 @@
     </p:spTree>
     <p:extLst>
       <p:ext uri="{BB962C8B-B14F-4D97-AF65-F5344CB8AC3E}">
-        <p14:creationId xmlns:p14="http://schemas.microsoft.com/office/powerpoint/2010/main" val="4272284150"/>
+        <p14:creationId xmlns:p14="http://schemas.microsoft.com/office/powerpoint/2010/main" val="244738309"/>
       </p:ext>
     </p:extLst>
   </p:cSld>
@@ -1048,7 +1049,7 @@
           <a:p>
             <a:fld id="{20A41429-B750-4047-B563-2878417A70E7}" type="slidenum">
               <a:rPr lang="en-US" smtClean="0"/>
-              <a:t>11</a:t>
+              <a:t>10</a:t>
             </a:fld>
             <a:endParaRPr lang="en-US"/>
           </a:p>
@@ -1057,7 +1058,7 @@
     </p:spTree>
     <p:extLst>
       <p:ext uri="{BB962C8B-B14F-4D97-AF65-F5344CB8AC3E}">
-        <p14:creationId xmlns:p14="http://schemas.microsoft.com/office/powerpoint/2010/main" val="2003840370"/>
+        <p14:creationId xmlns:p14="http://schemas.microsoft.com/office/powerpoint/2010/main" val="4272284150"/>
       </p:ext>
     </p:extLst>
   </p:cSld>
@@ -1150,6 +1151,107 @@
             <a:fld id="{20A41429-B750-4047-B563-2878417A70E7}" type="slidenum">
               <a:rPr lang="en-US" smtClean="0"/>
               <a:t>12</a:t>
+            </a:fld>
+            <a:endParaRPr lang="en-US"/>
+          </a:p>
+        </p:txBody>
+      </p:sp>
+    </p:spTree>
+    <p:extLst>
+      <p:ext uri="{BB962C8B-B14F-4D97-AF65-F5344CB8AC3E}">
+        <p14:creationId xmlns:p14="http://schemas.microsoft.com/office/powerpoint/2010/main" val="2003840370"/>
+      </p:ext>
+    </p:extLst>
+  </p:cSld>
+  <p:clrMapOvr>
+    <a:masterClrMapping/>
+  </p:clrMapOvr>
+</p:notes>
+</file>
+
+<file path=ppt/notesSlides/notesSlide8.xml><?xml version="1.0" encoding="utf-8"?>
+<p:notes xmlns:a="http://schemas.openxmlformats.org/drawingml/2006/main" xmlns:r="http://schemas.openxmlformats.org/officeDocument/2006/relationships" xmlns:p="http://schemas.openxmlformats.org/presentationml/2006/main">
+  <p:cSld>
+    <p:spTree>
+      <p:nvGrpSpPr>
+        <p:cNvPr id="1" name=""/>
+        <p:cNvGrpSpPr/>
+        <p:nvPr/>
+      </p:nvGrpSpPr>
+      <p:grpSpPr>
+        <a:xfrm>
+          <a:off x="0" y="0"/>
+          <a:ext cx="0" cy="0"/>
+          <a:chOff x="0" y="0"/>
+          <a:chExt cx="0" cy="0"/>
+        </a:xfrm>
+      </p:grpSpPr>
+      <p:sp>
+        <p:nvSpPr>
+          <p:cNvPr id="2" name="Folienbildplatzhalter 1"/>
+          <p:cNvSpPr>
+            <a:spLocks noGrp="1" noRot="1" noChangeAspect="1"/>
+          </p:cNvSpPr>
+          <p:nvPr>
+            <p:ph type="sldImg"/>
+          </p:nvPr>
+        </p:nvSpPr>
+        <p:spPr/>
+      </p:sp>
+      <p:sp>
+        <p:nvSpPr>
+          <p:cNvPr id="3" name="Notizenplatzhalter 2"/>
+          <p:cNvSpPr>
+            <a:spLocks noGrp="1"/>
+          </p:cNvSpPr>
+          <p:nvPr>
+            <p:ph type="body" idx="1"/>
+          </p:nvPr>
+        </p:nvSpPr>
+        <p:spPr/>
+        <p:txBody>
+          <a:bodyPr/>
+          <a:lstStyle/>
+          <a:p>
+            <a:pPr marL="0" marR="0" lvl="0" indent="0" algn="l" defTabSz="914400" rtl="0" eaLnBrk="1" fontAlgn="auto" latinLnBrk="0" hangingPunct="1">
+              <a:lnSpc>
+                <a:spcPct val="100000"/>
+              </a:lnSpc>
+              <a:spcBef>
+                <a:spcPts val="0"/>
+              </a:spcBef>
+              <a:spcAft>
+                <a:spcPts val="0"/>
+              </a:spcAft>
+              <a:buClrTx/>
+              <a:buSzTx/>
+              <a:buFontTx/>
+              <a:buNone/>
+              <a:tabLst/>
+              <a:defRPr/>
+            </a:pPr>
+            <a:endParaRPr lang="en-US" b="1"/>
+          </a:p>
+        </p:txBody>
+      </p:sp>
+      <p:sp>
+        <p:nvSpPr>
+          <p:cNvPr id="4" name="Foliennummernplatzhalter 3"/>
+          <p:cNvSpPr>
+            <a:spLocks noGrp="1"/>
+          </p:cNvSpPr>
+          <p:nvPr>
+            <p:ph type="sldNum" sz="quarter" idx="10"/>
+          </p:nvPr>
+        </p:nvSpPr>
+        <p:spPr/>
+        <p:txBody>
+          <a:bodyPr/>
+          <a:lstStyle/>
+          <a:p>
+            <a:fld id="{20A41429-B750-4047-B563-2878417A70E7}" type="slidenum">
+              <a:rPr lang="en-US" smtClean="0"/>
+              <a:t>13</a:t>
             </a:fld>
             <a:endParaRPr lang="en-US"/>
           </a:p>
@@ -4193,76 +4295,6 @@
       </p:grpSpPr>
       <p:sp>
         <p:nvSpPr>
-          <p:cNvPr id="2" name="Titel 1"/>
-          <p:cNvSpPr>
-            <a:spLocks noGrp="1"/>
-          </p:cNvSpPr>
-          <p:nvPr>
-            <p:ph type="title"/>
-          </p:nvPr>
-        </p:nvSpPr>
-        <p:spPr>
-          <a:xfrm>
-            <a:off x="1066800" y="1990724"/>
-            <a:ext cx="10287000" cy="2886075"/>
-          </a:xfrm>
-        </p:spPr>
-        <p:txBody>
-          <a:bodyPr/>
-          <a:lstStyle/>
-          <a:p>
-            <a:r>
-              <a:rPr lang="en-US" b="1">
-                <a:effectLst>
-                  <a:outerShdw blurRad="38100" dist="38100" dir="2700000" algn="tl">
-                    <a:srgbClr val="000000">
-                      <a:alpha val="43137"/>
-                    </a:srgbClr>
-                  </a:outerShdw>
-                </a:effectLst>
-              </a:rPr>
-              <a:t>Part II-2: Topic Modeling</a:t>
-            </a:r>
-          </a:p>
-        </p:txBody>
-      </p:sp>
-      <p:sp>
-        <p:nvSpPr>
-          <p:cNvPr id="3" name="Textplatzhalter 2"/>
-          <p:cNvSpPr>
-            <a:spLocks noGrp="1"/>
-          </p:cNvSpPr>
-          <p:nvPr>
-            <p:ph type="body" idx="1"/>
-          </p:nvPr>
-        </p:nvSpPr>
-        <p:spPr>
-          <a:xfrm>
-            <a:off x="1066798" y="4876799"/>
-            <a:ext cx="10280651" cy="1212851"/>
-          </a:xfrm>
-        </p:spPr>
-        <p:txBody>
-          <a:bodyPr/>
-          <a:lstStyle/>
-          <a:p>
-            <a:r>
-              <a:rPr lang="en-US" b="1">
-                <a:effectLst>
-                  <a:outerShdw blurRad="38100" dist="38100" dir="2700000" algn="tl">
-                    <a:srgbClr val="000000">
-                      <a:alpha val="43137"/>
-                    </a:srgbClr>
-                  </a:outerShdw>
-                </a:effectLst>
-              </a:rPr>
-              <a:t>Keyword-Based Topic Extraction</a:t>
-            </a:r>
-          </a:p>
-        </p:txBody>
-      </p:sp>
-      <p:sp>
-        <p:nvSpPr>
           <p:cNvPr id="4" name="Foliennummernplatzhalter 3"/>
           <p:cNvSpPr>
             <a:spLocks noGrp="1"/>
@@ -4279,160 +4311,6 @@
             <a:fld id="{C9E0B00B-E6DF-4183-A694-3DE28BEFB357}" type="slidenum">
               <a:rPr lang="en-US" smtClean="0"/>
               <a:t>10</a:t>
-            </a:fld>
-            <a:endParaRPr lang="en-US"/>
-          </a:p>
-        </p:txBody>
-      </p:sp>
-    </p:spTree>
-    <p:extLst>
-      <p:ext uri="{BB962C8B-B14F-4D97-AF65-F5344CB8AC3E}">
-        <p14:creationId xmlns:p14="http://schemas.microsoft.com/office/powerpoint/2010/main" val="3502335047"/>
-      </p:ext>
-    </p:extLst>
-  </p:cSld>
-  <p:clrMapOvr>
-    <a:masterClrMapping/>
-  </p:clrMapOvr>
-</p:sld>
-</file>
-
-<file path=ppt/slides/slide11.xml><?xml version="1.0" encoding="utf-8"?>
-<p:sld xmlns:a="http://schemas.openxmlformats.org/drawingml/2006/main" xmlns:r="http://schemas.openxmlformats.org/officeDocument/2006/relationships" xmlns:p="http://schemas.openxmlformats.org/presentationml/2006/main">
-  <p:cSld>
-    <p:spTree>
-      <p:nvGrpSpPr>
-        <p:cNvPr id="1" name=""/>
-        <p:cNvGrpSpPr/>
-        <p:nvPr/>
-      </p:nvGrpSpPr>
-      <p:grpSpPr>
-        <a:xfrm>
-          <a:off x="0" y="0"/>
-          <a:ext cx="0" cy="0"/>
-          <a:chOff x="0" y="0"/>
-          <a:chExt cx="0" cy="0"/>
-        </a:xfrm>
-      </p:grpSpPr>
-      <p:sp>
-        <p:nvSpPr>
-          <p:cNvPr id="7" name="Content Placeholder 2">
-            <a:extLst>
-              <a:ext uri="{FF2B5EF4-FFF2-40B4-BE49-F238E27FC236}">
-                <a16:creationId xmlns:a16="http://schemas.microsoft.com/office/drawing/2014/main" id="{0F324A9E-9392-4545-96A6-95DE3958C6B2}"/>
-              </a:ext>
-            </a:extLst>
-          </p:cNvPr>
-          <p:cNvSpPr>
-            <a:spLocks noGrp="1"/>
-          </p:cNvSpPr>
-          <p:nvPr>
-            <p:ph idx="1"/>
-          </p:nvPr>
-        </p:nvSpPr>
-        <p:spPr>
-          <a:xfrm>
-            <a:off x="1066797" y="1990725"/>
-            <a:ext cx="10287001" cy="4457700"/>
-          </a:xfrm>
-        </p:spPr>
-        <p:txBody>
-          <a:bodyPr>
-            <a:normAutofit/>
-          </a:bodyPr>
-          <a:lstStyle/>
-          <a:p>
-            <a:r>
-              <a:rPr lang="de-DE" b="1"/>
-              <a:t>Situation:</a:t>
-            </a:r>
-          </a:p>
-          <a:p>
-            <a:pPr lvl="1"/>
-            <a:r>
-              <a:rPr lang="de-DE"/>
-              <a:t>(Statistical) topic modeling not always producing meaningful topics</a:t>
-            </a:r>
-          </a:p>
-          <a:p>
-            <a:pPr lvl="1"/>
-            <a:r>
-              <a:rPr lang="de-DE"/>
-              <a:t>Quite some human input required still</a:t>
-            </a:r>
-          </a:p>
-          <a:p>
-            <a:pPr lvl="1"/>
-            <a:r>
-              <a:rPr lang="de-DE"/>
-              <a:t>Also, unsupervised approach not always appropriate</a:t>
-            </a:r>
-          </a:p>
-          <a:p>
-            <a:r>
-              <a:rPr lang="de-DE" b="1"/>
-              <a:t>Idea: </a:t>
-            </a:r>
-            <a:r>
-              <a:rPr lang="de-DE"/>
-              <a:t>specify keywords &amp; find related documents</a:t>
-            </a:r>
-          </a:p>
-          <a:p>
-            <a:r>
-              <a:rPr lang="de-DE" b="1"/>
-              <a:t>Approach:</a:t>
-            </a:r>
-          </a:p>
-          <a:p>
-            <a:pPr lvl="1"/>
-            <a:r>
-              <a:rPr lang="de-DE"/>
-              <a:t>Specify list of keywords.</a:t>
-            </a:r>
-          </a:p>
-          <a:p>
-            <a:pPr lvl="1"/>
-            <a:r>
-              <a:rPr lang="de-DE"/>
-              <a:t>Find similar words (both morphologically &amp; semantically).</a:t>
-            </a:r>
-          </a:p>
-          <a:p>
-            <a:pPr lvl="1"/>
-            <a:r>
-              <a:rPr lang="de-DE"/>
-              <a:t>Assign all documents using these words to the associated topic.</a:t>
-            </a:r>
-          </a:p>
-          <a:p>
-            <a:pPr lvl="1"/>
-            <a:endParaRPr lang="de-DE"/>
-          </a:p>
-          <a:p>
-            <a:pPr lvl="1"/>
-            <a:endParaRPr lang="en-US"/>
-          </a:p>
-        </p:txBody>
-      </p:sp>
-      <p:sp>
-        <p:nvSpPr>
-          <p:cNvPr id="4" name="Foliennummernplatzhalter 3"/>
-          <p:cNvSpPr>
-            <a:spLocks noGrp="1"/>
-          </p:cNvSpPr>
-          <p:nvPr>
-            <p:ph type="sldNum" sz="quarter" idx="12"/>
-          </p:nvPr>
-        </p:nvSpPr>
-        <p:spPr/>
-        <p:txBody>
-          <a:bodyPr/>
-          <a:lstStyle/>
-          <a:p>
-            <a:fld id="{C9E0B00B-E6DF-4183-A694-3DE28BEFB357}" type="slidenum">
-              <a:rPr lang="en-US" smtClean="0"/>
-              <a:t>11</a:t>
             </a:fld>
             <a:endParaRPr lang="en-US"/>
           </a:p>
@@ -4466,101 +4344,11 @@
           <a:p>
             <a:r>
               <a:rPr lang="en-US"/>
-              <a:t>Keyword-Based TE  </a:t>
+              <a:t>STM  </a:t>
             </a:r>
             <a:r>
               <a:rPr lang="en-US" b="1"/>
-              <a:t>Idea</a:t>
-            </a:r>
-          </a:p>
-        </p:txBody>
-      </p:sp>
-    </p:spTree>
-    <p:extLst>
-      <p:ext uri="{BB962C8B-B14F-4D97-AF65-F5344CB8AC3E}">
-        <p14:creationId xmlns:p14="http://schemas.microsoft.com/office/powerpoint/2010/main" val="4276507552"/>
-      </p:ext>
-    </p:extLst>
-  </p:cSld>
-  <p:clrMapOvr>
-    <a:masterClrMapping/>
-  </p:clrMapOvr>
-</p:sld>
-</file>
-
-<file path=ppt/slides/slide12.xml><?xml version="1.0" encoding="utf-8"?>
-<p:sld xmlns:a="http://schemas.openxmlformats.org/drawingml/2006/main" xmlns:r="http://schemas.openxmlformats.org/officeDocument/2006/relationships" xmlns:p="http://schemas.openxmlformats.org/presentationml/2006/main">
-  <p:cSld>
-    <p:spTree>
-      <p:nvGrpSpPr>
-        <p:cNvPr id="1" name=""/>
-        <p:cNvGrpSpPr/>
-        <p:nvPr/>
-      </p:nvGrpSpPr>
-      <p:grpSpPr>
-        <a:xfrm>
-          <a:off x="0" y="0"/>
-          <a:ext cx="0" cy="0"/>
-          <a:chOff x="0" y="0"/>
-          <a:chExt cx="0" cy="0"/>
-        </a:xfrm>
-      </p:grpSpPr>
-      <p:sp>
-        <p:nvSpPr>
-          <p:cNvPr id="4" name="Foliennummernplatzhalter 3"/>
-          <p:cNvSpPr>
-            <a:spLocks noGrp="1"/>
-          </p:cNvSpPr>
-          <p:nvPr>
-            <p:ph type="sldNum" sz="quarter" idx="12"/>
-          </p:nvPr>
-        </p:nvSpPr>
-        <p:spPr/>
-        <p:txBody>
-          <a:bodyPr/>
-          <a:lstStyle/>
-          <a:p>
-            <a:fld id="{C9E0B00B-E6DF-4183-A694-3DE28BEFB357}" type="slidenum">
-              <a:rPr lang="en-US" smtClean="0"/>
-              <a:t>12</a:t>
-            </a:fld>
-            <a:endParaRPr lang="en-US"/>
-          </a:p>
-        </p:txBody>
-      </p:sp>
-      <p:sp>
-        <p:nvSpPr>
-          <p:cNvPr id="12" name="Titel 1">
-            <a:extLst>
-              <a:ext uri="{FF2B5EF4-FFF2-40B4-BE49-F238E27FC236}">
-                <a16:creationId xmlns:a16="http://schemas.microsoft.com/office/drawing/2014/main" id="{478EA67A-3C39-4D0A-996A-C363F30A14B2}"/>
-              </a:ext>
-            </a:extLst>
-          </p:cNvPr>
-          <p:cNvSpPr>
-            <a:spLocks noGrp="1"/>
-          </p:cNvSpPr>
-          <p:nvPr>
-            <p:ph type="title"/>
-          </p:nvPr>
-        </p:nvSpPr>
-        <p:spPr>
-          <a:xfrm>
-            <a:off x="1066800" y="561524"/>
-            <a:ext cx="10287000" cy="1129164"/>
-          </a:xfrm>
-        </p:spPr>
-        <p:txBody>
-          <a:bodyPr/>
-          <a:lstStyle/>
-          <a:p>
-            <a:r>
-              <a:rPr lang="en-US"/>
-              <a:t>Keyword-Based TE  </a:t>
-            </a:r>
-            <a:r>
-              <a:rPr lang="en-US" b="1"/>
-              <a:t>Approach</a:t>
+              <a:t>Exercise</a:t>
             </a:r>
           </a:p>
         </p:txBody>
@@ -4618,7 +4406,513 @@
                   <a:schemeClr val="tx1"/>
                 </a:solidFill>
               </a:rPr>
-              <a:t>Demo 7: Keyword-Based TE</a:t>
+              <a:t>Exercise 4: Analyzing Topics</a:t>
+            </a:r>
+            <a:endParaRPr lang="en-US" sz="4000" b="1">
+              <a:solidFill>
+                <a:schemeClr val="tx1"/>
+              </a:solidFill>
+            </a:endParaRPr>
+          </a:p>
+        </p:txBody>
+      </p:sp>
+      <p:pic>
+        <p:nvPicPr>
+          <p:cNvPr id="6" name="Graphic 5" descr="Game controller with solid fill">
+            <a:extLst>
+              <a:ext uri="{FF2B5EF4-FFF2-40B4-BE49-F238E27FC236}">
+                <a16:creationId xmlns:a16="http://schemas.microsoft.com/office/drawing/2014/main" id="{9AA4C070-CDB8-4FC2-A154-5F8CF4DAF93A}"/>
+              </a:ext>
+            </a:extLst>
+          </p:cNvPr>
+          <p:cNvPicPr>
+            <a:picLocks noChangeAspect="1"/>
+          </p:cNvPicPr>
+          <p:nvPr/>
+        </p:nvPicPr>
+        <p:blipFill>
+          <a:blip r:embed="rId3">
+            <a:extLst>
+              <a:ext uri="{28A0092B-C50C-407E-A947-70E740481C1C}">
+                <a14:useLocalDpi xmlns:a14="http://schemas.microsoft.com/office/drawing/2010/main" val="0"/>
+              </a:ext>
+              <a:ext uri="{96DAC541-7B7A-43D3-8B79-37D633B846F1}">
+                <asvg:svgBlip xmlns:asvg="http://schemas.microsoft.com/office/drawing/2016/SVG/main" r:embed="rId4"/>
+              </a:ext>
+            </a:extLst>
+          </a:blip>
+          <a:stretch>
+            <a:fillRect/>
+          </a:stretch>
+        </p:blipFill>
+        <p:spPr>
+          <a:xfrm>
+            <a:off x="1066800" y="2481284"/>
+            <a:ext cx="1894360" cy="1895432"/>
+          </a:xfrm>
+          <a:prstGeom prst="rect">
+            <a:avLst/>
+          </a:prstGeom>
+        </p:spPr>
+      </p:pic>
+    </p:spTree>
+    <p:extLst>
+      <p:ext uri="{BB962C8B-B14F-4D97-AF65-F5344CB8AC3E}">
+        <p14:creationId xmlns:p14="http://schemas.microsoft.com/office/powerpoint/2010/main" val="1190508300"/>
+      </p:ext>
+    </p:extLst>
+  </p:cSld>
+  <p:clrMapOvr>
+    <a:masterClrMapping/>
+  </p:clrMapOvr>
+</p:sld>
+</file>
+
+<file path=ppt/slides/slide11.xml><?xml version="1.0" encoding="utf-8"?>
+<p:sld xmlns:a="http://schemas.openxmlformats.org/drawingml/2006/main" xmlns:r="http://schemas.openxmlformats.org/officeDocument/2006/relationships" xmlns:p="http://schemas.openxmlformats.org/presentationml/2006/main">
+  <p:cSld>
+    <p:spTree>
+      <p:nvGrpSpPr>
+        <p:cNvPr id="1" name=""/>
+        <p:cNvGrpSpPr/>
+        <p:nvPr/>
+      </p:nvGrpSpPr>
+      <p:grpSpPr>
+        <a:xfrm>
+          <a:off x="0" y="0"/>
+          <a:ext cx="0" cy="0"/>
+          <a:chOff x="0" y="0"/>
+          <a:chExt cx="0" cy="0"/>
+        </a:xfrm>
+      </p:grpSpPr>
+      <p:sp>
+        <p:nvSpPr>
+          <p:cNvPr id="2" name="Titel 1"/>
+          <p:cNvSpPr>
+            <a:spLocks noGrp="1"/>
+          </p:cNvSpPr>
+          <p:nvPr>
+            <p:ph type="title"/>
+          </p:nvPr>
+        </p:nvSpPr>
+        <p:spPr>
+          <a:xfrm>
+            <a:off x="1066800" y="1990724"/>
+            <a:ext cx="10287000" cy="2886075"/>
+          </a:xfrm>
+        </p:spPr>
+        <p:txBody>
+          <a:bodyPr/>
+          <a:lstStyle/>
+          <a:p>
+            <a:r>
+              <a:rPr lang="en-US" b="1">
+                <a:effectLst>
+                  <a:outerShdw blurRad="38100" dist="38100" dir="2700000" algn="tl">
+                    <a:srgbClr val="000000">
+                      <a:alpha val="43137"/>
+                    </a:srgbClr>
+                  </a:outerShdw>
+                </a:effectLst>
+              </a:rPr>
+              <a:t>Part II-2: Topic Modeling</a:t>
+            </a:r>
+          </a:p>
+        </p:txBody>
+      </p:sp>
+      <p:sp>
+        <p:nvSpPr>
+          <p:cNvPr id="3" name="Textplatzhalter 2"/>
+          <p:cNvSpPr>
+            <a:spLocks noGrp="1"/>
+          </p:cNvSpPr>
+          <p:nvPr>
+            <p:ph type="body" idx="1"/>
+          </p:nvPr>
+        </p:nvSpPr>
+        <p:spPr>
+          <a:xfrm>
+            <a:off x="1066798" y="4876799"/>
+            <a:ext cx="10280651" cy="1212851"/>
+          </a:xfrm>
+        </p:spPr>
+        <p:txBody>
+          <a:bodyPr/>
+          <a:lstStyle/>
+          <a:p>
+            <a:r>
+              <a:rPr lang="en-US" b="1">
+                <a:effectLst>
+                  <a:outerShdw blurRad="38100" dist="38100" dir="2700000" algn="tl">
+                    <a:srgbClr val="000000">
+                      <a:alpha val="43137"/>
+                    </a:srgbClr>
+                  </a:outerShdw>
+                </a:effectLst>
+              </a:rPr>
+              <a:t>Keyword-Based Topic Extraction</a:t>
+            </a:r>
+          </a:p>
+        </p:txBody>
+      </p:sp>
+      <p:sp>
+        <p:nvSpPr>
+          <p:cNvPr id="4" name="Foliennummernplatzhalter 3"/>
+          <p:cNvSpPr>
+            <a:spLocks noGrp="1"/>
+          </p:cNvSpPr>
+          <p:nvPr>
+            <p:ph type="sldNum" sz="quarter" idx="12"/>
+          </p:nvPr>
+        </p:nvSpPr>
+        <p:spPr/>
+        <p:txBody>
+          <a:bodyPr/>
+          <a:lstStyle/>
+          <a:p>
+            <a:fld id="{C9E0B00B-E6DF-4183-A694-3DE28BEFB357}" type="slidenum">
+              <a:rPr lang="en-US" smtClean="0"/>
+              <a:t>11</a:t>
+            </a:fld>
+            <a:endParaRPr lang="en-US"/>
+          </a:p>
+        </p:txBody>
+      </p:sp>
+    </p:spTree>
+    <p:extLst>
+      <p:ext uri="{BB962C8B-B14F-4D97-AF65-F5344CB8AC3E}">
+        <p14:creationId xmlns:p14="http://schemas.microsoft.com/office/powerpoint/2010/main" val="3502335047"/>
+      </p:ext>
+    </p:extLst>
+  </p:cSld>
+  <p:clrMapOvr>
+    <a:masterClrMapping/>
+  </p:clrMapOvr>
+</p:sld>
+</file>
+
+<file path=ppt/slides/slide12.xml><?xml version="1.0" encoding="utf-8"?>
+<p:sld xmlns:a="http://schemas.openxmlformats.org/drawingml/2006/main" xmlns:r="http://schemas.openxmlformats.org/officeDocument/2006/relationships" xmlns:p="http://schemas.openxmlformats.org/presentationml/2006/main">
+  <p:cSld>
+    <p:spTree>
+      <p:nvGrpSpPr>
+        <p:cNvPr id="1" name=""/>
+        <p:cNvGrpSpPr/>
+        <p:nvPr/>
+      </p:nvGrpSpPr>
+      <p:grpSpPr>
+        <a:xfrm>
+          <a:off x="0" y="0"/>
+          <a:ext cx="0" cy="0"/>
+          <a:chOff x="0" y="0"/>
+          <a:chExt cx="0" cy="0"/>
+        </a:xfrm>
+      </p:grpSpPr>
+      <p:sp>
+        <p:nvSpPr>
+          <p:cNvPr id="7" name="Content Placeholder 2">
+            <a:extLst>
+              <a:ext uri="{FF2B5EF4-FFF2-40B4-BE49-F238E27FC236}">
+                <a16:creationId xmlns:a16="http://schemas.microsoft.com/office/drawing/2014/main" id="{0F324A9E-9392-4545-96A6-95DE3958C6B2}"/>
+              </a:ext>
+            </a:extLst>
+          </p:cNvPr>
+          <p:cNvSpPr>
+            <a:spLocks noGrp="1"/>
+          </p:cNvSpPr>
+          <p:nvPr>
+            <p:ph idx="1"/>
+          </p:nvPr>
+        </p:nvSpPr>
+        <p:spPr>
+          <a:xfrm>
+            <a:off x="1066797" y="1990725"/>
+            <a:ext cx="10287001" cy="4457700"/>
+          </a:xfrm>
+        </p:spPr>
+        <p:txBody>
+          <a:bodyPr>
+            <a:normAutofit/>
+          </a:bodyPr>
+          <a:lstStyle/>
+          <a:p>
+            <a:r>
+              <a:rPr lang="de-DE" b="1"/>
+              <a:t>Situation:</a:t>
+            </a:r>
+          </a:p>
+          <a:p>
+            <a:pPr lvl="1"/>
+            <a:r>
+              <a:rPr lang="de-DE"/>
+              <a:t>(Statistical) topic modeling not always producing meaningful topics</a:t>
+            </a:r>
+          </a:p>
+          <a:p>
+            <a:pPr lvl="1"/>
+            <a:r>
+              <a:rPr lang="de-DE"/>
+              <a:t>Quite some human input required still</a:t>
+            </a:r>
+          </a:p>
+          <a:p>
+            <a:pPr lvl="1"/>
+            <a:r>
+              <a:rPr lang="de-DE"/>
+              <a:t>Also, unsupervised approach not always appropriate</a:t>
+            </a:r>
+          </a:p>
+          <a:p>
+            <a:r>
+              <a:rPr lang="de-DE" b="1"/>
+              <a:t>Idea: </a:t>
+            </a:r>
+            <a:r>
+              <a:rPr lang="de-DE"/>
+              <a:t>specify keywords &amp; find related documents</a:t>
+            </a:r>
+          </a:p>
+          <a:p>
+            <a:r>
+              <a:rPr lang="de-DE" b="1"/>
+              <a:t>Approach:</a:t>
+            </a:r>
+          </a:p>
+          <a:p>
+            <a:pPr lvl="1"/>
+            <a:r>
+              <a:rPr lang="de-DE"/>
+              <a:t>Specify list of keywords.</a:t>
+            </a:r>
+          </a:p>
+          <a:p>
+            <a:pPr lvl="1"/>
+            <a:r>
+              <a:rPr lang="de-DE"/>
+              <a:t>Find similar words (both morphologically &amp; semantically).</a:t>
+            </a:r>
+          </a:p>
+          <a:p>
+            <a:pPr lvl="1"/>
+            <a:r>
+              <a:rPr lang="de-DE"/>
+              <a:t>Assign all documents using these words to the associated topic.</a:t>
+            </a:r>
+          </a:p>
+          <a:p>
+            <a:pPr lvl="1"/>
+            <a:endParaRPr lang="de-DE"/>
+          </a:p>
+          <a:p>
+            <a:pPr lvl="1"/>
+            <a:endParaRPr lang="en-US"/>
+          </a:p>
+        </p:txBody>
+      </p:sp>
+      <p:sp>
+        <p:nvSpPr>
+          <p:cNvPr id="4" name="Foliennummernplatzhalter 3"/>
+          <p:cNvSpPr>
+            <a:spLocks noGrp="1"/>
+          </p:cNvSpPr>
+          <p:nvPr>
+            <p:ph type="sldNum" sz="quarter" idx="12"/>
+          </p:nvPr>
+        </p:nvSpPr>
+        <p:spPr/>
+        <p:txBody>
+          <a:bodyPr/>
+          <a:lstStyle/>
+          <a:p>
+            <a:fld id="{C9E0B00B-E6DF-4183-A694-3DE28BEFB357}" type="slidenum">
+              <a:rPr lang="en-US" smtClean="0"/>
+              <a:t>12</a:t>
+            </a:fld>
+            <a:endParaRPr lang="en-US"/>
+          </a:p>
+        </p:txBody>
+      </p:sp>
+      <p:sp>
+        <p:nvSpPr>
+          <p:cNvPr id="12" name="Titel 1">
+            <a:extLst>
+              <a:ext uri="{FF2B5EF4-FFF2-40B4-BE49-F238E27FC236}">
+                <a16:creationId xmlns:a16="http://schemas.microsoft.com/office/drawing/2014/main" id="{478EA67A-3C39-4D0A-996A-C363F30A14B2}"/>
+              </a:ext>
+            </a:extLst>
+          </p:cNvPr>
+          <p:cNvSpPr>
+            <a:spLocks noGrp="1"/>
+          </p:cNvSpPr>
+          <p:nvPr>
+            <p:ph type="title"/>
+          </p:nvPr>
+        </p:nvSpPr>
+        <p:spPr>
+          <a:xfrm>
+            <a:off x="1066800" y="561524"/>
+            <a:ext cx="10287000" cy="1129164"/>
+          </a:xfrm>
+        </p:spPr>
+        <p:txBody>
+          <a:bodyPr/>
+          <a:lstStyle/>
+          <a:p>
+            <a:r>
+              <a:rPr lang="en-US"/>
+              <a:t>Keyword-Based TE  </a:t>
+            </a:r>
+            <a:r>
+              <a:rPr lang="en-US" b="1"/>
+              <a:t>Idea</a:t>
+            </a:r>
+          </a:p>
+        </p:txBody>
+      </p:sp>
+    </p:spTree>
+    <p:extLst>
+      <p:ext uri="{BB962C8B-B14F-4D97-AF65-F5344CB8AC3E}">
+        <p14:creationId xmlns:p14="http://schemas.microsoft.com/office/powerpoint/2010/main" val="4276507552"/>
+      </p:ext>
+    </p:extLst>
+  </p:cSld>
+  <p:clrMapOvr>
+    <a:masterClrMapping/>
+  </p:clrMapOvr>
+</p:sld>
+</file>
+
+<file path=ppt/slides/slide13.xml><?xml version="1.0" encoding="utf-8"?>
+<p:sld xmlns:a="http://schemas.openxmlformats.org/drawingml/2006/main" xmlns:r="http://schemas.openxmlformats.org/officeDocument/2006/relationships" xmlns:p="http://schemas.openxmlformats.org/presentationml/2006/main">
+  <p:cSld>
+    <p:spTree>
+      <p:nvGrpSpPr>
+        <p:cNvPr id="1" name=""/>
+        <p:cNvGrpSpPr/>
+        <p:nvPr/>
+      </p:nvGrpSpPr>
+      <p:grpSpPr>
+        <a:xfrm>
+          <a:off x="0" y="0"/>
+          <a:ext cx="0" cy="0"/>
+          <a:chOff x="0" y="0"/>
+          <a:chExt cx="0" cy="0"/>
+        </a:xfrm>
+      </p:grpSpPr>
+      <p:sp>
+        <p:nvSpPr>
+          <p:cNvPr id="4" name="Foliennummernplatzhalter 3"/>
+          <p:cNvSpPr>
+            <a:spLocks noGrp="1"/>
+          </p:cNvSpPr>
+          <p:nvPr>
+            <p:ph type="sldNum" sz="quarter" idx="12"/>
+          </p:nvPr>
+        </p:nvSpPr>
+        <p:spPr/>
+        <p:txBody>
+          <a:bodyPr/>
+          <a:lstStyle/>
+          <a:p>
+            <a:fld id="{C9E0B00B-E6DF-4183-A694-3DE28BEFB357}" type="slidenum">
+              <a:rPr lang="en-US" smtClean="0"/>
+              <a:t>13</a:t>
+            </a:fld>
+            <a:endParaRPr lang="en-US"/>
+          </a:p>
+        </p:txBody>
+      </p:sp>
+      <p:sp>
+        <p:nvSpPr>
+          <p:cNvPr id="12" name="Titel 1">
+            <a:extLst>
+              <a:ext uri="{FF2B5EF4-FFF2-40B4-BE49-F238E27FC236}">
+                <a16:creationId xmlns:a16="http://schemas.microsoft.com/office/drawing/2014/main" id="{478EA67A-3C39-4D0A-996A-C363F30A14B2}"/>
+              </a:ext>
+            </a:extLst>
+          </p:cNvPr>
+          <p:cNvSpPr>
+            <a:spLocks noGrp="1"/>
+          </p:cNvSpPr>
+          <p:nvPr>
+            <p:ph type="title"/>
+          </p:nvPr>
+        </p:nvSpPr>
+        <p:spPr>
+          <a:xfrm>
+            <a:off x="1066800" y="561524"/>
+            <a:ext cx="10287000" cy="1129164"/>
+          </a:xfrm>
+        </p:spPr>
+        <p:txBody>
+          <a:bodyPr/>
+          <a:lstStyle/>
+          <a:p>
+            <a:r>
+              <a:rPr lang="en-US"/>
+              <a:t>Keyword-Based TE  </a:t>
+            </a:r>
+            <a:r>
+              <a:rPr lang="en-US" b="1"/>
+              <a:t>Approach</a:t>
+            </a:r>
+          </a:p>
+        </p:txBody>
+      </p:sp>
+      <p:sp>
+        <p:nvSpPr>
+          <p:cNvPr id="7" name="Rectangle 6">
+            <a:extLst>
+              <a:ext uri="{FF2B5EF4-FFF2-40B4-BE49-F238E27FC236}">
+                <a16:creationId xmlns:a16="http://schemas.microsoft.com/office/drawing/2014/main" id="{399D5C87-EDAB-4C4B-A55D-E6DBDD9D5ABA}"/>
+              </a:ext>
+            </a:extLst>
+          </p:cNvPr>
+          <p:cNvSpPr/>
+          <p:nvPr/>
+        </p:nvSpPr>
+        <p:spPr>
+          <a:xfrm>
+            <a:off x="3228976" y="1992993"/>
+            <a:ext cx="8153400" cy="2872013"/>
+          </a:xfrm>
+          <a:prstGeom prst="rect">
+            <a:avLst/>
+          </a:prstGeom>
+          <a:solidFill>
+            <a:schemeClr val="bg2"/>
+          </a:solidFill>
+          <a:ln w="19050">
+            <a:solidFill>
+              <a:schemeClr val="bg2"/>
+            </a:solidFill>
+          </a:ln>
+        </p:spPr>
+        <p:style>
+          <a:lnRef idx="2">
+            <a:schemeClr val="dk1"/>
+          </a:lnRef>
+          <a:fillRef idx="1">
+            <a:schemeClr val="lt1"/>
+          </a:fillRef>
+          <a:effectRef idx="0">
+            <a:schemeClr val="dk1"/>
+          </a:effectRef>
+          <a:fontRef idx="minor">
+            <a:schemeClr val="dk1"/>
+          </a:fontRef>
+        </p:style>
+        <p:txBody>
+          <a:bodyPr rtlCol="0" anchor="ctr"/>
+          <a:lstStyle/>
+          <a:p>
+            <a:r>
+              <a:rPr lang="de-DE" sz="4000" b="1">
+                <a:solidFill>
+                  <a:schemeClr val="tx1"/>
+                </a:solidFill>
+              </a:rPr>
+              <a:t>Demo 8: Keyword-Based TE</a:t>
             </a:r>
             <a:endParaRPr lang="en-US" sz="4000" b="1">
               <a:solidFill>
@@ -4680,147 +4974,6 @@
 </p:sld>
 </file>
 
-<file path=ppt/slides/slide13.xml><?xml version="1.0" encoding="utf-8"?>
-<p:sld xmlns:a="http://schemas.openxmlformats.org/drawingml/2006/main" xmlns:r="http://schemas.openxmlformats.org/officeDocument/2006/relationships" xmlns:p="http://schemas.openxmlformats.org/presentationml/2006/main">
-  <p:cSld>
-    <p:spTree>
-      <p:nvGrpSpPr>
-        <p:cNvPr id="1" name=""/>
-        <p:cNvGrpSpPr/>
-        <p:nvPr/>
-      </p:nvGrpSpPr>
-      <p:grpSpPr>
-        <a:xfrm>
-          <a:off x="0" y="0"/>
-          <a:ext cx="0" cy="0"/>
-          <a:chOff x="0" y="0"/>
-          <a:chExt cx="0" cy="0"/>
-        </a:xfrm>
-      </p:grpSpPr>
-      <p:sp>
-        <p:nvSpPr>
-          <p:cNvPr id="2" name="Titel 1"/>
-          <p:cNvSpPr>
-            <a:spLocks noGrp="1"/>
-          </p:cNvSpPr>
-          <p:nvPr>
-            <p:ph type="title"/>
-          </p:nvPr>
-        </p:nvSpPr>
-        <p:spPr>
-          <a:xfrm>
-            <a:off x="1066800" y="1990724"/>
-            <a:ext cx="10287000" cy="2886075"/>
-          </a:xfrm>
-        </p:spPr>
-        <p:txBody>
-          <a:bodyPr/>
-          <a:lstStyle/>
-          <a:p>
-            <a:r>
-              <a:rPr lang="en-US" b="1">
-                <a:effectLst>
-                  <a:outerShdw blurRad="38100" dist="38100" dir="2700000" algn="tl">
-                    <a:srgbClr val="000000">
-                      <a:alpha val="43137"/>
-                    </a:srgbClr>
-                  </a:outerShdw>
-                </a:effectLst>
-              </a:rPr>
-              <a:t>Part II-2: Topic Modeling</a:t>
-            </a:r>
-            <a:endParaRPr lang="en-US">
-              <a:effectLst>
-                <a:outerShdw blurRad="38100" dist="38100" dir="2700000" algn="tl">
-                  <a:srgbClr val="000000">
-                    <a:alpha val="43137"/>
-                  </a:srgbClr>
-                </a:outerShdw>
-              </a:effectLst>
-            </a:endParaRPr>
-          </a:p>
-        </p:txBody>
-      </p:sp>
-      <p:sp>
-        <p:nvSpPr>
-          <p:cNvPr id="3" name="Textplatzhalter 2"/>
-          <p:cNvSpPr>
-            <a:spLocks noGrp="1"/>
-          </p:cNvSpPr>
-          <p:nvPr>
-            <p:ph type="body" idx="1"/>
-          </p:nvPr>
-        </p:nvSpPr>
-        <p:spPr>
-          <a:xfrm>
-            <a:off x="1066798" y="4876799"/>
-            <a:ext cx="10280651" cy="1212851"/>
-          </a:xfrm>
-        </p:spPr>
-        <p:txBody>
-          <a:bodyPr/>
-          <a:lstStyle/>
-          <a:p>
-            <a:r>
-              <a:rPr lang="en-US" b="1">
-                <a:effectLst>
-                  <a:outerShdw blurRad="38100" dist="38100" dir="2700000" algn="tl">
-                    <a:srgbClr val="000000">
-                      <a:alpha val="43137"/>
-                    </a:srgbClr>
-                  </a:outerShdw>
-                </a:effectLst>
-              </a:rPr>
-              <a:t>Literature and References</a:t>
-            </a:r>
-            <a:endParaRPr lang="en-US" b="1" dirty="0">
-              <a:effectLst>
-                <a:outerShdw blurRad="38100" dist="38100" dir="2700000" algn="tl">
-                  <a:srgbClr val="000000">
-                    <a:alpha val="43137"/>
-                  </a:srgbClr>
-                </a:outerShdw>
-              </a:effectLst>
-            </a:endParaRPr>
-          </a:p>
-        </p:txBody>
-      </p:sp>
-      <p:sp>
-        <p:nvSpPr>
-          <p:cNvPr id="4" name="Foliennummernplatzhalter 3"/>
-          <p:cNvSpPr>
-            <a:spLocks noGrp="1"/>
-          </p:cNvSpPr>
-          <p:nvPr>
-            <p:ph type="sldNum" sz="quarter" idx="12"/>
-          </p:nvPr>
-        </p:nvSpPr>
-        <p:spPr/>
-        <p:txBody>
-          <a:bodyPr/>
-          <a:lstStyle/>
-          <a:p>
-            <a:fld id="{C9E0B00B-E6DF-4183-A694-3DE28BEFB357}" type="slidenum">
-              <a:rPr lang="en-US" smtClean="0"/>
-              <a:t>13</a:t>
-            </a:fld>
-            <a:endParaRPr lang="en-US"/>
-          </a:p>
-        </p:txBody>
-      </p:sp>
-    </p:spTree>
-    <p:extLst>
-      <p:ext uri="{BB962C8B-B14F-4D97-AF65-F5344CB8AC3E}">
-        <p14:creationId xmlns:p14="http://schemas.microsoft.com/office/powerpoint/2010/main" val="3483205053"/>
-      </p:ext>
-    </p:extLst>
-  </p:cSld>
-  <p:clrMapOvr>
-    <a:masterClrMapping/>
-  </p:clrMapOvr>
-</p:sld>
-</file>
-
 <file path=ppt/slides/slide14.xml><?xml version="1.0" encoding="utf-8"?>
 <p:sld xmlns:a="http://schemas.openxmlformats.org/drawingml/2006/main" xmlns:r="http://schemas.openxmlformats.org/officeDocument/2006/relationships" xmlns:p="http://schemas.openxmlformats.org/presentationml/2006/main">
   <p:cSld>
@@ -4840,6 +4993,147 @@
       </p:grpSpPr>
       <p:sp>
         <p:nvSpPr>
+          <p:cNvPr id="2" name="Titel 1"/>
+          <p:cNvSpPr>
+            <a:spLocks noGrp="1"/>
+          </p:cNvSpPr>
+          <p:nvPr>
+            <p:ph type="title"/>
+          </p:nvPr>
+        </p:nvSpPr>
+        <p:spPr>
+          <a:xfrm>
+            <a:off x="1066800" y="1990724"/>
+            <a:ext cx="10287000" cy="2886075"/>
+          </a:xfrm>
+        </p:spPr>
+        <p:txBody>
+          <a:bodyPr/>
+          <a:lstStyle/>
+          <a:p>
+            <a:r>
+              <a:rPr lang="en-US" b="1">
+                <a:effectLst>
+                  <a:outerShdw blurRad="38100" dist="38100" dir="2700000" algn="tl">
+                    <a:srgbClr val="000000">
+                      <a:alpha val="43137"/>
+                    </a:srgbClr>
+                  </a:outerShdw>
+                </a:effectLst>
+              </a:rPr>
+              <a:t>Part II-2: Topic Modeling</a:t>
+            </a:r>
+            <a:endParaRPr lang="en-US">
+              <a:effectLst>
+                <a:outerShdw blurRad="38100" dist="38100" dir="2700000" algn="tl">
+                  <a:srgbClr val="000000">
+                    <a:alpha val="43137"/>
+                  </a:srgbClr>
+                </a:outerShdw>
+              </a:effectLst>
+            </a:endParaRPr>
+          </a:p>
+        </p:txBody>
+      </p:sp>
+      <p:sp>
+        <p:nvSpPr>
+          <p:cNvPr id="3" name="Textplatzhalter 2"/>
+          <p:cNvSpPr>
+            <a:spLocks noGrp="1"/>
+          </p:cNvSpPr>
+          <p:nvPr>
+            <p:ph type="body" idx="1"/>
+          </p:nvPr>
+        </p:nvSpPr>
+        <p:spPr>
+          <a:xfrm>
+            <a:off x="1066798" y="4876799"/>
+            <a:ext cx="10280651" cy="1212851"/>
+          </a:xfrm>
+        </p:spPr>
+        <p:txBody>
+          <a:bodyPr/>
+          <a:lstStyle/>
+          <a:p>
+            <a:r>
+              <a:rPr lang="en-US" b="1">
+                <a:effectLst>
+                  <a:outerShdw blurRad="38100" dist="38100" dir="2700000" algn="tl">
+                    <a:srgbClr val="000000">
+                      <a:alpha val="43137"/>
+                    </a:srgbClr>
+                  </a:outerShdw>
+                </a:effectLst>
+              </a:rPr>
+              <a:t>Literature and References</a:t>
+            </a:r>
+            <a:endParaRPr lang="en-US" b="1" dirty="0">
+              <a:effectLst>
+                <a:outerShdw blurRad="38100" dist="38100" dir="2700000" algn="tl">
+                  <a:srgbClr val="000000">
+                    <a:alpha val="43137"/>
+                  </a:srgbClr>
+                </a:outerShdw>
+              </a:effectLst>
+            </a:endParaRPr>
+          </a:p>
+        </p:txBody>
+      </p:sp>
+      <p:sp>
+        <p:nvSpPr>
+          <p:cNvPr id="4" name="Foliennummernplatzhalter 3"/>
+          <p:cNvSpPr>
+            <a:spLocks noGrp="1"/>
+          </p:cNvSpPr>
+          <p:nvPr>
+            <p:ph type="sldNum" sz="quarter" idx="12"/>
+          </p:nvPr>
+        </p:nvSpPr>
+        <p:spPr/>
+        <p:txBody>
+          <a:bodyPr/>
+          <a:lstStyle/>
+          <a:p>
+            <a:fld id="{C9E0B00B-E6DF-4183-A694-3DE28BEFB357}" type="slidenum">
+              <a:rPr lang="en-US" smtClean="0"/>
+              <a:t>14</a:t>
+            </a:fld>
+            <a:endParaRPr lang="en-US"/>
+          </a:p>
+        </p:txBody>
+      </p:sp>
+    </p:spTree>
+    <p:extLst>
+      <p:ext uri="{BB962C8B-B14F-4D97-AF65-F5344CB8AC3E}">
+        <p14:creationId xmlns:p14="http://schemas.microsoft.com/office/powerpoint/2010/main" val="3483205053"/>
+      </p:ext>
+    </p:extLst>
+  </p:cSld>
+  <p:clrMapOvr>
+    <a:masterClrMapping/>
+  </p:clrMapOvr>
+</p:sld>
+</file>
+
+<file path=ppt/slides/slide15.xml><?xml version="1.0" encoding="utf-8"?>
+<p:sld xmlns:a="http://schemas.openxmlformats.org/drawingml/2006/main" xmlns:r="http://schemas.openxmlformats.org/officeDocument/2006/relationships" xmlns:p="http://schemas.openxmlformats.org/presentationml/2006/main">
+  <p:cSld>
+    <p:spTree>
+      <p:nvGrpSpPr>
+        <p:cNvPr id="1" name=""/>
+        <p:cNvGrpSpPr/>
+        <p:nvPr/>
+      </p:nvGrpSpPr>
+      <p:grpSpPr>
+        <a:xfrm>
+          <a:off x="0" y="0"/>
+          <a:ext cx="0" cy="0"/>
+          <a:chOff x="0" y="0"/>
+          <a:chExt cx="0" cy="0"/>
+        </a:xfrm>
+      </p:grpSpPr>
+      <p:sp>
+        <p:nvSpPr>
           <p:cNvPr id="3" name="Inhaltsplatzhalter 2"/>
           <p:cNvSpPr>
             <a:spLocks noGrp="1"/>
@@ -4887,7 +5181,7 @@
           <a:p>
             <a:fld id="{C9E0B00B-E6DF-4183-A694-3DE28BEFB357}" type="slidenum">
               <a:rPr lang="en-US" smtClean="0"/>
-              <a:t>14</a:t>
+              <a:t>15</a:t>
             </a:fld>
             <a:endParaRPr lang="en-US"/>
           </a:p>
@@ -6500,7 +6794,7 @@
             </a:r>
             <a:r>
               <a:rPr lang="en-US" b="1"/>
-              <a:t>Exercise</a:t>
+              <a:t>Approach</a:t>
             </a:r>
           </a:p>
         </p:txBody>
@@ -6558,7 +6852,7 @@
                   <a:schemeClr val="tx1"/>
                 </a:solidFill>
               </a:rPr>
-              <a:t>Exercise 4: Analyzing Topics</a:t>
+              <a:t>Demo 7: STM</a:t>
             </a:r>
             <a:endParaRPr lang="en-US" sz="4000" b="1">
               <a:solidFill>
@@ -6570,10 +6864,10 @@
       </p:sp>
       <p:pic>
         <p:nvPicPr>
-          <p:cNvPr id="6" name="Graphic 5" descr="Game controller with solid fill">
+          <p:cNvPr id="9" name="Graphic 8" descr="Play with solid fill">
             <a:extLst>
               <a:ext uri="{FF2B5EF4-FFF2-40B4-BE49-F238E27FC236}">
-                <a16:creationId xmlns:a16="http://schemas.microsoft.com/office/drawing/2014/main" id="{9AA4C070-CDB8-4FC2-A154-5F8CF4DAF93A}"/>
+                <a16:creationId xmlns:a16="http://schemas.microsoft.com/office/drawing/2014/main" id="{5987626F-A389-40EE-AED1-4EC2BDAD023F}"/>
               </a:ext>
             </a:extLst>
           </p:cNvPr>
@@ -6599,8 +6893,8 @@
         </p:blipFill>
         <p:spPr>
           <a:xfrm>
-            <a:off x="1066800" y="2481284"/>
-            <a:ext cx="1894360" cy="1895432"/>
+            <a:off x="923914" y="2276468"/>
+            <a:ext cx="2305062" cy="2305062"/>
           </a:xfrm>
           <a:prstGeom prst="rect">
             <a:avLst/>
@@ -6610,7 +6904,7 @@
     </p:spTree>
     <p:extLst>
       <p:ext uri="{BB962C8B-B14F-4D97-AF65-F5344CB8AC3E}">
-        <p14:creationId xmlns:p14="http://schemas.microsoft.com/office/powerpoint/2010/main" val="1190508300"/>
+        <p14:creationId xmlns:p14="http://schemas.microsoft.com/office/powerpoint/2010/main" val="1491246809"/>
       </p:ext>
     </p:extLst>
   </p:cSld>

--- a/5_seminar/Contents_Part_02/slides/slides_II_2.pptx
+++ b/5_seminar/Contents_Part_02/slides/slides_II_2.pptx
@@ -5,24 +5,30 @@
     <p:sldMasterId id="2147483648" r:id="rId1"/>
   </p:sldMasterIdLst>
   <p:notesMasterIdLst>
-    <p:notesMasterId r:id="rId17"/>
+    <p:notesMasterId r:id="rId23"/>
   </p:notesMasterIdLst>
   <p:sldIdLst>
     <p:sldId id="303" r:id="rId2"/>
     <p:sldId id="305" r:id="rId3"/>
     <p:sldId id="304" r:id="rId4"/>
     <p:sldId id="346" r:id="rId5"/>
-    <p:sldId id="332" r:id="rId6"/>
-    <p:sldId id="347" r:id="rId7"/>
-    <p:sldId id="333" r:id="rId8"/>
-    <p:sldId id="311" r:id="rId9"/>
-    <p:sldId id="349" r:id="rId10"/>
-    <p:sldId id="336" r:id="rId11"/>
-    <p:sldId id="334" r:id="rId12"/>
-    <p:sldId id="348" r:id="rId13"/>
-    <p:sldId id="335" r:id="rId14"/>
-    <p:sldId id="331" r:id="rId15"/>
-    <p:sldId id="274" r:id="rId16"/>
+    <p:sldId id="351" r:id="rId6"/>
+    <p:sldId id="352" r:id="rId7"/>
+    <p:sldId id="332" r:id="rId8"/>
+    <p:sldId id="347" r:id="rId9"/>
+    <p:sldId id="353" r:id="rId10"/>
+    <p:sldId id="354" r:id="rId11"/>
+    <p:sldId id="355" r:id="rId12"/>
+    <p:sldId id="350" r:id="rId13"/>
+    <p:sldId id="333" r:id="rId14"/>
+    <p:sldId id="311" r:id="rId15"/>
+    <p:sldId id="349" r:id="rId16"/>
+    <p:sldId id="336" r:id="rId17"/>
+    <p:sldId id="334" r:id="rId18"/>
+    <p:sldId id="348" r:id="rId19"/>
+    <p:sldId id="335" r:id="rId20"/>
+    <p:sldId id="331" r:id="rId21"/>
+    <p:sldId id="274" r:id="rId22"/>
   </p:sldIdLst>
   <p:sldSz cx="12192000" cy="6858000"/>
   <p:notesSz cx="6858000" cy="9144000"/>
@@ -211,7 +217,7 @@
           <a:p>
             <a:fld id="{7A5B87F2-13FD-4A24-9F19-39B31C60B536}" type="datetimeFigureOut">
               <a:rPr lang="en-US" smtClean="0"/>
-              <a:t>4/16/2021</a:t>
+              <a:t>4/22/2021</a:t>
             </a:fld>
             <a:endParaRPr lang="en-US"/>
           </a:p>
@@ -563,6 +569,511 @@
 </p:notes>
 </file>
 
+<file path=ppt/notesSlides/notesSlide10.xml><?xml version="1.0" encoding="utf-8"?>
+<p:notes xmlns:a="http://schemas.openxmlformats.org/drawingml/2006/main" xmlns:r="http://schemas.openxmlformats.org/officeDocument/2006/relationships" xmlns:p="http://schemas.openxmlformats.org/presentationml/2006/main">
+  <p:cSld>
+    <p:spTree>
+      <p:nvGrpSpPr>
+        <p:cNvPr id="1" name=""/>
+        <p:cNvGrpSpPr/>
+        <p:nvPr/>
+      </p:nvGrpSpPr>
+      <p:grpSpPr>
+        <a:xfrm>
+          <a:off x="0" y="0"/>
+          <a:ext cx="0" cy="0"/>
+          <a:chOff x="0" y="0"/>
+          <a:chExt cx="0" cy="0"/>
+        </a:xfrm>
+      </p:grpSpPr>
+      <p:sp>
+        <p:nvSpPr>
+          <p:cNvPr id="2" name="Folienbildplatzhalter 1"/>
+          <p:cNvSpPr>
+            <a:spLocks noGrp="1" noRot="1" noChangeAspect="1"/>
+          </p:cNvSpPr>
+          <p:nvPr>
+            <p:ph type="sldImg"/>
+          </p:nvPr>
+        </p:nvSpPr>
+        <p:spPr/>
+      </p:sp>
+      <p:sp>
+        <p:nvSpPr>
+          <p:cNvPr id="3" name="Notizenplatzhalter 2"/>
+          <p:cNvSpPr>
+            <a:spLocks noGrp="1"/>
+          </p:cNvSpPr>
+          <p:nvPr>
+            <p:ph type="body" idx="1"/>
+          </p:nvPr>
+        </p:nvSpPr>
+        <p:spPr/>
+        <p:txBody>
+          <a:bodyPr/>
+          <a:lstStyle/>
+          <a:p>
+            <a:pPr marL="0" marR="0" lvl="0" indent="0" algn="l" defTabSz="914400" rtl="0" eaLnBrk="1" fontAlgn="auto" latinLnBrk="0" hangingPunct="1">
+              <a:lnSpc>
+                <a:spcPct val="100000"/>
+              </a:lnSpc>
+              <a:spcBef>
+                <a:spcPts val="0"/>
+              </a:spcBef>
+              <a:spcAft>
+                <a:spcPts val="0"/>
+              </a:spcAft>
+              <a:buClrTx/>
+              <a:buSzTx/>
+              <a:buFontTx/>
+              <a:buNone/>
+              <a:tabLst/>
+              <a:defRPr/>
+            </a:pPr>
+            <a:endParaRPr lang="en-US" b="1"/>
+          </a:p>
+        </p:txBody>
+      </p:sp>
+      <p:sp>
+        <p:nvSpPr>
+          <p:cNvPr id="4" name="Foliennummernplatzhalter 3"/>
+          <p:cNvSpPr>
+            <a:spLocks noGrp="1"/>
+          </p:cNvSpPr>
+          <p:nvPr>
+            <p:ph type="sldNum" sz="quarter" idx="10"/>
+          </p:nvPr>
+        </p:nvSpPr>
+        <p:spPr/>
+        <p:txBody>
+          <a:bodyPr/>
+          <a:lstStyle/>
+          <a:p>
+            <a:fld id="{20A41429-B750-4047-B563-2878417A70E7}" type="slidenum">
+              <a:rPr lang="en-US" smtClean="0"/>
+              <a:t>14</a:t>
+            </a:fld>
+            <a:endParaRPr lang="en-US"/>
+          </a:p>
+        </p:txBody>
+      </p:sp>
+    </p:spTree>
+    <p:extLst>
+      <p:ext uri="{BB962C8B-B14F-4D97-AF65-F5344CB8AC3E}">
+        <p14:creationId xmlns:p14="http://schemas.microsoft.com/office/powerpoint/2010/main" val="4272284150"/>
+      </p:ext>
+    </p:extLst>
+  </p:cSld>
+  <p:clrMapOvr>
+    <a:masterClrMapping/>
+  </p:clrMapOvr>
+</p:notes>
+</file>
+
+<file path=ppt/notesSlides/notesSlide11.xml><?xml version="1.0" encoding="utf-8"?>
+<p:notes xmlns:a="http://schemas.openxmlformats.org/drawingml/2006/main" xmlns:r="http://schemas.openxmlformats.org/officeDocument/2006/relationships" xmlns:p="http://schemas.openxmlformats.org/presentationml/2006/main">
+  <p:cSld>
+    <p:spTree>
+      <p:nvGrpSpPr>
+        <p:cNvPr id="1" name=""/>
+        <p:cNvGrpSpPr/>
+        <p:nvPr/>
+      </p:nvGrpSpPr>
+      <p:grpSpPr>
+        <a:xfrm>
+          <a:off x="0" y="0"/>
+          <a:ext cx="0" cy="0"/>
+          <a:chOff x="0" y="0"/>
+          <a:chExt cx="0" cy="0"/>
+        </a:xfrm>
+      </p:grpSpPr>
+      <p:sp>
+        <p:nvSpPr>
+          <p:cNvPr id="2" name="Folienbildplatzhalter 1"/>
+          <p:cNvSpPr>
+            <a:spLocks noGrp="1" noRot="1" noChangeAspect="1"/>
+          </p:cNvSpPr>
+          <p:nvPr>
+            <p:ph type="sldImg"/>
+          </p:nvPr>
+        </p:nvSpPr>
+        <p:spPr/>
+      </p:sp>
+      <p:sp>
+        <p:nvSpPr>
+          <p:cNvPr id="3" name="Notizenplatzhalter 2"/>
+          <p:cNvSpPr>
+            <a:spLocks noGrp="1"/>
+          </p:cNvSpPr>
+          <p:nvPr>
+            <p:ph type="body" idx="1"/>
+          </p:nvPr>
+        </p:nvSpPr>
+        <p:spPr/>
+        <p:txBody>
+          <a:bodyPr/>
+          <a:lstStyle/>
+          <a:p>
+            <a:pPr marL="0" marR="0" lvl="0" indent="0" algn="l" defTabSz="914400" rtl="0" eaLnBrk="1" fontAlgn="auto" latinLnBrk="0" hangingPunct="1">
+              <a:lnSpc>
+                <a:spcPct val="100000"/>
+              </a:lnSpc>
+              <a:spcBef>
+                <a:spcPts val="0"/>
+              </a:spcBef>
+              <a:spcAft>
+                <a:spcPts val="0"/>
+              </a:spcAft>
+              <a:buClrTx/>
+              <a:buSzTx/>
+              <a:buFontTx/>
+              <a:buNone/>
+              <a:tabLst/>
+              <a:defRPr/>
+            </a:pPr>
+            <a:endParaRPr lang="en-US" b="1"/>
+          </a:p>
+        </p:txBody>
+      </p:sp>
+      <p:sp>
+        <p:nvSpPr>
+          <p:cNvPr id="4" name="Foliennummernplatzhalter 3"/>
+          <p:cNvSpPr>
+            <a:spLocks noGrp="1"/>
+          </p:cNvSpPr>
+          <p:nvPr>
+            <p:ph type="sldNum" sz="quarter" idx="10"/>
+          </p:nvPr>
+        </p:nvSpPr>
+        <p:spPr/>
+        <p:txBody>
+          <a:bodyPr/>
+          <a:lstStyle/>
+          <a:p>
+            <a:fld id="{20A41429-B750-4047-B563-2878417A70E7}" type="slidenum">
+              <a:rPr lang="en-US" smtClean="0"/>
+              <a:t>15</a:t>
+            </a:fld>
+            <a:endParaRPr lang="en-US"/>
+          </a:p>
+        </p:txBody>
+      </p:sp>
+    </p:spTree>
+    <p:extLst>
+      <p:ext uri="{BB962C8B-B14F-4D97-AF65-F5344CB8AC3E}">
+        <p14:creationId xmlns:p14="http://schemas.microsoft.com/office/powerpoint/2010/main" val="244738309"/>
+      </p:ext>
+    </p:extLst>
+  </p:cSld>
+  <p:clrMapOvr>
+    <a:masterClrMapping/>
+  </p:clrMapOvr>
+</p:notes>
+</file>
+
+<file path=ppt/notesSlides/notesSlide12.xml><?xml version="1.0" encoding="utf-8"?>
+<p:notes xmlns:a="http://schemas.openxmlformats.org/drawingml/2006/main" xmlns:r="http://schemas.openxmlformats.org/officeDocument/2006/relationships" xmlns:p="http://schemas.openxmlformats.org/presentationml/2006/main">
+  <p:cSld>
+    <p:spTree>
+      <p:nvGrpSpPr>
+        <p:cNvPr id="1" name=""/>
+        <p:cNvGrpSpPr/>
+        <p:nvPr/>
+      </p:nvGrpSpPr>
+      <p:grpSpPr>
+        <a:xfrm>
+          <a:off x="0" y="0"/>
+          <a:ext cx="0" cy="0"/>
+          <a:chOff x="0" y="0"/>
+          <a:chExt cx="0" cy="0"/>
+        </a:xfrm>
+      </p:grpSpPr>
+      <p:sp>
+        <p:nvSpPr>
+          <p:cNvPr id="2" name="Folienbildplatzhalter 1"/>
+          <p:cNvSpPr>
+            <a:spLocks noGrp="1" noRot="1" noChangeAspect="1"/>
+          </p:cNvSpPr>
+          <p:nvPr>
+            <p:ph type="sldImg"/>
+          </p:nvPr>
+        </p:nvSpPr>
+        <p:spPr/>
+      </p:sp>
+      <p:sp>
+        <p:nvSpPr>
+          <p:cNvPr id="3" name="Notizenplatzhalter 2"/>
+          <p:cNvSpPr>
+            <a:spLocks noGrp="1"/>
+          </p:cNvSpPr>
+          <p:nvPr>
+            <p:ph type="body" idx="1"/>
+          </p:nvPr>
+        </p:nvSpPr>
+        <p:spPr/>
+        <p:txBody>
+          <a:bodyPr/>
+          <a:lstStyle/>
+          <a:p>
+            <a:pPr marL="0" marR="0" lvl="0" indent="0" algn="l" defTabSz="914400" rtl="0" eaLnBrk="1" fontAlgn="auto" latinLnBrk="0" hangingPunct="1">
+              <a:lnSpc>
+                <a:spcPct val="100000"/>
+              </a:lnSpc>
+              <a:spcBef>
+                <a:spcPts val="0"/>
+              </a:spcBef>
+              <a:spcAft>
+                <a:spcPts val="0"/>
+              </a:spcAft>
+              <a:buClrTx/>
+              <a:buSzTx/>
+              <a:buFontTx/>
+              <a:buNone/>
+              <a:tabLst/>
+              <a:defRPr/>
+            </a:pPr>
+            <a:endParaRPr lang="en-US" b="1"/>
+          </a:p>
+        </p:txBody>
+      </p:sp>
+      <p:sp>
+        <p:nvSpPr>
+          <p:cNvPr id="4" name="Foliennummernplatzhalter 3"/>
+          <p:cNvSpPr>
+            <a:spLocks noGrp="1"/>
+          </p:cNvSpPr>
+          <p:nvPr>
+            <p:ph type="sldNum" sz="quarter" idx="10"/>
+          </p:nvPr>
+        </p:nvSpPr>
+        <p:spPr/>
+        <p:txBody>
+          <a:bodyPr/>
+          <a:lstStyle/>
+          <a:p>
+            <a:fld id="{20A41429-B750-4047-B563-2878417A70E7}" type="slidenum">
+              <a:rPr lang="en-US" smtClean="0"/>
+              <a:t>16</a:t>
+            </a:fld>
+            <a:endParaRPr lang="en-US"/>
+          </a:p>
+        </p:txBody>
+      </p:sp>
+    </p:spTree>
+    <p:extLst>
+      <p:ext uri="{BB962C8B-B14F-4D97-AF65-F5344CB8AC3E}">
+        <p14:creationId xmlns:p14="http://schemas.microsoft.com/office/powerpoint/2010/main" val="4272284150"/>
+      </p:ext>
+    </p:extLst>
+  </p:cSld>
+  <p:clrMapOvr>
+    <a:masterClrMapping/>
+  </p:clrMapOvr>
+</p:notes>
+</file>
+
+<file path=ppt/notesSlides/notesSlide13.xml><?xml version="1.0" encoding="utf-8"?>
+<p:notes xmlns:a="http://schemas.openxmlformats.org/drawingml/2006/main" xmlns:r="http://schemas.openxmlformats.org/officeDocument/2006/relationships" xmlns:p="http://schemas.openxmlformats.org/presentationml/2006/main">
+  <p:cSld>
+    <p:spTree>
+      <p:nvGrpSpPr>
+        <p:cNvPr id="1" name=""/>
+        <p:cNvGrpSpPr/>
+        <p:nvPr/>
+      </p:nvGrpSpPr>
+      <p:grpSpPr>
+        <a:xfrm>
+          <a:off x="0" y="0"/>
+          <a:ext cx="0" cy="0"/>
+          <a:chOff x="0" y="0"/>
+          <a:chExt cx="0" cy="0"/>
+        </a:xfrm>
+      </p:grpSpPr>
+      <p:sp>
+        <p:nvSpPr>
+          <p:cNvPr id="2" name="Folienbildplatzhalter 1"/>
+          <p:cNvSpPr>
+            <a:spLocks noGrp="1" noRot="1" noChangeAspect="1"/>
+          </p:cNvSpPr>
+          <p:nvPr>
+            <p:ph type="sldImg"/>
+          </p:nvPr>
+        </p:nvSpPr>
+        <p:spPr/>
+      </p:sp>
+      <p:sp>
+        <p:nvSpPr>
+          <p:cNvPr id="3" name="Notizenplatzhalter 2"/>
+          <p:cNvSpPr>
+            <a:spLocks noGrp="1"/>
+          </p:cNvSpPr>
+          <p:nvPr>
+            <p:ph type="body" idx="1"/>
+          </p:nvPr>
+        </p:nvSpPr>
+        <p:spPr/>
+        <p:txBody>
+          <a:bodyPr/>
+          <a:lstStyle/>
+          <a:p>
+            <a:pPr marL="0" marR="0" lvl="0" indent="0" algn="l" defTabSz="914400" rtl="0" eaLnBrk="1" fontAlgn="auto" latinLnBrk="0" hangingPunct="1">
+              <a:lnSpc>
+                <a:spcPct val="100000"/>
+              </a:lnSpc>
+              <a:spcBef>
+                <a:spcPts val="0"/>
+              </a:spcBef>
+              <a:spcAft>
+                <a:spcPts val="0"/>
+              </a:spcAft>
+              <a:buClrTx/>
+              <a:buSzTx/>
+              <a:buFontTx/>
+              <a:buNone/>
+              <a:tabLst/>
+              <a:defRPr/>
+            </a:pPr>
+            <a:endParaRPr lang="en-US" b="1"/>
+          </a:p>
+        </p:txBody>
+      </p:sp>
+      <p:sp>
+        <p:nvSpPr>
+          <p:cNvPr id="4" name="Foliennummernplatzhalter 3"/>
+          <p:cNvSpPr>
+            <a:spLocks noGrp="1"/>
+          </p:cNvSpPr>
+          <p:nvPr>
+            <p:ph type="sldNum" sz="quarter" idx="10"/>
+          </p:nvPr>
+        </p:nvSpPr>
+        <p:spPr/>
+        <p:txBody>
+          <a:bodyPr/>
+          <a:lstStyle/>
+          <a:p>
+            <a:fld id="{20A41429-B750-4047-B563-2878417A70E7}" type="slidenum">
+              <a:rPr lang="en-US" smtClean="0"/>
+              <a:t>18</a:t>
+            </a:fld>
+            <a:endParaRPr lang="en-US"/>
+          </a:p>
+        </p:txBody>
+      </p:sp>
+    </p:spTree>
+    <p:extLst>
+      <p:ext uri="{BB962C8B-B14F-4D97-AF65-F5344CB8AC3E}">
+        <p14:creationId xmlns:p14="http://schemas.microsoft.com/office/powerpoint/2010/main" val="2003840370"/>
+      </p:ext>
+    </p:extLst>
+  </p:cSld>
+  <p:clrMapOvr>
+    <a:masterClrMapping/>
+  </p:clrMapOvr>
+</p:notes>
+</file>
+
+<file path=ppt/notesSlides/notesSlide14.xml><?xml version="1.0" encoding="utf-8"?>
+<p:notes xmlns:a="http://schemas.openxmlformats.org/drawingml/2006/main" xmlns:r="http://schemas.openxmlformats.org/officeDocument/2006/relationships" xmlns:p="http://schemas.openxmlformats.org/presentationml/2006/main">
+  <p:cSld>
+    <p:spTree>
+      <p:nvGrpSpPr>
+        <p:cNvPr id="1" name=""/>
+        <p:cNvGrpSpPr/>
+        <p:nvPr/>
+      </p:nvGrpSpPr>
+      <p:grpSpPr>
+        <a:xfrm>
+          <a:off x="0" y="0"/>
+          <a:ext cx="0" cy="0"/>
+          <a:chOff x="0" y="0"/>
+          <a:chExt cx="0" cy="0"/>
+        </a:xfrm>
+      </p:grpSpPr>
+      <p:sp>
+        <p:nvSpPr>
+          <p:cNvPr id="2" name="Folienbildplatzhalter 1"/>
+          <p:cNvSpPr>
+            <a:spLocks noGrp="1" noRot="1" noChangeAspect="1"/>
+          </p:cNvSpPr>
+          <p:nvPr>
+            <p:ph type="sldImg"/>
+          </p:nvPr>
+        </p:nvSpPr>
+        <p:spPr/>
+      </p:sp>
+      <p:sp>
+        <p:nvSpPr>
+          <p:cNvPr id="3" name="Notizenplatzhalter 2"/>
+          <p:cNvSpPr>
+            <a:spLocks noGrp="1"/>
+          </p:cNvSpPr>
+          <p:nvPr>
+            <p:ph type="body" idx="1"/>
+          </p:nvPr>
+        </p:nvSpPr>
+        <p:spPr/>
+        <p:txBody>
+          <a:bodyPr/>
+          <a:lstStyle/>
+          <a:p>
+            <a:pPr marL="0" marR="0" lvl="0" indent="0" algn="l" defTabSz="914400" rtl="0" eaLnBrk="1" fontAlgn="auto" latinLnBrk="0" hangingPunct="1">
+              <a:lnSpc>
+                <a:spcPct val="100000"/>
+              </a:lnSpc>
+              <a:spcBef>
+                <a:spcPts val="0"/>
+              </a:spcBef>
+              <a:spcAft>
+                <a:spcPts val="0"/>
+              </a:spcAft>
+              <a:buClrTx/>
+              <a:buSzTx/>
+              <a:buFontTx/>
+              <a:buNone/>
+              <a:tabLst/>
+              <a:defRPr/>
+            </a:pPr>
+            <a:endParaRPr lang="en-US" b="1"/>
+          </a:p>
+        </p:txBody>
+      </p:sp>
+      <p:sp>
+        <p:nvSpPr>
+          <p:cNvPr id="4" name="Foliennummernplatzhalter 3"/>
+          <p:cNvSpPr>
+            <a:spLocks noGrp="1"/>
+          </p:cNvSpPr>
+          <p:nvPr>
+            <p:ph type="sldNum" sz="quarter" idx="10"/>
+          </p:nvPr>
+        </p:nvSpPr>
+        <p:spPr/>
+        <p:txBody>
+          <a:bodyPr/>
+          <a:lstStyle/>
+          <a:p>
+            <a:fld id="{20A41429-B750-4047-B563-2878417A70E7}" type="slidenum">
+              <a:rPr lang="en-US" smtClean="0"/>
+              <a:t>19</a:t>
+            </a:fld>
+            <a:endParaRPr lang="en-US"/>
+          </a:p>
+        </p:txBody>
+      </p:sp>
+    </p:spTree>
+    <p:extLst>
+      <p:ext uri="{BB962C8B-B14F-4D97-AF65-F5344CB8AC3E}">
+        <p14:creationId xmlns:p14="http://schemas.microsoft.com/office/powerpoint/2010/main" val="4272284150"/>
+      </p:ext>
+    </p:extLst>
+  </p:cSld>
+  <p:clrMapOvr>
+    <a:masterClrMapping/>
+  </p:clrMapOvr>
+</p:notes>
+</file>
+
 <file path=ppt/notesSlides/notesSlide2.xml><?xml version="1.0" encoding="utf-8"?>
 <p:notes xmlns:a="http://schemas.openxmlformats.org/drawingml/2006/main" xmlns:r="http://schemas.openxmlformats.org/officeDocument/2006/relationships" xmlns:p="http://schemas.openxmlformats.org/presentationml/2006/main">
   <p:cSld>
@@ -746,7 +1257,7 @@
           <a:p>
             <a:fld id="{20A41429-B750-4047-B563-2878417A70E7}" type="slidenum">
               <a:rPr lang="en-US" smtClean="0"/>
-              <a:t>6</a:t>
+              <a:t>5</a:t>
             </a:fld>
             <a:endParaRPr lang="en-US"/>
           </a:p>
@@ -755,7 +1266,7 @@
     </p:spTree>
     <p:extLst>
       <p:ext uri="{BB962C8B-B14F-4D97-AF65-F5344CB8AC3E}">
-        <p14:creationId xmlns:p14="http://schemas.microsoft.com/office/powerpoint/2010/main" val="1912288911"/>
+        <p14:creationId xmlns:p14="http://schemas.microsoft.com/office/powerpoint/2010/main" val="497142601"/>
       </p:ext>
     </p:extLst>
   </p:cSld>
@@ -847,7 +1358,7 @@
           <a:p>
             <a:fld id="{20A41429-B750-4047-B563-2878417A70E7}" type="slidenum">
               <a:rPr lang="en-US" smtClean="0"/>
-              <a:t>8</a:t>
+              <a:t>6</a:t>
             </a:fld>
             <a:endParaRPr lang="en-US"/>
           </a:p>
@@ -856,7 +1367,7 @@
     </p:spTree>
     <p:extLst>
       <p:ext uri="{BB962C8B-B14F-4D97-AF65-F5344CB8AC3E}">
-        <p14:creationId xmlns:p14="http://schemas.microsoft.com/office/powerpoint/2010/main" val="4272284150"/>
+        <p14:creationId xmlns:p14="http://schemas.microsoft.com/office/powerpoint/2010/main" val="1602845324"/>
       </p:ext>
     </p:extLst>
   </p:cSld>
@@ -948,7 +1459,7 @@
           <a:p>
             <a:fld id="{20A41429-B750-4047-B563-2878417A70E7}" type="slidenum">
               <a:rPr lang="en-US" smtClean="0"/>
-              <a:t>9</a:t>
+              <a:t>8</a:t>
             </a:fld>
             <a:endParaRPr lang="en-US"/>
           </a:p>
@@ -957,7 +1468,7 @@
     </p:spTree>
     <p:extLst>
       <p:ext uri="{BB962C8B-B14F-4D97-AF65-F5344CB8AC3E}">
-        <p14:creationId xmlns:p14="http://schemas.microsoft.com/office/powerpoint/2010/main" val="244738309"/>
+        <p14:creationId xmlns:p14="http://schemas.microsoft.com/office/powerpoint/2010/main" val="1912288911"/>
       </p:ext>
     </p:extLst>
   </p:cSld>
@@ -1049,7 +1560,7 @@
           <a:p>
             <a:fld id="{20A41429-B750-4047-B563-2878417A70E7}" type="slidenum">
               <a:rPr lang="en-US" smtClean="0"/>
-              <a:t>10</a:t>
+              <a:t>9</a:t>
             </a:fld>
             <a:endParaRPr lang="en-US"/>
           </a:p>
@@ -1058,7 +1569,7 @@
     </p:spTree>
     <p:extLst>
       <p:ext uri="{BB962C8B-B14F-4D97-AF65-F5344CB8AC3E}">
-        <p14:creationId xmlns:p14="http://schemas.microsoft.com/office/powerpoint/2010/main" val="4272284150"/>
+        <p14:creationId xmlns:p14="http://schemas.microsoft.com/office/powerpoint/2010/main" val="4150740070"/>
       </p:ext>
     </p:extLst>
   </p:cSld>
@@ -1150,7 +1661,7 @@
           <a:p>
             <a:fld id="{20A41429-B750-4047-B563-2878417A70E7}" type="slidenum">
               <a:rPr lang="en-US" smtClean="0"/>
-              <a:t>12</a:t>
+              <a:t>10</a:t>
             </a:fld>
             <a:endParaRPr lang="en-US"/>
           </a:p>
@@ -1159,7 +1670,7 @@
     </p:spTree>
     <p:extLst>
       <p:ext uri="{BB962C8B-B14F-4D97-AF65-F5344CB8AC3E}">
-        <p14:creationId xmlns:p14="http://schemas.microsoft.com/office/powerpoint/2010/main" val="2003840370"/>
+        <p14:creationId xmlns:p14="http://schemas.microsoft.com/office/powerpoint/2010/main" val="678898050"/>
       </p:ext>
     </p:extLst>
   </p:cSld>
@@ -1251,7 +1762,7 @@
           <a:p>
             <a:fld id="{20A41429-B750-4047-B563-2878417A70E7}" type="slidenum">
               <a:rPr lang="en-US" smtClean="0"/>
-              <a:t>13</a:t>
+              <a:t>11</a:t>
             </a:fld>
             <a:endParaRPr lang="en-US"/>
           </a:p>
@@ -1260,7 +1771,108 @@
     </p:spTree>
     <p:extLst>
       <p:ext uri="{BB962C8B-B14F-4D97-AF65-F5344CB8AC3E}">
-        <p14:creationId xmlns:p14="http://schemas.microsoft.com/office/powerpoint/2010/main" val="4272284150"/>
+        <p14:creationId xmlns:p14="http://schemas.microsoft.com/office/powerpoint/2010/main" val="245436850"/>
+      </p:ext>
+    </p:extLst>
+  </p:cSld>
+  <p:clrMapOvr>
+    <a:masterClrMapping/>
+  </p:clrMapOvr>
+</p:notes>
+</file>
+
+<file path=ppt/notesSlides/notesSlide9.xml><?xml version="1.0" encoding="utf-8"?>
+<p:notes xmlns:a="http://schemas.openxmlformats.org/drawingml/2006/main" xmlns:r="http://schemas.openxmlformats.org/officeDocument/2006/relationships" xmlns:p="http://schemas.openxmlformats.org/presentationml/2006/main">
+  <p:cSld>
+    <p:spTree>
+      <p:nvGrpSpPr>
+        <p:cNvPr id="1" name=""/>
+        <p:cNvGrpSpPr/>
+        <p:nvPr/>
+      </p:nvGrpSpPr>
+      <p:grpSpPr>
+        <a:xfrm>
+          <a:off x="0" y="0"/>
+          <a:ext cx="0" cy="0"/>
+          <a:chOff x="0" y="0"/>
+          <a:chExt cx="0" cy="0"/>
+        </a:xfrm>
+      </p:grpSpPr>
+      <p:sp>
+        <p:nvSpPr>
+          <p:cNvPr id="2" name="Folienbildplatzhalter 1"/>
+          <p:cNvSpPr>
+            <a:spLocks noGrp="1" noRot="1" noChangeAspect="1"/>
+          </p:cNvSpPr>
+          <p:nvPr>
+            <p:ph type="sldImg"/>
+          </p:nvPr>
+        </p:nvSpPr>
+        <p:spPr/>
+      </p:sp>
+      <p:sp>
+        <p:nvSpPr>
+          <p:cNvPr id="3" name="Notizenplatzhalter 2"/>
+          <p:cNvSpPr>
+            <a:spLocks noGrp="1"/>
+          </p:cNvSpPr>
+          <p:nvPr>
+            <p:ph type="body" idx="1"/>
+          </p:nvPr>
+        </p:nvSpPr>
+        <p:spPr/>
+        <p:txBody>
+          <a:bodyPr/>
+          <a:lstStyle/>
+          <a:p>
+            <a:pPr marL="0" marR="0" lvl="0" indent="0" algn="l" defTabSz="914400" rtl="0" eaLnBrk="1" fontAlgn="auto" latinLnBrk="0" hangingPunct="1">
+              <a:lnSpc>
+                <a:spcPct val="100000"/>
+              </a:lnSpc>
+              <a:spcBef>
+                <a:spcPts val="0"/>
+              </a:spcBef>
+              <a:spcAft>
+                <a:spcPts val="0"/>
+              </a:spcAft>
+              <a:buClrTx/>
+              <a:buSzTx/>
+              <a:buFontTx/>
+              <a:buNone/>
+              <a:tabLst/>
+              <a:defRPr/>
+            </a:pPr>
+            <a:endParaRPr lang="en-US" b="1"/>
+          </a:p>
+        </p:txBody>
+      </p:sp>
+      <p:sp>
+        <p:nvSpPr>
+          <p:cNvPr id="4" name="Foliennummernplatzhalter 3"/>
+          <p:cNvSpPr>
+            <a:spLocks noGrp="1"/>
+          </p:cNvSpPr>
+          <p:nvPr>
+            <p:ph type="sldNum" sz="quarter" idx="10"/>
+          </p:nvPr>
+        </p:nvSpPr>
+        <p:spPr/>
+        <p:txBody>
+          <a:bodyPr/>
+          <a:lstStyle/>
+          <a:p>
+            <a:fld id="{20A41429-B750-4047-B563-2878417A70E7}" type="slidenum">
+              <a:rPr lang="en-US" smtClean="0"/>
+              <a:t>12</a:t>
+            </a:fld>
+            <a:endParaRPr lang="en-US"/>
+          </a:p>
+        </p:txBody>
+      </p:sp>
+    </p:spTree>
+    <p:extLst>
+      <p:ext uri="{BB962C8B-B14F-4D97-AF65-F5344CB8AC3E}">
+        <p14:creationId xmlns:p14="http://schemas.microsoft.com/office/powerpoint/2010/main" val="592598644"/>
       </p:ext>
     </p:extLst>
   </p:cSld>
@@ -1401,7 +2013,7 @@
           <a:p>
             <a:fld id="{5A1811BA-6AD9-41A7-B7A2-456C8523519C}" type="datetime1">
               <a:rPr lang="en-US" smtClean="0"/>
-              <a:t>4/16/2021</a:t>
+              <a:t>4/22/2021</a:t>
             </a:fld>
             <a:endParaRPr lang="en-US"/>
           </a:p>
@@ -1571,7 +2183,7 @@
           <a:p>
             <a:fld id="{B0494441-C196-4BB0-93EE-AF22360207AB}" type="datetime1">
               <a:rPr lang="en-US" smtClean="0"/>
-              <a:t>4/16/2021</a:t>
+              <a:t>4/22/2021</a:t>
             </a:fld>
             <a:endParaRPr lang="en-US"/>
           </a:p>
@@ -1751,7 +2363,7 @@
           <a:p>
             <a:fld id="{D7B9282B-C3CE-4F56-8DD1-5349F982F1D2}" type="datetime1">
               <a:rPr lang="en-US" smtClean="0"/>
-              <a:t>4/16/2021</a:t>
+              <a:t>4/22/2021</a:t>
             </a:fld>
             <a:endParaRPr lang="en-US"/>
           </a:p>
@@ -1921,7 +2533,7 @@
           <a:p>
             <a:fld id="{E6E86D6A-786F-4E85-AF3B-385015383ABA}" type="datetime1">
               <a:rPr lang="en-US" smtClean="0"/>
-              <a:t>4/16/2021</a:t>
+              <a:t>4/22/2021</a:t>
             </a:fld>
             <a:endParaRPr lang="en-US"/>
           </a:p>
@@ -2167,7 +2779,7 @@
           <a:p>
             <a:fld id="{051FFEB0-9C80-4A34-A5C7-72D52D52FC7D}" type="datetime1">
               <a:rPr lang="en-US" smtClean="0"/>
-              <a:t>4/16/2021</a:t>
+              <a:t>4/22/2021</a:t>
             </a:fld>
             <a:endParaRPr lang="en-US"/>
           </a:p>
@@ -2399,7 +3011,7 @@
           <a:p>
             <a:fld id="{084267AD-C299-471B-ABA1-D0EA94C7EDCF}" type="datetime1">
               <a:rPr lang="en-US" smtClean="0"/>
-              <a:t>4/16/2021</a:t>
+              <a:t>4/22/2021</a:t>
             </a:fld>
             <a:endParaRPr lang="en-US"/>
           </a:p>
@@ -2766,7 +3378,7 @@
           <a:p>
             <a:fld id="{6468DBC7-10F8-46A1-8CE1-DBB0A6F0EF3E}" type="datetime1">
               <a:rPr lang="en-US" smtClean="0"/>
-              <a:t>4/16/2021</a:t>
+              <a:t>4/22/2021</a:t>
             </a:fld>
             <a:endParaRPr lang="en-US"/>
           </a:p>
@@ -2884,7 +3496,7 @@
           <a:p>
             <a:fld id="{0A97ED80-8DDA-43A7-A78F-B0542D691D0E}" type="datetime1">
               <a:rPr lang="en-US" smtClean="0"/>
-              <a:t>4/16/2021</a:t>
+              <a:t>4/22/2021</a:t>
             </a:fld>
             <a:endParaRPr lang="en-US"/>
           </a:p>
@@ -2979,7 +3591,7 @@
           <a:p>
             <a:fld id="{0AF827E6-45BA-40D2-98F2-BE4FFF095577}" type="datetime1">
               <a:rPr lang="en-US" smtClean="0"/>
-              <a:t>4/16/2021</a:t>
+              <a:t>4/22/2021</a:t>
             </a:fld>
             <a:endParaRPr lang="en-US"/>
           </a:p>
@@ -3256,7 +3868,7 @@
           <a:p>
             <a:fld id="{42BD114C-22EA-4B1A-A45B-ED6465C7BB4E}" type="datetime1">
               <a:rPr lang="en-US" smtClean="0"/>
-              <a:t>4/16/2021</a:t>
+              <a:t>4/22/2021</a:t>
             </a:fld>
             <a:endParaRPr lang="en-US"/>
           </a:p>
@@ -3509,7 +4121,7 @@
           <a:p>
             <a:fld id="{F46F8903-38BE-4FD8-98FC-E4EF771B2D8C}" type="datetime1">
               <a:rPr lang="en-US" smtClean="0"/>
-              <a:t>4/16/2021</a:t>
+              <a:t>4/22/2021</a:t>
             </a:fld>
             <a:endParaRPr lang="en-US"/>
           </a:p>
@@ -3722,7 +4334,7 @@
           <a:p>
             <a:fld id="{A91AC8C7-9CA9-4E83-8CE3-AD3BE4150B39}" type="datetime1">
               <a:rPr lang="en-US" smtClean="0"/>
-              <a:t>4/16/2021</a:t>
+              <a:t>4/22/2021</a:t>
             </a:fld>
             <a:endParaRPr lang="en-US"/>
           </a:p>
@@ -4295,6 +4907,75 @@
       </p:grpSpPr>
       <p:sp>
         <p:nvSpPr>
+          <p:cNvPr id="7" name="Content Placeholder 2">
+            <a:extLst>
+              <a:ext uri="{FF2B5EF4-FFF2-40B4-BE49-F238E27FC236}">
+                <a16:creationId xmlns:a16="http://schemas.microsoft.com/office/drawing/2014/main" id="{0F324A9E-9392-4545-96A6-95DE3958C6B2}"/>
+              </a:ext>
+            </a:extLst>
+          </p:cNvPr>
+          <p:cNvSpPr>
+            <a:spLocks noGrp="1"/>
+          </p:cNvSpPr>
+          <p:nvPr>
+            <p:ph idx="1"/>
+          </p:nvPr>
+        </p:nvSpPr>
+        <p:spPr>
+          <a:xfrm>
+            <a:off x="1066797" y="1990725"/>
+            <a:ext cx="10287001" cy="4800600"/>
+          </a:xfrm>
+        </p:spPr>
+        <p:txBody>
+          <a:bodyPr>
+            <a:normAutofit/>
+          </a:bodyPr>
+          <a:lstStyle/>
+          <a:p>
+            <a:r>
+              <a:rPr lang="de-DE" b="1"/>
+              <a:t>Probabilistic / generative approaches</a:t>
+            </a:r>
+          </a:p>
+          <a:p>
+            <a:pPr lvl="1"/>
+            <a:r>
+              <a:rPr lang="de-DE"/>
+              <a:t>Hierarchical Bayesian mixture models</a:t>
+            </a:r>
+          </a:p>
+          <a:p>
+            <a:pPr lvl="1"/>
+            <a:r>
+              <a:rPr lang="de-DE" b="1"/>
+              <a:t>Idea</a:t>
+            </a:r>
+            <a:r>
+              <a:rPr lang="de-DE"/>
+              <a:t>: reverse-engineer the imaginative process of document generation</a:t>
+            </a:r>
+            <a:br>
+              <a:rPr lang="de-DE"/>
+            </a:br>
+            <a:br>
+              <a:rPr lang="de-DE"/>
+            </a:br>
+            <a:br>
+              <a:rPr lang="de-DE"/>
+            </a:br>
+            <a:br>
+              <a:rPr lang="de-DE"/>
+            </a:br>
+            <a:br>
+              <a:rPr lang="de-DE"/>
+            </a:br>
+            <a:endParaRPr lang="en-US"/>
+          </a:p>
+        </p:txBody>
+      </p:sp>
+      <p:sp>
+        <p:nvSpPr>
           <p:cNvPr id="4" name="Foliennummernplatzhalter 3"/>
           <p:cNvSpPr>
             <a:spLocks noGrp="1"/>
@@ -4344,11 +5025,2311 @@
           <a:p>
             <a:r>
               <a:rPr lang="en-US"/>
+              <a:t>Approaches  </a:t>
+            </a:r>
+            <a:r>
+              <a:rPr lang="en-US" b="1"/>
+              <a:t>Probabilistic / Generative</a:t>
+            </a:r>
+          </a:p>
+        </p:txBody>
+      </p:sp>
+      <p:sp>
+        <p:nvSpPr>
+          <p:cNvPr id="11" name="TextBox 10">
+            <a:extLst>
+              <a:ext uri="{FF2B5EF4-FFF2-40B4-BE49-F238E27FC236}">
+                <a16:creationId xmlns:a16="http://schemas.microsoft.com/office/drawing/2014/main" id="{DB4DD7A1-05AF-49AB-97AA-73AF067DA6AB}"/>
+              </a:ext>
+            </a:extLst>
+          </p:cNvPr>
+          <p:cNvSpPr txBox="1"/>
+          <p:nvPr/>
+        </p:nvSpPr>
+        <p:spPr>
+          <a:xfrm>
+            <a:off x="1066795" y="4117321"/>
+            <a:ext cx="10287000" cy="1938992"/>
+          </a:xfrm>
+          <a:prstGeom prst="rect">
+            <a:avLst/>
+          </a:prstGeom>
+          <a:noFill/>
+        </p:spPr>
+        <p:txBody>
+          <a:bodyPr wrap="square">
+            <a:spAutoFit/>
+          </a:bodyPr>
+          <a:lstStyle/>
+          <a:p>
+            <a:pPr marL="457200" indent="-457200">
+              <a:buAutoNum type="arabicPeriod"/>
+            </a:pPr>
+            <a:r>
+              <a:rPr lang="de-DE" sz="2400" i="1"/>
+              <a:t>For each of document d within a corpus draw a vector of topic proportions from the assumed distribution</a:t>
+            </a:r>
+          </a:p>
+          <a:p>
+            <a:pPr marL="457200" indent="-457200">
+              <a:buAutoNum type="arabicPeriod"/>
+            </a:pPr>
+            <a:r>
+              <a:rPr lang="de-DE" sz="2400" i="1"/>
+              <a:t>For each word position n within d</a:t>
+            </a:r>
+          </a:p>
+          <a:p>
+            <a:pPr marL="914400" lvl="1" indent="-457200">
+              <a:buAutoNum type="arabicPeriod"/>
+            </a:pPr>
+            <a:r>
+              <a:rPr lang="de-DE" sz="2400" i="1"/>
+              <a:t>draw a topic assignment from the assumed distribution</a:t>
+            </a:r>
+          </a:p>
+          <a:p>
+            <a:pPr marL="914400" lvl="1" indent="-457200">
+              <a:buAutoNum type="arabicPeriod"/>
+            </a:pPr>
+            <a:r>
+              <a:rPr lang="de-DE" sz="2400" i="1"/>
+              <a:t>draw a word from the assumed distribution</a:t>
+            </a:r>
+            <a:endParaRPr lang="en-US" sz="2400" i="1"/>
+          </a:p>
+        </p:txBody>
+      </p:sp>
+    </p:spTree>
+    <p:extLst>
+      <p:ext uri="{BB962C8B-B14F-4D97-AF65-F5344CB8AC3E}">
+        <p14:creationId xmlns:p14="http://schemas.microsoft.com/office/powerpoint/2010/main" val="4191616769"/>
+      </p:ext>
+    </p:extLst>
+  </p:cSld>
+  <p:clrMapOvr>
+    <a:masterClrMapping/>
+  </p:clrMapOvr>
+</p:sld>
+</file>
+
+<file path=ppt/slides/slide11.xml><?xml version="1.0" encoding="utf-8"?>
+<p:sld xmlns:a="http://schemas.openxmlformats.org/drawingml/2006/main" xmlns:r="http://schemas.openxmlformats.org/officeDocument/2006/relationships" xmlns:p="http://schemas.openxmlformats.org/presentationml/2006/main">
+  <p:cSld>
+    <p:spTree>
+      <p:nvGrpSpPr>
+        <p:cNvPr id="1" name=""/>
+        <p:cNvGrpSpPr/>
+        <p:nvPr/>
+      </p:nvGrpSpPr>
+      <p:grpSpPr>
+        <a:xfrm>
+          <a:off x="0" y="0"/>
+          <a:ext cx="0" cy="0"/>
+          <a:chOff x="0" y="0"/>
+          <a:chExt cx="0" cy="0"/>
+        </a:xfrm>
+      </p:grpSpPr>
+      <p:sp>
+        <p:nvSpPr>
+          <p:cNvPr id="7" name="Content Placeholder 2">
+            <a:extLst>
+              <a:ext uri="{FF2B5EF4-FFF2-40B4-BE49-F238E27FC236}">
+                <a16:creationId xmlns:a16="http://schemas.microsoft.com/office/drawing/2014/main" id="{0F324A9E-9392-4545-96A6-95DE3958C6B2}"/>
+              </a:ext>
+            </a:extLst>
+          </p:cNvPr>
+          <p:cNvSpPr>
+            <a:spLocks noGrp="1"/>
+          </p:cNvSpPr>
+          <p:nvPr>
+            <p:ph idx="1"/>
+          </p:nvPr>
+        </p:nvSpPr>
+        <p:spPr>
+          <a:xfrm>
+            <a:off x="1066797" y="1990725"/>
+            <a:ext cx="10287001" cy="4800600"/>
+          </a:xfrm>
+        </p:spPr>
+        <p:txBody>
+          <a:bodyPr>
+            <a:normAutofit/>
+          </a:bodyPr>
+          <a:lstStyle/>
+          <a:p>
+            <a:r>
+              <a:rPr lang="de-DE" b="1"/>
+              <a:t>Example</a:t>
+            </a:r>
+            <a:br>
+              <a:rPr lang="de-DE"/>
+            </a:br>
+            <a:br>
+              <a:rPr lang="de-DE"/>
+            </a:br>
+            <a:br>
+              <a:rPr lang="de-DE"/>
+            </a:br>
+            <a:br>
+              <a:rPr lang="de-DE"/>
+            </a:br>
+            <a:br>
+              <a:rPr lang="de-DE"/>
+            </a:br>
+            <a:endParaRPr lang="en-US"/>
+          </a:p>
+        </p:txBody>
+      </p:sp>
+      <p:sp>
+        <p:nvSpPr>
+          <p:cNvPr id="4" name="Foliennummernplatzhalter 3"/>
+          <p:cNvSpPr>
+            <a:spLocks noGrp="1"/>
+          </p:cNvSpPr>
+          <p:nvPr>
+            <p:ph type="sldNum" sz="quarter" idx="12"/>
+          </p:nvPr>
+        </p:nvSpPr>
+        <p:spPr/>
+        <p:txBody>
+          <a:bodyPr/>
+          <a:lstStyle/>
+          <a:p>
+            <a:fld id="{C9E0B00B-E6DF-4183-A694-3DE28BEFB357}" type="slidenum">
+              <a:rPr lang="en-US" smtClean="0"/>
+              <a:t>11</a:t>
+            </a:fld>
+            <a:endParaRPr lang="en-US"/>
+          </a:p>
+        </p:txBody>
+      </p:sp>
+      <p:sp>
+        <p:nvSpPr>
+          <p:cNvPr id="12" name="Titel 1">
+            <a:extLst>
+              <a:ext uri="{FF2B5EF4-FFF2-40B4-BE49-F238E27FC236}">
+                <a16:creationId xmlns:a16="http://schemas.microsoft.com/office/drawing/2014/main" id="{478EA67A-3C39-4D0A-996A-C363F30A14B2}"/>
+              </a:ext>
+            </a:extLst>
+          </p:cNvPr>
+          <p:cNvSpPr>
+            <a:spLocks noGrp="1"/>
+          </p:cNvSpPr>
+          <p:nvPr>
+            <p:ph type="title"/>
+          </p:nvPr>
+        </p:nvSpPr>
+        <p:spPr>
+          <a:xfrm>
+            <a:off x="1066800" y="561524"/>
+            <a:ext cx="10287000" cy="1129164"/>
+          </a:xfrm>
+        </p:spPr>
+        <p:txBody>
+          <a:bodyPr/>
+          <a:lstStyle/>
+          <a:p>
+            <a:r>
+              <a:rPr lang="en-US"/>
+              <a:t>Approaches  </a:t>
+            </a:r>
+            <a:r>
+              <a:rPr lang="en-US" b="1"/>
+              <a:t>Probabilistic / Generative</a:t>
+            </a:r>
+          </a:p>
+        </p:txBody>
+      </p:sp>
+      <p:sp>
+        <p:nvSpPr>
+          <p:cNvPr id="2" name="Rectangle 1">
+            <a:extLst>
+              <a:ext uri="{FF2B5EF4-FFF2-40B4-BE49-F238E27FC236}">
+                <a16:creationId xmlns:a16="http://schemas.microsoft.com/office/drawing/2014/main" id="{1D356CEC-8489-4E75-A9B2-CEE9CBB572E0}"/>
+              </a:ext>
+            </a:extLst>
+          </p:cNvPr>
+          <p:cNvSpPr/>
+          <p:nvPr/>
+        </p:nvSpPr>
+        <p:spPr>
+          <a:xfrm>
+            <a:off x="3924301" y="1990725"/>
+            <a:ext cx="1610109" cy="1129164"/>
+          </a:xfrm>
+          <a:prstGeom prst="rect">
+            <a:avLst/>
+          </a:prstGeom>
+          <a:solidFill>
+            <a:schemeClr val="bg2"/>
+          </a:solidFill>
+          <a:ln>
+            <a:solidFill>
+              <a:schemeClr val="bg2"/>
+            </a:solidFill>
+          </a:ln>
+        </p:spPr>
+        <p:style>
+          <a:lnRef idx="2">
+            <a:schemeClr val="accent1">
+              <a:shade val="50000"/>
+            </a:schemeClr>
+          </a:lnRef>
+          <a:fillRef idx="1">
+            <a:schemeClr val="accent1"/>
+          </a:fillRef>
+          <a:effectRef idx="0">
+            <a:schemeClr val="accent1"/>
+          </a:effectRef>
+          <a:fontRef idx="minor">
+            <a:schemeClr val="lt1"/>
+          </a:fontRef>
+        </p:style>
+        <p:txBody>
+          <a:bodyPr rtlCol="0" anchor="ctr"/>
+          <a:lstStyle/>
+          <a:p>
+            <a:pPr algn="ctr"/>
+            <a:endParaRPr lang="en-US"/>
+          </a:p>
+        </p:txBody>
+      </p:sp>
+      <p:sp>
+        <p:nvSpPr>
+          <p:cNvPr id="8" name="Rectangle 7">
+            <a:extLst>
+              <a:ext uri="{FF2B5EF4-FFF2-40B4-BE49-F238E27FC236}">
+                <a16:creationId xmlns:a16="http://schemas.microsoft.com/office/drawing/2014/main" id="{0FBC80BD-F1C3-44A2-9D53-B22A0FC5709D}"/>
+              </a:ext>
+            </a:extLst>
+          </p:cNvPr>
+          <p:cNvSpPr/>
+          <p:nvPr/>
+        </p:nvSpPr>
+        <p:spPr>
+          <a:xfrm>
+            <a:off x="8863765" y="1990725"/>
+            <a:ext cx="2490033" cy="1129164"/>
+          </a:xfrm>
+          <a:prstGeom prst="rect">
+            <a:avLst/>
+          </a:prstGeom>
+          <a:solidFill>
+            <a:schemeClr val="accent3"/>
+          </a:solidFill>
+          <a:ln>
+            <a:solidFill>
+              <a:schemeClr val="accent3"/>
+            </a:solidFill>
+          </a:ln>
+        </p:spPr>
+        <p:style>
+          <a:lnRef idx="2">
+            <a:schemeClr val="accent1">
+              <a:shade val="50000"/>
+            </a:schemeClr>
+          </a:lnRef>
+          <a:fillRef idx="1">
+            <a:schemeClr val="accent1"/>
+          </a:fillRef>
+          <a:effectRef idx="0">
+            <a:schemeClr val="accent1"/>
+          </a:effectRef>
+          <a:fontRef idx="minor">
+            <a:schemeClr val="lt1"/>
+          </a:fontRef>
+        </p:style>
+        <p:txBody>
+          <a:bodyPr rtlCol="0" anchor="ctr"/>
+          <a:lstStyle/>
+          <a:p>
+            <a:pPr algn="ctr"/>
+            <a:endParaRPr lang="en-US"/>
+          </a:p>
+        </p:txBody>
+      </p:sp>
+      <p:sp>
+        <p:nvSpPr>
+          <p:cNvPr id="9" name="Rectangle 8">
+            <a:extLst>
+              <a:ext uri="{FF2B5EF4-FFF2-40B4-BE49-F238E27FC236}">
+                <a16:creationId xmlns:a16="http://schemas.microsoft.com/office/drawing/2014/main" id="{FEDF2BCE-AEBA-4AF8-A9A4-60B6128E4FBB}"/>
+              </a:ext>
+            </a:extLst>
+          </p:cNvPr>
+          <p:cNvSpPr/>
+          <p:nvPr/>
+        </p:nvSpPr>
+        <p:spPr>
+          <a:xfrm>
+            <a:off x="5777661" y="1990725"/>
+            <a:ext cx="2832939" cy="1129164"/>
+          </a:xfrm>
+          <a:prstGeom prst="rect">
+            <a:avLst/>
+          </a:prstGeom>
+          <a:solidFill>
+            <a:schemeClr val="bg2">
+              <a:lumMod val="90000"/>
+            </a:schemeClr>
+          </a:solidFill>
+          <a:ln>
+            <a:solidFill>
+              <a:schemeClr val="bg2">
+                <a:lumMod val="90000"/>
+              </a:schemeClr>
+            </a:solidFill>
+          </a:ln>
+        </p:spPr>
+        <p:style>
+          <a:lnRef idx="2">
+            <a:schemeClr val="accent1">
+              <a:shade val="50000"/>
+            </a:schemeClr>
+          </a:lnRef>
+          <a:fillRef idx="1">
+            <a:schemeClr val="accent1"/>
+          </a:fillRef>
+          <a:effectRef idx="0">
+            <a:schemeClr val="accent1"/>
+          </a:effectRef>
+          <a:fontRef idx="minor">
+            <a:schemeClr val="lt1"/>
+          </a:fontRef>
+        </p:style>
+        <p:txBody>
+          <a:bodyPr rtlCol="0" anchor="ctr"/>
+          <a:lstStyle/>
+          <a:p>
+            <a:pPr algn="ctr"/>
+            <a:endParaRPr lang="en-US"/>
+          </a:p>
+        </p:txBody>
+      </p:sp>
+      <p:sp>
+        <p:nvSpPr>
+          <p:cNvPr id="3" name="TextBox 2">
+            <a:extLst>
+              <a:ext uri="{FF2B5EF4-FFF2-40B4-BE49-F238E27FC236}">
+                <a16:creationId xmlns:a16="http://schemas.microsoft.com/office/drawing/2014/main" id="{9493236E-A665-4160-A95B-3E09D217C860}"/>
+              </a:ext>
+            </a:extLst>
+          </p:cNvPr>
+          <p:cNvSpPr txBox="1"/>
+          <p:nvPr/>
+        </p:nvSpPr>
+        <p:spPr>
+          <a:xfrm>
+            <a:off x="4070849" y="2109519"/>
+            <a:ext cx="1253624" cy="523220"/>
+          </a:xfrm>
+          <a:prstGeom prst="rect">
+            <a:avLst/>
+          </a:prstGeom>
+          <a:noFill/>
+        </p:spPr>
+        <p:txBody>
+          <a:bodyPr wrap="square" rtlCol="0">
+            <a:spAutoFit/>
+          </a:bodyPr>
+          <a:lstStyle/>
+          <a:p>
+            <a:r>
+              <a:rPr lang="de-DE" sz="2800"/>
+              <a:t>writing</a:t>
+            </a:r>
+            <a:endParaRPr lang="en-US" sz="2800"/>
+          </a:p>
+        </p:txBody>
+      </p:sp>
+      <p:sp>
+        <p:nvSpPr>
+          <p:cNvPr id="10" name="TextBox 9">
+            <a:extLst>
+              <a:ext uri="{FF2B5EF4-FFF2-40B4-BE49-F238E27FC236}">
+                <a16:creationId xmlns:a16="http://schemas.microsoft.com/office/drawing/2014/main" id="{EBC6A74D-C796-4A88-A2EC-69BFC5EEBFB9}"/>
+              </a:ext>
+            </a:extLst>
+          </p:cNvPr>
+          <p:cNvSpPr txBox="1"/>
+          <p:nvPr/>
+        </p:nvSpPr>
+        <p:spPr>
+          <a:xfrm>
+            <a:off x="4439194" y="2542472"/>
+            <a:ext cx="1253624" cy="461665"/>
+          </a:xfrm>
+          <a:prstGeom prst="rect">
+            <a:avLst/>
+          </a:prstGeom>
+          <a:noFill/>
+        </p:spPr>
+        <p:txBody>
+          <a:bodyPr wrap="square" rtlCol="0">
+            <a:spAutoFit/>
+          </a:bodyPr>
+          <a:lstStyle/>
+          <a:p>
+            <a:r>
+              <a:rPr lang="de-DE" sz="2400"/>
+              <a:t>author</a:t>
+            </a:r>
+            <a:endParaRPr lang="en-US" sz="2800"/>
+          </a:p>
+        </p:txBody>
+      </p:sp>
+      <p:sp>
+        <p:nvSpPr>
+          <p:cNvPr id="13" name="TextBox 12">
+            <a:extLst>
+              <a:ext uri="{FF2B5EF4-FFF2-40B4-BE49-F238E27FC236}">
+                <a16:creationId xmlns:a16="http://schemas.microsoft.com/office/drawing/2014/main" id="{EC50EEAF-CAAD-4C0A-8987-201B8F3C6264}"/>
+              </a:ext>
+            </a:extLst>
+          </p:cNvPr>
+          <p:cNvSpPr txBox="1"/>
+          <p:nvPr/>
+        </p:nvSpPr>
+        <p:spPr>
+          <a:xfrm>
+            <a:off x="6143123" y="2318419"/>
+            <a:ext cx="1253624" cy="461665"/>
+          </a:xfrm>
+          <a:prstGeom prst="rect">
+            <a:avLst/>
+          </a:prstGeom>
+          <a:noFill/>
+        </p:spPr>
+        <p:txBody>
+          <a:bodyPr wrap="square" rtlCol="0">
+            <a:spAutoFit/>
+          </a:bodyPr>
+          <a:lstStyle/>
+          <a:p>
+            <a:r>
+              <a:rPr lang="de-DE" sz="2400"/>
+              <a:t>dog</a:t>
+            </a:r>
+            <a:endParaRPr lang="en-US" sz="2800"/>
+          </a:p>
+        </p:txBody>
+      </p:sp>
+      <p:sp>
+        <p:nvSpPr>
+          <p:cNvPr id="14" name="TextBox 13">
+            <a:extLst>
+              <a:ext uri="{FF2B5EF4-FFF2-40B4-BE49-F238E27FC236}">
+                <a16:creationId xmlns:a16="http://schemas.microsoft.com/office/drawing/2014/main" id="{A97EF6A3-2984-4986-BC4F-D8B1CA6E5CA1}"/>
+              </a:ext>
+            </a:extLst>
+          </p:cNvPr>
+          <p:cNvSpPr txBox="1"/>
+          <p:nvPr/>
+        </p:nvSpPr>
+        <p:spPr>
+          <a:xfrm>
+            <a:off x="6995604" y="2162797"/>
+            <a:ext cx="1253624" cy="584775"/>
+          </a:xfrm>
+          <a:prstGeom prst="rect">
+            <a:avLst/>
+          </a:prstGeom>
+          <a:noFill/>
+        </p:spPr>
+        <p:txBody>
+          <a:bodyPr wrap="square" rtlCol="0">
+            <a:spAutoFit/>
+          </a:bodyPr>
+          <a:lstStyle/>
+          <a:p>
+            <a:r>
+              <a:rPr lang="de-DE" sz="3200"/>
+              <a:t>cat</a:t>
+            </a:r>
+            <a:endParaRPr lang="en-US" sz="2800"/>
+          </a:p>
+        </p:txBody>
+      </p:sp>
+      <p:sp>
+        <p:nvSpPr>
+          <p:cNvPr id="16" name="TextBox 15">
+            <a:extLst>
+              <a:ext uri="{FF2B5EF4-FFF2-40B4-BE49-F238E27FC236}">
+                <a16:creationId xmlns:a16="http://schemas.microsoft.com/office/drawing/2014/main" id="{83361285-CF90-43E0-99CC-72F172A0DCC4}"/>
+              </a:ext>
+            </a:extLst>
+          </p:cNvPr>
+          <p:cNvSpPr txBox="1"/>
+          <p:nvPr/>
+        </p:nvSpPr>
+        <p:spPr>
+          <a:xfrm>
+            <a:off x="9097285" y="2366444"/>
+            <a:ext cx="1253624" cy="369332"/>
+          </a:xfrm>
+          <a:prstGeom prst="rect">
+            <a:avLst/>
+          </a:prstGeom>
+          <a:noFill/>
+        </p:spPr>
+        <p:txBody>
+          <a:bodyPr wrap="square" rtlCol="0">
+            <a:spAutoFit/>
+          </a:bodyPr>
+          <a:lstStyle/>
+          <a:p>
+            <a:r>
+              <a:rPr lang="de-DE"/>
+              <a:t>C-level</a:t>
+            </a:r>
+            <a:endParaRPr lang="en-US" sz="2800"/>
+          </a:p>
+        </p:txBody>
+      </p:sp>
+      <p:sp>
+        <p:nvSpPr>
+          <p:cNvPr id="17" name="TextBox 16">
+            <a:extLst>
+              <a:ext uri="{FF2B5EF4-FFF2-40B4-BE49-F238E27FC236}">
+                <a16:creationId xmlns:a16="http://schemas.microsoft.com/office/drawing/2014/main" id="{33850753-D136-473D-A348-7F291A414E03}"/>
+              </a:ext>
+            </a:extLst>
+          </p:cNvPr>
+          <p:cNvSpPr txBox="1"/>
+          <p:nvPr/>
+        </p:nvSpPr>
+        <p:spPr>
+          <a:xfrm>
+            <a:off x="9786768" y="2555306"/>
+            <a:ext cx="1253624" cy="461665"/>
+          </a:xfrm>
+          <a:prstGeom prst="rect">
+            <a:avLst/>
+          </a:prstGeom>
+          <a:noFill/>
+        </p:spPr>
+        <p:txBody>
+          <a:bodyPr wrap="square" rtlCol="0">
+            <a:spAutoFit/>
+          </a:bodyPr>
+          <a:lstStyle/>
+          <a:p>
+            <a:r>
+              <a:rPr lang="de-DE" sz="2400"/>
+              <a:t>profit</a:t>
+            </a:r>
+            <a:endParaRPr lang="en-US" sz="2800"/>
+          </a:p>
+        </p:txBody>
+      </p:sp>
+      <p:sp>
+        <p:nvSpPr>
+          <p:cNvPr id="18" name="TextBox 17">
+            <a:extLst>
+              <a:ext uri="{FF2B5EF4-FFF2-40B4-BE49-F238E27FC236}">
+                <a16:creationId xmlns:a16="http://schemas.microsoft.com/office/drawing/2014/main" id="{7F94B86A-243B-4527-A3F9-4FB955A81FE0}"/>
+              </a:ext>
+            </a:extLst>
+          </p:cNvPr>
+          <p:cNvSpPr txBox="1"/>
+          <p:nvPr/>
+        </p:nvSpPr>
+        <p:spPr>
+          <a:xfrm>
+            <a:off x="9948532" y="1993520"/>
+            <a:ext cx="1467937" cy="461665"/>
+          </a:xfrm>
+          <a:prstGeom prst="rect">
+            <a:avLst/>
+          </a:prstGeom>
+          <a:noFill/>
+        </p:spPr>
+        <p:txBody>
+          <a:bodyPr wrap="square" rtlCol="0">
+            <a:spAutoFit/>
+          </a:bodyPr>
+          <a:lstStyle/>
+          <a:p>
+            <a:r>
+              <a:rPr lang="de-DE" sz="2400"/>
+              <a:t>corporate</a:t>
+            </a:r>
+            <a:endParaRPr lang="en-US" sz="2800"/>
+          </a:p>
+        </p:txBody>
+      </p:sp>
+      <p:sp>
+        <p:nvSpPr>
+          <p:cNvPr id="19" name="TextBox 18">
+            <a:extLst>
+              <a:ext uri="{FF2B5EF4-FFF2-40B4-BE49-F238E27FC236}">
+                <a16:creationId xmlns:a16="http://schemas.microsoft.com/office/drawing/2014/main" id="{87E753F1-07B3-4797-AB5C-CBFA0ECE6E85}"/>
+              </a:ext>
+            </a:extLst>
+          </p:cNvPr>
+          <p:cNvSpPr txBox="1"/>
+          <p:nvPr/>
+        </p:nvSpPr>
+        <p:spPr>
+          <a:xfrm>
+            <a:off x="3794627" y="3064740"/>
+            <a:ext cx="1209674" cy="400110"/>
+          </a:xfrm>
+          <a:prstGeom prst="rect">
+            <a:avLst/>
+          </a:prstGeom>
+          <a:noFill/>
+        </p:spPr>
+        <p:txBody>
+          <a:bodyPr wrap="square">
+            <a:spAutoFit/>
+          </a:bodyPr>
+          <a:lstStyle/>
+          <a:p>
+            <a:pPr algn="ctr"/>
+            <a:r>
+              <a:rPr lang="de-DE" sz="2000" i="1"/>
+              <a:t>topic 1</a:t>
+            </a:r>
+            <a:endParaRPr lang="en-US" sz="2000" i="1"/>
+          </a:p>
+        </p:txBody>
+      </p:sp>
+      <p:sp>
+        <p:nvSpPr>
+          <p:cNvPr id="20" name="TextBox 19">
+            <a:extLst>
+              <a:ext uri="{FF2B5EF4-FFF2-40B4-BE49-F238E27FC236}">
+                <a16:creationId xmlns:a16="http://schemas.microsoft.com/office/drawing/2014/main" id="{4DD151DB-78C6-43D6-8029-BE0071677986}"/>
+              </a:ext>
+            </a:extLst>
+          </p:cNvPr>
+          <p:cNvSpPr txBox="1"/>
+          <p:nvPr/>
+        </p:nvSpPr>
+        <p:spPr>
+          <a:xfrm>
+            <a:off x="6429376" y="3059507"/>
+            <a:ext cx="1209674" cy="400110"/>
+          </a:xfrm>
+          <a:prstGeom prst="rect">
+            <a:avLst/>
+          </a:prstGeom>
+          <a:noFill/>
+        </p:spPr>
+        <p:txBody>
+          <a:bodyPr wrap="square">
+            <a:spAutoFit/>
+          </a:bodyPr>
+          <a:lstStyle/>
+          <a:p>
+            <a:pPr algn="ctr"/>
+            <a:r>
+              <a:rPr lang="de-DE" sz="2000" i="1"/>
+              <a:t>topic 2</a:t>
+            </a:r>
+            <a:endParaRPr lang="en-US" sz="2000" i="1"/>
+          </a:p>
+        </p:txBody>
+      </p:sp>
+      <p:sp>
+        <p:nvSpPr>
+          <p:cNvPr id="21" name="TextBox 20">
+            <a:extLst>
+              <a:ext uri="{FF2B5EF4-FFF2-40B4-BE49-F238E27FC236}">
+                <a16:creationId xmlns:a16="http://schemas.microsoft.com/office/drawing/2014/main" id="{C73B1189-C835-41FF-98D0-16E32794348E}"/>
+              </a:ext>
+            </a:extLst>
+          </p:cNvPr>
+          <p:cNvSpPr txBox="1"/>
+          <p:nvPr/>
+        </p:nvSpPr>
+        <p:spPr>
+          <a:xfrm>
+            <a:off x="9064124" y="3053367"/>
+            <a:ext cx="1209674" cy="400110"/>
+          </a:xfrm>
+          <a:prstGeom prst="rect">
+            <a:avLst/>
+          </a:prstGeom>
+          <a:noFill/>
+        </p:spPr>
+        <p:txBody>
+          <a:bodyPr wrap="square">
+            <a:spAutoFit/>
+          </a:bodyPr>
+          <a:lstStyle/>
+          <a:p>
+            <a:pPr algn="ctr"/>
+            <a:r>
+              <a:rPr lang="de-DE" sz="2000" i="1"/>
+              <a:t>topic 3</a:t>
+            </a:r>
+            <a:endParaRPr lang="en-US" sz="2000" i="1"/>
+          </a:p>
+        </p:txBody>
+      </p:sp>
+      <p:sp>
+        <p:nvSpPr>
+          <p:cNvPr id="22" name="TextBox 21">
+            <a:extLst>
+              <a:ext uri="{FF2B5EF4-FFF2-40B4-BE49-F238E27FC236}">
+                <a16:creationId xmlns:a16="http://schemas.microsoft.com/office/drawing/2014/main" id="{5387474C-8BB8-406D-A857-BED79DED8D62}"/>
+              </a:ext>
+            </a:extLst>
+          </p:cNvPr>
+          <p:cNvSpPr txBox="1"/>
+          <p:nvPr/>
+        </p:nvSpPr>
+        <p:spPr>
+          <a:xfrm>
+            <a:off x="1066795" y="4280073"/>
+            <a:ext cx="1920373" cy="400110"/>
+          </a:xfrm>
+          <a:prstGeom prst="rect">
+            <a:avLst/>
+          </a:prstGeom>
+          <a:noFill/>
+        </p:spPr>
+        <p:txBody>
+          <a:bodyPr wrap="square">
+            <a:spAutoFit/>
+          </a:bodyPr>
+          <a:lstStyle/>
+          <a:p>
+            <a:pPr algn="ctr"/>
+            <a:r>
+              <a:rPr lang="de-DE" sz="2000" i="1"/>
+              <a:t>Document d</a:t>
+            </a:r>
+            <a:endParaRPr lang="en-US" sz="2000" i="1"/>
+          </a:p>
+        </p:txBody>
+      </p:sp>
+      <p:sp>
+        <p:nvSpPr>
+          <p:cNvPr id="5" name="Rectangle 4">
+            <a:extLst>
+              <a:ext uri="{FF2B5EF4-FFF2-40B4-BE49-F238E27FC236}">
+                <a16:creationId xmlns:a16="http://schemas.microsoft.com/office/drawing/2014/main" id="{B855A821-AB42-4134-842A-9A42B0C3770E}"/>
+              </a:ext>
+            </a:extLst>
+          </p:cNvPr>
+          <p:cNvSpPr/>
+          <p:nvPr/>
+        </p:nvSpPr>
+        <p:spPr>
+          <a:xfrm>
+            <a:off x="3966072" y="4140400"/>
+            <a:ext cx="1358401" cy="107008"/>
+          </a:xfrm>
+          <a:prstGeom prst="rect">
+            <a:avLst/>
+          </a:prstGeom>
+          <a:solidFill>
+            <a:schemeClr val="accent3"/>
+          </a:solidFill>
+          <a:ln>
+            <a:solidFill>
+              <a:schemeClr val="accent3"/>
+            </a:solidFill>
+          </a:ln>
+        </p:spPr>
+        <p:style>
+          <a:lnRef idx="2">
+            <a:schemeClr val="accent1">
+              <a:shade val="50000"/>
+            </a:schemeClr>
+          </a:lnRef>
+          <a:fillRef idx="1">
+            <a:schemeClr val="accent1"/>
+          </a:fillRef>
+          <a:effectRef idx="0">
+            <a:schemeClr val="accent1"/>
+          </a:effectRef>
+          <a:fontRef idx="minor">
+            <a:schemeClr val="lt1"/>
+          </a:fontRef>
+        </p:style>
+        <p:txBody>
+          <a:bodyPr rtlCol="0" anchor="ctr"/>
+          <a:lstStyle/>
+          <a:p>
+            <a:pPr algn="ctr"/>
+            <a:endParaRPr lang="en-US"/>
+          </a:p>
+        </p:txBody>
+      </p:sp>
+      <p:sp>
+        <p:nvSpPr>
+          <p:cNvPr id="23" name="Rectangle 22">
+            <a:extLst>
+              <a:ext uri="{FF2B5EF4-FFF2-40B4-BE49-F238E27FC236}">
+                <a16:creationId xmlns:a16="http://schemas.microsoft.com/office/drawing/2014/main" id="{07B72AC9-8BBE-4649-B241-79A3048A33FB}"/>
+              </a:ext>
+            </a:extLst>
+          </p:cNvPr>
+          <p:cNvSpPr/>
+          <p:nvPr/>
+        </p:nvSpPr>
+        <p:spPr>
+          <a:xfrm>
+            <a:off x="5473403" y="4140400"/>
+            <a:ext cx="1358401" cy="107008"/>
+          </a:xfrm>
+          <a:prstGeom prst="rect">
+            <a:avLst/>
+          </a:prstGeom>
+          <a:solidFill>
+            <a:schemeClr val="bg2">
+              <a:lumMod val="90000"/>
+            </a:schemeClr>
+          </a:solidFill>
+          <a:ln>
+            <a:solidFill>
+              <a:schemeClr val="bg2">
+                <a:lumMod val="90000"/>
+              </a:schemeClr>
+            </a:solidFill>
+          </a:ln>
+        </p:spPr>
+        <p:style>
+          <a:lnRef idx="2">
+            <a:schemeClr val="accent1">
+              <a:shade val="50000"/>
+            </a:schemeClr>
+          </a:lnRef>
+          <a:fillRef idx="1">
+            <a:schemeClr val="accent1"/>
+          </a:fillRef>
+          <a:effectRef idx="0">
+            <a:schemeClr val="accent1"/>
+          </a:effectRef>
+          <a:fontRef idx="minor">
+            <a:schemeClr val="lt1"/>
+          </a:fontRef>
+        </p:style>
+        <p:txBody>
+          <a:bodyPr rtlCol="0" anchor="ctr"/>
+          <a:lstStyle/>
+          <a:p>
+            <a:pPr algn="ctr"/>
+            <a:endParaRPr lang="en-US"/>
+          </a:p>
+        </p:txBody>
+      </p:sp>
+      <p:sp>
+        <p:nvSpPr>
+          <p:cNvPr id="24" name="Rectangle 23">
+            <a:extLst>
+              <a:ext uri="{FF2B5EF4-FFF2-40B4-BE49-F238E27FC236}">
+                <a16:creationId xmlns:a16="http://schemas.microsoft.com/office/drawing/2014/main" id="{F8126297-81FC-4A23-A0F9-096A633FFCAE}"/>
+              </a:ext>
+            </a:extLst>
+          </p:cNvPr>
+          <p:cNvSpPr/>
+          <p:nvPr/>
+        </p:nvSpPr>
+        <p:spPr>
+          <a:xfrm>
+            <a:off x="6980734" y="4140400"/>
+            <a:ext cx="1358401" cy="107008"/>
+          </a:xfrm>
+          <a:prstGeom prst="rect">
+            <a:avLst/>
+          </a:prstGeom>
+          <a:solidFill>
+            <a:schemeClr val="bg2">
+              <a:lumMod val="90000"/>
+            </a:schemeClr>
+          </a:solidFill>
+          <a:ln>
+            <a:solidFill>
+              <a:schemeClr val="bg2">
+                <a:lumMod val="90000"/>
+              </a:schemeClr>
+            </a:solidFill>
+          </a:ln>
+        </p:spPr>
+        <p:style>
+          <a:lnRef idx="2">
+            <a:schemeClr val="accent1">
+              <a:shade val="50000"/>
+            </a:schemeClr>
+          </a:lnRef>
+          <a:fillRef idx="1">
+            <a:schemeClr val="accent1"/>
+          </a:fillRef>
+          <a:effectRef idx="0">
+            <a:schemeClr val="accent1"/>
+          </a:effectRef>
+          <a:fontRef idx="minor">
+            <a:schemeClr val="lt1"/>
+          </a:fontRef>
+        </p:style>
+        <p:txBody>
+          <a:bodyPr rtlCol="0" anchor="ctr"/>
+          <a:lstStyle/>
+          <a:p>
+            <a:pPr algn="ctr"/>
+            <a:endParaRPr lang="en-US"/>
+          </a:p>
+        </p:txBody>
+      </p:sp>
+      <p:sp>
+        <p:nvSpPr>
+          <p:cNvPr id="25" name="Rectangle 24">
+            <a:extLst>
+              <a:ext uri="{FF2B5EF4-FFF2-40B4-BE49-F238E27FC236}">
+                <a16:creationId xmlns:a16="http://schemas.microsoft.com/office/drawing/2014/main" id="{7B23D081-0402-43FD-921F-9B15D42EC200}"/>
+              </a:ext>
+            </a:extLst>
+          </p:cNvPr>
+          <p:cNvSpPr/>
+          <p:nvPr/>
+        </p:nvSpPr>
+        <p:spPr>
+          <a:xfrm>
+            <a:off x="8488065" y="4140400"/>
+            <a:ext cx="1358401" cy="107008"/>
+          </a:xfrm>
+          <a:prstGeom prst="rect">
+            <a:avLst/>
+          </a:prstGeom>
+          <a:solidFill>
+            <a:schemeClr val="bg2"/>
+          </a:solidFill>
+          <a:ln>
+            <a:solidFill>
+              <a:schemeClr val="bg2"/>
+            </a:solidFill>
+          </a:ln>
+        </p:spPr>
+        <p:style>
+          <a:lnRef idx="2">
+            <a:schemeClr val="accent1">
+              <a:shade val="50000"/>
+            </a:schemeClr>
+          </a:lnRef>
+          <a:fillRef idx="1">
+            <a:schemeClr val="accent1"/>
+          </a:fillRef>
+          <a:effectRef idx="0">
+            <a:schemeClr val="accent1"/>
+          </a:effectRef>
+          <a:fontRef idx="minor">
+            <a:schemeClr val="lt1"/>
+          </a:fontRef>
+        </p:style>
+        <p:txBody>
+          <a:bodyPr rtlCol="0" anchor="ctr"/>
+          <a:lstStyle/>
+          <a:p>
+            <a:pPr algn="ctr"/>
+            <a:endParaRPr lang="en-US"/>
+          </a:p>
+        </p:txBody>
+      </p:sp>
+      <p:sp>
+        <p:nvSpPr>
+          <p:cNvPr id="26" name="Rectangle 25">
+            <a:extLst>
+              <a:ext uri="{FF2B5EF4-FFF2-40B4-BE49-F238E27FC236}">
+                <a16:creationId xmlns:a16="http://schemas.microsoft.com/office/drawing/2014/main" id="{996863B6-6E4E-4940-A657-9F004B0AF6BD}"/>
+              </a:ext>
+            </a:extLst>
+          </p:cNvPr>
+          <p:cNvSpPr/>
+          <p:nvPr/>
+        </p:nvSpPr>
+        <p:spPr>
+          <a:xfrm>
+            <a:off x="9995397" y="4140400"/>
+            <a:ext cx="1358401" cy="107008"/>
+          </a:xfrm>
+          <a:prstGeom prst="rect">
+            <a:avLst/>
+          </a:prstGeom>
+          <a:solidFill>
+            <a:schemeClr val="bg2">
+              <a:lumMod val="90000"/>
+            </a:schemeClr>
+          </a:solidFill>
+          <a:ln>
+            <a:solidFill>
+              <a:schemeClr val="bg2">
+                <a:lumMod val="90000"/>
+              </a:schemeClr>
+            </a:solidFill>
+          </a:ln>
+        </p:spPr>
+        <p:style>
+          <a:lnRef idx="2">
+            <a:schemeClr val="accent1">
+              <a:shade val="50000"/>
+            </a:schemeClr>
+          </a:lnRef>
+          <a:fillRef idx="1">
+            <a:schemeClr val="accent1"/>
+          </a:fillRef>
+          <a:effectRef idx="0">
+            <a:schemeClr val="accent1"/>
+          </a:effectRef>
+          <a:fontRef idx="minor">
+            <a:schemeClr val="lt1"/>
+          </a:fontRef>
+        </p:style>
+        <p:txBody>
+          <a:bodyPr rtlCol="0" anchor="ctr"/>
+          <a:lstStyle/>
+          <a:p>
+            <a:pPr algn="ctr"/>
+            <a:endParaRPr lang="en-US"/>
+          </a:p>
+        </p:txBody>
+      </p:sp>
+      <p:sp>
+        <p:nvSpPr>
+          <p:cNvPr id="27" name="TextBox 26">
+            <a:extLst>
+              <a:ext uri="{FF2B5EF4-FFF2-40B4-BE49-F238E27FC236}">
+                <a16:creationId xmlns:a16="http://schemas.microsoft.com/office/drawing/2014/main" id="{CFDB6DA4-53E5-4752-B1DD-2754A39251EE}"/>
+              </a:ext>
+            </a:extLst>
+          </p:cNvPr>
+          <p:cNvSpPr txBox="1"/>
+          <p:nvPr/>
+        </p:nvSpPr>
+        <p:spPr>
+          <a:xfrm>
+            <a:off x="3924301" y="4280099"/>
+            <a:ext cx="1209674" cy="400110"/>
+          </a:xfrm>
+          <a:prstGeom prst="rect">
+            <a:avLst/>
+          </a:prstGeom>
+          <a:noFill/>
+        </p:spPr>
+        <p:txBody>
+          <a:bodyPr wrap="square">
+            <a:spAutoFit/>
+          </a:bodyPr>
+          <a:lstStyle/>
+          <a:p>
+            <a:pPr algn="ctr"/>
+            <a:r>
+              <a:rPr lang="de-DE" sz="2000" i="1"/>
+              <a:t>position 1</a:t>
+            </a:r>
+            <a:endParaRPr lang="en-US" sz="2000" i="1"/>
+          </a:p>
+        </p:txBody>
+      </p:sp>
+      <p:sp>
+        <p:nvSpPr>
+          <p:cNvPr id="28" name="TextBox 27">
+            <a:extLst>
+              <a:ext uri="{FF2B5EF4-FFF2-40B4-BE49-F238E27FC236}">
+                <a16:creationId xmlns:a16="http://schemas.microsoft.com/office/drawing/2014/main" id="{C2926332-0772-4B6D-B952-9BED86AE5551}"/>
+              </a:ext>
+            </a:extLst>
+          </p:cNvPr>
+          <p:cNvSpPr txBox="1"/>
+          <p:nvPr/>
+        </p:nvSpPr>
+        <p:spPr>
+          <a:xfrm>
+            <a:off x="5438776" y="4280099"/>
+            <a:ext cx="1209674" cy="400110"/>
+          </a:xfrm>
+          <a:prstGeom prst="rect">
+            <a:avLst/>
+          </a:prstGeom>
+          <a:noFill/>
+        </p:spPr>
+        <p:txBody>
+          <a:bodyPr wrap="square">
+            <a:spAutoFit/>
+          </a:bodyPr>
+          <a:lstStyle/>
+          <a:p>
+            <a:pPr algn="ctr"/>
+            <a:r>
+              <a:rPr lang="de-DE" sz="2000" i="1"/>
+              <a:t>position 1</a:t>
+            </a:r>
+            <a:endParaRPr lang="en-US" sz="2000" i="1"/>
+          </a:p>
+        </p:txBody>
+      </p:sp>
+      <p:sp>
+        <p:nvSpPr>
+          <p:cNvPr id="29" name="TextBox 28">
+            <a:extLst>
+              <a:ext uri="{FF2B5EF4-FFF2-40B4-BE49-F238E27FC236}">
+                <a16:creationId xmlns:a16="http://schemas.microsoft.com/office/drawing/2014/main" id="{1AB49DCE-15DE-41AE-B48F-783868D227BE}"/>
+              </a:ext>
+            </a:extLst>
+          </p:cNvPr>
+          <p:cNvSpPr txBox="1"/>
+          <p:nvPr/>
+        </p:nvSpPr>
+        <p:spPr>
+          <a:xfrm>
+            <a:off x="8467726" y="4280073"/>
+            <a:ext cx="1209674" cy="400110"/>
+          </a:xfrm>
+          <a:prstGeom prst="rect">
+            <a:avLst/>
+          </a:prstGeom>
+          <a:noFill/>
+        </p:spPr>
+        <p:txBody>
+          <a:bodyPr wrap="square">
+            <a:spAutoFit/>
+          </a:bodyPr>
+          <a:lstStyle/>
+          <a:p>
+            <a:pPr algn="ctr"/>
+            <a:r>
+              <a:rPr lang="de-DE" sz="2000" i="1"/>
+              <a:t>position 1</a:t>
+            </a:r>
+            <a:endParaRPr lang="en-US" sz="2000" i="1"/>
+          </a:p>
+        </p:txBody>
+      </p:sp>
+      <p:sp>
+        <p:nvSpPr>
+          <p:cNvPr id="30" name="TextBox 29">
+            <a:extLst>
+              <a:ext uri="{FF2B5EF4-FFF2-40B4-BE49-F238E27FC236}">
+                <a16:creationId xmlns:a16="http://schemas.microsoft.com/office/drawing/2014/main" id="{CC20F02B-7384-4395-A882-E8A425E19713}"/>
+              </a:ext>
+            </a:extLst>
+          </p:cNvPr>
+          <p:cNvSpPr txBox="1"/>
+          <p:nvPr/>
+        </p:nvSpPr>
+        <p:spPr>
+          <a:xfrm>
+            <a:off x="9982200" y="4280073"/>
+            <a:ext cx="1209674" cy="400110"/>
+          </a:xfrm>
+          <a:prstGeom prst="rect">
+            <a:avLst/>
+          </a:prstGeom>
+          <a:noFill/>
+        </p:spPr>
+        <p:txBody>
+          <a:bodyPr wrap="square">
+            <a:spAutoFit/>
+          </a:bodyPr>
+          <a:lstStyle/>
+          <a:p>
+            <a:pPr algn="ctr"/>
+            <a:r>
+              <a:rPr lang="de-DE" sz="2000" i="1"/>
+              <a:t>position 1</a:t>
+            </a:r>
+            <a:endParaRPr lang="en-US" sz="2000" i="1"/>
+          </a:p>
+        </p:txBody>
+      </p:sp>
+      <p:sp>
+        <p:nvSpPr>
+          <p:cNvPr id="31" name="TextBox 30">
+            <a:extLst>
+              <a:ext uri="{FF2B5EF4-FFF2-40B4-BE49-F238E27FC236}">
+                <a16:creationId xmlns:a16="http://schemas.microsoft.com/office/drawing/2014/main" id="{9C403D2E-74D5-4C00-BCCC-DD6F43CC75D5}"/>
+              </a:ext>
+            </a:extLst>
+          </p:cNvPr>
+          <p:cNvSpPr txBox="1"/>
+          <p:nvPr/>
+        </p:nvSpPr>
+        <p:spPr>
+          <a:xfrm>
+            <a:off x="6953251" y="4280073"/>
+            <a:ext cx="1209674" cy="400110"/>
+          </a:xfrm>
+          <a:prstGeom prst="rect">
+            <a:avLst/>
+          </a:prstGeom>
+          <a:noFill/>
+        </p:spPr>
+        <p:txBody>
+          <a:bodyPr wrap="square">
+            <a:spAutoFit/>
+          </a:bodyPr>
+          <a:lstStyle/>
+          <a:p>
+            <a:pPr algn="ctr"/>
+            <a:r>
+              <a:rPr lang="de-DE" sz="2000" i="1"/>
+              <a:t>position 1</a:t>
+            </a:r>
+            <a:endParaRPr lang="en-US" sz="2000" i="1"/>
+          </a:p>
+        </p:txBody>
+      </p:sp>
+      <p:sp>
+        <p:nvSpPr>
+          <p:cNvPr id="34" name="Freeform: Shape 33">
+            <a:extLst>
+              <a:ext uri="{FF2B5EF4-FFF2-40B4-BE49-F238E27FC236}">
+                <a16:creationId xmlns:a16="http://schemas.microsoft.com/office/drawing/2014/main" id="{EE3A3C87-97E3-463B-A914-CC69BAD98051}"/>
+              </a:ext>
+            </a:extLst>
+          </p:cNvPr>
+          <p:cNvSpPr/>
+          <p:nvPr/>
+        </p:nvSpPr>
+        <p:spPr>
+          <a:xfrm>
+            <a:off x="5070260" y="3220408"/>
+            <a:ext cx="4396853" cy="838200"/>
+          </a:xfrm>
+          <a:custGeom>
+            <a:avLst/>
+            <a:gdLst>
+              <a:gd name="connsiteX0" fmla="*/ 0 w 4396853"/>
+              <a:gd name="connsiteY0" fmla="*/ 0 h 838200"/>
+              <a:gd name="connsiteX1" fmla="*/ 1219200 w 4396853"/>
+              <a:gd name="connsiteY1" fmla="*/ 409575 h 838200"/>
+              <a:gd name="connsiteX2" fmla="*/ 3895725 w 4396853"/>
+              <a:gd name="connsiteY2" fmla="*/ 523875 h 838200"/>
+              <a:gd name="connsiteX3" fmla="*/ 4391025 w 4396853"/>
+              <a:gd name="connsiteY3" fmla="*/ 838200 h 838200"/>
+            </a:gdLst>
+            <a:ahLst/>
+            <a:cxnLst>
+              <a:cxn ang="0">
+                <a:pos x="connsiteX0" y="connsiteY0"/>
+              </a:cxn>
+              <a:cxn ang="0">
+                <a:pos x="connsiteX1" y="connsiteY1"/>
+              </a:cxn>
+              <a:cxn ang="0">
+                <a:pos x="connsiteX2" y="connsiteY2"/>
+              </a:cxn>
+              <a:cxn ang="0">
+                <a:pos x="connsiteX3" y="connsiteY3"/>
+              </a:cxn>
+            </a:cxnLst>
+            <a:rect l="l" t="t" r="r" b="b"/>
+            <a:pathLst>
+              <a:path w="4396853" h="838200">
+                <a:moveTo>
+                  <a:pt x="0" y="0"/>
+                </a:moveTo>
+                <a:cubicBezTo>
+                  <a:pt x="284956" y="161131"/>
+                  <a:pt x="569912" y="322262"/>
+                  <a:pt x="1219200" y="409575"/>
+                </a:cubicBezTo>
+                <a:cubicBezTo>
+                  <a:pt x="1868488" y="496888"/>
+                  <a:pt x="3367088" y="452438"/>
+                  <a:pt x="3895725" y="523875"/>
+                </a:cubicBezTo>
+                <a:cubicBezTo>
+                  <a:pt x="4424362" y="595312"/>
+                  <a:pt x="4407693" y="716756"/>
+                  <a:pt x="4391025" y="838200"/>
+                </a:cubicBezTo>
+              </a:path>
+            </a:pathLst>
+          </a:custGeom>
+          <a:ln w="12700">
+            <a:solidFill>
+              <a:schemeClr val="tx1"/>
+            </a:solidFill>
+          </a:ln>
+        </p:spPr>
+        <p:style>
+          <a:lnRef idx="1">
+            <a:schemeClr val="dk1"/>
+          </a:lnRef>
+          <a:fillRef idx="0">
+            <a:schemeClr val="dk1"/>
+          </a:fillRef>
+          <a:effectRef idx="0">
+            <a:schemeClr val="dk1"/>
+          </a:effectRef>
+          <a:fontRef idx="minor">
+            <a:schemeClr val="tx1"/>
+          </a:fontRef>
+        </p:style>
+        <p:txBody>
+          <a:bodyPr rtlCol="0" anchor="ctr"/>
+          <a:lstStyle/>
+          <a:p>
+            <a:pPr algn="ctr"/>
+            <a:endParaRPr lang="en-US"/>
+          </a:p>
+        </p:txBody>
+      </p:sp>
+      <p:sp>
+        <p:nvSpPr>
+          <p:cNvPr id="35" name="Freeform: Shape 34">
+            <a:extLst>
+              <a:ext uri="{FF2B5EF4-FFF2-40B4-BE49-F238E27FC236}">
+                <a16:creationId xmlns:a16="http://schemas.microsoft.com/office/drawing/2014/main" id="{4898176C-ED17-439E-B20A-64F08ECB52A2}"/>
+              </a:ext>
+            </a:extLst>
+          </p:cNvPr>
+          <p:cNvSpPr/>
+          <p:nvPr/>
+        </p:nvSpPr>
+        <p:spPr>
+          <a:xfrm>
+            <a:off x="5780129" y="3200400"/>
+            <a:ext cx="592096" cy="847725"/>
+          </a:xfrm>
+          <a:custGeom>
+            <a:avLst/>
+            <a:gdLst>
+              <a:gd name="connsiteX0" fmla="*/ 592096 w 592096"/>
+              <a:gd name="connsiteY0" fmla="*/ 0 h 847725"/>
+              <a:gd name="connsiteX1" fmla="*/ 77746 w 592096"/>
+              <a:gd name="connsiteY1" fmla="*/ 447675 h 847725"/>
+              <a:gd name="connsiteX2" fmla="*/ 11071 w 592096"/>
+              <a:gd name="connsiteY2" fmla="*/ 847725 h 847725"/>
+            </a:gdLst>
+            <a:ahLst/>
+            <a:cxnLst>
+              <a:cxn ang="0">
+                <a:pos x="connsiteX0" y="connsiteY0"/>
+              </a:cxn>
+              <a:cxn ang="0">
+                <a:pos x="connsiteX1" y="connsiteY1"/>
+              </a:cxn>
+              <a:cxn ang="0">
+                <a:pos x="connsiteX2" y="connsiteY2"/>
+              </a:cxn>
+            </a:cxnLst>
+            <a:rect l="l" t="t" r="r" b="b"/>
+            <a:pathLst>
+              <a:path w="592096" h="847725">
+                <a:moveTo>
+                  <a:pt x="592096" y="0"/>
+                </a:moveTo>
+                <a:cubicBezTo>
+                  <a:pt x="383339" y="153194"/>
+                  <a:pt x="174583" y="306388"/>
+                  <a:pt x="77746" y="447675"/>
+                </a:cubicBezTo>
+                <a:cubicBezTo>
+                  <a:pt x="-19091" y="588962"/>
+                  <a:pt x="-4010" y="718343"/>
+                  <a:pt x="11071" y="847725"/>
+                </a:cubicBezTo>
+              </a:path>
+            </a:pathLst>
+          </a:custGeom>
+          <a:noFill/>
+          <a:ln>
+            <a:solidFill>
+              <a:schemeClr val="tx1"/>
+            </a:solidFill>
+          </a:ln>
+        </p:spPr>
+        <p:style>
+          <a:lnRef idx="2">
+            <a:schemeClr val="accent1">
+              <a:shade val="50000"/>
+            </a:schemeClr>
+          </a:lnRef>
+          <a:fillRef idx="1">
+            <a:schemeClr val="accent1"/>
+          </a:fillRef>
+          <a:effectRef idx="0">
+            <a:schemeClr val="accent1"/>
+          </a:effectRef>
+          <a:fontRef idx="minor">
+            <a:schemeClr val="lt1"/>
+          </a:fontRef>
+        </p:style>
+        <p:txBody>
+          <a:bodyPr rtlCol="0" anchor="ctr"/>
+          <a:lstStyle/>
+          <a:p>
+            <a:pPr algn="ctr"/>
+            <a:endParaRPr lang="en-US"/>
+          </a:p>
+        </p:txBody>
+      </p:sp>
+      <p:sp>
+        <p:nvSpPr>
+          <p:cNvPr id="36" name="Freeform: Shape 35">
+            <a:extLst>
+              <a:ext uri="{FF2B5EF4-FFF2-40B4-BE49-F238E27FC236}">
+                <a16:creationId xmlns:a16="http://schemas.microsoft.com/office/drawing/2014/main" id="{ACEF8C78-AD6F-4306-ACE2-BE06429446C5}"/>
+              </a:ext>
+            </a:extLst>
+          </p:cNvPr>
+          <p:cNvSpPr/>
+          <p:nvPr/>
+        </p:nvSpPr>
+        <p:spPr>
+          <a:xfrm>
+            <a:off x="7734300" y="3209925"/>
+            <a:ext cx="266700" cy="838200"/>
+          </a:xfrm>
+          <a:custGeom>
+            <a:avLst/>
+            <a:gdLst>
+              <a:gd name="connsiteX0" fmla="*/ 0 w 266700"/>
+              <a:gd name="connsiteY0" fmla="*/ 0 h 838200"/>
+              <a:gd name="connsiteX1" fmla="*/ 219075 w 266700"/>
+              <a:gd name="connsiteY1" fmla="*/ 219075 h 838200"/>
+              <a:gd name="connsiteX2" fmla="*/ 266700 w 266700"/>
+              <a:gd name="connsiteY2" fmla="*/ 838200 h 838200"/>
+            </a:gdLst>
+            <a:ahLst/>
+            <a:cxnLst>
+              <a:cxn ang="0">
+                <a:pos x="connsiteX0" y="connsiteY0"/>
+              </a:cxn>
+              <a:cxn ang="0">
+                <a:pos x="connsiteX1" y="connsiteY1"/>
+              </a:cxn>
+              <a:cxn ang="0">
+                <a:pos x="connsiteX2" y="connsiteY2"/>
+              </a:cxn>
+            </a:cxnLst>
+            <a:rect l="l" t="t" r="r" b="b"/>
+            <a:pathLst>
+              <a:path w="266700" h="838200">
+                <a:moveTo>
+                  <a:pt x="0" y="0"/>
+                </a:moveTo>
+                <a:cubicBezTo>
+                  <a:pt x="87312" y="39687"/>
+                  <a:pt x="174625" y="79375"/>
+                  <a:pt x="219075" y="219075"/>
+                </a:cubicBezTo>
+                <a:cubicBezTo>
+                  <a:pt x="263525" y="358775"/>
+                  <a:pt x="265112" y="598487"/>
+                  <a:pt x="266700" y="838200"/>
+                </a:cubicBezTo>
+              </a:path>
+            </a:pathLst>
+          </a:custGeom>
+          <a:noFill/>
+          <a:ln>
+            <a:solidFill>
+              <a:schemeClr val="tx1"/>
+            </a:solidFill>
+          </a:ln>
+        </p:spPr>
+        <p:style>
+          <a:lnRef idx="2">
+            <a:schemeClr val="accent1">
+              <a:shade val="50000"/>
+            </a:schemeClr>
+          </a:lnRef>
+          <a:fillRef idx="1">
+            <a:schemeClr val="accent1"/>
+          </a:fillRef>
+          <a:effectRef idx="0">
+            <a:schemeClr val="accent1"/>
+          </a:effectRef>
+          <a:fontRef idx="minor">
+            <a:schemeClr val="lt1"/>
+          </a:fontRef>
+        </p:style>
+        <p:txBody>
+          <a:bodyPr rtlCol="0" anchor="ctr"/>
+          <a:lstStyle/>
+          <a:p>
+            <a:pPr algn="ctr"/>
+            <a:endParaRPr lang="en-US"/>
+          </a:p>
+        </p:txBody>
+      </p:sp>
+      <p:sp>
+        <p:nvSpPr>
+          <p:cNvPr id="37" name="Freeform: Shape 36">
+            <a:extLst>
+              <a:ext uri="{FF2B5EF4-FFF2-40B4-BE49-F238E27FC236}">
+                <a16:creationId xmlns:a16="http://schemas.microsoft.com/office/drawing/2014/main" id="{2F9AFF32-58CA-4549-AB7A-A44F006DC9D5}"/>
+              </a:ext>
+            </a:extLst>
+          </p:cNvPr>
+          <p:cNvSpPr/>
+          <p:nvPr/>
+        </p:nvSpPr>
+        <p:spPr>
+          <a:xfrm>
+            <a:off x="8248650" y="3248025"/>
+            <a:ext cx="2724236" cy="809625"/>
+          </a:xfrm>
+          <a:custGeom>
+            <a:avLst/>
+            <a:gdLst>
+              <a:gd name="connsiteX0" fmla="*/ 0 w 2724236"/>
+              <a:gd name="connsiteY0" fmla="*/ 0 h 809625"/>
+              <a:gd name="connsiteX1" fmla="*/ 1114425 w 2724236"/>
+              <a:gd name="connsiteY1" fmla="*/ 342900 h 809625"/>
+              <a:gd name="connsiteX2" fmla="*/ 2457450 w 2724236"/>
+              <a:gd name="connsiteY2" fmla="*/ 400050 h 809625"/>
+              <a:gd name="connsiteX3" fmla="*/ 2724150 w 2724236"/>
+              <a:gd name="connsiteY3" fmla="*/ 809625 h 809625"/>
+            </a:gdLst>
+            <a:ahLst/>
+            <a:cxnLst>
+              <a:cxn ang="0">
+                <a:pos x="connsiteX0" y="connsiteY0"/>
+              </a:cxn>
+              <a:cxn ang="0">
+                <a:pos x="connsiteX1" y="connsiteY1"/>
+              </a:cxn>
+              <a:cxn ang="0">
+                <a:pos x="connsiteX2" y="connsiteY2"/>
+              </a:cxn>
+              <a:cxn ang="0">
+                <a:pos x="connsiteX3" y="connsiteY3"/>
+              </a:cxn>
+            </a:cxnLst>
+            <a:rect l="l" t="t" r="r" b="b"/>
+            <a:pathLst>
+              <a:path w="2724236" h="809625">
+                <a:moveTo>
+                  <a:pt x="0" y="0"/>
+                </a:moveTo>
+                <a:cubicBezTo>
+                  <a:pt x="352425" y="138112"/>
+                  <a:pt x="704850" y="276225"/>
+                  <a:pt x="1114425" y="342900"/>
+                </a:cubicBezTo>
+                <a:cubicBezTo>
+                  <a:pt x="1524000" y="409575"/>
+                  <a:pt x="2189163" y="322263"/>
+                  <a:pt x="2457450" y="400050"/>
+                </a:cubicBezTo>
+                <a:cubicBezTo>
+                  <a:pt x="2725737" y="477837"/>
+                  <a:pt x="2724943" y="643731"/>
+                  <a:pt x="2724150" y="809625"/>
+                </a:cubicBezTo>
+              </a:path>
+            </a:pathLst>
+          </a:custGeom>
+          <a:noFill/>
+          <a:ln>
+            <a:solidFill>
+              <a:schemeClr val="tx1"/>
+            </a:solidFill>
+          </a:ln>
+        </p:spPr>
+        <p:style>
+          <a:lnRef idx="2">
+            <a:schemeClr val="accent1">
+              <a:shade val="50000"/>
+            </a:schemeClr>
+          </a:lnRef>
+          <a:fillRef idx="1">
+            <a:schemeClr val="accent1"/>
+          </a:fillRef>
+          <a:effectRef idx="0">
+            <a:schemeClr val="accent1"/>
+          </a:effectRef>
+          <a:fontRef idx="minor">
+            <a:schemeClr val="lt1"/>
+          </a:fontRef>
+        </p:style>
+        <p:txBody>
+          <a:bodyPr rtlCol="0" anchor="ctr"/>
+          <a:lstStyle/>
+          <a:p>
+            <a:pPr algn="ctr"/>
+            <a:endParaRPr lang="en-US"/>
+          </a:p>
+        </p:txBody>
+      </p:sp>
+      <p:sp>
+        <p:nvSpPr>
+          <p:cNvPr id="38" name="Freeform: Shape 37">
+            <a:extLst>
+              <a:ext uri="{FF2B5EF4-FFF2-40B4-BE49-F238E27FC236}">
+                <a16:creationId xmlns:a16="http://schemas.microsoft.com/office/drawing/2014/main" id="{F906C8A8-6CEB-4896-A5F4-C5A08C556577}"/>
+              </a:ext>
+            </a:extLst>
+          </p:cNvPr>
+          <p:cNvSpPr/>
+          <p:nvPr/>
+        </p:nvSpPr>
+        <p:spPr>
+          <a:xfrm>
+            <a:off x="4357715" y="3238500"/>
+            <a:ext cx="6538627" cy="781050"/>
+          </a:xfrm>
+          <a:custGeom>
+            <a:avLst/>
+            <a:gdLst>
+              <a:gd name="connsiteX0" fmla="*/ 6348385 w 6538627"/>
+              <a:gd name="connsiteY0" fmla="*/ 0 h 781050"/>
+              <a:gd name="connsiteX1" fmla="*/ 5843560 w 6538627"/>
+              <a:gd name="connsiteY1" fmla="*/ 276225 h 781050"/>
+              <a:gd name="connsiteX2" fmla="*/ 690535 w 6538627"/>
+              <a:gd name="connsiteY2" fmla="*/ 314325 h 781050"/>
+              <a:gd name="connsiteX3" fmla="*/ 195235 w 6538627"/>
+              <a:gd name="connsiteY3" fmla="*/ 781050 h 781050"/>
+            </a:gdLst>
+            <a:ahLst/>
+            <a:cxnLst>
+              <a:cxn ang="0">
+                <a:pos x="connsiteX0" y="connsiteY0"/>
+              </a:cxn>
+              <a:cxn ang="0">
+                <a:pos x="connsiteX1" y="connsiteY1"/>
+              </a:cxn>
+              <a:cxn ang="0">
+                <a:pos x="connsiteX2" y="connsiteY2"/>
+              </a:cxn>
+              <a:cxn ang="0">
+                <a:pos x="connsiteX3" y="connsiteY3"/>
+              </a:cxn>
+            </a:cxnLst>
+            <a:rect l="l" t="t" r="r" b="b"/>
+            <a:pathLst>
+              <a:path w="6538627" h="781050">
+                <a:moveTo>
+                  <a:pt x="6348385" y="0"/>
+                </a:moveTo>
+                <a:cubicBezTo>
+                  <a:pt x="6567460" y="111919"/>
+                  <a:pt x="6786535" y="223838"/>
+                  <a:pt x="5843560" y="276225"/>
+                </a:cubicBezTo>
+                <a:cubicBezTo>
+                  <a:pt x="4900585" y="328613"/>
+                  <a:pt x="1631922" y="230188"/>
+                  <a:pt x="690535" y="314325"/>
+                </a:cubicBezTo>
+                <a:cubicBezTo>
+                  <a:pt x="-250852" y="398462"/>
+                  <a:pt x="-27809" y="589756"/>
+                  <a:pt x="195235" y="781050"/>
+                </a:cubicBezTo>
+              </a:path>
+            </a:pathLst>
+          </a:custGeom>
+          <a:noFill/>
+          <a:ln>
+            <a:solidFill>
+              <a:schemeClr val="tx1"/>
+            </a:solidFill>
+          </a:ln>
+        </p:spPr>
+        <p:style>
+          <a:lnRef idx="2">
+            <a:schemeClr val="accent1">
+              <a:shade val="50000"/>
+            </a:schemeClr>
+          </a:lnRef>
+          <a:fillRef idx="1">
+            <a:schemeClr val="accent1"/>
+          </a:fillRef>
+          <a:effectRef idx="0">
+            <a:schemeClr val="accent1"/>
+          </a:effectRef>
+          <a:fontRef idx="minor">
+            <a:schemeClr val="lt1"/>
+          </a:fontRef>
+        </p:style>
+        <p:txBody>
+          <a:bodyPr rtlCol="0" anchor="ctr"/>
+          <a:lstStyle/>
+          <a:p>
+            <a:pPr algn="ctr"/>
+            <a:endParaRPr lang="en-US"/>
+          </a:p>
+        </p:txBody>
+      </p:sp>
+      <p:sp>
+        <p:nvSpPr>
+          <p:cNvPr id="39" name="TextBox 38">
+            <a:extLst>
+              <a:ext uri="{FF2B5EF4-FFF2-40B4-BE49-F238E27FC236}">
+                <a16:creationId xmlns:a16="http://schemas.microsoft.com/office/drawing/2014/main" id="{D3902D4D-D357-4039-B8DD-6830DC045D0D}"/>
+              </a:ext>
+            </a:extLst>
+          </p:cNvPr>
+          <p:cNvSpPr txBox="1"/>
+          <p:nvPr/>
+        </p:nvSpPr>
+        <p:spPr>
+          <a:xfrm>
+            <a:off x="3924301" y="4940817"/>
+            <a:ext cx="1209674" cy="461665"/>
+          </a:xfrm>
+          <a:prstGeom prst="rect">
+            <a:avLst/>
+          </a:prstGeom>
+          <a:noFill/>
+        </p:spPr>
+        <p:txBody>
+          <a:bodyPr wrap="square">
+            <a:spAutoFit/>
+          </a:bodyPr>
+          <a:lstStyle/>
+          <a:p>
+            <a:r>
+              <a:rPr lang="de-DE" sz="2400" b="1"/>
+              <a:t>profit</a:t>
+            </a:r>
+            <a:endParaRPr lang="en-US" sz="2000" b="1"/>
+          </a:p>
+        </p:txBody>
+      </p:sp>
+      <p:sp>
+        <p:nvSpPr>
+          <p:cNvPr id="40" name="TextBox 39">
+            <a:extLst>
+              <a:ext uri="{FF2B5EF4-FFF2-40B4-BE49-F238E27FC236}">
+                <a16:creationId xmlns:a16="http://schemas.microsoft.com/office/drawing/2014/main" id="{EE325730-5B7D-460A-A794-6570AF9B320B}"/>
+              </a:ext>
+            </a:extLst>
+          </p:cNvPr>
+          <p:cNvSpPr txBox="1"/>
+          <p:nvPr/>
+        </p:nvSpPr>
+        <p:spPr>
+          <a:xfrm>
+            <a:off x="5473403" y="4940817"/>
+            <a:ext cx="1209674" cy="461665"/>
+          </a:xfrm>
+          <a:prstGeom prst="rect">
+            <a:avLst/>
+          </a:prstGeom>
+          <a:noFill/>
+        </p:spPr>
+        <p:txBody>
+          <a:bodyPr wrap="square">
+            <a:spAutoFit/>
+          </a:bodyPr>
+          <a:lstStyle/>
+          <a:p>
+            <a:r>
+              <a:rPr lang="de-DE" sz="2400" b="1"/>
+              <a:t>dog</a:t>
+            </a:r>
+            <a:endParaRPr lang="en-US" sz="2000" b="1"/>
+          </a:p>
+        </p:txBody>
+      </p:sp>
+      <p:sp>
+        <p:nvSpPr>
+          <p:cNvPr id="41" name="TextBox 40">
+            <a:extLst>
+              <a:ext uri="{FF2B5EF4-FFF2-40B4-BE49-F238E27FC236}">
+                <a16:creationId xmlns:a16="http://schemas.microsoft.com/office/drawing/2014/main" id="{BD4D15DC-FC50-42FA-831E-050BC1F9A453}"/>
+              </a:ext>
+            </a:extLst>
+          </p:cNvPr>
+          <p:cNvSpPr txBox="1"/>
+          <p:nvPr/>
+        </p:nvSpPr>
+        <p:spPr>
+          <a:xfrm>
+            <a:off x="6980734" y="4940817"/>
+            <a:ext cx="1209674" cy="461665"/>
+          </a:xfrm>
+          <a:prstGeom prst="rect">
+            <a:avLst/>
+          </a:prstGeom>
+          <a:noFill/>
+        </p:spPr>
+        <p:txBody>
+          <a:bodyPr wrap="square">
+            <a:spAutoFit/>
+          </a:bodyPr>
+          <a:lstStyle/>
+          <a:p>
+            <a:r>
+              <a:rPr lang="de-DE" sz="2400" b="1"/>
+              <a:t>cat</a:t>
+            </a:r>
+            <a:endParaRPr lang="en-US" sz="2000" b="1"/>
+          </a:p>
+        </p:txBody>
+      </p:sp>
+      <p:sp>
+        <p:nvSpPr>
+          <p:cNvPr id="42" name="TextBox 41">
+            <a:extLst>
+              <a:ext uri="{FF2B5EF4-FFF2-40B4-BE49-F238E27FC236}">
+                <a16:creationId xmlns:a16="http://schemas.microsoft.com/office/drawing/2014/main" id="{7B122ED5-BD21-41C6-8ACD-166FC6C1C2D8}"/>
+              </a:ext>
+            </a:extLst>
+          </p:cNvPr>
+          <p:cNvSpPr txBox="1"/>
+          <p:nvPr/>
+        </p:nvSpPr>
+        <p:spPr>
+          <a:xfrm>
+            <a:off x="8492448" y="4940817"/>
+            <a:ext cx="1209674" cy="461665"/>
+          </a:xfrm>
+          <a:prstGeom prst="rect">
+            <a:avLst/>
+          </a:prstGeom>
+          <a:noFill/>
+        </p:spPr>
+        <p:txBody>
+          <a:bodyPr wrap="square">
+            <a:spAutoFit/>
+          </a:bodyPr>
+          <a:lstStyle/>
+          <a:p>
+            <a:r>
+              <a:rPr lang="de-DE" sz="2400" b="1"/>
+              <a:t>writing</a:t>
+            </a:r>
+            <a:endParaRPr lang="en-US" sz="2000" b="1"/>
+          </a:p>
+        </p:txBody>
+      </p:sp>
+      <p:sp>
+        <p:nvSpPr>
+          <p:cNvPr id="43" name="TextBox 42">
+            <a:extLst>
+              <a:ext uri="{FF2B5EF4-FFF2-40B4-BE49-F238E27FC236}">
+                <a16:creationId xmlns:a16="http://schemas.microsoft.com/office/drawing/2014/main" id="{F58F655A-B36A-4835-BC31-D3398ABEF595}"/>
+              </a:ext>
+            </a:extLst>
+          </p:cNvPr>
+          <p:cNvSpPr txBox="1"/>
+          <p:nvPr/>
+        </p:nvSpPr>
+        <p:spPr>
+          <a:xfrm>
+            <a:off x="9995397" y="4940817"/>
+            <a:ext cx="1209674" cy="461665"/>
+          </a:xfrm>
+          <a:prstGeom prst="rect">
+            <a:avLst/>
+          </a:prstGeom>
+          <a:noFill/>
+        </p:spPr>
+        <p:txBody>
+          <a:bodyPr wrap="square">
+            <a:spAutoFit/>
+          </a:bodyPr>
+          <a:lstStyle/>
+          <a:p>
+            <a:r>
+              <a:rPr lang="de-DE" sz="2400" b="1"/>
+              <a:t>cat</a:t>
+            </a:r>
+            <a:endParaRPr lang="en-US" sz="2000" b="1"/>
+          </a:p>
+        </p:txBody>
+      </p:sp>
+    </p:spTree>
+    <p:extLst>
+      <p:ext uri="{BB962C8B-B14F-4D97-AF65-F5344CB8AC3E}">
+        <p14:creationId xmlns:p14="http://schemas.microsoft.com/office/powerpoint/2010/main" val="3865300422"/>
+      </p:ext>
+    </p:extLst>
+  </p:cSld>
+  <p:clrMapOvr>
+    <a:masterClrMapping/>
+  </p:clrMapOvr>
+</p:sld>
+</file>
+
+<file path=ppt/slides/slide12.xml><?xml version="1.0" encoding="utf-8"?>
+<p:sld xmlns:a="http://schemas.openxmlformats.org/drawingml/2006/main" xmlns:r="http://schemas.openxmlformats.org/officeDocument/2006/relationships" xmlns:p="http://schemas.openxmlformats.org/presentationml/2006/main">
+  <p:cSld>
+    <p:spTree>
+      <p:nvGrpSpPr>
+        <p:cNvPr id="1" name=""/>
+        <p:cNvGrpSpPr/>
+        <p:nvPr/>
+      </p:nvGrpSpPr>
+      <p:grpSpPr>
+        <a:xfrm>
+          <a:off x="0" y="0"/>
+          <a:ext cx="0" cy="0"/>
+          <a:chOff x="0" y="0"/>
+          <a:chExt cx="0" cy="0"/>
+        </a:xfrm>
+      </p:grpSpPr>
+      <p:sp>
+        <p:nvSpPr>
+          <p:cNvPr id="7" name="Content Placeholder 2">
+            <a:extLst>
+              <a:ext uri="{FF2B5EF4-FFF2-40B4-BE49-F238E27FC236}">
+                <a16:creationId xmlns:a16="http://schemas.microsoft.com/office/drawing/2014/main" id="{0F324A9E-9392-4545-96A6-95DE3958C6B2}"/>
+              </a:ext>
+            </a:extLst>
+          </p:cNvPr>
+          <p:cNvSpPr>
+            <a:spLocks noGrp="1"/>
+          </p:cNvSpPr>
+          <p:nvPr>
+            <p:ph idx="1"/>
+          </p:nvPr>
+        </p:nvSpPr>
+        <p:spPr>
+          <a:xfrm>
+            <a:off x="1066797" y="1990725"/>
+            <a:ext cx="10287001" cy="4457700"/>
+          </a:xfrm>
+        </p:spPr>
+        <p:txBody>
+          <a:bodyPr>
+            <a:normAutofit/>
+          </a:bodyPr>
+          <a:lstStyle/>
+          <a:p>
+            <a:r>
+              <a:rPr lang="de-DE"/>
+              <a:t>Hyperparameters:</a:t>
+            </a:r>
+            <a:r>
+              <a:rPr lang="de-DE" b="1"/>
+              <a:t> </a:t>
+            </a:r>
+            <a:r>
+              <a:rPr lang="de-DE"/>
+              <a:t>most importantly, </a:t>
+            </a:r>
+            <a:r>
+              <a:rPr lang="de-DE" b="1"/>
+              <a:t>number of topics</a:t>
+            </a:r>
+            <a:br>
+              <a:rPr lang="de-DE" b="1"/>
+            </a:br>
+            <a:endParaRPr lang="de-DE" b="1"/>
+          </a:p>
+          <a:p>
+            <a:r>
+              <a:rPr lang="de-DE"/>
+              <a:t>Extreme </a:t>
+            </a:r>
+            <a:r>
+              <a:rPr lang="de-DE" b="1"/>
+              <a:t>brevity</a:t>
+            </a:r>
+            <a:r>
+              <a:rPr lang="de-DE"/>
+              <a:t> of Twitter data</a:t>
+            </a:r>
+          </a:p>
+          <a:p>
+            <a:pPr lvl="1"/>
+            <a:r>
+              <a:rPr lang="de-DE"/>
+              <a:t>Problematic for most topic modeling approaches</a:t>
+            </a:r>
+          </a:p>
+          <a:p>
+            <a:pPr lvl="1"/>
+            <a:r>
+              <a:rPr lang="de-DE"/>
+              <a:t>Potential mitigation by </a:t>
+            </a:r>
+            <a:r>
+              <a:rPr lang="de-DE" b="1"/>
+              <a:t>pooling</a:t>
+            </a:r>
+          </a:p>
+          <a:p>
+            <a:pPr lvl="1"/>
+            <a:r>
+              <a:rPr lang="de-DE"/>
+              <a:t>Special models dedicated to short texts</a:t>
+            </a:r>
+            <a:endParaRPr lang="en-US"/>
+          </a:p>
+        </p:txBody>
+      </p:sp>
+      <p:sp>
+        <p:nvSpPr>
+          <p:cNvPr id="4" name="Foliennummernplatzhalter 3"/>
+          <p:cNvSpPr>
+            <a:spLocks noGrp="1"/>
+          </p:cNvSpPr>
+          <p:nvPr>
+            <p:ph type="sldNum" sz="quarter" idx="12"/>
+          </p:nvPr>
+        </p:nvSpPr>
+        <p:spPr/>
+        <p:txBody>
+          <a:bodyPr/>
+          <a:lstStyle/>
+          <a:p>
+            <a:fld id="{C9E0B00B-E6DF-4183-A694-3DE28BEFB357}" type="slidenum">
+              <a:rPr lang="en-US" smtClean="0"/>
+              <a:t>12</a:t>
+            </a:fld>
+            <a:endParaRPr lang="en-US"/>
+          </a:p>
+        </p:txBody>
+      </p:sp>
+      <p:sp>
+        <p:nvSpPr>
+          <p:cNvPr id="12" name="Titel 1">
+            <a:extLst>
+              <a:ext uri="{FF2B5EF4-FFF2-40B4-BE49-F238E27FC236}">
+                <a16:creationId xmlns:a16="http://schemas.microsoft.com/office/drawing/2014/main" id="{478EA67A-3C39-4D0A-996A-C363F30A14B2}"/>
+              </a:ext>
+            </a:extLst>
+          </p:cNvPr>
+          <p:cNvSpPr>
+            <a:spLocks noGrp="1"/>
+          </p:cNvSpPr>
+          <p:nvPr>
+            <p:ph type="title"/>
+          </p:nvPr>
+        </p:nvSpPr>
+        <p:spPr>
+          <a:xfrm>
+            <a:off x="1066800" y="561524"/>
+            <a:ext cx="10287000" cy="1129164"/>
+          </a:xfrm>
+        </p:spPr>
+        <p:txBody>
+          <a:bodyPr/>
+          <a:lstStyle/>
+          <a:p>
+            <a:r>
+              <a:rPr lang="en-US"/>
+              <a:t>Overview  </a:t>
+            </a:r>
+            <a:r>
+              <a:rPr lang="en-US" b="1"/>
+              <a:t>Challenges</a:t>
+            </a:r>
+          </a:p>
+        </p:txBody>
+      </p:sp>
+    </p:spTree>
+    <p:extLst>
+      <p:ext uri="{BB962C8B-B14F-4D97-AF65-F5344CB8AC3E}">
+        <p14:creationId xmlns:p14="http://schemas.microsoft.com/office/powerpoint/2010/main" val="908876915"/>
+      </p:ext>
+    </p:extLst>
+  </p:cSld>
+  <p:clrMapOvr>
+    <a:masterClrMapping/>
+  </p:clrMapOvr>
+</p:sld>
+</file>
+
+<file path=ppt/slides/slide13.xml><?xml version="1.0" encoding="utf-8"?>
+<p:sld xmlns:a="http://schemas.openxmlformats.org/drawingml/2006/main" xmlns:r="http://schemas.openxmlformats.org/officeDocument/2006/relationships" xmlns:p="http://schemas.openxmlformats.org/presentationml/2006/main">
+  <p:cSld>
+    <p:spTree>
+      <p:nvGrpSpPr>
+        <p:cNvPr id="1" name=""/>
+        <p:cNvGrpSpPr/>
+        <p:nvPr/>
+      </p:nvGrpSpPr>
+      <p:grpSpPr>
+        <a:xfrm>
+          <a:off x="0" y="0"/>
+          <a:ext cx="0" cy="0"/>
+          <a:chOff x="0" y="0"/>
+          <a:chExt cx="0" cy="0"/>
+        </a:xfrm>
+      </p:grpSpPr>
+      <p:sp>
+        <p:nvSpPr>
+          <p:cNvPr id="2" name="Titel 1"/>
+          <p:cNvSpPr>
+            <a:spLocks noGrp="1"/>
+          </p:cNvSpPr>
+          <p:nvPr>
+            <p:ph type="title"/>
+          </p:nvPr>
+        </p:nvSpPr>
+        <p:spPr>
+          <a:xfrm>
+            <a:off x="1066800" y="1990724"/>
+            <a:ext cx="10287000" cy="2886075"/>
+          </a:xfrm>
+        </p:spPr>
+        <p:txBody>
+          <a:bodyPr/>
+          <a:lstStyle/>
+          <a:p>
+            <a:r>
+              <a:rPr lang="en-US" b="1">
+                <a:effectLst>
+                  <a:outerShdw blurRad="38100" dist="38100" dir="2700000" algn="tl">
+                    <a:srgbClr val="000000">
+                      <a:alpha val="43137"/>
+                    </a:srgbClr>
+                  </a:outerShdw>
+                </a:effectLst>
+              </a:rPr>
+              <a:t>Part II-2: Topic Modeling</a:t>
+            </a:r>
+          </a:p>
+        </p:txBody>
+      </p:sp>
+      <p:sp>
+        <p:nvSpPr>
+          <p:cNvPr id="3" name="Textplatzhalter 2"/>
+          <p:cNvSpPr>
+            <a:spLocks noGrp="1"/>
+          </p:cNvSpPr>
+          <p:nvPr>
+            <p:ph type="body" idx="1"/>
+          </p:nvPr>
+        </p:nvSpPr>
+        <p:spPr>
+          <a:xfrm>
+            <a:off x="1066798" y="4876799"/>
+            <a:ext cx="10280651" cy="1212851"/>
+          </a:xfrm>
+        </p:spPr>
+        <p:txBody>
+          <a:bodyPr/>
+          <a:lstStyle/>
+          <a:p>
+            <a:r>
+              <a:rPr lang="en-US" b="1">
+                <a:effectLst>
+                  <a:outerShdw blurRad="38100" dist="38100" dir="2700000" algn="tl">
+                    <a:srgbClr val="000000">
+                      <a:alpha val="43137"/>
+                    </a:srgbClr>
+                  </a:outerShdw>
+                </a:effectLst>
+              </a:rPr>
+              <a:t>Structural Topic Model (STM)</a:t>
+            </a:r>
+            <a:endParaRPr lang="en-US" b="1" dirty="0">
+              <a:effectLst>
+                <a:outerShdw blurRad="38100" dist="38100" dir="2700000" algn="tl">
+                  <a:srgbClr val="000000">
+                    <a:alpha val="43137"/>
+                  </a:srgbClr>
+                </a:outerShdw>
+              </a:effectLst>
+            </a:endParaRPr>
+          </a:p>
+        </p:txBody>
+      </p:sp>
+      <p:sp>
+        <p:nvSpPr>
+          <p:cNvPr id="4" name="Foliennummernplatzhalter 3"/>
+          <p:cNvSpPr>
+            <a:spLocks noGrp="1"/>
+          </p:cNvSpPr>
+          <p:nvPr>
+            <p:ph type="sldNum" sz="quarter" idx="12"/>
+          </p:nvPr>
+        </p:nvSpPr>
+        <p:spPr/>
+        <p:txBody>
+          <a:bodyPr/>
+          <a:lstStyle/>
+          <a:p>
+            <a:fld id="{C9E0B00B-E6DF-4183-A694-3DE28BEFB357}" type="slidenum">
+              <a:rPr lang="en-US" smtClean="0"/>
+              <a:t>13</a:t>
+            </a:fld>
+            <a:endParaRPr lang="en-US"/>
+          </a:p>
+        </p:txBody>
+      </p:sp>
+    </p:spTree>
+    <p:extLst>
+      <p:ext uri="{BB962C8B-B14F-4D97-AF65-F5344CB8AC3E}">
+        <p14:creationId xmlns:p14="http://schemas.microsoft.com/office/powerpoint/2010/main" val="2560491301"/>
+      </p:ext>
+    </p:extLst>
+  </p:cSld>
+  <p:clrMapOvr>
+    <a:masterClrMapping/>
+  </p:clrMapOvr>
+</p:sld>
+</file>
+
+<file path=ppt/slides/slide14.xml><?xml version="1.0" encoding="utf-8"?>
+<p:sld xmlns:a="http://schemas.openxmlformats.org/drawingml/2006/main" xmlns:r="http://schemas.openxmlformats.org/officeDocument/2006/relationships" xmlns:p="http://schemas.openxmlformats.org/presentationml/2006/main">
+  <p:cSld>
+    <p:spTree>
+      <p:nvGrpSpPr>
+        <p:cNvPr id="1" name=""/>
+        <p:cNvGrpSpPr/>
+        <p:nvPr/>
+      </p:nvGrpSpPr>
+      <p:grpSpPr>
+        <a:xfrm>
+          <a:off x="0" y="0"/>
+          <a:ext cx="0" cy="0"/>
+          <a:chOff x="0" y="0"/>
+          <a:chExt cx="0" cy="0"/>
+        </a:xfrm>
+      </p:grpSpPr>
+      <p:sp>
+        <p:nvSpPr>
+          <p:cNvPr id="4" name="Foliennummernplatzhalter 3"/>
+          <p:cNvSpPr>
+            <a:spLocks noGrp="1"/>
+          </p:cNvSpPr>
+          <p:nvPr>
+            <p:ph type="sldNum" sz="quarter" idx="12"/>
+          </p:nvPr>
+        </p:nvSpPr>
+        <p:spPr/>
+        <p:txBody>
+          <a:bodyPr/>
+          <a:lstStyle/>
+          <a:p>
+            <a:fld id="{C9E0B00B-E6DF-4183-A694-3DE28BEFB357}" type="slidenum">
+              <a:rPr lang="en-US" smtClean="0"/>
+              <a:t>14</a:t>
+            </a:fld>
+            <a:endParaRPr lang="en-US"/>
+          </a:p>
+        </p:txBody>
+      </p:sp>
+      <p:sp>
+        <p:nvSpPr>
+          <p:cNvPr id="12" name="Titel 1">
+            <a:extLst>
+              <a:ext uri="{FF2B5EF4-FFF2-40B4-BE49-F238E27FC236}">
+                <a16:creationId xmlns:a16="http://schemas.microsoft.com/office/drawing/2014/main" id="{478EA67A-3C39-4D0A-996A-C363F30A14B2}"/>
+              </a:ext>
+            </a:extLst>
+          </p:cNvPr>
+          <p:cNvSpPr>
+            <a:spLocks noGrp="1"/>
+          </p:cNvSpPr>
+          <p:nvPr>
+            <p:ph type="title"/>
+          </p:nvPr>
+        </p:nvSpPr>
+        <p:spPr>
+          <a:xfrm>
+            <a:off x="1066800" y="561524"/>
+            <a:ext cx="10287000" cy="1129164"/>
+          </a:xfrm>
+        </p:spPr>
+        <p:txBody>
+          <a:bodyPr/>
+          <a:lstStyle/>
+          <a:p>
+            <a:r>
+              <a:rPr lang="en-US"/>
               <a:t>STM  </a:t>
             </a:r>
             <a:r>
               <a:rPr lang="en-US" b="1"/>
-              <a:t>Exercise</a:t>
+              <a:t>Expert Talk</a:t>
             </a:r>
           </a:p>
         </p:txBody>
@@ -4406,7 +7387,443 @@
                   <a:schemeClr val="tx1"/>
                 </a:solidFill>
               </a:rPr>
-              <a:t>Exercise 4: Analyzing Topics</a:t>
+              <a:t>Expert Talk: STM</a:t>
+            </a:r>
+            <a:endParaRPr lang="en-US" sz="4000" b="1">
+              <a:solidFill>
+                <a:schemeClr val="tx1"/>
+              </a:solidFill>
+            </a:endParaRPr>
+          </a:p>
+        </p:txBody>
+      </p:sp>
+      <p:sp>
+        <p:nvSpPr>
+          <p:cNvPr id="2" name="TextBox 1">
+            <a:extLst>
+              <a:ext uri="{FF2B5EF4-FFF2-40B4-BE49-F238E27FC236}">
+                <a16:creationId xmlns:a16="http://schemas.microsoft.com/office/drawing/2014/main" id="{8552A58E-4C18-4E7D-A047-DD4352A79AE2}"/>
+              </a:ext>
+            </a:extLst>
+          </p:cNvPr>
+          <p:cNvSpPr txBox="1"/>
+          <p:nvPr/>
+        </p:nvSpPr>
+        <p:spPr>
+          <a:xfrm>
+            <a:off x="3228976" y="5096147"/>
+            <a:ext cx="8124824" cy="830997"/>
+          </a:xfrm>
+          <a:prstGeom prst="rect">
+            <a:avLst/>
+          </a:prstGeom>
+          <a:noFill/>
+        </p:spPr>
+        <p:txBody>
+          <a:bodyPr wrap="square" rtlCol="0">
+            <a:spAutoFit/>
+          </a:bodyPr>
+          <a:lstStyle/>
+          <a:p>
+            <a:pPr algn="l"/>
+            <a:r>
+              <a:rPr lang="de-DE" sz="2400" i="1"/>
+              <a:t>Patrick Schulze &amp; Simon Wiegrebe: </a:t>
+            </a:r>
+            <a:r>
+              <a:rPr lang="en-US" sz="2400" b="1" i="1" u="none" strike="noStrike" baseline="0">
+                <a:latin typeface="CMSS12"/>
+              </a:rPr>
+              <a:t>Twitter in the Parliament – </a:t>
+            </a:r>
+          </a:p>
+          <a:p>
+            <a:pPr algn="l"/>
+            <a:r>
+              <a:rPr lang="en-US" sz="2400" b="1" i="1" u="none" strike="noStrike" baseline="0">
+                <a:latin typeface="CMSS12"/>
+              </a:rPr>
+              <a:t>A Text-based Analysis of German Political Entities</a:t>
+            </a:r>
+            <a:endParaRPr lang="en-US" sz="2400" b="1" i="1"/>
+          </a:p>
+        </p:txBody>
+      </p:sp>
+      <p:pic>
+        <p:nvPicPr>
+          <p:cNvPr id="8" name="Graphic 7" descr="Subtitles with solid fill">
+            <a:extLst>
+              <a:ext uri="{FF2B5EF4-FFF2-40B4-BE49-F238E27FC236}">
+                <a16:creationId xmlns:a16="http://schemas.microsoft.com/office/drawing/2014/main" id="{F0E3C23E-8574-4F1B-A16B-A3822679D626}"/>
+              </a:ext>
+            </a:extLst>
+          </p:cNvPr>
+          <p:cNvPicPr>
+            <a:picLocks noChangeAspect="1"/>
+          </p:cNvPicPr>
+          <p:nvPr/>
+        </p:nvPicPr>
+        <p:blipFill>
+          <a:blip r:embed="rId3">
+            <a:extLst>
+              <a:ext uri="{28A0092B-C50C-407E-A947-70E740481C1C}">
+                <a14:useLocalDpi xmlns:a14="http://schemas.microsoft.com/office/drawing/2010/main" val="0"/>
+              </a:ext>
+              <a:ext uri="{96DAC541-7B7A-43D3-8B79-37D633B846F1}">
+                <asvg:svgBlip xmlns:asvg="http://schemas.microsoft.com/office/drawing/2016/SVG/main" r:embed="rId4"/>
+              </a:ext>
+            </a:extLst>
+          </a:blip>
+          <a:stretch>
+            <a:fillRect/>
+          </a:stretch>
+        </p:blipFill>
+        <p:spPr>
+          <a:xfrm>
+            <a:off x="1066800" y="2581546"/>
+            <a:ext cx="1990725" cy="1990725"/>
+          </a:xfrm>
+          <a:prstGeom prst="rect">
+            <a:avLst/>
+          </a:prstGeom>
+        </p:spPr>
+      </p:pic>
+    </p:spTree>
+    <p:extLst>
+      <p:ext uri="{BB962C8B-B14F-4D97-AF65-F5344CB8AC3E}">
+        <p14:creationId xmlns:p14="http://schemas.microsoft.com/office/powerpoint/2010/main" val="3327678176"/>
+      </p:ext>
+    </p:extLst>
+  </p:cSld>
+  <p:clrMapOvr>
+    <a:masterClrMapping/>
+  </p:clrMapOvr>
+</p:sld>
+</file>
+
+<file path=ppt/slides/slide15.xml><?xml version="1.0" encoding="utf-8"?>
+<p:sld xmlns:a="http://schemas.openxmlformats.org/drawingml/2006/main" xmlns:r="http://schemas.openxmlformats.org/officeDocument/2006/relationships" xmlns:p="http://schemas.openxmlformats.org/presentationml/2006/main">
+  <p:cSld>
+    <p:spTree>
+      <p:nvGrpSpPr>
+        <p:cNvPr id="1" name=""/>
+        <p:cNvGrpSpPr/>
+        <p:nvPr/>
+      </p:nvGrpSpPr>
+      <p:grpSpPr>
+        <a:xfrm>
+          <a:off x="0" y="0"/>
+          <a:ext cx="0" cy="0"/>
+          <a:chOff x="0" y="0"/>
+          <a:chExt cx="0" cy="0"/>
+        </a:xfrm>
+      </p:grpSpPr>
+      <p:sp>
+        <p:nvSpPr>
+          <p:cNvPr id="4" name="Foliennummernplatzhalter 3"/>
+          <p:cNvSpPr>
+            <a:spLocks noGrp="1"/>
+          </p:cNvSpPr>
+          <p:nvPr>
+            <p:ph type="sldNum" sz="quarter" idx="12"/>
+          </p:nvPr>
+        </p:nvSpPr>
+        <p:spPr/>
+        <p:txBody>
+          <a:bodyPr/>
+          <a:lstStyle/>
+          <a:p>
+            <a:fld id="{C9E0B00B-E6DF-4183-A694-3DE28BEFB357}" type="slidenum">
+              <a:rPr lang="en-US" smtClean="0"/>
+              <a:t>15</a:t>
+            </a:fld>
+            <a:endParaRPr lang="en-US"/>
+          </a:p>
+        </p:txBody>
+      </p:sp>
+      <p:sp>
+        <p:nvSpPr>
+          <p:cNvPr id="12" name="Titel 1">
+            <a:extLst>
+              <a:ext uri="{FF2B5EF4-FFF2-40B4-BE49-F238E27FC236}">
+                <a16:creationId xmlns:a16="http://schemas.microsoft.com/office/drawing/2014/main" id="{478EA67A-3C39-4D0A-996A-C363F30A14B2}"/>
+              </a:ext>
+            </a:extLst>
+          </p:cNvPr>
+          <p:cNvSpPr>
+            <a:spLocks noGrp="1"/>
+          </p:cNvSpPr>
+          <p:nvPr>
+            <p:ph type="title"/>
+          </p:nvPr>
+        </p:nvSpPr>
+        <p:spPr>
+          <a:xfrm>
+            <a:off x="1066800" y="561524"/>
+            <a:ext cx="10287000" cy="1129164"/>
+          </a:xfrm>
+        </p:spPr>
+        <p:txBody>
+          <a:bodyPr/>
+          <a:lstStyle/>
+          <a:p>
+            <a:r>
+              <a:rPr lang="en-US"/>
+              <a:t>STM  </a:t>
+            </a:r>
+            <a:r>
+              <a:rPr lang="en-US" b="1"/>
+              <a:t>Approach</a:t>
+            </a:r>
+          </a:p>
+        </p:txBody>
+      </p:sp>
+      <p:sp>
+        <p:nvSpPr>
+          <p:cNvPr id="7" name="Rectangle 6">
+            <a:extLst>
+              <a:ext uri="{FF2B5EF4-FFF2-40B4-BE49-F238E27FC236}">
+                <a16:creationId xmlns:a16="http://schemas.microsoft.com/office/drawing/2014/main" id="{399D5C87-EDAB-4C4B-A55D-E6DBDD9D5ABA}"/>
+              </a:ext>
+            </a:extLst>
+          </p:cNvPr>
+          <p:cNvSpPr/>
+          <p:nvPr/>
+        </p:nvSpPr>
+        <p:spPr>
+          <a:xfrm>
+            <a:off x="3228976" y="1992993"/>
+            <a:ext cx="8153400" cy="2872013"/>
+          </a:xfrm>
+          <a:prstGeom prst="rect">
+            <a:avLst/>
+          </a:prstGeom>
+          <a:solidFill>
+            <a:schemeClr val="bg2"/>
+          </a:solidFill>
+          <a:ln w="19050">
+            <a:solidFill>
+              <a:schemeClr val="bg2"/>
+            </a:solidFill>
+          </a:ln>
+        </p:spPr>
+        <p:style>
+          <a:lnRef idx="2">
+            <a:schemeClr val="dk1"/>
+          </a:lnRef>
+          <a:fillRef idx="1">
+            <a:schemeClr val="lt1"/>
+          </a:fillRef>
+          <a:effectRef idx="0">
+            <a:schemeClr val="dk1"/>
+          </a:effectRef>
+          <a:fontRef idx="minor">
+            <a:schemeClr val="dk1"/>
+          </a:fontRef>
+        </p:style>
+        <p:txBody>
+          <a:bodyPr rtlCol="0" anchor="ctr"/>
+          <a:lstStyle/>
+          <a:p>
+            <a:r>
+              <a:rPr lang="de-DE" sz="4000" b="1">
+                <a:solidFill>
+                  <a:schemeClr val="tx1"/>
+                </a:solidFill>
+              </a:rPr>
+              <a:t>Demo 7: STM</a:t>
+            </a:r>
+            <a:endParaRPr lang="en-US" sz="4000" b="1">
+              <a:solidFill>
+                <a:schemeClr val="tx1"/>
+              </a:solidFill>
+            </a:endParaRPr>
+          </a:p>
+        </p:txBody>
+      </p:sp>
+      <p:pic>
+        <p:nvPicPr>
+          <p:cNvPr id="9" name="Graphic 8" descr="Play with solid fill">
+            <a:extLst>
+              <a:ext uri="{FF2B5EF4-FFF2-40B4-BE49-F238E27FC236}">
+                <a16:creationId xmlns:a16="http://schemas.microsoft.com/office/drawing/2014/main" id="{5987626F-A389-40EE-AED1-4EC2BDAD023F}"/>
+              </a:ext>
+            </a:extLst>
+          </p:cNvPr>
+          <p:cNvPicPr>
+            <a:picLocks noChangeAspect="1"/>
+          </p:cNvPicPr>
+          <p:nvPr/>
+        </p:nvPicPr>
+        <p:blipFill>
+          <a:blip r:embed="rId3">
+            <a:extLst>
+              <a:ext uri="{28A0092B-C50C-407E-A947-70E740481C1C}">
+                <a14:useLocalDpi xmlns:a14="http://schemas.microsoft.com/office/drawing/2010/main" val="0"/>
+              </a:ext>
+              <a:ext uri="{96DAC541-7B7A-43D3-8B79-37D633B846F1}">
+                <asvg:svgBlip xmlns:asvg="http://schemas.microsoft.com/office/drawing/2016/SVG/main" r:embed="rId4"/>
+              </a:ext>
+            </a:extLst>
+          </a:blip>
+          <a:stretch>
+            <a:fillRect/>
+          </a:stretch>
+        </p:blipFill>
+        <p:spPr>
+          <a:xfrm>
+            <a:off x="923914" y="2276468"/>
+            <a:ext cx="2305062" cy="2305062"/>
+          </a:xfrm>
+          <a:prstGeom prst="rect">
+            <a:avLst/>
+          </a:prstGeom>
+        </p:spPr>
+      </p:pic>
+    </p:spTree>
+    <p:extLst>
+      <p:ext uri="{BB962C8B-B14F-4D97-AF65-F5344CB8AC3E}">
+        <p14:creationId xmlns:p14="http://schemas.microsoft.com/office/powerpoint/2010/main" val="1491246809"/>
+      </p:ext>
+    </p:extLst>
+  </p:cSld>
+  <p:clrMapOvr>
+    <a:masterClrMapping/>
+  </p:clrMapOvr>
+</p:sld>
+</file>
+
+<file path=ppt/slides/slide16.xml><?xml version="1.0" encoding="utf-8"?>
+<p:sld xmlns:a="http://schemas.openxmlformats.org/drawingml/2006/main" xmlns:r="http://schemas.openxmlformats.org/officeDocument/2006/relationships" xmlns:p="http://schemas.openxmlformats.org/presentationml/2006/main">
+  <p:cSld>
+    <p:spTree>
+      <p:nvGrpSpPr>
+        <p:cNvPr id="1" name=""/>
+        <p:cNvGrpSpPr/>
+        <p:nvPr/>
+      </p:nvGrpSpPr>
+      <p:grpSpPr>
+        <a:xfrm>
+          <a:off x="0" y="0"/>
+          <a:ext cx="0" cy="0"/>
+          <a:chOff x="0" y="0"/>
+          <a:chExt cx="0" cy="0"/>
+        </a:xfrm>
+      </p:grpSpPr>
+      <p:sp>
+        <p:nvSpPr>
+          <p:cNvPr id="4" name="Foliennummernplatzhalter 3"/>
+          <p:cNvSpPr>
+            <a:spLocks noGrp="1"/>
+          </p:cNvSpPr>
+          <p:nvPr>
+            <p:ph type="sldNum" sz="quarter" idx="12"/>
+          </p:nvPr>
+        </p:nvSpPr>
+        <p:spPr/>
+        <p:txBody>
+          <a:bodyPr/>
+          <a:lstStyle/>
+          <a:p>
+            <a:fld id="{C9E0B00B-E6DF-4183-A694-3DE28BEFB357}" type="slidenum">
+              <a:rPr lang="en-US" smtClean="0"/>
+              <a:t>16</a:t>
+            </a:fld>
+            <a:endParaRPr lang="en-US"/>
+          </a:p>
+        </p:txBody>
+      </p:sp>
+      <p:sp>
+        <p:nvSpPr>
+          <p:cNvPr id="12" name="Titel 1">
+            <a:extLst>
+              <a:ext uri="{FF2B5EF4-FFF2-40B4-BE49-F238E27FC236}">
+                <a16:creationId xmlns:a16="http://schemas.microsoft.com/office/drawing/2014/main" id="{478EA67A-3C39-4D0A-996A-C363F30A14B2}"/>
+              </a:ext>
+            </a:extLst>
+          </p:cNvPr>
+          <p:cNvSpPr>
+            <a:spLocks noGrp="1"/>
+          </p:cNvSpPr>
+          <p:nvPr>
+            <p:ph type="title"/>
+          </p:nvPr>
+        </p:nvSpPr>
+        <p:spPr>
+          <a:xfrm>
+            <a:off x="1066800" y="561524"/>
+            <a:ext cx="10287000" cy="1129164"/>
+          </a:xfrm>
+        </p:spPr>
+        <p:txBody>
+          <a:bodyPr/>
+          <a:lstStyle/>
+          <a:p>
+            <a:r>
+              <a:rPr lang="en-US"/>
+              <a:t>STM  </a:t>
+            </a:r>
+            <a:r>
+              <a:rPr lang="en-US" b="1"/>
+              <a:t>Exercise</a:t>
+            </a:r>
+          </a:p>
+        </p:txBody>
+      </p:sp>
+      <p:sp>
+        <p:nvSpPr>
+          <p:cNvPr id="7" name="Rectangle 6">
+            <a:extLst>
+              <a:ext uri="{FF2B5EF4-FFF2-40B4-BE49-F238E27FC236}">
+                <a16:creationId xmlns:a16="http://schemas.microsoft.com/office/drawing/2014/main" id="{399D5C87-EDAB-4C4B-A55D-E6DBDD9D5ABA}"/>
+              </a:ext>
+            </a:extLst>
+          </p:cNvPr>
+          <p:cNvSpPr/>
+          <p:nvPr/>
+        </p:nvSpPr>
+        <p:spPr>
+          <a:xfrm>
+            <a:off x="3228976" y="1992993"/>
+            <a:ext cx="8153400" cy="2872013"/>
+          </a:xfrm>
+          <a:prstGeom prst="rect">
+            <a:avLst/>
+          </a:prstGeom>
+          <a:solidFill>
+            <a:schemeClr val="bg2"/>
+          </a:solidFill>
+          <a:ln w="19050">
+            <a:solidFill>
+              <a:schemeClr val="bg2"/>
+            </a:solidFill>
+          </a:ln>
+        </p:spPr>
+        <p:style>
+          <a:lnRef idx="2">
+            <a:schemeClr val="dk1"/>
+          </a:lnRef>
+          <a:fillRef idx="1">
+            <a:schemeClr val="lt1"/>
+          </a:fillRef>
+          <a:effectRef idx="0">
+            <a:schemeClr val="dk1"/>
+          </a:effectRef>
+          <a:fontRef idx="minor">
+            <a:schemeClr val="dk1"/>
+          </a:fontRef>
+        </p:style>
+        <p:txBody>
+          <a:bodyPr rtlCol="0" anchor="ctr"/>
+          <a:lstStyle/>
+          <a:p>
+            <a:r>
+              <a:rPr lang="de-DE" sz="4000" b="1">
+                <a:solidFill>
+                  <a:schemeClr val="tx1"/>
+                </a:solidFill>
+              </a:rPr>
+              <a:t>Exercise 4: Topic Modeling</a:t>
             </a:r>
             <a:endParaRPr lang="en-US" sz="4000" b="1">
               <a:solidFill>
@@ -4468,7 +7885,7 @@
 </p:sld>
 </file>
 
-<file path=ppt/slides/slide11.xml><?xml version="1.0" encoding="utf-8"?>
+<file path=ppt/slides/slide17.xml><?xml version="1.0" encoding="utf-8"?>
 <p:sld xmlns:a="http://schemas.openxmlformats.org/drawingml/2006/main" xmlns:r="http://schemas.openxmlformats.org/officeDocument/2006/relationships" xmlns:p="http://schemas.openxmlformats.org/presentationml/2006/main">
   <p:cSld>
     <p:spTree>
@@ -4572,7 +7989,7 @@
           <a:p>
             <a:fld id="{C9E0B00B-E6DF-4183-A694-3DE28BEFB357}" type="slidenum">
               <a:rPr lang="en-US" smtClean="0"/>
-              <a:t>11</a:t>
+              <a:t>17</a:t>
             </a:fld>
             <a:endParaRPr lang="en-US"/>
           </a:p>
@@ -4591,7 +8008,7 @@
 </p:sld>
 </file>
 
-<file path=ppt/slides/slide12.xml><?xml version="1.0" encoding="utf-8"?>
+<file path=ppt/slides/slide18.xml><?xml version="1.0" encoding="utf-8"?>
 <p:sld xmlns:a="http://schemas.openxmlformats.org/drawingml/2006/main" xmlns:r="http://schemas.openxmlformats.org/officeDocument/2006/relationships" xmlns:p="http://schemas.openxmlformats.org/presentationml/2006/main">
   <p:cSld>
     <p:spTree>
@@ -4726,7 +8143,7 @@
           <a:p>
             <a:fld id="{C9E0B00B-E6DF-4183-A694-3DE28BEFB357}" type="slidenum">
               <a:rPr lang="en-US" smtClean="0"/>
-              <a:t>12</a:t>
+              <a:t>18</a:t>
             </a:fld>
             <a:endParaRPr lang="en-US"/>
           </a:p>
@@ -4782,8 +8199,8 @@
 </p:sld>
 </file>
 
-<file path=ppt/slides/slide13.xml><?xml version="1.0" encoding="utf-8"?>
-<p:sld xmlns:a="http://schemas.openxmlformats.org/drawingml/2006/main" xmlns:r="http://schemas.openxmlformats.org/officeDocument/2006/relationships" xmlns:p="http://schemas.openxmlformats.org/presentationml/2006/main">
+<file path=ppt/slides/slide19.xml><?xml version="1.0" encoding="utf-8"?>
+<p:sld xmlns:a="http://schemas.openxmlformats.org/drawingml/2006/main" xmlns:r="http://schemas.openxmlformats.org/officeDocument/2006/relationships" xmlns:p="http://schemas.openxmlformats.org/presentationml/2006/main" show="0">
   <p:cSld>
     <p:spTree>
       <p:nvGrpSpPr>
@@ -4816,7 +8233,7 @@
           <a:p>
             <a:fld id="{C9E0B00B-E6DF-4183-A694-3DE28BEFB357}" type="slidenum">
               <a:rPr lang="en-US" smtClean="0"/>
-              <a:t>13</a:t>
+              <a:t>19</a:t>
             </a:fld>
             <a:endParaRPr lang="en-US"/>
           </a:p>
@@ -4974,7 +8391,7 @@
 </p:sld>
 </file>
 
-<file path=ppt/slides/slide14.xml><?xml version="1.0" encoding="utf-8"?>
+<file path=ppt/slides/slide2.xml><?xml version="1.0" encoding="utf-8"?>
 <p:sld xmlns:a="http://schemas.openxmlformats.org/drawingml/2006/main" xmlns:r="http://schemas.openxmlformats.org/officeDocument/2006/relationships" xmlns:p="http://schemas.openxmlformats.org/presentationml/2006/main">
   <p:cSld>
     <p:spTree>
@@ -5003,8 +8420,8 @@
         </p:nvSpPr>
         <p:spPr>
           <a:xfrm>
-            <a:off x="1066800" y="1990724"/>
-            <a:ext cx="10287000" cy="2886075"/>
+            <a:off x="1057274" y="552450"/>
+            <a:ext cx="10296526" cy="1138238"/>
           </a:xfrm>
         </p:spPr>
         <p:txBody>
@@ -5012,70 +8429,73 @@
           <a:lstStyle/>
           <a:p>
             <a:r>
-              <a:rPr lang="en-US" b="1">
-                <a:effectLst>
-                  <a:outerShdw blurRad="38100" dist="38100" dir="2700000" algn="tl">
-                    <a:srgbClr val="000000">
-                      <a:alpha val="43137"/>
-                    </a:srgbClr>
-                  </a:outerShdw>
-                </a:effectLst>
-              </a:rPr>
-              <a:t>Part II-2: Topic Modeling</a:t>
-            </a:r>
-            <a:endParaRPr lang="en-US">
-              <a:effectLst>
-                <a:outerShdw blurRad="38100" dist="38100" dir="2700000" algn="tl">
-                  <a:srgbClr val="000000">
-                    <a:alpha val="43137"/>
-                  </a:srgbClr>
-                </a:outerShdw>
-              </a:effectLst>
-            </a:endParaRPr>
-          </a:p>
-        </p:txBody>
-      </p:sp>
-      <p:sp>
-        <p:nvSpPr>
-          <p:cNvPr id="3" name="Textplatzhalter 2"/>
-          <p:cNvSpPr>
-            <a:spLocks noGrp="1"/>
-          </p:cNvSpPr>
-          <p:nvPr>
-            <p:ph type="body" idx="1"/>
-          </p:nvPr>
-        </p:nvSpPr>
-        <p:spPr>
-          <a:xfrm>
-            <a:off x="1066798" y="4876799"/>
-            <a:ext cx="10280651" cy="1212851"/>
-          </a:xfrm>
-        </p:spPr>
-        <p:txBody>
-          <a:bodyPr/>
-          <a:lstStyle/>
-          <a:p>
-            <a:r>
-              <a:rPr lang="en-US" b="1">
-                <a:effectLst>
-                  <a:outerShdw blurRad="38100" dist="38100" dir="2700000" algn="tl">
-                    <a:srgbClr val="000000">
-                      <a:alpha val="43137"/>
-                    </a:srgbClr>
-                  </a:outerShdw>
-                </a:effectLst>
-              </a:rPr>
-              <a:t>Literature and References</a:t>
-            </a:r>
-            <a:endParaRPr lang="en-US" b="1" dirty="0">
-              <a:effectLst>
-                <a:outerShdw blurRad="38100" dist="38100" dir="2700000" algn="tl">
-                  <a:srgbClr val="000000">
-                    <a:alpha val="43137"/>
-                  </a:srgbClr>
-                </a:outerShdw>
-              </a:effectLst>
-            </a:endParaRPr>
+              <a:rPr lang="en-US" b="1"/>
+              <a:t>Outline</a:t>
+            </a:r>
+          </a:p>
+        </p:txBody>
+      </p:sp>
+      <p:sp>
+        <p:nvSpPr>
+          <p:cNvPr id="3" name="Inhaltsplatzhalter 2"/>
+          <p:cNvSpPr>
+            <a:spLocks noGrp="1"/>
+          </p:cNvSpPr>
+          <p:nvPr>
+            <p:ph idx="1"/>
+          </p:nvPr>
+        </p:nvSpPr>
+        <p:spPr>
+          <a:xfrm>
+            <a:off x="1057274" y="1990725"/>
+            <a:ext cx="10296525" cy="4186238"/>
+          </a:xfrm>
+        </p:spPr>
+        <p:txBody>
+          <a:bodyPr>
+            <a:normAutofit/>
+          </a:bodyPr>
+          <a:lstStyle/>
+          <a:p>
+            <a:pPr marL="571500" indent="-571500">
+              <a:buFont typeface="+mj-lt"/>
+              <a:buAutoNum type="romanLcPeriod"/>
+            </a:pPr>
+            <a:r>
+              <a:rPr lang="en-US"/>
+              <a:t>Overview</a:t>
+            </a:r>
+          </a:p>
+          <a:p>
+            <a:pPr marL="571500" indent="-571500">
+              <a:buFont typeface="+mj-lt"/>
+              <a:buAutoNum type="romanLcPeriod"/>
+            </a:pPr>
+            <a:r>
+              <a:rPr lang="en-US"/>
+              <a:t>Topic Modeling Approaches</a:t>
+            </a:r>
+          </a:p>
+          <a:p>
+            <a:pPr marL="571500" indent="-571500">
+              <a:buFont typeface="+mj-lt"/>
+              <a:buAutoNum type="romanLcPeriod"/>
+            </a:pPr>
+            <a:r>
+              <a:rPr lang="en-US"/>
+              <a:t>Structural Topic Model (STM)</a:t>
+            </a:r>
+          </a:p>
+          <a:p>
+            <a:pPr marL="571500" indent="-571500">
+              <a:buFont typeface="+mj-lt"/>
+              <a:buAutoNum type="romanLcPeriod"/>
+            </a:pPr>
+            <a:r>
+              <a:rPr lang="en-US"/>
+              <a:t>Keyword-Based Topic Extraction</a:t>
+            </a:r>
+            <a:endParaRPr lang="en-US" dirty="0"/>
           </a:p>
         </p:txBody>
       </p:sp>
@@ -5096,7 +8516,7 @@
           <a:p>
             <a:fld id="{C9E0B00B-E6DF-4183-A694-3DE28BEFB357}" type="slidenum">
               <a:rPr lang="en-US" smtClean="0"/>
-              <a:t>14</a:t>
+              <a:t>2</a:t>
             </a:fld>
             <a:endParaRPr lang="en-US"/>
           </a:p>
@@ -5105,7 +8525,7 @@
     </p:spTree>
     <p:extLst>
       <p:ext uri="{BB962C8B-B14F-4D97-AF65-F5344CB8AC3E}">
-        <p14:creationId xmlns:p14="http://schemas.microsoft.com/office/powerpoint/2010/main" val="3483205053"/>
+        <p14:creationId xmlns:p14="http://schemas.microsoft.com/office/powerpoint/2010/main" val="1199198601"/>
       </p:ext>
     </p:extLst>
   </p:cSld>
@@ -5115,7 +8535,7 @@
 </p:sld>
 </file>
 
-<file path=ppt/slides/slide15.xml><?xml version="1.0" encoding="utf-8"?>
+<file path=ppt/slides/slide20.xml><?xml version="1.0" encoding="utf-8"?>
 <p:sld xmlns:a="http://schemas.openxmlformats.org/drawingml/2006/main" xmlns:r="http://schemas.openxmlformats.org/officeDocument/2006/relationships" xmlns:p="http://schemas.openxmlformats.org/presentationml/2006/main">
   <p:cSld>
     <p:spTree>
@@ -5134,6 +8554,147 @@
       </p:grpSpPr>
       <p:sp>
         <p:nvSpPr>
+          <p:cNvPr id="2" name="Titel 1"/>
+          <p:cNvSpPr>
+            <a:spLocks noGrp="1"/>
+          </p:cNvSpPr>
+          <p:nvPr>
+            <p:ph type="title"/>
+          </p:nvPr>
+        </p:nvSpPr>
+        <p:spPr>
+          <a:xfrm>
+            <a:off x="1066800" y="1990724"/>
+            <a:ext cx="10287000" cy="2886075"/>
+          </a:xfrm>
+        </p:spPr>
+        <p:txBody>
+          <a:bodyPr/>
+          <a:lstStyle/>
+          <a:p>
+            <a:r>
+              <a:rPr lang="en-US" b="1">
+                <a:effectLst>
+                  <a:outerShdw blurRad="38100" dist="38100" dir="2700000" algn="tl">
+                    <a:srgbClr val="000000">
+                      <a:alpha val="43137"/>
+                    </a:srgbClr>
+                  </a:outerShdw>
+                </a:effectLst>
+              </a:rPr>
+              <a:t>Part II-2: Topic Modeling</a:t>
+            </a:r>
+            <a:endParaRPr lang="en-US">
+              <a:effectLst>
+                <a:outerShdw blurRad="38100" dist="38100" dir="2700000" algn="tl">
+                  <a:srgbClr val="000000">
+                    <a:alpha val="43137"/>
+                  </a:srgbClr>
+                </a:outerShdw>
+              </a:effectLst>
+            </a:endParaRPr>
+          </a:p>
+        </p:txBody>
+      </p:sp>
+      <p:sp>
+        <p:nvSpPr>
+          <p:cNvPr id="3" name="Textplatzhalter 2"/>
+          <p:cNvSpPr>
+            <a:spLocks noGrp="1"/>
+          </p:cNvSpPr>
+          <p:nvPr>
+            <p:ph type="body" idx="1"/>
+          </p:nvPr>
+        </p:nvSpPr>
+        <p:spPr>
+          <a:xfrm>
+            <a:off x="1066798" y="4876799"/>
+            <a:ext cx="10280651" cy="1212851"/>
+          </a:xfrm>
+        </p:spPr>
+        <p:txBody>
+          <a:bodyPr/>
+          <a:lstStyle/>
+          <a:p>
+            <a:r>
+              <a:rPr lang="en-US" b="1">
+                <a:effectLst>
+                  <a:outerShdw blurRad="38100" dist="38100" dir="2700000" algn="tl">
+                    <a:srgbClr val="000000">
+                      <a:alpha val="43137"/>
+                    </a:srgbClr>
+                  </a:outerShdw>
+                </a:effectLst>
+              </a:rPr>
+              <a:t>Literature and References</a:t>
+            </a:r>
+            <a:endParaRPr lang="en-US" b="1" dirty="0">
+              <a:effectLst>
+                <a:outerShdw blurRad="38100" dist="38100" dir="2700000" algn="tl">
+                  <a:srgbClr val="000000">
+                    <a:alpha val="43137"/>
+                  </a:srgbClr>
+                </a:outerShdw>
+              </a:effectLst>
+            </a:endParaRPr>
+          </a:p>
+        </p:txBody>
+      </p:sp>
+      <p:sp>
+        <p:nvSpPr>
+          <p:cNvPr id="4" name="Foliennummernplatzhalter 3"/>
+          <p:cNvSpPr>
+            <a:spLocks noGrp="1"/>
+          </p:cNvSpPr>
+          <p:nvPr>
+            <p:ph type="sldNum" sz="quarter" idx="12"/>
+          </p:nvPr>
+        </p:nvSpPr>
+        <p:spPr/>
+        <p:txBody>
+          <a:bodyPr/>
+          <a:lstStyle/>
+          <a:p>
+            <a:fld id="{C9E0B00B-E6DF-4183-A694-3DE28BEFB357}" type="slidenum">
+              <a:rPr lang="en-US" smtClean="0"/>
+              <a:t>20</a:t>
+            </a:fld>
+            <a:endParaRPr lang="en-US"/>
+          </a:p>
+        </p:txBody>
+      </p:sp>
+    </p:spTree>
+    <p:extLst>
+      <p:ext uri="{BB962C8B-B14F-4D97-AF65-F5344CB8AC3E}">
+        <p14:creationId xmlns:p14="http://schemas.microsoft.com/office/powerpoint/2010/main" val="3483205053"/>
+      </p:ext>
+    </p:extLst>
+  </p:cSld>
+  <p:clrMapOvr>
+    <a:masterClrMapping/>
+  </p:clrMapOvr>
+</p:sld>
+</file>
+
+<file path=ppt/slides/slide21.xml><?xml version="1.0" encoding="utf-8"?>
+<p:sld xmlns:a="http://schemas.openxmlformats.org/drawingml/2006/main" xmlns:r="http://schemas.openxmlformats.org/officeDocument/2006/relationships" xmlns:p="http://schemas.openxmlformats.org/presentationml/2006/main">
+  <p:cSld>
+    <p:spTree>
+      <p:nvGrpSpPr>
+        <p:cNvPr id="1" name=""/>
+        <p:cNvGrpSpPr/>
+        <p:nvPr/>
+      </p:nvGrpSpPr>
+      <p:grpSpPr>
+        <a:xfrm>
+          <a:off x="0" y="0"/>
+          <a:ext cx="0" cy="0"/>
+          <a:chOff x="0" y="0"/>
+          <a:chExt cx="0" cy="0"/>
+        </a:xfrm>
+      </p:grpSpPr>
+      <p:sp>
+        <p:nvSpPr>
           <p:cNvPr id="3" name="Inhaltsplatzhalter 2"/>
           <p:cNvSpPr>
             <a:spLocks noGrp="1"/>
@@ -5181,7 +8742,7 @@
           <a:p>
             <a:fld id="{C9E0B00B-E6DF-4183-A694-3DE28BEFB357}" type="slidenum">
               <a:rPr lang="en-US" smtClean="0"/>
-              <a:t>15</a:t>
+              <a:t>21</a:t>
             </a:fld>
             <a:endParaRPr lang="en-US"/>
           </a:p>
@@ -5578,150 +9139,6 @@
 </p:sld>
 </file>
 
-<file path=ppt/slides/slide2.xml><?xml version="1.0" encoding="utf-8"?>
-<p:sld xmlns:a="http://schemas.openxmlformats.org/drawingml/2006/main" xmlns:r="http://schemas.openxmlformats.org/officeDocument/2006/relationships" xmlns:p="http://schemas.openxmlformats.org/presentationml/2006/main">
-  <p:cSld>
-    <p:spTree>
-      <p:nvGrpSpPr>
-        <p:cNvPr id="1" name=""/>
-        <p:cNvGrpSpPr/>
-        <p:nvPr/>
-      </p:nvGrpSpPr>
-      <p:grpSpPr>
-        <a:xfrm>
-          <a:off x="0" y="0"/>
-          <a:ext cx="0" cy="0"/>
-          <a:chOff x="0" y="0"/>
-          <a:chExt cx="0" cy="0"/>
-        </a:xfrm>
-      </p:grpSpPr>
-      <p:sp>
-        <p:nvSpPr>
-          <p:cNvPr id="2" name="Titel 1"/>
-          <p:cNvSpPr>
-            <a:spLocks noGrp="1"/>
-          </p:cNvSpPr>
-          <p:nvPr>
-            <p:ph type="title"/>
-          </p:nvPr>
-        </p:nvSpPr>
-        <p:spPr>
-          <a:xfrm>
-            <a:off x="1057274" y="552450"/>
-            <a:ext cx="10296526" cy="1138238"/>
-          </a:xfrm>
-        </p:spPr>
-        <p:txBody>
-          <a:bodyPr/>
-          <a:lstStyle/>
-          <a:p>
-            <a:r>
-              <a:rPr lang="en-US" b="1"/>
-              <a:t>Outline</a:t>
-            </a:r>
-          </a:p>
-        </p:txBody>
-      </p:sp>
-      <p:sp>
-        <p:nvSpPr>
-          <p:cNvPr id="3" name="Inhaltsplatzhalter 2"/>
-          <p:cNvSpPr>
-            <a:spLocks noGrp="1"/>
-          </p:cNvSpPr>
-          <p:nvPr>
-            <p:ph idx="1"/>
-          </p:nvPr>
-        </p:nvSpPr>
-        <p:spPr>
-          <a:xfrm>
-            <a:off x="1057274" y="1990725"/>
-            <a:ext cx="10296525" cy="4186238"/>
-          </a:xfrm>
-        </p:spPr>
-        <p:txBody>
-          <a:bodyPr>
-            <a:normAutofit/>
-          </a:bodyPr>
-          <a:lstStyle/>
-          <a:p>
-            <a:pPr marL="571500" indent="-571500">
-              <a:buFont typeface="+mj-lt"/>
-              <a:buAutoNum type="romanLcPeriod"/>
-            </a:pPr>
-            <a:r>
-              <a:rPr lang="en-US"/>
-              <a:t>Overview</a:t>
-            </a:r>
-          </a:p>
-          <a:p>
-            <a:pPr marL="571500" indent="-571500">
-              <a:buFont typeface="+mj-lt"/>
-              <a:buAutoNum type="romanLcPeriod"/>
-            </a:pPr>
-            <a:r>
-              <a:rPr lang="en-US"/>
-              <a:t>Topic Modeling Approaches</a:t>
-            </a:r>
-          </a:p>
-          <a:p>
-            <a:pPr marL="571500" indent="-571500">
-              <a:buFont typeface="+mj-lt"/>
-              <a:buAutoNum type="romanLcPeriod"/>
-            </a:pPr>
-            <a:r>
-              <a:rPr lang="en-US"/>
-              <a:t>Structural Topic Model (STM)</a:t>
-            </a:r>
-          </a:p>
-          <a:p>
-            <a:pPr marL="571500" indent="-571500">
-              <a:buFont typeface="+mj-lt"/>
-              <a:buAutoNum type="romanLcPeriod"/>
-            </a:pPr>
-            <a:r>
-              <a:rPr lang="en-US"/>
-              <a:t>Keyword-Based Topic Extraction</a:t>
-            </a:r>
-            <a:endParaRPr lang="en-US" dirty="0"/>
-          </a:p>
-        </p:txBody>
-      </p:sp>
-      <p:sp>
-        <p:nvSpPr>
-          <p:cNvPr id="4" name="Foliennummernplatzhalter 3"/>
-          <p:cNvSpPr>
-            <a:spLocks noGrp="1"/>
-          </p:cNvSpPr>
-          <p:nvPr>
-            <p:ph type="sldNum" sz="quarter" idx="12"/>
-          </p:nvPr>
-        </p:nvSpPr>
-        <p:spPr/>
-        <p:txBody>
-          <a:bodyPr/>
-          <a:lstStyle/>
-          <a:p>
-            <a:fld id="{C9E0B00B-E6DF-4183-A694-3DE28BEFB357}" type="slidenum">
-              <a:rPr lang="en-US" smtClean="0"/>
-              <a:t>2</a:t>
-            </a:fld>
-            <a:endParaRPr lang="en-US"/>
-          </a:p>
-        </p:txBody>
-      </p:sp>
-    </p:spTree>
-    <p:extLst>
-      <p:ext uri="{BB962C8B-B14F-4D97-AF65-F5344CB8AC3E}">
-        <p14:creationId xmlns:p14="http://schemas.microsoft.com/office/powerpoint/2010/main" val="1199198601"/>
-      </p:ext>
-    </p:extLst>
-  </p:cSld>
-  <p:clrMapOvr>
-    <a:masterClrMapping/>
-  </p:clrMapOvr>
-</p:sld>
-</file>
-
 <file path=ppt/slides/slide3.xml><?xml version="1.0" encoding="utf-8"?>
 <p:sld xmlns:a="http://schemas.openxmlformats.org/drawingml/2006/main" xmlns:r="http://schemas.openxmlformats.org/officeDocument/2006/relationships" xmlns:p="http://schemas.openxmlformats.org/presentationml/2006/main">
   <p:cSld>
@@ -5905,7 +9322,86 @@
             </a:r>
             <a:r>
               <a:rPr lang="en-US" b="1"/>
-              <a:t>oal.</a:t>
+              <a:t>oal. </a:t>
+            </a:r>
+            <a:r>
+              <a:rPr lang="en-US"/>
+              <a:t>Discover latent semantic structures in a corpus &amp; group documents into topical clusters</a:t>
+            </a:r>
+          </a:p>
+          <a:p>
+            <a:r>
+              <a:rPr lang="en-US" b="1"/>
+              <a:t>Exploratory</a:t>
+            </a:r>
+            <a:r>
+              <a:rPr lang="en-US"/>
+              <a:t> method that does not require prior knowledge</a:t>
+            </a:r>
+            <a:br>
+              <a:rPr lang="en-US"/>
+            </a:br>
+            <a:r>
+              <a:rPr lang="en-US">
+                <a:sym typeface="Symbol" panose="05050102010706020507" pitchFamily="18" charset="2"/>
+              </a:rPr>
+              <a:t> Unsupervised learning</a:t>
+            </a:r>
+            <a:br>
+              <a:rPr lang="en-US">
+                <a:sym typeface="Symbol" panose="05050102010706020507" pitchFamily="18" charset="2"/>
+              </a:rPr>
+            </a:br>
+            <a:br>
+              <a:rPr lang="en-US">
+                <a:sym typeface="Symbol" panose="05050102010706020507" pitchFamily="18" charset="2"/>
+              </a:rPr>
+            </a:br>
+            <a:br>
+              <a:rPr lang="en-US">
+                <a:sym typeface="Symbol" panose="05050102010706020507" pitchFamily="18" charset="2"/>
+              </a:rPr>
+            </a:br>
+            <a:endParaRPr lang="en-US">
+              <a:sym typeface="Symbol" panose="05050102010706020507" pitchFamily="18" charset="2"/>
+            </a:endParaRPr>
+          </a:p>
+          <a:p>
+            <a:r>
+              <a:rPr lang="en-US">
+                <a:sym typeface="Symbol" panose="05050102010706020507" pitchFamily="18" charset="2"/>
+              </a:rPr>
+              <a:t>Often particularly useful in </a:t>
+            </a:r>
+            <a:r>
+              <a:rPr lang="en-US" b="1">
+                <a:sym typeface="Symbol" panose="05050102010706020507" pitchFamily="18" charset="2"/>
+              </a:rPr>
+              <a:t>early phases </a:t>
+            </a:r>
+            <a:r>
+              <a:rPr lang="en-US">
+                <a:sym typeface="Symbol" panose="05050102010706020507" pitchFamily="18" charset="2"/>
+              </a:rPr>
+              <a:t>of text analysis</a:t>
+            </a:r>
+          </a:p>
+          <a:p>
+            <a:pPr lvl="1"/>
+            <a:r>
+              <a:rPr lang="en-US">
+                <a:sym typeface="Symbol" panose="05050102010706020507" pitchFamily="18" charset="2"/>
+              </a:rPr>
+              <a:t>Getting a better feeling for the corpus at hand</a:t>
+            </a:r>
+          </a:p>
+          <a:p>
+            <a:pPr lvl="1"/>
+            <a:r>
+              <a:rPr lang="en-US">
+                <a:sym typeface="Symbol" panose="05050102010706020507" pitchFamily="18" charset="2"/>
+              </a:rPr>
+              <a:t>Facilitating / enhancing downstream tasks (e.g., sentiment analysis)</a:t>
             </a:r>
             <a:endParaRPr lang="en-US"/>
           </a:p>
@@ -5962,65 +9458,90 @@
           <a:p>
             <a:r>
               <a:rPr lang="en-US"/>
-              <a:t>Overview  </a:t>
+              <a:t>Overview </a:t>
             </a:r>
             <a:r>
               <a:rPr lang="en-US" b="1"/>
-              <a:t>Topic Modeling Goal</a:t>
-            </a:r>
-          </a:p>
-        </p:txBody>
-      </p:sp>
-      <p:sp>
-        <p:nvSpPr>
-          <p:cNvPr id="6" name="Rectangle 5">
+              <a:t>Goal of Topic Modeling</a:t>
+            </a:r>
+          </a:p>
+        </p:txBody>
+      </p:sp>
+      <p:sp>
+        <p:nvSpPr>
+          <p:cNvPr id="5" name="TextBox 4">
             <a:extLst>
               <a:ext uri="{FF2B5EF4-FFF2-40B4-BE49-F238E27FC236}">
-                <a16:creationId xmlns:a16="http://schemas.microsoft.com/office/drawing/2014/main" id="{D54ED021-4B71-4C90-8D2D-F3C55A355EB6}"/>
+                <a16:creationId xmlns:a16="http://schemas.microsoft.com/office/drawing/2014/main" id="{7623C36A-D31E-45B1-8752-A1623144E3A9}"/>
               </a:ext>
             </a:extLst>
           </p:cNvPr>
-          <p:cNvSpPr/>
+          <p:cNvSpPr txBox="1"/>
           <p:nvPr/>
         </p:nvSpPr>
         <p:spPr>
           <a:xfrm>
-            <a:off x="0" y="1954466"/>
-            <a:ext cx="12192000" cy="3364992"/>
+            <a:off x="3505201" y="3988742"/>
+            <a:ext cx="4377480" cy="461665"/>
           </a:xfrm>
           <a:prstGeom prst="rect">
             <a:avLst/>
           </a:prstGeom>
-        </p:spPr>
-        <p:style>
-          <a:lnRef idx="2">
-            <a:schemeClr val="accent2">
-              <a:shade val="50000"/>
-            </a:schemeClr>
-          </a:lnRef>
-          <a:fillRef idx="1">
-            <a:schemeClr val="accent2"/>
-          </a:fillRef>
-          <a:effectRef idx="0">
-            <a:schemeClr val="accent2"/>
-          </a:effectRef>
-          <a:fontRef idx="minor">
-            <a:schemeClr val="lt1"/>
-          </a:fontRef>
-        </p:style>
-        <p:txBody>
-          <a:bodyPr rtlCol="0" anchor="ctr"/>
-          <a:lstStyle/>
-          <a:p>
-            <a:pPr algn="ctr"/>
-            <a:r>
-              <a:rPr lang="de-DE"/>
-              <a:t>under construction</a:t>
-            </a:r>
-            <a:endParaRPr lang="en-US"/>
-          </a:p>
-        </p:txBody>
-      </p:sp>
+          <a:noFill/>
+        </p:spPr>
+        <p:txBody>
+          <a:bodyPr wrap="square">
+            <a:spAutoFit/>
+          </a:bodyPr>
+          <a:lstStyle/>
+          <a:p>
+            <a:r>
+              <a:rPr lang="de-DE" sz="2400" i="1"/>
+              <a:t>as opposed to: topic classification</a:t>
+            </a:r>
+            <a:endParaRPr lang="en-US" sz="2400" i="1"/>
+          </a:p>
+        </p:txBody>
+      </p:sp>
+      <p:pic>
+        <p:nvPicPr>
+          <p:cNvPr id="6" name="Graphic 5" descr="Back with solid fill">
+            <a:extLst>
+              <a:ext uri="{FF2B5EF4-FFF2-40B4-BE49-F238E27FC236}">
+                <a16:creationId xmlns:a16="http://schemas.microsoft.com/office/drawing/2014/main" id="{47FABC39-B8BB-4F67-B1D1-A0D8A591A751}"/>
+              </a:ext>
+            </a:extLst>
+          </p:cNvPr>
+          <p:cNvPicPr>
+            <a:picLocks noChangeAspect="1"/>
+          </p:cNvPicPr>
+          <p:nvPr/>
+        </p:nvPicPr>
+        <p:blipFill>
+          <a:blip r:embed="rId3">
+            <a:extLst>
+              <a:ext uri="{28A0092B-C50C-407E-A947-70E740481C1C}">
+                <a14:useLocalDpi xmlns:a14="http://schemas.microsoft.com/office/drawing/2010/main" val="0"/>
+              </a:ext>
+              <a:ext uri="{96DAC541-7B7A-43D3-8B79-37D633B846F1}">
+                <asvg:svgBlip xmlns:asvg="http://schemas.microsoft.com/office/drawing/2016/SVG/main" r:embed="rId4"/>
+              </a:ext>
+            </a:extLst>
+          </a:blip>
+          <a:stretch>
+            <a:fillRect/>
+          </a:stretch>
+        </p:blipFill>
+        <p:spPr>
+          <a:xfrm flipH="1" flipV="1">
+            <a:off x="2276475" y="3746426"/>
+            <a:ext cx="757629" cy="946296"/>
+          </a:xfrm>
+          <a:prstGeom prst="rect">
+            <a:avLst/>
+          </a:prstGeom>
+        </p:spPr>
+      </p:pic>
     </p:spTree>
     <p:extLst>
       <p:ext uri="{BB962C8B-B14F-4D97-AF65-F5344CB8AC3E}">
@@ -6053,80 +9574,86 @@
       </p:grpSpPr>
       <p:sp>
         <p:nvSpPr>
-          <p:cNvPr id="2" name="Titel 1"/>
-          <p:cNvSpPr>
-            <a:spLocks noGrp="1"/>
-          </p:cNvSpPr>
-          <p:nvPr>
-            <p:ph type="title"/>
-          </p:nvPr>
-        </p:nvSpPr>
-        <p:spPr>
-          <a:xfrm>
-            <a:off x="1066800" y="1990724"/>
-            <a:ext cx="10287000" cy="2886075"/>
-          </a:xfrm>
-        </p:spPr>
-        <p:txBody>
-          <a:bodyPr/>
-          <a:lstStyle/>
-          <a:p>
-            <a:r>
-              <a:rPr lang="en-US" b="1">
-                <a:effectLst>
-                  <a:outerShdw blurRad="38100" dist="38100" dir="2700000" algn="tl">
-                    <a:srgbClr val="000000">
-                      <a:alpha val="43137"/>
-                    </a:srgbClr>
-                  </a:outerShdw>
-                </a:effectLst>
-              </a:rPr>
-              <a:t>Part II-2: Topic Modeling</a:t>
-            </a:r>
-          </a:p>
-        </p:txBody>
-      </p:sp>
-      <p:sp>
-        <p:nvSpPr>
-          <p:cNvPr id="3" name="Textplatzhalter 2"/>
-          <p:cNvSpPr>
-            <a:spLocks noGrp="1"/>
-          </p:cNvSpPr>
-          <p:nvPr>
-            <p:ph type="body" idx="1"/>
-          </p:nvPr>
-        </p:nvSpPr>
-        <p:spPr>
-          <a:xfrm>
-            <a:off x="1066798" y="4876799"/>
-            <a:ext cx="10280651" cy="1212851"/>
-          </a:xfrm>
-        </p:spPr>
-        <p:txBody>
-          <a:bodyPr/>
-          <a:lstStyle/>
-          <a:p>
-            <a:r>
-              <a:rPr lang="en-US" b="1">
-                <a:effectLst>
-                  <a:outerShdw blurRad="38100" dist="38100" dir="2700000" algn="tl">
-                    <a:srgbClr val="000000">
-                      <a:alpha val="43137"/>
-                    </a:srgbClr>
-                  </a:outerShdw>
-                </a:effectLst>
-              </a:rPr>
-              <a:t>Topic Modeling Approaches</a:t>
-            </a:r>
-            <a:endParaRPr lang="en-US" b="1" dirty="0">
-              <a:effectLst>
-                <a:outerShdw blurRad="38100" dist="38100" dir="2700000" algn="tl">
-                  <a:srgbClr val="000000">
-                    <a:alpha val="43137"/>
-                  </a:srgbClr>
-                </a:outerShdw>
-              </a:effectLst>
-            </a:endParaRPr>
+          <p:cNvPr id="7" name="Content Placeholder 2">
+            <a:extLst>
+              <a:ext uri="{FF2B5EF4-FFF2-40B4-BE49-F238E27FC236}">
+                <a16:creationId xmlns:a16="http://schemas.microsoft.com/office/drawing/2014/main" id="{0F324A9E-9392-4545-96A6-95DE3958C6B2}"/>
+              </a:ext>
+            </a:extLst>
+          </p:cNvPr>
+          <p:cNvSpPr>
+            <a:spLocks noGrp="1"/>
+          </p:cNvSpPr>
+          <p:nvPr>
+            <p:ph idx="1"/>
+          </p:nvPr>
+        </p:nvSpPr>
+        <p:spPr>
+          <a:xfrm>
+            <a:off x="1066797" y="1990725"/>
+            <a:ext cx="10287001" cy="4457700"/>
+          </a:xfrm>
+        </p:spPr>
+        <p:txBody>
+          <a:bodyPr>
+            <a:normAutofit/>
+          </a:bodyPr>
+          <a:lstStyle/>
+          <a:p>
+            <a:r>
+              <a:rPr lang="de-DE" b="1"/>
+              <a:t>So, what exactly is a topic?</a:t>
+            </a:r>
+          </a:p>
+          <a:p>
+            <a:pPr lvl="1"/>
+            <a:r>
+              <a:rPr lang="de-DE"/>
+              <a:t>Topic modeling revolves around the </a:t>
+            </a:r>
+            <a:r>
+              <a:rPr lang="de-DE" b="1"/>
+              <a:t>probability</a:t>
+            </a:r>
+            <a:r>
+              <a:rPr lang="de-DE"/>
+              <a:t> of words occurring in texts of a specific cluster.</a:t>
+            </a:r>
+          </a:p>
+          <a:p>
+            <a:pPr lvl="1"/>
+            <a:r>
+              <a:rPr lang="de-DE"/>
+              <a:t>Intuitively, we would expect some words to appear more frequently in documents about a certain topics than in others.</a:t>
+            </a:r>
+            <a:br>
+              <a:rPr lang="de-DE"/>
+            </a:br>
+            <a:br>
+              <a:rPr lang="de-DE"/>
+            </a:br>
+            <a:br>
+              <a:rPr lang="de-DE"/>
+            </a:br>
+            <a:br>
+              <a:rPr lang="de-DE"/>
+            </a:br>
+            <a:endParaRPr lang="de-DE"/>
+          </a:p>
+          <a:p>
+            <a:pPr lvl="1"/>
+            <a:r>
+              <a:rPr lang="en-US"/>
+              <a:t>In fact, a topic is just a </a:t>
+            </a:r>
+            <a:r>
+              <a:rPr lang="en-US" b="1"/>
+              <a:t>probability distribution </a:t>
+            </a:r>
+            <a:r>
+              <a:rPr lang="en-US"/>
+              <a:t>over a fixed vocabulary.</a:t>
+            </a:r>
           </a:p>
         </p:txBody>
       </p:sp>
@@ -6153,10 +9680,135 @@
           </a:p>
         </p:txBody>
       </p:sp>
+      <p:sp>
+        <p:nvSpPr>
+          <p:cNvPr id="12" name="Titel 1">
+            <a:extLst>
+              <a:ext uri="{FF2B5EF4-FFF2-40B4-BE49-F238E27FC236}">
+                <a16:creationId xmlns:a16="http://schemas.microsoft.com/office/drawing/2014/main" id="{478EA67A-3C39-4D0A-996A-C363F30A14B2}"/>
+              </a:ext>
+            </a:extLst>
+          </p:cNvPr>
+          <p:cNvSpPr>
+            <a:spLocks noGrp="1"/>
+          </p:cNvSpPr>
+          <p:nvPr>
+            <p:ph type="title"/>
+          </p:nvPr>
+        </p:nvSpPr>
+        <p:spPr>
+          <a:xfrm>
+            <a:off x="1066800" y="561524"/>
+            <a:ext cx="10287000" cy="1129164"/>
+          </a:xfrm>
+        </p:spPr>
+        <p:txBody>
+          <a:bodyPr/>
+          <a:lstStyle/>
+          <a:p>
+            <a:r>
+              <a:rPr lang="en-US"/>
+              <a:t>Overview  </a:t>
+            </a:r>
+            <a:r>
+              <a:rPr lang="en-US" b="1"/>
+              <a:t>Terminology</a:t>
+            </a:r>
+          </a:p>
+        </p:txBody>
+      </p:sp>
+      <p:sp>
+        <p:nvSpPr>
+          <p:cNvPr id="8" name="TextBox 7">
+            <a:extLst>
+              <a:ext uri="{FF2B5EF4-FFF2-40B4-BE49-F238E27FC236}">
+                <a16:creationId xmlns:a16="http://schemas.microsoft.com/office/drawing/2014/main" id="{7C3A0E05-AABC-4CBC-BE71-8E7C37E3B8B9}"/>
+              </a:ext>
+            </a:extLst>
+          </p:cNvPr>
+          <p:cNvSpPr txBox="1"/>
+          <p:nvPr/>
+        </p:nvSpPr>
+        <p:spPr>
+          <a:xfrm>
+            <a:off x="4486277" y="4108376"/>
+            <a:ext cx="6867522" cy="830997"/>
+          </a:xfrm>
+          <a:prstGeom prst="rect">
+            <a:avLst/>
+          </a:prstGeom>
+          <a:noFill/>
+        </p:spPr>
+        <p:txBody>
+          <a:bodyPr wrap="square">
+            <a:spAutoFit/>
+          </a:bodyPr>
+          <a:lstStyle/>
+          <a:p>
+            <a:pPr algn="r"/>
+            <a:r>
+              <a:rPr lang="de-DE" sz="2400" i="1"/>
+              <a:t>e.g., the word </a:t>
+            </a:r>
+            <a:r>
+              <a:rPr lang="de-DE" sz="2400" b="1" i="1">
+                <a:solidFill>
+                  <a:srgbClr val="33CCFF"/>
+                </a:solidFill>
+              </a:rPr>
+              <a:t>tasty</a:t>
+            </a:r>
+            <a:r>
+              <a:rPr lang="de-DE" sz="2400" i="1"/>
+              <a:t> should be more likely to occur in a text about food than in one about stock markets</a:t>
+            </a:r>
+            <a:endParaRPr lang="en-US" sz="2400" i="1"/>
+          </a:p>
+        </p:txBody>
+      </p:sp>
+      <p:pic>
+        <p:nvPicPr>
+          <p:cNvPr id="10" name="Graphic 9" descr="Back with solid fill">
+            <a:extLst>
+              <a:ext uri="{FF2B5EF4-FFF2-40B4-BE49-F238E27FC236}">
+                <a16:creationId xmlns:a16="http://schemas.microsoft.com/office/drawing/2014/main" id="{03FAABEF-555A-4943-AAF6-FDEDB80CFE70}"/>
+              </a:ext>
+            </a:extLst>
+          </p:cNvPr>
+          <p:cNvPicPr>
+            <a:picLocks noChangeAspect="1"/>
+          </p:cNvPicPr>
+          <p:nvPr/>
+        </p:nvPicPr>
+        <p:blipFill>
+          <a:blip r:embed="rId3">
+            <a:extLst>
+              <a:ext uri="{28A0092B-C50C-407E-A947-70E740481C1C}">
+                <a14:useLocalDpi xmlns:a14="http://schemas.microsoft.com/office/drawing/2010/main" val="0"/>
+              </a:ext>
+              <a:ext uri="{96DAC541-7B7A-43D3-8B79-37D633B846F1}">
+                <asvg:svgBlip xmlns:asvg="http://schemas.microsoft.com/office/drawing/2016/SVG/main" r:embed="rId4"/>
+              </a:ext>
+            </a:extLst>
+          </a:blip>
+          <a:stretch>
+            <a:fillRect/>
+          </a:stretch>
+        </p:blipFill>
+        <p:spPr>
+          <a:xfrm flipH="1" flipV="1">
+            <a:off x="3343275" y="3993077"/>
+            <a:ext cx="757629" cy="946296"/>
+          </a:xfrm>
+          <a:prstGeom prst="rect">
+            <a:avLst/>
+          </a:prstGeom>
+        </p:spPr>
+      </p:pic>
     </p:spTree>
     <p:extLst>
       <p:ext uri="{BB962C8B-B14F-4D97-AF65-F5344CB8AC3E}">
-        <p14:creationId xmlns:p14="http://schemas.microsoft.com/office/powerpoint/2010/main" val="2592975598"/>
+        <p14:creationId xmlns:p14="http://schemas.microsoft.com/office/powerpoint/2010/main" val="2630734508"/>
       </p:ext>
     </p:extLst>
   </p:cSld>
@@ -6183,46 +9835,183 @@
           <a:chExt cx="0" cy="0"/>
         </a:xfrm>
       </p:grpSpPr>
-      <p:sp>
-        <p:nvSpPr>
-          <p:cNvPr id="7" name="Content Placeholder 2">
-            <a:extLst>
-              <a:ext uri="{FF2B5EF4-FFF2-40B4-BE49-F238E27FC236}">
-                <a16:creationId xmlns:a16="http://schemas.microsoft.com/office/drawing/2014/main" id="{0F324A9E-9392-4545-96A6-95DE3958C6B2}"/>
-              </a:ext>
-            </a:extLst>
-          </p:cNvPr>
-          <p:cNvSpPr>
-            <a:spLocks noGrp="1"/>
-          </p:cNvSpPr>
-          <p:nvPr>
-            <p:ph idx="1"/>
-          </p:nvPr>
-        </p:nvSpPr>
-        <p:spPr>
-          <a:xfrm>
-            <a:off x="1066797" y="1990725"/>
-            <a:ext cx="10287001" cy="4457700"/>
-          </a:xfrm>
-        </p:spPr>
-        <p:txBody>
-          <a:bodyPr>
-            <a:normAutofit/>
-          </a:bodyPr>
-          <a:lstStyle/>
-          <a:p>
-            <a:r>
-              <a:rPr lang="de-DE" b="1"/>
-              <a:t>G</a:t>
-            </a:r>
-            <a:r>
-              <a:rPr lang="en-US" b="1"/>
-              <a:t>oal.</a:t>
-            </a:r>
-            <a:endParaRPr lang="en-US"/>
-          </a:p>
-        </p:txBody>
-      </p:sp>
+      <mc:AlternateContent xmlns:mc="http://schemas.openxmlformats.org/markup-compatibility/2006">
+        <mc:Choice xmlns:a14="http://schemas.microsoft.com/office/drawing/2010/main" Requires="a14">
+          <p:sp>
+            <p:nvSpPr>
+              <p:cNvPr id="7" name="Content Placeholder 2">
+                <a:extLst>
+                  <a:ext uri="{FF2B5EF4-FFF2-40B4-BE49-F238E27FC236}">
+                    <a16:creationId xmlns:a16="http://schemas.microsoft.com/office/drawing/2014/main" id="{0F324A9E-9392-4545-96A6-95DE3958C6B2}"/>
+                  </a:ext>
+                </a:extLst>
+              </p:cNvPr>
+              <p:cNvSpPr>
+                <a:spLocks noGrp="1"/>
+              </p:cNvSpPr>
+              <p:nvPr>
+                <p:ph idx="1"/>
+              </p:nvPr>
+            </p:nvSpPr>
+            <p:spPr>
+              <a:xfrm>
+                <a:off x="1066797" y="1981199"/>
+                <a:ext cx="10287001" cy="4730751"/>
+              </a:xfrm>
+            </p:spPr>
+            <p:txBody>
+              <a:bodyPr>
+                <a:normAutofit/>
+              </a:bodyPr>
+              <a:lstStyle/>
+              <a:p>
+                <a:r>
+                  <a:rPr lang="de-DE" b="1"/>
+                  <a:t>Topic-word distribution </a:t>
+                </a:r>
+                <a14:m>
+                  <m:oMath xmlns:m="http://schemas.openxmlformats.org/officeDocument/2006/math">
+                    <m:sSub>
+                      <m:sSubPr>
+                        <m:ctrlPr>
+                          <a:rPr lang="de-DE" b="1" i="1" smtClean="0">
+                            <a:latin typeface="Cambria Math" panose="02040503050406030204" pitchFamily="18" charset="0"/>
+                          </a:rPr>
+                        </m:ctrlPr>
+                      </m:sSubPr>
+                      <m:e>
+                        <m:r>
+                          <a:rPr lang="de-DE" b="1" i="1" smtClean="0">
+                            <a:latin typeface="Cambria Math" panose="02040503050406030204" pitchFamily="18" charset="0"/>
+                            <a:ea typeface="Cambria Math" panose="02040503050406030204" pitchFamily="18" charset="0"/>
+                          </a:rPr>
+                          <m:t>𝜷</m:t>
+                        </m:r>
+                      </m:e>
+                      <m:sub>
+                        <m:r>
+                          <a:rPr lang="de-DE" b="1" i="1" smtClean="0">
+                            <a:latin typeface="Cambria Math" panose="02040503050406030204" pitchFamily="18" charset="0"/>
+                          </a:rPr>
+                          <m:t>𝒌</m:t>
+                        </m:r>
+                      </m:sub>
+                    </m:sSub>
+                  </m:oMath>
+                </a14:m>
+                <a:r>
+                  <a:rPr lang="de-DE" b="1"/>
+                  <a:t>: </a:t>
+                </a:r>
+                <a:r>
+                  <a:rPr lang="de-DE"/>
+                  <a:t>probability distribution over vocabulary given topic </a:t>
+                </a:r>
+                <a:r>
+                  <a:rPr lang="de-DE" i="1"/>
+                  <a:t>k</a:t>
+                </a:r>
+              </a:p>
+              <a:p>
+                <a:pPr lvl="1"/>
+                <a:r>
+                  <a:rPr lang="de-DE"/>
+                  <a:t>Constant across documents</a:t>
+                </a:r>
+              </a:p>
+              <a:p>
+                <a:pPr lvl="1"/>
+                <a:r>
+                  <a:rPr lang="de-DE"/>
+                  <a:t>Characteristic of a topic</a:t>
+                </a:r>
+                <a:br>
+                  <a:rPr lang="de-DE"/>
+                </a:br>
+                <a:br>
+                  <a:rPr lang="de-DE"/>
+                </a:br>
+                <a:br>
+                  <a:rPr lang="de-DE"/>
+                </a:br>
+                <a:br>
+                  <a:rPr lang="de-DE"/>
+                </a:br>
+                <a:endParaRPr lang="de-DE"/>
+              </a:p>
+              <a:p>
+                <a:r>
+                  <a:rPr lang="de-DE" b="1"/>
+                  <a:t>Topic</a:t>
+                </a:r>
+                <a:r>
+                  <a:rPr lang="de-DE"/>
+                  <a:t> </a:t>
+                </a:r>
+                <a:r>
+                  <a:rPr lang="de-DE" b="1"/>
+                  <a:t>proportions:</a:t>
+                </a:r>
+                <a:r>
+                  <a:rPr lang="de-DE"/>
+                  <a:t> length-</a:t>
+                </a:r>
+                <a:r>
+                  <a:rPr lang="de-DE" i="1"/>
+                  <a:t>K</a:t>
+                </a:r>
+                <a:r>
+                  <a:rPr lang="de-DE"/>
+                  <a:t> vector of probabilities of a document belonging to a certain topic</a:t>
+                </a:r>
+              </a:p>
+            </p:txBody>
+          </p:sp>
+        </mc:Choice>
+        <mc:Fallback>
+          <p:sp>
+            <p:nvSpPr>
+              <p:cNvPr id="7" name="Content Placeholder 2">
+                <a:extLst>
+                  <a:ext uri="{FF2B5EF4-FFF2-40B4-BE49-F238E27FC236}">
+                    <a16:creationId xmlns:a16="http://schemas.microsoft.com/office/drawing/2014/main" id="{0F324A9E-9392-4545-96A6-95DE3958C6B2}"/>
+                  </a:ext>
+                </a:extLst>
+              </p:cNvPr>
+              <p:cNvSpPr>
+                <a:spLocks noGrp="1" noRot="1" noChangeAspect="1" noMove="1" noResize="1" noEditPoints="1" noAdjustHandles="1" noChangeArrowheads="1" noChangeShapeType="1" noTextEdit="1"/>
+              </p:cNvSpPr>
+              <p:nvPr>
+                <p:ph idx="1"/>
+              </p:nvPr>
+            </p:nvSpPr>
+            <p:spPr>
+              <a:xfrm>
+                <a:off x="1066797" y="1981199"/>
+                <a:ext cx="10287001" cy="4730751"/>
+              </a:xfrm>
+              <a:blipFill>
+                <a:blip r:embed="rId3"/>
+                <a:stretch>
+                  <a:fillRect l="-1067" t="-2062" r="-1482"/>
+                </a:stretch>
+              </a:blipFill>
+            </p:spPr>
+            <p:txBody>
+              <a:bodyPr/>
+              <a:lstStyle/>
+              <a:p>
+                <a:r>
+                  <a:rPr lang="en-US">
+                    <a:noFill/>
+                  </a:rPr>
+                  <a:t> </a:t>
+                </a:r>
+              </a:p>
+            </p:txBody>
+          </p:sp>
+        </mc:Fallback>
+      </mc:AlternateContent>
       <p:sp>
         <p:nvSpPr>
           <p:cNvPr id="4" name="Foliennummernplatzhalter 3"/>
@@ -6274,69 +10063,55 @@
           <a:p>
             <a:r>
               <a:rPr lang="en-US"/>
-              <a:t>Approaches  </a:t>
+              <a:t>Overview  </a:t>
             </a:r>
             <a:r>
               <a:rPr lang="en-US" b="1"/>
-              <a:t>Foooooooo</a:t>
-            </a:r>
-          </a:p>
-        </p:txBody>
-      </p:sp>
-      <p:sp>
-        <p:nvSpPr>
-          <p:cNvPr id="6" name="Rectangle 5">
+              <a:t>Terminology</a:t>
+            </a:r>
+          </a:p>
+        </p:txBody>
+      </p:sp>
+      <p:pic>
+        <p:nvPicPr>
+          <p:cNvPr id="5" name="Picture 4" descr="A picture containing chart&#10;&#10;Description automatically generated">
             <a:extLst>
               <a:ext uri="{FF2B5EF4-FFF2-40B4-BE49-F238E27FC236}">
-                <a16:creationId xmlns:a16="http://schemas.microsoft.com/office/drawing/2014/main" id="{D54ED021-4B71-4C90-8D2D-F3C55A355EB6}"/>
+                <a16:creationId xmlns:a16="http://schemas.microsoft.com/office/drawing/2014/main" id="{11A2D04A-7EB2-4923-AB91-82D1C8A59F3A}"/>
               </a:ext>
             </a:extLst>
           </p:cNvPr>
-          <p:cNvSpPr/>
+          <p:cNvPicPr>
+            <a:picLocks noChangeAspect="1"/>
+          </p:cNvPicPr>
           <p:nvPr/>
-        </p:nvSpPr>
-        <p:spPr>
-          <a:xfrm>
-            <a:off x="0" y="1954466"/>
-            <a:ext cx="12192000" cy="3364992"/>
+        </p:nvPicPr>
+        <p:blipFill>
+          <a:blip r:embed="rId4" cstate="print">
+            <a:extLst>
+              <a:ext uri="{28A0092B-C50C-407E-A947-70E740481C1C}">
+                <a14:useLocalDpi xmlns:a14="http://schemas.microsoft.com/office/drawing/2010/main" val="0"/>
+              </a:ext>
+            </a:extLst>
+          </a:blip>
+          <a:stretch>
+            <a:fillRect/>
+          </a:stretch>
+        </p:blipFill>
+        <p:spPr>
+          <a:xfrm>
+            <a:off x="6019800" y="2860675"/>
+            <a:ext cx="5257798" cy="1935199"/>
           </a:xfrm>
           <a:prstGeom prst="rect">
             <a:avLst/>
           </a:prstGeom>
         </p:spPr>
-        <p:style>
-          <a:lnRef idx="2">
-            <a:schemeClr val="accent2">
-              <a:shade val="50000"/>
-            </a:schemeClr>
-          </a:lnRef>
-          <a:fillRef idx="1">
-            <a:schemeClr val="accent2"/>
-          </a:fillRef>
-          <a:effectRef idx="0">
-            <a:schemeClr val="accent2"/>
-          </a:effectRef>
-          <a:fontRef idx="minor">
-            <a:schemeClr val="lt1"/>
-          </a:fontRef>
-        </p:style>
-        <p:txBody>
-          <a:bodyPr rtlCol="0" anchor="ctr"/>
-          <a:lstStyle/>
-          <a:p>
-            <a:pPr algn="ctr"/>
-            <a:r>
-              <a:rPr lang="de-DE"/>
-              <a:t>under construction</a:t>
-            </a:r>
-            <a:endParaRPr lang="en-US"/>
-          </a:p>
-        </p:txBody>
-      </p:sp>
+      </p:pic>
     </p:spTree>
     <p:extLst>
       <p:ext uri="{BB962C8B-B14F-4D97-AF65-F5344CB8AC3E}">
-        <p14:creationId xmlns:p14="http://schemas.microsoft.com/office/powerpoint/2010/main" val="3653094653"/>
+        <p14:creationId xmlns:p14="http://schemas.microsoft.com/office/powerpoint/2010/main" val="2743134878"/>
       </p:ext>
     </p:extLst>
   </p:cSld>
@@ -6428,7 +10203,7 @@
                   </a:outerShdw>
                 </a:effectLst>
               </a:rPr>
-              <a:t>Structural Topic Model (STM)</a:t>
+              <a:t>Topic Modeling Approaches</a:t>
             </a:r>
             <a:endParaRPr lang="en-US" b="1" dirty="0">
               <a:effectLst>
@@ -6468,7 +10243,7 @@
     </p:spTree>
     <p:extLst>
       <p:ext uri="{BB962C8B-B14F-4D97-AF65-F5344CB8AC3E}">
-        <p14:creationId xmlns:p14="http://schemas.microsoft.com/office/powerpoint/2010/main" val="2560491301"/>
+        <p14:creationId xmlns:p14="http://schemas.microsoft.com/office/powerpoint/2010/main" val="2592975598"/>
       </p:ext>
     </p:extLst>
   </p:cSld>
@@ -6546,21 +10321,21 @@
           <a:p>
             <a:r>
               <a:rPr lang="en-US"/>
-              <a:t>STM  </a:t>
+              <a:t>Approaches  </a:t>
             </a:r>
             <a:r>
               <a:rPr lang="en-US" b="1"/>
-              <a:t>Expert Talk</a:t>
-            </a:r>
-          </a:p>
-        </p:txBody>
-      </p:sp>
-      <p:sp>
-        <p:nvSpPr>
-          <p:cNvPr id="7" name="Rectangle 6">
+              <a:t>Rough Taxonomy</a:t>
+            </a:r>
+          </a:p>
+        </p:txBody>
+      </p:sp>
+      <p:sp>
+        <p:nvSpPr>
+          <p:cNvPr id="8" name="Rectangle 7">
             <a:extLst>
               <a:ext uri="{FF2B5EF4-FFF2-40B4-BE49-F238E27FC236}">
-                <a16:creationId xmlns:a16="http://schemas.microsoft.com/office/drawing/2014/main" id="{399D5C87-EDAB-4C4B-A55D-E6DBDD9D5ABA}"/>
+                <a16:creationId xmlns:a16="http://schemas.microsoft.com/office/drawing/2014/main" id="{28C5CB9F-D88E-4E49-97C8-6373904EE00E}"/>
               </a:ext>
             </a:extLst>
           </p:cNvPr>
@@ -6569,8 +10344,200 @@
         </p:nvSpPr>
         <p:spPr>
           <a:xfrm>
-            <a:off x="3228976" y="1992993"/>
-            <a:ext cx="8153400" cy="2872013"/>
+            <a:off x="4566000" y="2105024"/>
+            <a:ext cx="3060000" cy="432000"/>
+          </a:xfrm>
+          <a:prstGeom prst="rect">
+            <a:avLst/>
+          </a:prstGeom>
+          <a:solidFill>
+            <a:schemeClr val="tx1">
+              <a:lumMod val="50000"/>
+              <a:lumOff val="50000"/>
+            </a:schemeClr>
+          </a:solidFill>
+          <a:ln>
+            <a:solidFill>
+              <a:schemeClr val="tx1">
+                <a:lumMod val="50000"/>
+                <a:lumOff val="50000"/>
+              </a:schemeClr>
+            </a:solidFill>
+          </a:ln>
+        </p:spPr>
+        <p:style>
+          <a:lnRef idx="2">
+            <a:schemeClr val="accent1">
+              <a:shade val="50000"/>
+            </a:schemeClr>
+          </a:lnRef>
+          <a:fillRef idx="1">
+            <a:schemeClr val="accent1"/>
+          </a:fillRef>
+          <a:effectRef idx="0">
+            <a:schemeClr val="accent1"/>
+          </a:effectRef>
+          <a:fontRef idx="minor">
+            <a:schemeClr val="lt1"/>
+          </a:fontRef>
+        </p:style>
+        <p:txBody>
+          <a:bodyPr rtlCol="0" anchor="ctr"/>
+          <a:lstStyle/>
+          <a:p>
+            <a:pPr algn="ctr"/>
+            <a:r>
+              <a:rPr lang="de-DE"/>
+              <a:t>Topic modeling approaches</a:t>
+            </a:r>
+            <a:endParaRPr lang="en-US"/>
+          </a:p>
+        </p:txBody>
+      </p:sp>
+      <p:sp>
+        <p:nvSpPr>
+          <p:cNvPr id="10" name="Rectangle 9">
+            <a:extLst>
+              <a:ext uri="{FF2B5EF4-FFF2-40B4-BE49-F238E27FC236}">
+                <a16:creationId xmlns:a16="http://schemas.microsoft.com/office/drawing/2014/main" id="{4E314465-51A5-406A-8FEE-6589EE8D1649}"/>
+              </a:ext>
+            </a:extLst>
+          </p:cNvPr>
+          <p:cNvSpPr/>
+          <p:nvPr/>
+        </p:nvSpPr>
+        <p:spPr>
+          <a:xfrm>
+            <a:off x="2051400" y="2841436"/>
+            <a:ext cx="3060000" cy="432000"/>
+          </a:xfrm>
+          <a:prstGeom prst="rect">
+            <a:avLst/>
+          </a:prstGeom>
+          <a:solidFill>
+            <a:schemeClr val="tx1">
+              <a:lumMod val="50000"/>
+              <a:lumOff val="50000"/>
+            </a:schemeClr>
+          </a:solidFill>
+          <a:ln>
+            <a:solidFill>
+              <a:schemeClr val="tx1">
+                <a:lumMod val="50000"/>
+                <a:lumOff val="50000"/>
+              </a:schemeClr>
+            </a:solidFill>
+          </a:ln>
+        </p:spPr>
+        <p:style>
+          <a:lnRef idx="2">
+            <a:schemeClr val="accent1">
+              <a:shade val="50000"/>
+            </a:schemeClr>
+          </a:lnRef>
+          <a:fillRef idx="1">
+            <a:schemeClr val="accent1"/>
+          </a:fillRef>
+          <a:effectRef idx="0">
+            <a:schemeClr val="accent1"/>
+          </a:effectRef>
+          <a:fontRef idx="minor">
+            <a:schemeClr val="lt1"/>
+          </a:fontRef>
+        </p:style>
+        <p:txBody>
+          <a:bodyPr rtlCol="0" anchor="ctr"/>
+          <a:lstStyle/>
+          <a:p>
+            <a:pPr algn="ctr"/>
+            <a:r>
+              <a:rPr lang="de-DE"/>
+              <a:t>Deterministic</a:t>
+            </a:r>
+            <a:endParaRPr lang="en-US"/>
+          </a:p>
+        </p:txBody>
+      </p:sp>
+      <p:sp>
+        <p:nvSpPr>
+          <p:cNvPr id="11" name="Rectangle 10">
+            <a:extLst>
+              <a:ext uri="{FF2B5EF4-FFF2-40B4-BE49-F238E27FC236}">
+                <a16:creationId xmlns:a16="http://schemas.microsoft.com/office/drawing/2014/main" id="{C6810456-A74A-4D0D-A588-602EB73B11E0}"/>
+              </a:ext>
+            </a:extLst>
+          </p:cNvPr>
+          <p:cNvSpPr/>
+          <p:nvPr/>
+        </p:nvSpPr>
+        <p:spPr>
+          <a:xfrm>
+            <a:off x="7171200" y="2839518"/>
+            <a:ext cx="3060000" cy="432000"/>
+          </a:xfrm>
+          <a:prstGeom prst="rect">
+            <a:avLst/>
+          </a:prstGeom>
+          <a:solidFill>
+            <a:schemeClr val="tx1">
+              <a:lumMod val="50000"/>
+              <a:lumOff val="50000"/>
+            </a:schemeClr>
+          </a:solidFill>
+          <a:ln>
+            <a:solidFill>
+              <a:schemeClr val="tx1">
+                <a:lumMod val="50000"/>
+                <a:lumOff val="50000"/>
+              </a:schemeClr>
+            </a:solidFill>
+          </a:ln>
+        </p:spPr>
+        <p:style>
+          <a:lnRef idx="2">
+            <a:schemeClr val="accent1">
+              <a:shade val="50000"/>
+            </a:schemeClr>
+          </a:lnRef>
+          <a:fillRef idx="1">
+            <a:schemeClr val="accent1"/>
+          </a:fillRef>
+          <a:effectRef idx="0">
+            <a:schemeClr val="accent1"/>
+          </a:effectRef>
+          <a:fontRef idx="minor">
+            <a:schemeClr val="lt1"/>
+          </a:fontRef>
+        </p:style>
+        <p:txBody>
+          <a:bodyPr rtlCol="0" anchor="ctr"/>
+          <a:lstStyle/>
+          <a:p>
+            <a:pPr algn="ctr"/>
+            <a:r>
+              <a:rPr lang="de-DE"/>
+              <a:t>Probabilistic / generative</a:t>
+            </a:r>
+            <a:endParaRPr lang="en-US"/>
+          </a:p>
+        </p:txBody>
+      </p:sp>
+      <p:sp>
+        <p:nvSpPr>
+          <p:cNvPr id="13" name="Rectangle 12">
+            <a:extLst>
+              <a:ext uri="{FF2B5EF4-FFF2-40B4-BE49-F238E27FC236}">
+                <a16:creationId xmlns:a16="http://schemas.microsoft.com/office/drawing/2014/main" id="{77D8537A-55FB-4878-8D6B-BC35087648B7}"/>
+              </a:ext>
+            </a:extLst>
+          </p:cNvPr>
+          <p:cNvSpPr/>
+          <p:nvPr/>
+        </p:nvSpPr>
+        <p:spPr>
+          <a:xfrm>
+            <a:off x="1066800" y="3584565"/>
+            <a:ext cx="1620000" cy="928688"/>
           </a:xfrm>
           <a:prstGeom prst="rect">
             <a:avLst/>
@@ -6578,7 +10545,7 @@
           <a:solidFill>
             <a:schemeClr val="bg2"/>
           </a:solidFill>
-          <a:ln w="19050">
+          <a:ln>
             <a:solidFill>
               <a:schemeClr val="bg2"/>
             </a:solidFill>
@@ -6586,133 +10553,878 @@
         </p:spPr>
         <p:style>
           <a:lnRef idx="2">
+            <a:schemeClr val="accent1">
+              <a:shade val="50000"/>
+            </a:schemeClr>
+          </a:lnRef>
+          <a:fillRef idx="1">
+            <a:schemeClr val="accent1"/>
+          </a:fillRef>
+          <a:effectRef idx="0">
+            <a:schemeClr val="accent1"/>
+          </a:effectRef>
+          <a:fontRef idx="minor">
+            <a:schemeClr val="lt1"/>
+          </a:fontRef>
+        </p:style>
+        <p:txBody>
+          <a:bodyPr rtlCol="0" anchor="ctr"/>
+          <a:lstStyle/>
+          <a:p>
+            <a:pPr algn="ctr"/>
+            <a:r>
+              <a:rPr lang="de-DE" sz="1400">
+                <a:solidFill>
+                  <a:schemeClr val="tx1"/>
+                </a:solidFill>
+              </a:rPr>
+              <a:t>tf-idf (Salton &amp; McGill, 1983)</a:t>
+            </a:r>
+            <a:endParaRPr lang="en-US" sz="1400">
+              <a:solidFill>
+                <a:schemeClr val="tx1"/>
+              </a:solidFill>
+            </a:endParaRPr>
+          </a:p>
+        </p:txBody>
+      </p:sp>
+      <p:sp>
+        <p:nvSpPr>
+          <p:cNvPr id="14" name="Rectangle 13">
+            <a:extLst>
+              <a:ext uri="{FF2B5EF4-FFF2-40B4-BE49-F238E27FC236}">
+                <a16:creationId xmlns:a16="http://schemas.microsoft.com/office/drawing/2014/main" id="{F79FEEBE-3EC0-40C8-8147-2193193EA94F}"/>
+              </a:ext>
+            </a:extLst>
+          </p:cNvPr>
+          <p:cNvSpPr/>
+          <p:nvPr/>
+        </p:nvSpPr>
+        <p:spPr>
+          <a:xfrm>
+            <a:off x="2771400" y="3584565"/>
+            <a:ext cx="1620000" cy="928688"/>
+          </a:xfrm>
+          <a:prstGeom prst="rect">
+            <a:avLst/>
+          </a:prstGeom>
+          <a:solidFill>
+            <a:schemeClr val="bg2"/>
+          </a:solidFill>
+          <a:ln>
+            <a:solidFill>
+              <a:schemeClr val="bg2"/>
+            </a:solidFill>
+          </a:ln>
+        </p:spPr>
+        <p:style>
+          <a:lnRef idx="2">
+            <a:schemeClr val="accent1">
+              <a:shade val="50000"/>
+            </a:schemeClr>
+          </a:lnRef>
+          <a:fillRef idx="1">
+            <a:schemeClr val="accent1"/>
+          </a:fillRef>
+          <a:effectRef idx="0">
+            <a:schemeClr val="accent1"/>
+          </a:effectRef>
+          <a:fontRef idx="minor">
+            <a:schemeClr val="lt1"/>
+          </a:fontRef>
+        </p:style>
+        <p:txBody>
+          <a:bodyPr rtlCol="0" anchor="ctr"/>
+          <a:lstStyle/>
+          <a:p>
+            <a:pPr algn="ctr"/>
+            <a:r>
+              <a:rPr lang="de-DE" sz="1400">
+                <a:solidFill>
+                  <a:schemeClr val="tx1"/>
+                </a:solidFill>
+              </a:rPr>
+              <a:t>Latent semantic analysis (LSA, Deerwester et al., 1990)</a:t>
+            </a:r>
+            <a:endParaRPr lang="en-US" sz="1400">
+              <a:solidFill>
+                <a:schemeClr val="tx1"/>
+              </a:solidFill>
+            </a:endParaRPr>
+          </a:p>
+        </p:txBody>
+      </p:sp>
+      <p:sp>
+        <p:nvSpPr>
+          <p:cNvPr id="15" name="Rectangle 14">
+            <a:extLst>
+              <a:ext uri="{FF2B5EF4-FFF2-40B4-BE49-F238E27FC236}">
+                <a16:creationId xmlns:a16="http://schemas.microsoft.com/office/drawing/2014/main" id="{5A1DAC5F-8340-46B9-9477-A9CBD6462D1A}"/>
+              </a:ext>
+            </a:extLst>
+          </p:cNvPr>
+          <p:cNvSpPr/>
+          <p:nvPr/>
+        </p:nvSpPr>
+        <p:spPr>
+          <a:xfrm>
+            <a:off x="4476000" y="3584565"/>
+            <a:ext cx="1620000" cy="928688"/>
+          </a:xfrm>
+          <a:prstGeom prst="rect">
+            <a:avLst/>
+          </a:prstGeom>
+          <a:solidFill>
+            <a:schemeClr val="bg2"/>
+          </a:solidFill>
+          <a:ln>
+            <a:solidFill>
+              <a:schemeClr val="bg2"/>
+            </a:solidFill>
+          </a:ln>
+        </p:spPr>
+        <p:style>
+          <a:lnRef idx="2">
+            <a:schemeClr val="accent1">
+              <a:shade val="50000"/>
+            </a:schemeClr>
+          </a:lnRef>
+          <a:fillRef idx="1">
+            <a:schemeClr val="accent1"/>
+          </a:fillRef>
+          <a:effectRef idx="0">
+            <a:schemeClr val="accent1"/>
+          </a:effectRef>
+          <a:fontRef idx="minor">
+            <a:schemeClr val="lt1"/>
+          </a:fontRef>
+        </p:style>
+        <p:txBody>
+          <a:bodyPr rtlCol="0" anchor="ctr"/>
+          <a:lstStyle/>
+          <a:p>
+            <a:pPr algn="ctr"/>
+            <a:r>
+              <a:rPr lang="de-DE" sz="1400">
+                <a:solidFill>
+                  <a:schemeClr val="tx1"/>
+                </a:solidFill>
+              </a:rPr>
+              <a:t>Non-negative matrix factorization (NMF)</a:t>
+            </a:r>
+            <a:endParaRPr lang="en-US" sz="1400">
+              <a:solidFill>
+                <a:schemeClr val="tx1"/>
+              </a:solidFill>
+            </a:endParaRPr>
+          </a:p>
+        </p:txBody>
+      </p:sp>
+      <p:sp>
+        <p:nvSpPr>
+          <p:cNvPr id="16" name="Rectangle 15">
+            <a:extLst>
+              <a:ext uri="{FF2B5EF4-FFF2-40B4-BE49-F238E27FC236}">
+                <a16:creationId xmlns:a16="http://schemas.microsoft.com/office/drawing/2014/main" id="{E84308CF-F4EE-4A4B-BD28-EB3E5FEADFB0}"/>
+              </a:ext>
+            </a:extLst>
+          </p:cNvPr>
+          <p:cNvSpPr/>
+          <p:nvPr/>
+        </p:nvSpPr>
+        <p:spPr>
+          <a:xfrm>
+            <a:off x="6186600" y="3584565"/>
+            <a:ext cx="1620000" cy="928688"/>
+          </a:xfrm>
+          <a:prstGeom prst="rect">
+            <a:avLst/>
+          </a:prstGeom>
+          <a:solidFill>
+            <a:schemeClr val="bg2"/>
+          </a:solidFill>
+          <a:ln>
+            <a:solidFill>
+              <a:schemeClr val="bg2"/>
+            </a:solidFill>
+          </a:ln>
+        </p:spPr>
+        <p:style>
+          <a:lnRef idx="2">
+            <a:schemeClr val="accent1">
+              <a:shade val="50000"/>
+            </a:schemeClr>
+          </a:lnRef>
+          <a:fillRef idx="1">
+            <a:schemeClr val="accent1"/>
+          </a:fillRef>
+          <a:effectRef idx="0">
+            <a:schemeClr val="accent1"/>
+          </a:effectRef>
+          <a:fontRef idx="minor">
+            <a:schemeClr val="lt1"/>
+          </a:fontRef>
+        </p:style>
+        <p:txBody>
+          <a:bodyPr rtlCol="0" anchor="ctr"/>
+          <a:lstStyle/>
+          <a:p>
+            <a:pPr algn="ctr"/>
+            <a:r>
+              <a:rPr lang="de-DE" sz="1400">
+                <a:solidFill>
+                  <a:schemeClr val="tx1"/>
+                </a:solidFill>
+              </a:rPr>
+              <a:t>Probabilistic LSA (PLSA, Hofmann, 1999) </a:t>
+            </a:r>
+            <a:endParaRPr lang="en-US" sz="1400">
+              <a:solidFill>
+                <a:schemeClr val="tx1"/>
+              </a:solidFill>
+            </a:endParaRPr>
+          </a:p>
+        </p:txBody>
+      </p:sp>
+      <p:sp>
+        <p:nvSpPr>
+          <p:cNvPr id="17" name="Rectangle 16">
+            <a:extLst>
+              <a:ext uri="{FF2B5EF4-FFF2-40B4-BE49-F238E27FC236}">
+                <a16:creationId xmlns:a16="http://schemas.microsoft.com/office/drawing/2014/main" id="{36EB1DD3-ED57-4653-BC86-AEABD1583B99}"/>
+              </a:ext>
+            </a:extLst>
+          </p:cNvPr>
+          <p:cNvSpPr/>
+          <p:nvPr/>
+        </p:nvSpPr>
+        <p:spPr>
+          <a:xfrm>
+            <a:off x="7891201" y="3584565"/>
+            <a:ext cx="1620000" cy="928688"/>
+          </a:xfrm>
+          <a:prstGeom prst="rect">
+            <a:avLst/>
+          </a:prstGeom>
+          <a:solidFill>
+            <a:schemeClr val="bg2"/>
+          </a:solidFill>
+          <a:ln>
+            <a:solidFill>
+              <a:schemeClr val="bg2"/>
+            </a:solidFill>
+          </a:ln>
+        </p:spPr>
+        <p:style>
+          <a:lnRef idx="2">
+            <a:schemeClr val="accent1">
+              <a:shade val="50000"/>
+            </a:schemeClr>
+          </a:lnRef>
+          <a:fillRef idx="1">
+            <a:schemeClr val="accent1"/>
+          </a:fillRef>
+          <a:effectRef idx="0">
+            <a:schemeClr val="accent1"/>
+          </a:effectRef>
+          <a:fontRef idx="minor">
+            <a:schemeClr val="lt1"/>
+          </a:fontRef>
+        </p:style>
+        <p:txBody>
+          <a:bodyPr rtlCol="0" anchor="ctr"/>
+          <a:lstStyle/>
+          <a:p>
+            <a:pPr algn="ctr"/>
+            <a:r>
+              <a:rPr lang="de-DE" sz="1400">
+                <a:solidFill>
+                  <a:schemeClr val="tx1"/>
+                </a:solidFill>
+              </a:rPr>
+              <a:t>Latent Dirichlet allocation (LDA, Blei et al., 2003)</a:t>
+            </a:r>
+            <a:endParaRPr lang="en-US" sz="1400">
+              <a:solidFill>
+                <a:schemeClr val="tx1"/>
+              </a:solidFill>
+            </a:endParaRPr>
+          </a:p>
+        </p:txBody>
+      </p:sp>
+      <p:sp>
+        <p:nvSpPr>
+          <p:cNvPr id="18" name="Rectangle 17">
+            <a:extLst>
+              <a:ext uri="{FF2B5EF4-FFF2-40B4-BE49-F238E27FC236}">
+                <a16:creationId xmlns:a16="http://schemas.microsoft.com/office/drawing/2014/main" id="{AF39794E-858D-493A-BC1D-E2437FA7651A}"/>
+              </a:ext>
+            </a:extLst>
+          </p:cNvPr>
+          <p:cNvSpPr/>
+          <p:nvPr/>
+        </p:nvSpPr>
+        <p:spPr>
+          <a:xfrm>
+            <a:off x="9595800" y="3584565"/>
+            <a:ext cx="1620000" cy="928688"/>
+          </a:xfrm>
+          <a:prstGeom prst="rect">
+            <a:avLst/>
+          </a:prstGeom>
+          <a:solidFill>
+            <a:schemeClr val="bg2"/>
+          </a:solidFill>
+          <a:ln>
+            <a:solidFill>
+              <a:schemeClr val="bg2"/>
+            </a:solidFill>
+          </a:ln>
+        </p:spPr>
+        <p:style>
+          <a:lnRef idx="2">
+            <a:schemeClr val="accent1">
+              <a:shade val="50000"/>
+            </a:schemeClr>
+          </a:lnRef>
+          <a:fillRef idx="1">
+            <a:schemeClr val="accent1"/>
+          </a:fillRef>
+          <a:effectRef idx="0">
+            <a:schemeClr val="accent1"/>
+          </a:effectRef>
+          <a:fontRef idx="minor">
+            <a:schemeClr val="lt1"/>
+          </a:fontRef>
+        </p:style>
+        <p:txBody>
+          <a:bodyPr rtlCol="0" anchor="ctr"/>
+          <a:lstStyle/>
+          <a:p>
+            <a:pPr algn="ctr"/>
+            <a:r>
+              <a:rPr lang="de-DE" sz="1400">
+                <a:solidFill>
+                  <a:schemeClr val="tx1"/>
+                </a:solidFill>
+              </a:rPr>
+              <a:t>Correlated topic model (CTM, Blei et al., 2007)</a:t>
+            </a:r>
+            <a:endParaRPr lang="en-US" sz="1400">
+              <a:solidFill>
+                <a:schemeClr val="tx1"/>
+              </a:solidFill>
+            </a:endParaRPr>
+          </a:p>
+        </p:txBody>
+      </p:sp>
+      <p:sp>
+        <p:nvSpPr>
+          <p:cNvPr id="19" name="Rectangle 18">
+            <a:extLst>
+              <a:ext uri="{FF2B5EF4-FFF2-40B4-BE49-F238E27FC236}">
+                <a16:creationId xmlns:a16="http://schemas.microsoft.com/office/drawing/2014/main" id="{C439804E-1827-4BE6-8630-B9D454C132F8}"/>
+              </a:ext>
+            </a:extLst>
+          </p:cNvPr>
+          <p:cNvSpPr/>
+          <p:nvPr/>
+        </p:nvSpPr>
+        <p:spPr>
+          <a:xfrm>
+            <a:off x="7891200" y="4826300"/>
+            <a:ext cx="3324600" cy="545800"/>
+          </a:xfrm>
+          <a:prstGeom prst="rect">
+            <a:avLst/>
+          </a:prstGeom>
+          <a:solidFill>
+            <a:srgbClr val="33CCFF"/>
+          </a:solidFill>
+          <a:ln>
+            <a:solidFill>
+              <a:srgbClr val="33CCFF"/>
+            </a:solidFill>
+          </a:ln>
+        </p:spPr>
+        <p:style>
+          <a:lnRef idx="2">
+            <a:schemeClr val="accent1">
+              <a:shade val="50000"/>
+            </a:schemeClr>
+          </a:lnRef>
+          <a:fillRef idx="1">
+            <a:schemeClr val="accent1"/>
+          </a:fillRef>
+          <a:effectRef idx="0">
+            <a:schemeClr val="accent1"/>
+          </a:effectRef>
+          <a:fontRef idx="minor">
+            <a:schemeClr val="lt1"/>
+          </a:fontRef>
+        </p:style>
+        <p:txBody>
+          <a:bodyPr rtlCol="0" anchor="ctr"/>
+          <a:lstStyle/>
+          <a:p>
+            <a:pPr algn="ctr"/>
+            <a:r>
+              <a:rPr lang="de-DE" sz="1400">
+                <a:solidFill>
+                  <a:schemeClr val="bg1"/>
+                </a:solidFill>
+              </a:rPr>
+              <a:t>Structural topic model (STM, </a:t>
+            </a:r>
+          </a:p>
+          <a:p>
+            <a:pPr algn="ctr"/>
+            <a:r>
+              <a:rPr lang="de-DE" sz="1400">
+                <a:solidFill>
+                  <a:schemeClr val="bg1"/>
+                </a:solidFill>
+              </a:rPr>
+              <a:t>Roberts et al., 2016)</a:t>
+            </a:r>
+            <a:endParaRPr lang="en-US" sz="1400">
+              <a:solidFill>
+                <a:schemeClr val="bg1"/>
+              </a:solidFill>
+            </a:endParaRPr>
+          </a:p>
+        </p:txBody>
+      </p:sp>
+      <p:cxnSp>
+        <p:nvCxnSpPr>
+          <p:cNvPr id="27" name="Connector: Elbow 26">
+            <a:extLst>
+              <a:ext uri="{FF2B5EF4-FFF2-40B4-BE49-F238E27FC236}">
+                <a16:creationId xmlns:a16="http://schemas.microsoft.com/office/drawing/2014/main" id="{F31A6AEC-219F-444F-B481-650518B07572}"/>
+              </a:ext>
+            </a:extLst>
+          </p:cNvPr>
+          <p:cNvCxnSpPr>
+            <a:stCxn id="10" idx="0"/>
+            <a:endCxn id="8" idx="2"/>
+          </p:cNvCxnSpPr>
+          <p:nvPr/>
+        </p:nvCxnSpPr>
+        <p:spPr>
+          <a:xfrm rot="5400000" flipH="1" flipV="1">
+            <a:off x="4686494" y="1431930"/>
+            <a:ext cx="304412" cy="2514600"/>
+          </a:xfrm>
+          <a:prstGeom prst="bentConnector3">
+            <a:avLst/>
+          </a:prstGeom>
+          <a:ln w="19050"/>
+        </p:spPr>
+        <p:style>
+          <a:lnRef idx="1">
             <a:schemeClr val="dk1"/>
           </a:lnRef>
-          <a:fillRef idx="1">
-            <a:schemeClr val="lt1"/>
+          <a:fillRef idx="0">
+            <a:schemeClr val="dk1"/>
           </a:fillRef>
           <a:effectRef idx="0">
             <a:schemeClr val="dk1"/>
           </a:effectRef>
           <a:fontRef idx="minor">
-            <a:schemeClr val="dk1"/>
+            <a:schemeClr val="tx1"/>
           </a:fontRef>
         </p:style>
-        <p:txBody>
-          <a:bodyPr rtlCol="0" anchor="ctr"/>
-          <a:lstStyle/>
-          <a:p>
-            <a:r>
-              <a:rPr lang="de-DE" sz="4000" b="1">
-                <a:solidFill>
-                  <a:schemeClr val="tx1"/>
-                </a:solidFill>
-              </a:rPr>
-              <a:t>Expert Talk: STM</a:t>
-            </a:r>
-            <a:endParaRPr lang="en-US" sz="4000" b="1">
-              <a:solidFill>
-                <a:schemeClr val="tx1"/>
-              </a:solidFill>
-            </a:endParaRPr>
-          </a:p>
-        </p:txBody>
-      </p:sp>
-      <p:sp>
-        <p:nvSpPr>
-          <p:cNvPr id="2" name="TextBox 1">
+      </p:cxnSp>
+      <p:cxnSp>
+        <p:nvCxnSpPr>
+          <p:cNvPr id="29" name="Connector: Elbow 28">
             <a:extLst>
               <a:ext uri="{FF2B5EF4-FFF2-40B4-BE49-F238E27FC236}">
-                <a16:creationId xmlns:a16="http://schemas.microsoft.com/office/drawing/2014/main" id="{8552A58E-4C18-4E7D-A047-DD4352A79AE2}"/>
+                <a16:creationId xmlns:a16="http://schemas.microsoft.com/office/drawing/2014/main" id="{03F328D6-FBB1-44EE-846A-81B476F3EFFD}"/>
               </a:ext>
             </a:extLst>
           </p:cNvPr>
-          <p:cNvSpPr txBox="1"/>
+          <p:cNvCxnSpPr>
+            <a:cxnSpLocks/>
+            <a:stCxn id="11" idx="0"/>
+            <a:endCxn id="8" idx="2"/>
+          </p:cNvCxnSpPr>
           <p:nvPr/>
-        </p:nvSpPr>
-        <p:spPr>
-          <a:xfrm>
-            <a:off x="3228976" y="5096147"/>
-            <a:ext cx="8124824" cy="830997"/>
-          </a:xfrm>
-          <a:prstGeom prst="rect">
+        </p:nvCxnSpPr>
+        <p:spPr>
+          <a:xfrm rot="16200000" flipV="1">
+            <a:off x="7247353" y="1385671"/>
+            <a:ext cx="302494" cy="2605200"/>
+          </a:xfrm>
+          <a:prstGeom prst="bentConnector3">
             <a:avLst/>
           </a:prstGeom>
-          <a:noFill/>
-        </p:spPr>
-        <p:txBody>
-          <a:bodyPr wrap="square" rtlCol="0">
-            <a:spAutoFit/>
-          </a:bodyPr>
-          <a:lstStyle/>
-          <a:p>
-            <a:pPr algn="l"/>
-            <a:r>
-              <a:rPr lang="de-DE" sz="2400" i="1"/>
-              <a:t>Patrick Schulze &amp; Simon Wiegrebe: </a:t>
-            </a:r>
-            <a:r>
-              <a:rPr lang="en-US" sz="2400" b="1" i="1" u="none" strike="noStrike" baseline="0">
-                <a:latin typeface="CMSS12"/>
-              </a:rPr>
-              <a:t>Twitter in the Parliament – </a:t>
-            </a:r>
-          </a:p>
-          <a:p>
-            <a:pPr algn="l"/>
-            <a:r>
-              <a:rPr lang="en-US" sz="2400" b="1" i="1" u="none" strike="noStrike" baseline="0">
-                <a:latin typeface="CMSS12"/>
-              </a:rPr>
-              <a:t>A Text-based Analysis of German Political Entities</a:t>
-            </a:r>
-            <a:endParaRPr lang="en-US" sz="2400" b="1" i="1"/>
-          </a:p>
-        </p:txBody>
-      </p:sp>
-      <p:pic>
-        <p:nvPicPr>
-          <p:cNvPr id="8" name="Graphic 7" descr="Subtitles with solid fill">
+          <a:ln w="19050"/>
+        </p:spPr>
+        <p:style>
+          <a:lnRef idx="1">
+            <a:schemeClr val="dk1"/>
+          </a:lnRef>
+          <a:fillRef idx="0">
+            <a:schemeClr val="dk1"/>
+          </a:fillRef>
+          <a:effectRef idx="0">
+            <a:schemeClr val="dk1"/>
+          </a:effectRef>
+          <a:fontRef idx="minor">
+            <a:schemeClr val="tx1"/>
+          </a:fontRef>
+        </p:style>
+      </p:cxnSp>
+      <p:cxnSp>
+        <p:nvCxnSpPr>
+          <p:cNvPr id="30" name="Connector: Elbow 29">
             <a:extLst>
               <a:ext uri="{FF2B5EF4-FFF2-40B4-BE49-F238E27FC236}">
-                <a16:creationId xmlns:a16="http://schemas.microsoft.com/office/drawing/2014/main" id="{F0E3C23E-8574-4F1B-A16B-A3822679D626}"/>
+                <a16:creationId xmlns:a16="http://schemas.microsoft.com/office/drawing/2014/main" id="{A27FBADD-EE0F-4B88-A413-E0A5E33ACC0A}"/>
               </a:ext>
             </a:extLst>
           </p:cNvPr>
-          <p:cNvPicPr>
-            <a:picLocks noChangeAspect="1"/>
-          </p:cNvPicPr>
+          <p:cNvCxnSpPr>
+            <a:cxnSpLocks/>
+            <a:stCxn id="13" idx="0"/>
+            <a:endCxn id="10" idx="2"/>
+          </p:cNvCxnSpPr>
           <p:nvPr/>
-        </p:nvPicPr>
-        <p:blipFill>
-          <a:blip r:embed="rId3">
+        </p:nvCxnSpPr>
+        <p:spPr>
+          <a:xfrm rot="5400000" flipH="1" flipV="1">
+            <a:off x="2573536" y="2576701"/>
+            <a:ext cx="311129" cy="1704600"/>
+          </a:xfrm>
+          <a:prstGeom prst="bentConnector3">
+            <a:avLst>
+              <a:gd name="adj1" fmla="val 50000"/>
+            </a:avLst>
+          </a:prstGeom>
+          <a:ln w="19050"/>
+        </p:spPr>
+        <p:style>
+          <a:lnRef idx="1">
+            <a:schemeClr val="dk1"/>
+          </a:lnRef>
+          <a:fillRef idx="0">
+            <a:schemeClr val="dk1"/>
+          </a:fillRef>
+          <a:effectRef idx="0">
+            <a:schemeClr val="dk1"/>
+          </a:effectRef>
+          <a:fontRef idx="minor">
+            <a:schemeClr val="tx1"/>
+          </a:fontRef>
+        </p:style>
+      </p:cxnSp>
+      <p:cxnSp>
+        <p:nvCxnSpPr>
+          <p:cNvPr id="33" name="Connector: Elbow 32">
             <a:extLst>
-              <a:ext uri="{28A0092B-C50C-407E-A947-70E740481C1C}">
-                <a14:useLocalDpi xmlns:a14="http://schemas.microsoft.com/office/drawing/2010/main" val="0"/>
-              </a:ext>
-              <a:ext uri="{96DAC541-7B7A-43D3-8B79-37D633B846F1}">
-                <asvg:svgBlip xmlns:asvg="http://schemas.microsoft.com/office/drawing/2016/SVG/main" r:embed="rId4"/>
+              <a:ext uri="{FF2B5EF4-FFF2-40B4-BE49-F238E27FC236}">
+                <a16:creationId xmlns:a16="http://schemas.microsoft.com/office/drawing/2014/main" id="{FED3FB1E-1321-4454-AE20-E13A9251566D}"/>
               </a:ext>
             </a:extLst>
-          </a:blip>
-          <a:stretch>
-            <a:fillRect/>
-          </a:stretch>
-        </p:blipFill>
-        <p:spPr>
-          <a:xfrm>
-            <a:off x="1066800" y="2581546"/>
-            <a:ext cx="1990725" cy="1990725"/>
-          </a:xfrm>
-          <a:prstGeom prst="rect">
-            <a:avLst/>
+          </p:cNvPr>
+          <p:cNvCxnSpPr>
+            <a:cxnSpLocks/>
+            <a:stCxn id="14" idx="0"/>
+          </p:cNvCxnSpPr>
+          <p:nvPr/>
+        </p:nvCxnSpPr>
+        <p:spPr>
+          <a:xfrm rot="5400000" flipH="1" flipV="1">
+            <a:off x="3463937" y="3467100"/>
+            <a:ext cx="234929" cy="2"/>
+          </a:xfrm>
+          <a:prstGeom prst="bentConnector3">
+            <a:avLst>
+              <a:gd name="adj1" fmla="val 50000"/>
+            </a:avLst>
           </a:prstGeom>
-        </p:spPr>
-      </p:pic>
+          <a:ln w="19050"/>
+        </p:spPr>
+        <p:style>
+          <a:lnRef idx="1">
+            <a:schemeClr val="dk1"/>
+          </a:lnRef>
+          <a:fillRef idx="0">
+            <a:schemeClr val="dk1"/>
+          </a:fillRef>
+          <a:effectRef idx="0">
+            <a:schemeClr val="dk1"/>
+          </a:effectRef>
+          <a:fontRef idx="minor">
+            <a:schemeClr val="tx1"/>
+          </a:fontRef>
+        </p:style>
+      </p:cxnSp>
+      <p:cxnSp>
+        <p:nvCxnSpPr>
+          <p:cNvPr id="36" name="Connector: Elbow 35">
+            <a:extLst>
+              <a:ext uri="{FF2B5EF4-FFF2-40B4-BE49-F238E27FC236}">
+                <a16:creationId xmlns:a16="http://schemas.microsoft.com/office/drawing/2014/main" id="{FD41806C-71B8-4DF2-8701-3805DEE50AB2}"/>
+              </a:ext>
+            </a:extLst>
+          </p:cNvPr>
+          <p:cNvCxnSpPr>
+            <a:cxnSpLocks/>
+            <a:stCxn id="10" idx="2"/>
+            <a:endCxn id="15" idx="0"/>
+          </p:cNvCxnSpPr>
+          <p:nvPr/>
+        </p:nvCxnSpPr>
+        <p:spPr>
+          <a:xfrm rot="16200000" flipH="1">
+            <a:off x="4278136" y="2576700"/>
+            <a:ext cx="311129" cy="1704600"/>
+          </a:xfrm>
+          <a:prstGeom prst="bentConnector3">
+            <a:avLst>
+              <a:gd name="adj1" fmla="val 50000"/>
+            </a:avLst>
+          </a:prstGeom>
+          <a:ln w="19050"/>
+        </p:spPr>
+        <p:style>
+          <a:lnRef idx="1">
+            <a:schemeClr val="dk1"/>
+          </a:lnRef>
+          <a:fillRef idx="0">
+            <a:schemeClr val="dk1"/>
+          </a:fillRef>
+          <a:effectRef idx="0">
+            <a:schemeClr val="dk1"/>
+          </a:effectRef>
+          <a:fontRef idx="minor">
+            <a:schemeClr val="tx1"/>
+          </a:fontRef>
+        </p:style>
+      </p:cxnSp>
+      <p:cxnSp>
+        <p:nvCxnSpPr>
+          <p:cNvPr id="39" name="Connector: Elbow 38">
+            <a:extLst>
+              <a:ext uri="{FF2B5EF4-FFF2-40B4-BE49-F238E27FC236}">
+                <a16:creationId xmlns:a16="http://schemas.microsoft.com/office/drawing/2014/main" id="{92CC83BD-D057-46A2-8C9D-0F7ABDD36186}"/>
+              </a:ext>
+            </a:extLst>
+          </p:cNvPr>
+          <p:cNvCxnSpPr>
+            <a:cxnSpLocks/>
+            <a:stCxn id="16" idx="0"/>
+            <a:endCxn id="11" idx="2"/>
+          </p:cNvCxnSpPr>
+          <p:nvPr/>
+        </p:nvCxnSpPr>
+        <p:spPr>
+          <a:xfrm rot="5400000" flipH="1" flipV="1">
+            <a:off x="7692377" y="2575742"/>
+            <a:ext cx="313047" cy="1704600"/>
+          </a:xfrm>
+          <a:prstGeom prst="bentConnector3">
+            <a:avLst>
+              <a:gd name="adj1" fmla="val 50000"/>
+            </a:avLst>
+          </a:prstGeom>
+          <a:ln w="19050"/>
+        </p:spPr>
+        <p:style>
+          <a:lnRef idx="1">
+            <a:schemeClr val="dk1"/>
+          </a:lnRef>
+          <a:fillRef idx="0">
+            <a:schemeClr val="dk1"/>
+          </a:fillRef>
+          <a:effectRef idx="0">
+            <a:schemeClr val="dk1"/>
+          </a:effectRef>
+          <a:fontRef idx="minor">
+            <a:schemeClr val="tx1"/>
+          </a:fontRef>
+        </p:style>
+      </p:cxnSp>
+      <p:cxnSp>
+        <p:nvCxnSpPr>
+          <p:cNvPr id="49" name="Connector: Elbow 48">
+            <a:extLst>
+              <a:ext uri="{FF2B5EF4-FFF2-40B4-BE49-F238E27FC236}">
+                <a16:creationId xmlns:a16="http://schemas.microsoft.com/office/drawing/2014/main" id="{646AB730-47D0-4492-9094-E45A8B974FE0}"/>
+              </a:ext>
+            </a:extLst>
+          </p:cNvPr>
+          <p:cNvCxnSpPr>
+            <a:cxnSpLocks/>
+          </p:cNvCxnSpPr>
+          <p:nvPr/>
+        </p:nvCxnSpPr>
+        <p:spPr>
+          <a:xfrm rot="16200000" flipV="1">
+            <a:off x="9396976" y="2575241"/>
+            <a:ext cx="313047" cy="1704600"/>
+          </a:xfrm>
+          <a:prstGeom prst="bentConnector3">
+            <a:avLst>
+              <a:gd name="adj1" fmla="val 50000"/>
+            </a:avLst>
+          </a:prstGeom>
+          <a:ln w="19050"/>
+        </p:spPr>
+        <p:style>
+          <a:lnRef idx="1">
+            <a:schemeClr val="dk1"/>
+          </a:lnRef>
+          <a:fillRef idx="0">
+            <a:schemeClr val="dk1"/>
+          </a:fillRef>
+          <a:effectRef idx="0">
+            <a:schemeClr val="dk1"/>
+          </a:effectRef>
+          <a:fontRef idx="minor">
+            <a:schemeClr val="tx1"/>
+          </a:fontRef>
+        </p:style>
+      </p:cxnSp>
+      <p:cxnSp>
+        <p:nvCxnSpPr>
+          <p:cNvPr id="52" name="Connector: Elbow 51">
+            <a:extLst>
+              <a:ext uri="{FF2B5EF4-FFF2-40B4-BE49-F238E27FC236}">
+                <a16:creationId xmlns:a16="http://schemas.microsoft.com/office/drawing/2014/main" id="{6AB894D9-DBF1-4711-8FA5-D5504CE6DB61}"/>
+              </a:ext>
+            </a:extLst>
+          </p:cNvPr>
+          <p:cNvCxnSpPr>
+            <a:cxnSpLocks/>
+            <a:stCxn id="17" idx="0"/>
+            <a:endCxn id="11" idx="2"/>
+          </p:cNvCxnSpPr>
+          <p:nvPr/>
+        </p:nvCxnSpPr>
+        <p:spPr>
+          <a:xfrm rot="16200000" flipV="1">
+            <a:off x="8544678" y="3428041"/>
+            <a:ext cx="313047" cy="1"/>
+          </a:xfrm>
+          <a:prstGeom prst="bentConnector3">
+            <a:avLst>
+              <a:gd name="adj1" fmla="val 50000"/>
+            </a:avLst>
+          </a:prstGeom>
+          <a:ln w="19050"/>
+        </p:spPr>
+        <p:style>
+          <a:lnRef idx="1">
+            <a:schemeClr val="dk1"/>
+          </a:lnRef>
+          <a:fillRef idx="0">
+            <a:schemeClr val="dk1"/>
+          </a:fillRef>
+          <a:effectRef idx="0">
+            <a:schemeClr val="dk1"/>
+          </a:effectRef>
+          <a:fontRef idx="minor">
+            <a:schemeClr val="tx1"/>
+          </a:fontRef>
+        </p:style>
+      </p:cxnSp>
+      <p:cxnSp>
+        <p:nvCxnSpPr>
+          <p:cNvPr id="56" name="Connector: Elbow 55">
+            <a:extLst>
+              <a:ext uri="{FF2B5EF4-FFF2-40B4-BE49-F238E27FC236}">
+                <a16:creationId xmlns:a16="http://schemas.microsoft.com/office/drawing/2014/main" id="{DEA5EAC0-917A-4CF6-B078-773DF44ECD92}"/>
+              </a:ext>
+            </a:extLst>
+          </p:cNvPr>
+          <p:cNvCxnSpPr>
+            <a:cxnSpLocks/>
+            <a:stCxn id="19" idx="0"/>
+            <a:endCxn id="17" idx="2"/>
+          </p:cNvCxnSpPr>
+          <p:nvPr/>
+        </p:nvCxnSpPr>
+        <p:spPr>
+          <a:xfrm rot="16200000" flipV="1">
+            <a:off x="8970828" y="4243627"/>
+            <a:ext cx="313047" cy="852299"/>
+          </a:xfrm>
+          <a:prstGeom prst="bentConnector3">
+            <a:avLst>
+              <a:gd name="adj1" fmla="val 50000"/>
+            </a:avLst>
+          </a:prstGeom>
+          <a:ln w="19050">
+            <a:prstDash val="sysDash"/>
+          </a:ln>
+        </p:spPr>
+        <p:style>
+          <a:lnRef idx="1">
+            <a:schemeClr val="dk1"/>
+          </a:lnRef>
+          <a:fillRef idx="0">
+            <a:schemeClr val="dk1"/>
+          </a:fillRef>
+          <a:effectRef idx="0">
+            <a:schemeClr val="dk1"/>
+          </a:effectRef>
+          <a:fontRef idx="minor">
+            <a:schemeClr val="tx1"/>
+          </a:fontRef>
+        </p:style>
+      </p:cxnSp>
+      <p:cxnSp>
+        <p:nvCxnSpPr>
+          <p:cNvPr id="59" name="Connector: Elbow 58">
+            <a:extLst>
+              <a:ext uri="{FF2B5EF4-FFF2-40B4-BE49-F238E27FC236}">
+                <a16:creationId xmlns:a16="http://schemas.microsoft.com/office/drawing/2014/main" id="{C967FEBA-5261-4401-9829-92DFF1BF6753}"/>
+              </a:ext>
+            </a:extLst>
+          </p:cNvPr>
+          <p:cNvCxnSpPr>
+            <a:cxnSpLocks/>
+            <a:stCxn id="19" idx="0"/>
+            <a:endCxn id="18" idx="2"/>
+          </p:cNvCxnSpPr>
+          <p:nvPr/>
+        </p:nvCxnSpPr>
+        <p:spPr>
+          <a:xfrm rot="5400000" flipH="1" flipV="1">
+            <a:off x="9823127" y="4243627"/>
+            <a:ext cx="313047" cy="852300"/>
+          </a:xfrm>
+          <a:prstGeom prst="bentConnector3">
+            <a:avLst>
+              <a:gd name="adj1" fmla="val 50000"/>
+            </a:avLst>
+          </a:prstGeom>
+          <a:ln w="19050">
+            <a:prstDash val="sysDash"/>
+          </a:ln>
+        </p:spPr>
+        <p:style>
+          <a:lnRef idx="1">
+            <a:schemeClr val="dk1"/>
+          </a:lnRef>
+          <a:fillRef idx="0">
+            <a:schemeClr val="dk1"/>
+          </a:fillRef>
+          <a:effectRef idx="0">
+            <a:schemeClr val="dk1"/>
+          </a:effectRef>
+          <a:fontRef idx="minor">
+            <a:schemeClr val="tx1"/>
+          </a:fontRef>
+        </p:style>
+      </p:cxnSp>
     </p:spTree>
     <p:extLst>
       <p:ext uri="{BB962C8B-B14F-4D97-AF65-F5344CB8AC3E}">
-        <p14:creationId xmlns:p14="http://schemas.microsoft.com/office/powerpoint/2010/main" val="3327678176"/>
+        <p14:creationId xmlns:p14="http://schemas.microsoft.com/office/powerpoint/2010/main" val="3653094653"/>
       </p:ext>
     </p:extLst>
   </p:cSld>
@@ -6741,6 +11453,94 @@
       </p:grpSpPr>
       <p:sp>
         <p:nvSpPr>
+          <p:cNvPr id="7" name="Content Placeholder 2">
+            <a:extLst>
+              <a:ext uri="{FF2B5EF4-FFF2-40B4-BE49-F238E27FC236}">
+                <a16:creationId xmlns:a16="http://schemas.microsoft.com/office/drawing/2014/main" id="{0F324A9E-9392-4545-96A6-95DE3958C6B2}"/>
+              </a:ext>
+            </a:extLst>
+          </p:cNvPr>
+          <p:cNvSpPr>
+            <a:spLocks noGrp="1"/>
+          </p:cNvSpPr>
+          <p:nvPr>
+            <p:ph idx="1"/>
+          </p:nvPr>
+        </p:nvSpPr>
+        <p:spPr>
+          <a:xfrm>
+            <a:off x="1066797" y="1990725"/>
+            <a:ext cx="10287001" cy="4800600"/>
+          </a:xfrm>
+        </p:spPr>
+        <p:txBody>
+          <a:bodyPr>
+            <a:normAutofit/>
+          </a:bodyPr>
+          <a:lstStyle/>
+          <a:p>
+            <a:r>
+              <a:rPr lang="de-DE" b="1"/>
+              <a:t>Deterministic approaches</a:t>
+            </a:r>
+          </a:p>
+          <a:p>
+            <a:pPr lvl="1"/>
+            <a:r>
+              <a:rPr lang="de-DE"/>
+              <a:t>Term-by-document matrix </a:t>
+            </a:r>
+          </a:p>
+          <a:p>
+            <a:pPr lvl="1"/>
+            <a:r>
+              <a:rPr lang="de-DE"/>
+              <a:t>LSA, NMF: matrix factorization to identify latent topics</a:t>
+            </a:r>
+            <a:br>
+              <a:rPr lang="de-DE"/>
+            </a:br>
+            <a:br>
+              <a:rPr lang="de-DE"/>
+            </a:br>
+            <a:br>
+              <a:rPr lang="de-DE"/>
+            </a:br>
+            <a:br>
+              <a:rPr lang="de-DE"/>
+            </a:br>
+            <a:br>
+              <a:rPr lang="de-DE"/>
+            </a:br>
+            <a:br>
+              <a:rPr lang="de-DE"/>
+            </a:br>
+            <a:endParaRPr lang="de-DE"/>
+          </a:p>
+          <a:p>
+            <a:r>
+              <a:rPr lang="de-DE" b="1"/>
+              <a:t>Problems</a:t>
+            </a:r>
+            <a:r>
+              <a:rPr lang="de-DE"/>
+              <a:t>: inference &amp; out-of-sample extension</a:t>
+            </a:r>
+            <a:br>
+              <a:rPr lang="de-DE"/>
+            </a:br>
+            <a:endParaRPr lang="de-DE"/>
+          </a:p>
+          <a:p>
+            <a:pPr marL="457200" lvl="1" indent="0">
+              <a:buNone/>
+            </a:pPr>
+            <a:endParaRPr lang="en-US"/>
+          </a:p>
+        </p:txBody>
+      </p:sp>
+      <p:sp>
+        <p:nvSpPr>
           <p:cNvPr id="4" name="Foliennummernplatzhalter 3"/>
           <p:cNvSpPr>
             <a:spLocks noGrp="1"/>
@@ -6790,21 +11590,21 @@
           <a:p>
             <a:r>
               <a:rPr lang="en-US"/>
-              <a:t>STM  </a:t>
+              <a:t>Approaches  </a:t>
             </a:r>
             <a:r>
               <a:rPr lang="en-US" b="1"/>
-              <a:t>Approach</a:t>
-            </a:r>
-          </a:p>
-        </p:txBody>
-      </p:sp>
-      <p:sp>
-        <p:nvSpPr>
-          <p:cNvPr id="7" name="Rectangle 6">
+              <a:t>Deterministic</a:t>
+            </a:r>
+          </a:p>
+        </p:txBody>
+      </p:sp>
+      <p:sp>
+        <p:nvSpPr>
+          <p:cNvPr id="2" name="Rectangle 1">
             <a:extLst>
               <a:ext uri="{FF2B5EF4-FFF2-40B4-BE49-F238E27FC236}">
-                <a16:creationId xmlns:a16="http://schemas.microsoft.com/office/drawing/2014/main" id="{399D5C87-EDAB-4C4B-A55D-E6DBDD9D5ABA}"/>
+                <a16:creationId xmlns:a16="http://schemas.microsoft.com/office/drawing/2014/main" id="{2C42E3B5-D73E-4DF1-8F87-40547F28A093}"/>
               </a:ext>
             </a:extLst>
           </p:cNvPr>
@@ -6813,8 +11613,72 @@
         </p:nvSpPr>
         <p:spPr>
           <a:xfrm>
-            <a:off x="3228976" y="1992993"/>
-            <a:ext cx="8153400" cy="2872013"/>
+            <a:off x="1419224" y="3514725"/>
+            <a:ext cx="2457451" cy="1438275"/>
+          </a:xfrm>
+          <a:prstGeom prst="rect">
+            <a:avLst/>
+          </a:prstGeom>
+          <a:solidFill>
+            <a:schemeClr val="tx1">
+              <a:lumMod val="50000"/>
+              <a:lumOff val="50000"/>
+            </a:schemeClr>
+          </a:solidFill>
+          <a:ln>
+            <a:solidFill>
+              <a:schemeClr val="tx1">
+                <a:lumMod val="50000"/>
+                <a:lumOff val="50000"/>
+              </a:schemeClr>
+            </a:solidFill>
+          </a:ln>
+        </p:spPr>
+        <p:style>
+          <a:lnRef idx="2">
+            <a:schemeClr val="accent1">
+              <a:shade val="50000"/>
+            </a:schemeClr>
+          </a:lnRef>
+          <a:fillRef idx="1">
+            <a:schemeClr val="accent1"/>
+          </a:fillRef>
+          <a:effectRef idx="0">
+            <a:schemeClr val="accent1"/>
+          </a:effectRef>
+          <a:fontRef idx="minor">
+            <a:schemeClr val="lt1"/>
+          </a:fontRef>
+        </p:style>
+        <p:txBody>
+          <a:bodyPr rtlCol="0" anchor="ctr"/>
+          <a:lstStyle/>
+          <a:p>
+            <a:pPr algn="ctr"/>
+            <a:r>
+              <a:rPr lang="de-DE" sz="2400" i="1"/>
+              <a:t>V x D</a:t>
+            </a:r>
+            <a:endParaRPr lang="en-US" sz="2400" i="1"/>
+          </a:p>
+        </p:txBody>
+      </p:sp>
+      <p:sp>
+        <p:nvSpPr>
+          <p:cNvPr id="6" name="Rectangle 5">
+            <a:extLst>
+              <a:ext uri="{FF2B5EF4-FFF2-40B4-BE49-F238E27FC236}">
+                <a16:creationId xmlns:a16="http://schemas.microsoft.com/office/drawing/2014/main" id="{4E41F105-8E42-4506-BD3C-0FF14168F00F}"/>
+              </a:ext>
+            </a:extLst>
+          </p:cNvPr>
+          <p:cNvSpPr/>
+          <p:nvPr/>
+        </p:nvSpPr>
+        <p:spPr>
+          <a:xfrm>
+            <a:off x="4739289" y="3514722"/>
+            <a:ext cx="900000" cy="1438275"/>
           </a:xfrm>
           <a:prstGeom prst="rect">
             <a:avLst/>
@@ -6822,7 +11686,7 @@
           <a:solidFill>
             <a:schemeClr val="bg2"/>
           </a:solidFill>
-          <a:ln w="19050">
+          <a:ln>
             <a:solidFill>
               <a:schemeClr val="bg2"/>
             </a:solidFill>
@@ -6830,81 +11694,176 @@
         </p:spPr>
         <p:style>
           <a:lnRef idx="2">
-            <a:schemeClr val="dk1"/>
+            <a:schemeClr val="accent1">
+              <a:shade val="50000"/>
+            </a:schemeClr>
           </a:lnRef>
           <a:fillRef idx="1">
-            <a:schemeClr val="lt1"/>
+            <a:schemeClr val="accent1"/>
           </a:fillRef>
           <a:effectRef idx="0">
-            <a:schemeClr val="dk1"/>
+            <a:schemeClr val="accent1"/>
           </a:effectRef>
           <a:fontRef idx="minor">
-            <a:schemeClr val="dk1"/>
+            <a:schemeClr val="lt1"/>
           </a:fontRef>
         </p:style>
         <p:txBody>
           <a:bodyPr rtlCol="0" anchor="ctr"/>
           <a:lstStyle/>
           <a:p>
-            <a:r>
-              <a:rPr lang="de-DE" sz="4000" b="1">
+            <a:pPr algn="ctr"/>
+            <a:r>
+              <a:rPr lang="de-DE" sz="2400" i="1">
                 <a:solidFill>
-                  <a:schemeClr val="tx1"/>
+                  <a:sysClr val="windowText" lastClr="000000"/>
                 </a:solidFill>
               </a:rPr>
-              <a:t>Demo 7: STM</a:t>
-            </a:r>
-            <a:endParaRPr lang="en-US" sz="4000" b="1">
+              <a:t>V x K</a:t>
+            </a:r>
+            <a:endParaRPr lang="en-US" sz="2400" i="1">
               <a:solidFill>
-                <a:schemeClr val="tx1"/>
+                <a:sysClr val="windowText" lastClr="000000"/>
               </a:solidFill>
             </a:endParaRPr>
           </a:p>
         </p:txBody>
       </p:sp>
-      <p:pic>
-        <p:nvPicPr>
-          <p:cNvPr id="9" name="Graphic 8" descr="Play with solid fill">
+      <p:sp>
+        <p:nvSpPr>
+          <p:cNvPr id="9" name="Rectangle 8">
             <a:extLst>
               <a:ext uri="{FF2B5EF4-FFF2-40B4-BE49-F238E27FC236}">
-                <a16:creationId xmlns:a16="http://schemas.microsoft.com/office/drawing/2014/main" id="{5987626F-A389-40EE-AED1-4EC2BDAD023F}"/>
+                <a16:creationId xmlns:a16="http://schemas.microsoft.com/office/drawing/2014/main" id="{287B065D-EA1B-4837-9026-6B19E6093686}"/>
               </a:ext>
             </a:extLst>
           </p:cNvPr>
-          <p:cNvPicPr>
-            <a:picLocks noChangeAspect="1"/>
-          </p:cNvPicPr>
+          <p:cNvSpPr/>
           <p:nvPr/>
-        </p:nvPicPr>
-        <p:blipFill>
-          <a:blip r:embed="rId3">
-            <a:extLst>
-              <a:ext uri="{28A0092B-C50C-407E-A947-70E740481C1C}">
-                <a14:useLocalDpi xmlns:a14="http://schemas.microsoft.com/office/drawing/2010/main" val="0"/>
-              </a:ext>
-              <a:ext uri="{96DAC541-7B7A-43D3-8B79-37D633B846F1}">
-                <asvg:svgBlip xmlns:asvg="http://schemas.microsoft.com/office/drawing/2016/SVG/main" r:embed="rId4"/>
-              </a:ext>
-            </a:extLst>
-          </a:blip>
-          <a:stretch>
-            <a:fillRect/>
-          </a:stretch>
-        </p:blipFill>
-        <p:spPr>
-          <a:xfrm>
-            <a:off x="923914" y="2276468"/>
-            <a:ext cx="2305062" cy="2305062"/>
+        </p:nvSpPr>
+        <p:spPr>
+          <a:xfrm>
+            <a:off x="6501904" y="3783860"/>
+            <a:ext cx="2457451" cy="900000"/>
           </a:xfrm>
           <a:prstGeom prst="rect">
             <a:avLst/>
           </a:prstGeom>
-        </p:spPr>
-      </p:pic>
+          <a:solidFill>
+            <a:srgbClr val="33CCFF"/>
+          </a:solidFill>
+          <a:ln>
+            <a:solidFill>
+              <a:srgbClr val="33CCFF"/>
+            </a:solidFill>
+          </a:ln>
+        </p:spPr>
+        <p:style>
+          <a:lnRef idx="2">
+            <a:schemeClr val="accent1">
+              <a:shade val="50000"/>
+            </a:schemeClr>
+          </a:lnRef>
+          <a:fillRef idx="1">
+            <a:schemeClr val="accent1"/>
+          </a:fillRef>
+          <a:effectRef idx="0">
+            <a:schemeClr val="accent1"/>
+          </a:effectRef>
+          <a:fontRef idx="minor">
+            <a:schemeClr val="lt1"/>
+          </a:fontRef>
+        </p:style>
+        <p:txBody>
+          <a:bodyPr rtlCol="0" anchor="ctr"/>
+          <a:lstStyle/>
+          <a:p>
+            <a:pPr algn="ctr"/>
+            <a:r>
+              <a:rPr lang="de-DE" sz="2400" i="1"/>
+              <a:t>K x D</a:t>
+            </a:r>
+            <a:endParaRPr lang="en-US" sz="2400" i="1"/>
+          </a:p>
+        </p:txBody>
+      </p:sp>
+      <p:sp>
+        <p:nvSpPr>
+          <p:cNvPr id="3" name="TextBox 2">
+            <a:extLst>
+              <a:ext uri="{FF2B5EF4-FFF2-40B4-BE49-F238E27FC236}">
+                <a16:creationId xmlns:a16="http://schemas.microsoft.com/office/drawing/2014/main" id="{FC481A4B-AC2D-4C8E-BB1A-C2EB7CFCF421}"/>
+              </a:ext>
+            </a:extLst>
+          </p:cNvPr>
+          <p:cNvSpPr txBox="1"/>
+          <p:nvPr/>
+        </p:nvSpPr>
+        <p:spPr>
+          <a:xfrm>
+            <a:off x="4019549" y="3818362"/>
+            <a:ext cx="514350" cy="830997"/>
+          </a:xfrm>
+          <a:prstGeom prst="rect">
+            <a:avLst/>
+          </a:prstGeom>
+          <a:noFill/>
+        </p:spPr>
+        <p:txBody>
+          <a:bodyPr wrap="square" rtlCol="0" anchor="ctr">
+            <a:spAutoFit/>
+          </a:bodyPr>
+          <a:lstStyle/>
+          <a:p>
+            <a:r>
+              <a:rPr lang="en-US" sz="4800"/>
+              <a:t>≈</a:t>
+            </a:r>
+            <a:endParaRPr lang="en-US"/>
+          </a:p>
+        </p:txBody>
+      </p:sp>
+      <p:sp>
+        <p:nvSpPr>
+          <p:cNvPr id="10" name="TextBox 9">
+            <a:extLst>
+              <a:ext uri="{FF2B5EF4-FFF2-40B4-BE49-F238E27FC236}">
+                <a16:creationId xmlns:a16="http://schemas.microsoft.com/office/drawing/2014/main" id="{84F919BD-8832-4D07-A08B-0FB5591891E0}"/>
+              </a:ext>
+            </a:extLst>
+          </p:cNvPr>
+          <p:cNvSpPr txBox="1"/>
+          <p:nvPr/>
+        </p:nvSpPr>
+        <p:spPr>
+          <a:xfrm>
+            <a:off x="5782163" y="3818362"/>
+            <a:ext cx="514350" cy="830997"/>
+          </a:xfrm>
+          <a:prstGeom prst="rect">
+            <a:avLst/>
+          </a:prstGeom>
+          <a:noFill/>
+        </p:spPr>
+        <p:txBody>
+          <a:bodyPr wrap="square" rtlCol="0" anchor="ctr">
+            <a:spAutoFit/>
+          </a:bodyPr>
+          <a:lstStyle/>
+          <a:p>
+            <a:pPr algn="ctr"/>
+            <a:r>
+              <a:rPr lang="en-US" sz="4800"/>
+              <a:t>x</a:t>
+            </a:r>
+            <a:endParaRPr lang="en-US"/>
+          </a:p>
+        </p:txBody>
+      </p:sp>
     </p:spTree>
     <p:extLst>
       <p:ext uri="{BB962C8B-B14F-4D97-AF65-F5344CB8AC3E}">
-        <p14:creationId xmlns:p14="http://schemas.microsoft.com/office/powerpoint/2010/main" val="1491246809"/>
+        <p14:creationId xmlns:p14="http://schemas.microsoft.com/office/powerpoint/2010/main" val="2051569512"/>
       </p:ext>
     </p:extLst>
   </p:cSld>

--- a/5_seminar/Contents_Part_02/slides/slides_II_2.pptx
+++ b/5_seminar/Contents_Part_02/slides/slides_II_2.pptx
@@ -28,7 +28,7 @@
     <p:sldId id="348" r:id="rId19"/>
     <p:sldId id="335" r:id="rId20"/>
     <p:sldId id="331" r:id="rId21"/>
-    <p:sldId id="274" r:id="rId22"/>
+    <p:sldId id="356" r:id="rId22"/>
   </p:sldIdLst>
   <p:sldSz cx="12192000" cy="6858000"/>
   <p:notesSz cx="6858000" cy="9144000"/>
@@ -217,7 +217,7 @@
           <a:p>
             <a:fld id="{7A5B87F2-13FD-4A24-9F19-39B31C60B536}" type="datetimeFigureOut">
               <a:rPr lang="en-US" smtClean="0"/>
-              <a:t>4/22/2021</a:t>
+              <a:t>4/26/2021</a:t>
             </a:fld>
             <a:endParaRPr lang="en-US"/>
           </a:p>
@@ -2013,7 +2013,7 @@
           <a:p>
             <a:fld id="{5A1811BA-6AD9-41A7-B7A2-456C8523519C}" type="datetime1">
               <a:rPr lang="en-US" smtClean="0"/>
-              <a:t>4/22/2021</a:t>
+              <a:t>4/26/2021</a:t>
             </a:fld>
             <a:endParaRPr lang="en-US"/>
           </a:p>
@@ -2183,7 +2183,7 @@
           <a:p>
             <a:fld id="{B0494441-C196-4BB0-93EE-AF22360207AB}" type="datetime1">
               <a:rPr lang="en-US" smtClean="0"/>
-              <a:t>4/22/2021</a:t>
+              <a:t>4/26/2021</a:t>
             </a:fld>
             <a:endParaRPr lang="en-US"/>
           </a:p>
@@ -2363,7 +2363,7 @@
           <a:p>
             <a:fld id="{D7B9282B-C3CE-4F56-8DD1-5349F982F1D2}" type="datetime1">
               <a:rPr lang="en-US" smtClean="0"/>
-              <a:t>4/22/2021</a:t>
+              <a:t>4/26/2021</a:t>
             </a:fld>
             <a:endParaRPr lang="en-US"/>
           </a:p>
@@ -2533,7 +2533,7 @@
           <a:p>
             <a:fld id="{E6E86D6A-786F-4E85-AF3B-385015383ABA}" type="datetime1">
               <a:rPr lang="en-US" smtClean="0"/>
-              <a:t>4/22/2021</a:t>
+              <a:t>4/26/2021</a:t>
             </a:fld>
             <a:endParaRPr lang="en-US"/>
           </a:p>
@@ -2779,7 +2779,7 @@
           <a:p>
             <a:fld id="{051FFEB0-9C80-4A34-A5C7-72D52D52FC7D}" type="datetime1">
               <a:rPr lang="en-US" smtClean="0"/>
-              <a:t>4/22/2021</a:t>
+              <a:t>4/26/2021</a:t>
             </a:fld>
             <a:endParaRPr lang="en-US"/>
           </a:p>
@@ -3011,7 +3011,7 @@
           <a:p>
             <a:fld id="{084267AD-C299-471B-ABA1-D0EA94C7EDCF}" type="datetime1">
               <a:rPr lang="en-US" smtClean="0"/>
-              <a:t>4/22/2021</a:t>
+              <a:t>4/26/2021</a:t>
             </a:fld>
             <a:endParaRPr lang="en-US"/>
           </a:p>
@@ -3378,7 +3378,7 @@
           <a:p>
             <a:fld id="{6468DBC7-10F8-46A1-8CE1-DBB0A6F0EF3E}" type="datetime1">
               <a:rPr lang="en-US" smtClean="0"/>
-              <a:t>4/22/2021</a:t>
+              <a:t>4/26/2021</a:t>
             </a:fld>
             <a:endParaRPr lang="en-US"/>
           </a:p>
@@ -3496,7 +3496,7 @@
           <a:p>
             <a:fld id="{0A97ED80-8DDA-43A7-A78F-B0542D691D0E}" type="datetime1">
               <a:rPr lang="en-US" smtClean="0"/>
-              <a:t>4/22/2021</a:t>
+              <a:t>4/26/2021</a:t>
             </a:fld>
             <a:endParaRPr lang="en-US"/>
           </a:p>
@@ -3591,7 +3591,7 @@
           <a:p>
             <a:fld id="{0AF827E6-45BA-40D2-98F2-BE4FFF095577}" type="datetime1">
               <a:rPr lang="en-US" smtClean="0"/>
-              <a:t>4/22/2021</a:t>
+              <a:t>4/26/2021</a:t>
             </a:fld>
             <a:endParaRPr lang="en-US"/>
           </a:p>
@@ -3868,7 +3868,7 @@
           <a:p>
             <a:fld id="{42BD114C-22EA-4B1A-A45B-ED6465C7BB4E}" type="datetime1">
               <a:rPr lang="en-US" smtClean="0"/>
-              <a:t>4/22/2021</a:t>
+              <a:t>4/26/2021</a:t>
             </a:fld>
             <a:endParaRPr lang="en-US"/>
           </a:p>
@@ -4121,7 +4121,7 @@
           <a:p>
             <a:fld id="{F46F8903-38BE-4FD8-98FC-E4EF771B2D8C}" type="datetime1">
               <a:rPr lang="en-US" smtClean="0"/>
-              <a:t>4/22/2021</a:t>
+              <a:t>4/26/2021</a:t>
             </a:fld>
             <a:endParaRPr lang="en-US"/>
           </a:p>
@@ -4334,7 +4334,7 @@
           <a:p>
             <a:fld id="{A91AC8C7-9CA9-4E83-8CE3-AD3BE4150B39}" type="datetime1">
               <a:rPr lang="en-US" smtClean="0"/>
-              <a:t>4/22/2021</a:t>
+              <a:t>4/26/2021</a:t>
             </a:fld>
             <a:endParaRPr lang="en-US"/>
           </a:p>
@@ -4935,7 +4935,7 @@
           <a:p>
             <a:r>
               <a:rPr lang="de-DE" b="1"/>
-              <a:t>Probabilistic / generative approaches</a:t>
+              <a:t>Probabilistic/generative approaches</a:t>
             </a:r>
           </a:p>
           <a:p>
@@ -5029,7 +5029,7 @@
             </a:r>
             <a:r>
               <a:rPr lang="en-US" b="1"/>
-              <a:t>Probabilistic / Generative</a:t>
+              <a:t>Probabilistic/Generative</a:t>
             </a:r>
           </a:p>
         </p:txBody>
@@ -5236,7 +5236,7 @@
             </a:r>
             <a:r>
               <a:rPr lang="en-US" b="1"/>
-              <a:t>Probabilistic / Generative</a:t>
+              <a:t>Probabilistic/Generative</a:t>
             </a:r>
           </a:p>
         </p:txBody>
@@ -8055,7 +8055,7 @@
           <a:p>
             <a:r>
               <a:rPr lang="de-DE" b="1"/>
-              <a:t>Situation:</a:t>
+              <a:t>Situation</a:t>
             </a:r>
           </a:p>
           <a:p>
@@ -8092,28 +8092,37 @@
           <a:p>
             <a:r>
               <a:rPr lang="de-DE" b="1"/>
-              <a:t>Approach:</a:t>
-            </a:r>
-          </a:p>
-          <a:p>
-            <a:pPr lvl="1"/>
+              <a:t>Approach</a:t>
+            </a:r>
+          </a:p>
+          <a:p>
+            <a:pPr marL="914400" lvl="1" indent="-457200">
+              <a:buFont typeface="+mj-lt"/>
+              <a:buAutoNum type="arabicPeriod"/>
+            </a:pPr>
             <a:r>
               <a:rPr lang="de-DE"/>
-              <a:t>Specify list of keywords.</a:t>
-            </a:r>
-          </a:p>
-          <a:p>
-            <a:pPr lvl="1"/>
+              <a:t>Specify list of keywords</a:t>
+            </a:r>
+          </a:p>
+          <a:p>
+            <a:pPr marL="914400" lvl="1" indent="-457200">
+              <a:buFont typeface="+mj-lt"/>
+              <a:buAutoNum type="arabicPeriod"/>
+            </a:pPr>
             <a:r>
               <a:rPr lang="de-DE"/>
-              <a:t>Find similar words (both morphologically &amp; semantically).</a:t>
-            </a:r>
-          </a:p>
-          <a:p>
-            <a:pPr lvl="1"/>
+              <a:t>Find similar words (both morphologically &amp; semantically)</a:t>
+            </a:r>
+          </a:p>
+          <a:p>
+            <a:pPr marL="914400" lvl="1" indent="-457200">
+              <a:buFont typeface="+mj-lt"/>
+              <a:buAutoNum type="arabicPeriod"/>
+            </a:pPr>
             <a:r>
               <a:rPr lang="de-DE"/>
-              <a:t>Assign all documents using these words to the associated topic.</a:t>
+              <a:t>Assign all documents using these words to the associated topic</a:t>
             </a:r>
           </a:p>
           <a:p>
@@ -8695,7 +8704,13 @@
       </p:grpSpPr>
       <p:sp>
         <p:nvSpPr>
-          <p:cNvPr id="3" name="Inhaltsplatzhalter 2"/>
+          <p:cNvPr id="3" name="Content Placeholder 2">
+            <a:extLst>
+              <a:ext uri="{FF2B5EF4-FFF2-40B4-BE49-F238E27FC236}">
+                <a16:creationId xmlns:a16="http://schemas.microsoft.com/office/drawing/2014/main" id="{FA1390B1-7E9D-43A0-87DA-DCA86641596C}"/>
+              </a:ext>
+            </a:extLst>
+          </p:cNvPr>
           <p:cNvSpPr>
             <a:spLocks noGrp="1"/>
           </p:cNvSpPr>
@@ -8705,8 +8720,8 @@
         </p:nvSpPr>
         <p:spPr>
           <a:xfrm>
-            <a:off x="838200" y="689811"/>
-            <a:ext cx="10515600" cy="5487152"/>
+            <a:off x="1066800" y="548640"/>
+            <a:ext cx="10287000" cy="6309360"/>
           </a:xfrm>
         </p:spPr>
         <p:txBody>
@@ -8715,19 +8730,164 @@
           </a:bodyPr>
           <a:lstStyle/>
           <a:p>
-            <a:endParaRPr lang="en-GB" dirty="0"/>
-          </a:p>
-          <a:p>
-            <a:endParaRPr lang="en-GB" u="sng" dirty="0"/>
-          </a:p>
-          <a:p>
-            <a:endParaRPr lang="en-US" dirty="0"/>
-          </a:p>
-        </p:txBody>
-      </p:sp>
-      <p:sp>
-        <p:nvSpPr>
-          <p:cNvPr id="4" name="Foliennummernplatzhalter 3"/>
+            <a:pPr marL="0" indent="0">
+              <a:buNone/>
+            </a:pPr>
+            <a:r>
+              <a:rPr lang="en-US" sz="2000"/>
+              <a:t>Blei, D., Ng, A., and Jordan, M. (2003): Latent Dirichlet Allocation. </a:t>
+            </a:r>
+            <a:r>
+              <a:rPr lang="en-US" sz="2000" i="1"/>
+              <a:t>Journal of Machine Learning Research</a:t>
+            </a:r>
+            <a:r>
+              <a:rPr lang="en-US" sz="2000"/>
+              <a:t> </a:t>
+            </a:r>
+            <a:r>
+              <a:rPr lang="en-US" sz="2000" i="1"/>
+              <a:t>3</a:t>
+            </a:r>
+            <a:r>
+              <a:rPr lang="en-US" sz="2000"/>
+              <a:t>, pp. 993-1022.</a:t>
+            </a:r>
+          </a:p>
+          <a:p>
+            <a:pPr marL="0" indent="0">
+              <a:buNone/>
+            </a:pPr>
+            <a:r>
+              <a:rPr lang="en-US" sz="2000"/>
+              <a:t>Blei, D., and Lafferty, J. (2007): A Correlated Topic Model of Science. </a:t>
+            </a:r>
+            <a:r>
+              <a:rPr lang="en-US" sz="2000" i="1"/>
+              <a:t>The Annals of Applied Statistics 1(1)</a:t>
+            </a:r>
+            <a:r>
+              <a:rPr lang="en-US" sz="2000"/>
+              <a:t>, pp. 17-35.</a:t>
+            </a:r>
+          </a:p>
+          <a:p>
+            <a:pPr marL="0" indent="0">
+              <a:buNone/>
+            </a:pPr>
+            <a:r>
+              <a:rPr lang="en-US" sz="2000"/>
+              <a:t>Deerwester, S., Dumais, S., Furnas, G., Landauer, T., and Harshman, R. (1990): Indexing by Latent Semantic Analysis. </a:t>
+            </a:r>
+            <a:r>
+              <a:rPr lang="en-US" sz="2000" i="1"/>
+              <a:t>Journal of the American Society for Information Science 41(6), </a:t>
+            </a:r>
+            <a:r>
+              <a:rPr lang="en-US" sz="2000"/>
+              <a:t>pp. 391-407.</a:t>
+            </a:r>
+          </a:p>
+          <a:p>
+            <a:pPr marL="0" indent="0">
+              <a:buNone/>
+            </a:pPr>
+            <a:r>
+              <a:rPr lang="en-US" sz="2000"/>
+              <a:t>Hofmann, T. (1999): Probabilistic Latent Semantic Indexing. </a:t>
+            </a:r>
+            <a:r>
+              <a:rPr lang="en-US" sz="2000" i="1"/>
+              <a:t>Proceedings of the 22</a:t>
+            </a:r>
+            <a:r>
+              <a:rPr lang="en-US" sz="2000" i="1" baseline="30000"/>
+              <a:t>nd</a:t>
+            </a:r>
+            <a:r>
+              <a:rPr lang="en-US" sz="2000" i="1"/>
+              <a:t> Annual International ACM SIGIR Conference on Research and Development in Information Retrieval</a:t>
+            </a:r>
+            <a:r>
+              <a:rPr lang="en-US" sz="2000"/>
+              <a:t>, </a:t>
+            </a:r>
+            <a:br>
+              <a:rPr lang="en-US" sz="2000"/>
+            </a:br>
+            <a:r>
+              <a:rPr lang="en-US" sz="2000"/>
+              <a:t>pp. 50-57.</a:t>
+            </a:r>
+          </a:p>
+          <a:p>
+            <a:pPr marL="0" indent="0">
+              <a:buNone/>
+            </a:pPr>
+            <a:r>
+              <a:rPr lang="en-US" sz="2000"/>
+              <a:t>Roberts, M., Stewart, B., Tingley, D., and Airoldi, E. (2013): The Structural Topic Model and Applied Social Science. </a:t>
+            </a:r>
+            <a:r>
+              <a:rPr lang="en-US" sz="2000" i="1"/>
+              <a:t>Advances in Neural Information Processing Systems Workshop on Topic Models.</a:t>
+            </a:r>
+          </a:p>
+          <a:p>
+            <a:pPr marL="0" indent="0">
+              <a:buNone/>
+            </a:pPr>
+            <a:r>
+              <a:rPr lang="en-US" sz="2000"/>
+              <a:t>Salton, G., and McGill, M. (1983): Introduction to Modern Information Retrieval, McGraw-Hill.</a:t>
+            </a:r>
+          </a:p>
+          <a:p>
+            <a:pPr marL="0" indent="0">
+              <a:buNone/>
+            </a:pPr>
+            <a:r>
+              <a:rPr lang="en-US" sz="2000"/>
+              <a:t>Vayansky, I., and Kumar S.A.P. (2020): A Review of Ttopic Modeling Methods, </a:t>
+            </a:r>
+            <a:r>
+              <a:rPr lang="en-US" sz="2000" i="1"/>
+              <a:t>Information Systems</a:t>
+            </a:r>
+            <a:r>
+              <a:rPr lang="en-US" sz="2000"/>
+              <a:t>, doi: https://doi.org/10.1016/j.is.2020.101582.</a:t>
+            </a:r>
+          </a:p>
+          <a:p>
+            <a:pPr marL="0" indent="0">
+              <a:buNone/>
+            </a:pPr>
+            <a:endParaRPr lang="en-US" sz="2000"/>
+          </a:p>
+          <a:p>
+            <a:pPr marL="0" indent="0">
+              <a:buNone/>
+            </a:pPr>
+            <a:endParaRPr lang="en-US" sz="2000"/>
+          </a:p>
+          <a:p>
+            <a:pPr marL="0" indent="0">
+              <a:buNone/>
+            </a:pPr>
+            <a:endParaRPr lang="en-US" sz="2000"/>
+          </a:p>
+        </p:txBody>
+      </p:sp>
+      <p:sp>
+        <p:nvSpPr>
+          <p:cNvPr id="4" name="Slide Number Placeholder 3">
+            <a:extLst>
+              <a:ext uri="{FF2B5EF4-FFF2-40B4-BE49-F238E27FC236}">
+                <a16:creationId xmlns:a16="http://schemas.microsoft.com/office/drawing/2014/main" id="{50955CD9-AF86-42B8-87B9-3C611402B212}"/>
+              </a:ext>
+            </a:extLst>
+          </p:cNvPr>
           <p:cNvSpPr>
             <a:spLocks noGrp="1"/>
           </p:cNvSpPr>
@@ -8748,388 +8908,10 @@
           </a:p>
         </p:txBody>
       </p:sp>
-      <p:sp>
-        <p:nvSpPr>
-          <p:cNvPr id="5" name="Inhaltsplatzhalter 2"/>
-          <p:cNvSpPr txBox="1">
-            <a:spLocks/>
-          </p:cNvSpPr>
-          <p:nvPr/>
-        </p:nvSpPr>
-        <p:spPr>
-          <a:xfrm>
-            <a:off x="838200" y="1825625"/>
-            <a:ext cx="10515600" cy="4351338"/>
-          </a:xfrm>
-          <a:prstGeom prst="rect">
-            <a:avLst/>
-          </a:prstGeom>
-        </p:spPr>
-        <p:txBody>
-          <a:bodyPr vert="horz" lIns="91440" tIns="45720" rIns="91440" bIns="45720" rtlCol="0">
-            <a:normAutofit fontScale="77500" lnSpcReduction="20000"/>
-          </a:bodyPr>
-          <a:lstStyle>
-            <a:lvl1pPr marL="228600" indent="-228600" algn="l" defTabSz="914400" rtl="0" eaLnBrk="1" latinLnBrk="0" hangingPunct="1">
-              <a:lnSpc>
-                <a:spcPct val="90000"/>
-              </a:lnSpc>
-              <a:spcBef>
-                <a:spcPts val="1000"/>
-              </a:spcBef>
-              <a:buFont typeface="Arial" panose="020B0604020202020204" pitchFamily="34" charset="0"/>
-              <a:buChar char="•"/>
-              <a:defRPr sz="2800" kern="1200">
-                <a:solidFill>
-                  <a:schemeClr val="tx1"/>
-                </a:solidFill>
-                <a:latin typeface="+mn-lt"/>
-                <a:ea typeface="+mn-ea"/>
-                <a:cs typeface="+mn-cs"/>
-              </a:defRPr>
-            </a:lvl1pPr>
-            <a:lvl2pPr marL="685800" indent="-228600" algn="l" defTabSz="914400" rtl="0" eaLnBrk="1" latinLnBrk="0" hangingPunct="1">
-              <a:lnSpc>
-                <a:spcPct val="90000"/>
-              </a:lnSpc>
-              <a:spcBef>
-                <a:spcPts val="500"/>
-              </a:spcBef>
-              <a:buFont typeface="Arial" panose="020B0604020202020204" pitchFamily="34" charset="0"/>
-              <a:buChar char="•"/>
-              <a:defRPr sz="2400" kern="1200">
-                <a:solidFill>
-                  <a:schemeClr val="tx1"/>
-                </a:solidFill>
-                <a:latin typeface="+mn-lt"/>
-                <a:ea typeface="+mn-ea"/>
-                <a:cs typeface="+mn-cs"/>
-              </a:defRPr>
-            </a:lvl2pPr>
-            <a:lvl3pPr marL="1143000" indent="-228600" algn="l" defTabSz="914400" rtl="0" eaLnBrk="1" latinLnBrk="0" hangingPunct="1">
-              <a:lnSpc>
-                <a:spcPct val="90000"/>
-              </a:lnSpc>
-              <a:spcBef>
-                <a:spcPts val="500"/>
-              </a:spcBef>
-              <a:buFont typeface="Arial" panose="020B0604020202020204" pitchFamily="34" charset="0"/>
-              <a:buChar char="•"/>
-              <a:defRPr sz="2000" kern="1200">
-                <a:solidFill>
-                  <a:schemeClr val="tx1"/>
-                </a:solidFill>
-                <a:latin typeface="+mn-lt"/>
-                <a:ea typeface="+mn-ea"/>
-                <a:cs typeface="+mn-cs"/>
-              </a:defRPr>
-            </a:lvl3pPr>
-            <a:lvl4pPr marL="1600200" indent="-228600" algn="l" defTabSz="914400" rtl="0" eaLnBrk="1" latinLnBrk="0" hangingPunct="1">
-              <a:lnSpc>
-                <a:spcPct val="90000"/>
-              </a:lnSpc>
-              <a:spcBef>
-                <a:spcPts val="500"/>
-              </a:spcBef>
-              <a:buFont typeface="Arial" panose="020B0604020202020204" pitchFamily="34" charset="0"/>
-              <a:buChar char="•"/>
-              <a:defRPr sz="1800" kern="1200">
-                <a:solidFill>
-                  <a:schemeClr val="tx1"/>
-                </a:solidFill>
-                <a:latin typeface="+mn-lt"/>
-                <a:ea typeface="+mn-ea"/>
-                <a:cs typeface="+mn-cs"/>
-              </a:defRPr>
-            </a:lvl4pPr>
-            <a:lvl5pPr marL="2057400" indent="-228600" algn="l" defTabSz="914400" rtl="0" eaLnBrk="1" latinLnBrk="0" hangingPunct="1">
-              <a:lnSpc>
-                <a:spcPct val="90000"/>
-              </a:lnSpc>
-              <a:spcBef>
-                <a:spcPts val="500"/>
-              </a:spcBef>
-              <a:buFont typeface="Arial" panose="020B0604020202020204" pitchFamily="34" charset="0"/>
-              <a:buChar char="•"/>
-              <a:defRPr sz="1800" kern="1200">
-                <a:solidFill>
-                  <a:schemeClr val="tx1"/>
-                </a:solidFill>
-                <a:latin typeface="+mn-lt"/>
-                <a:ea typeface="+mn-ea"/>
-                <a:cs typeface="+mn-cs"/>
-              </a:defRPr>
-            </a:lvl5pPr>
-            <a:lvl6pPr marL="2514600" indent="-228600" algn="l" defTabSz="914400" rtl="0" eaLnBrk="1" latinLnBrk="0" hangingPunct="1">
-              <a:lnSpc>
-                <a:spcPct val="90000"/>
-              </a:lnSpc>
-              <a:spcBef>
-                <a:spcPts val="500"/>
-              </a:spcBef>
-              <a:buFont typeface="Arial" panose="020B0604020202020204" pitchFamily="34" charset="0"/>
-              <a:buChar char="•"/>
-              <a:defRPr sz="1800" kern="1200">
-                <a:solidFill>
-                  <a:schemeClr val="tx1"/>
-                </a:solidFill>
-                <a:latin typeface="+mn-lt"/>
-                <a:ea typeface="+mn-ea"/>
-                <a:cs typeface="+mn-cs"/>
-              </a:defRPr>
-            </a:lvl6pPr>
-            <a:lvl7pPr marL="2971800" indent="-228600" algn="l" defTabSz="914400" rtl="0" eaLnBrk="1" latinLnBrk="0" hangingPunct="1">
-              <a:lnSpc>
-                <a:spcPct val="90000"/>
-              </a:lnSpc>
-              <a:spcBef>
-                <a:spcPts val="500"/>
-              </a:spcBef>
-              <a:buFont typeface="Arial" panose="020B0604020202020204" pitchFamily="34" charset="0"/>
-              <a:buChar char="•"/>
-              <a:defRPr sz="1800" kern="1200">
-                <a:solidFill>
-                  <a:schemeClr val="tx1"/>
-                </a:solidFill>
-                <a:latin typeface="+mn-lt"/>
-                <a:ea typeface="+mn-ea"/>
-                <a:cs typeface="+mn-cs"/>
-              </a:defRPr>
-            </a:lvl7pPr>
-            <a:lvl8pPr marL="3429000" indent="-228600" algn="l" defTabSz="914400" rtl="0" eaLnBrk="1" latinLnBrk="0" hangingPunct="1">
-              <a:lnSpc>
-                <a:spcPct val="90000"/>
-              </a:lnSpc>
-              <a:spcBef>
-                <a:spcPts val="500"/>
-              </a:spcBef>
-              <a:buFont typeface="Arial" panose="020B0604020202020204" pitchFamily="34" charset="0"/>
-              <a:buChar char="•"/>
-              <a:defRPr sz="1800" kern="1200">
-                <a:solidFill>
-                  <a:schemeClr val="tx1"/>
-                </a:solidFill>
-                <a:latin typeface="+mn-lt"/>
-                <a:ea typeface="+mn-ea"/>
-                <a:cs typeface="+mn-cs"/>
-              </a:defRPr>
-            </a:lvl8pPr>
-            <a:lvl9pPr marL="3886200" indent="-228600" algn="l" defTabSz="914400" rtl="0" eaLnBrk="1" latinLnBrk="0" hangingPunct="1">
-              <a:lnSpc>
-                <a:spcPct val="90000"/>
-              </a:lnSpc>
-              <a:spcBef>
-                <a:spcPts val="500"/>
-              </a:spcBef>
-              <a:buFont typeface="Arial" panose="020B0604020202020204" pitchFamily="34" charset="0"/>
-              <a:buChar char="•"/>
-              <a:defRPr sz="1800" kern="1200">
-                <a:solidFill>
-                  <a:schemeClr val="tx1"/>
-                </a:solidFill>
-                <a:latin typeface="+mn-lt"/>
-                <a:ea typeface="+mn-ea"/>
-                <a:cs typeface="+mn-cs"/>
-              </a:defRPr>
-            </a:lvl9pPr>
-          </a:lstStyle>
-          <a:p>
-            <a:r>
-              <a:rPr lang="en-US" dirty="0">
-                <a:hlinkClick r:id="rId2"/>
-              </a:rPr>
-              <a:t>https://www.analyticsvidhya.com/blog/2015/10/beginner-guide-web-scraping-beautiful-soup-python/</a:t>
-            </a:r>
-            <a:r>
-              <a:rPr lang="en-US" dirty="0"/>
-              <a:t> (Guide to </a:t>
-            </a:r>
-            <a:r>
-              <a:rPr lang="en-US" dirty="0" err="1"/>
-              <a:t>webscraping</a:t>
-            </a:r>
-            <a:r>
-              <a:rPr lang="en-US" dirty="0"/>
-              <a:t> in python)</a:t>
-            </a:r>
-          </a:p>
-          <a:p>
-            <a:r>
-              <a:rPr lang="en-US" dirty="0">
-                <a:hlinkClick r:id="rId3"/>
-              </a:rPr>
-              <a:t>https://flukeout.github.io/#</a:t>
-            </a:r>
-            <a:r>
-              <a:rPr lang="en-US" dirty="0"/>
-              <a:t> (understand </a:t>
-            </a:r>
-            <a:r>
-              <a:rPr lang="en-US" dirty="0" err="1"/>
-              <a:t>css</a:t>
-            </a:r>
-            <a:r>
-              <a:rPr lang="en-US" dirty="0"/>
-              <a:t>)</a:t>
-            </a:r>
-          </a:p>
-          <a:p>
-            <a:r>
-              <a:rPr lang="en-US" dirty="0">
-                <a:hlinkClick r:id="rId4"/>
-              </a:rPr>
-              <a:t>https://selectorgadget.com/</a:t>
-            </a:r>
-            <a:r>
-              <a:rPr lang="en-US" dirty="0"/>
-              <a:t> (more on selector gadget)</a:t>
-            </a:r>
-          </a:p>
-          <a:p>
-            <a:r>
-              <a:rPr lang="en-US" dirty="0">
-                <a:hlinkClick r:id="rId5"/>
-              </a:rPr>
-              <a:t>https://cran.r-project.org/web/packages/rtweet/rtweet.pdf</a:t>
-            </a:r>
-            <a:endParaRPr lang="en-US" dirty="0"/>
-          </a:p>
-          <a:p>
-            <a:r>
-              <a:rPr lang="en-US" dirty="0">
-                <a:hlinkClick r:id="rId6"/>
-              </a:rPr>
-              <a:t>https://rtweet-workshop.mikewk.com/#1</a:t>
-            </a:r>
-            <a:endParaRPr lang="en-US" dirty="0"/>
-          </a:p>
-          <a:p>
-            <a:r>
-              <a:rPr lang="en-US" dirty="0">
-                <a:hlinkClick r:id="rId7"/>
-              </a:rPr>
-              <a:t>https://docs.tweepy.org/en/latest/</a:t>
-            </a:r>
-            <a:r>
-              <a:rPr lang="en-US" dirty="0"/>
-              <a:t> (scrape tweets in python)</a:t>
-            </a:r>
-          </a:p>
-          <a:p>
-            <a:r>
-              <a:rPr lang="en-US" dirty="0">
-                <a:hlinkClick r:id="rId8"/>
-              </a:rPr>
-              <a:t>https://r4ds.had.co.nz/strings.html</a:t>
-            </a:r>
-            <a:r>
-              <a:rPr lang="en-US" dirty="0"/>
-              <a:t> (book R for data science, regex)</a:t>
-            </a:r>
-          </a:p>
-          <a:p>
-            <a:r>
-              <a:rPr lang="en-US" dirty="0">
-                <a:hlinkClick r:id="rId9"/>
-              </a:rPr>
-              <a:t>https://www.rstudio.com/wp-content/uploads/2016/09/RegExCheatsheet.pdf</a:t>
-            </a:r>
-            <a:r>
-              <a:rPr lang="en-US" dirty="0"/>
-              <a:t> (</a:t>
-            </a:r>
-            <a:r>
-              <a:rPr lang="en-US" dirty="0" err="1"/>
-              <a:t>cheatsheet</a:t>
-            </a:r>
-            <a:r>
-              <a:rPr lang="en-US" dirty="0"/>
-              <a:t> regex)</a:t>
-            </a:r>
-          </a:p>
-          <a:p>
-            <a:r>
-              <a:rPr lang="en-GB" dirty="0"/>
-              <a:t>Miner, G., Elder IV, J., Fast, A., Hill, T., </a:t>
-            </a:r>
-            <a:r>
-              <a:rPr lang="en-GB" dirty="0" err="1"/>
-              <a:t>Nisbet</a:t>
-            </a:r>
-            <a:r>
-              <a:rPr lang="en-GB" dirty="0"/>
-              <a:t>, R. and </a:t>
-            </a:r>
-            <a:r>
-              <a:rPr lang="en-GB" dirty="0" err="1"/>
-              <a:t>Delen</a:t>
-            </a:r>
-            <a:r>
-              <a:rPr lang="en-GB" dirty="0"/>
-              <a:t>, D. (2012). Practical text mining and statistical analysis for non-structured text data applications, Academic Press. (</a:t>
-            </a:r>
-            <a:r>
-              <a:rPr lang="en-GB"/>
-              <a:t>text normalization</a:t>
-            </a:r>
-            <a:endParaRPr lang="en-US" dirty="0"/>
-          </a:p>
-        </p:txBody>
-      </p:sp>
-      <p:sp>
-        <p:nvSpPr>
-          <p:cNvPr id="6" name="Rectangle 5">
-            <a:extLst>
-              <a:ext uri="{FF2B5EF4-FFF2-40B4-BE49-F238E27FC236}">
-                <a16:creationId xmlns:a16="http://schemas.microsoft.com/office/drawing/2014/main" id="{DED57BB2-6317-412A-B8B7-756839BF16F4}"/>
-              </a:ext>
-            </a:extLst>
-          </p:cNvPr>
-          <p:cNvSpPr/>
-          <p:nvPr/>
-        </p:nvSpPr>
-        <p:spPr>
-          <a:xfrm>
-            <a:off x="0" y="1954466"/>
-            <a:ext cx="12192000" cy="3364992"/>
-          </a:xfrm>
-          <a:prstGeom prst="rect">
-            <a:avLst/>
-          </a:prstGeom>
-        </p:spPr>
-        <p:style>
-          <a:lnRef idx="2">
-            <a:schemeClr val="accent2">
-              <a:shade val="50000"/>
-            </a:schemeClr>
-          </a:lnRef>
-          <a:fillRef idx="1">
-            <a:schemeClr val="accent2"/>
-          </a:fillRef>
-          <a:effectRef idx="0">
-            <a:schemeClr val="accent2"/>
-          </a:effectRef>
-          <a:fontRef idx="minor">
-            <a:schemeClr val="lt1"/>
-          </a:fontRef>
-        </p:style>
-        <p:txBody>
-          <a:bodyPr rtlCol="0" anchor="ctr"/>
-          <a:lstStyle/>
-          <a:p>
-            <a:pPr algn="ctr"/>
-            <a:r>
-              <a:rPr lang="de-DE"/>
-              <a:t>under construction</a:t>
-            </a:r>
-            <a:endParaRPr lang="en-US"/>
-          </a:p>
-        </p:txBody>
-      </p:sp>
     </p:spTree>
     <p:extLst>
       <p:ext uri="{BB962C8B-B14F-4D97-AF65-F5344CB8AC3E}">
-        <p14:creationId xmlns:p14="http://schemas.microsoft.com/office/powerpoint/2010/main" val="3812680250"/>
+        <p14:creationId xmlns:p14="http://schemas.microsoft.com/office/powerpoint/2010/main" val="2130856695"/>
       </p:ext>
     </p:extLst>
   </p:cSld>
@@ -9322,11 +9104,11 @@
             </a:r>
             <a:r>
               <a:rPr lang="en-US" b="1"/>
-              <a:t>oal. </a:t>
+              <a:t>oal: </a:t>
             </a:r>
             <a:r>
               <a:rPr lang="en-US"/>
-              <a:t>Discover latent semantic structures in a corpus &amp; group documents into topical clusters</a:t>
+              <a:t>discover latent semantic structures in a corpus &amp; group documents into topical clusters</a:t>
             </a:r>
           </a:p>
           <a:p>
@@ -9401,7 +9183,7 @@
               <a:rPr lang="en-US">
                 <a:sym typeface="Symbol" panose="05050102010706020507" pitchFamily="18" charset="2"/>
               </a:rPr>
-              <a:t>Facilitating / enhancing downstream tasks (e.g., sentiment analysis)</a:t>
+              <a:t>Facilitating/enhancing downstream tasks (e.g., sentiment analysis)</a:t>
             </a:r>
             <a:endParaRPr lang="en-US"/>
           </a:p>
@@ -9458,7 +9240,7 @@
           <a:p>
             <a:r>
               <a:rPr lang="en-US"/>
-              <a:t>Overview </a:t>
+              <a:t>Overview  </a:t>
             </a:r>
             <a:r>
               <a:rPr lang="en-US" b="1"/>
@@ -9624,7 +9406,7 @@
             <a:pPr lvl="1"/>
             <a:r>
               <a:rPr lang="de-DE"/>
-              <a:t>Intuitively, we would expect some words to appear more frequently in documents about a certain topics than in others.</a:t>
+              <a:t>Intuitively, we would expect some words to appear more frequently in documents about a certain topic than in others.</a:t>
             </a:r>
             <a:br>
               <a:rPr lang="de-DE"/>
@@ -9835,8 +9617,8 @@
           <a:chExt cx="0" cy="0"/>
         </a:xfrm>
       </p:grpSpPr>
-      <mc:AlternateContent xmlns:mc="http://schemas.openxmlformats.org/markup-compatibility/2006">
-        <mc:Choice xmlns:a14="http://schemas.microsoft.com/office/drawing/2010/main" Requires="a14">
+      <mc:AlternateContent xmlns:mc="http://schemas.openxmlformats.org/markup-compatibility/2006" xmlns:a14="http://schemas.microsoft.com/office/drawing/2010/main">
+        <mc:Choice Requires="a14">
           <p:sp>
             <p:nvSpPr>
               <p:cNvPr id="7" name="Content Placeholder 2">
@@ -9968,7 +9750,7 @@
             </p:txBody>
           </p:sp>
         </mc:Choice>
-        <mc:Fallback>
+        <mc:Fallback xmlns="">
           <p:sp>
             <p:nvSpPr>
               <p:cNvPr id="7" name="Content Placeholder 2">
@@ -10344,7 +10126,7 @@
         </p:nvSpPr>
         <p:spPr>
           <a:xfrm>
-            <a:off x="4566000" y="2105024"/>
+            <a:off x="4604100" y="2105024"/>
             <a:ext cx="3060000" cy="432000"/>
           </a:xfrm>
           <a:prstGeom prst="rect">
@@ -10516,7 +10298,7 @@
             <a:pPr algn="ctr"/>
             <a:r>
               <a:rPr lang="de-DE"/>
-              <a:t>Probabilistic / generative</a:t>
+              <a:t>Probabilistic/generative</a:t>
             </a:r>
             <a:endParaRPr lang="en-US"/>
           </a:p>
@@ -11012,8 +10794,8 @@
         </p:nvCxnSpPr>
         <p:spPr>
           <a:xfrm rot="5400000" flipH="1" flipV="1">
-            <a:off x="4686494" y="1431930"/>
-            <a:ext cx="304412" cy="2514600"/>
+            <a:off x="4705544" y="1412880"/>
+            <a:ext cx="304412" cy="2552700"/>
           </a:xfrm>
           <a:prstGeom prst="bentConnector3">
             <a:avLst/>
@@ -11053,8 +10835,8 @@
         </p:nvCxnSpPr>
         <p:spPr>
           <a:xfrm rot="16200000" flipV="1">
-            <a:off x="7247353" y="1385671"/>
-            <a:ext cx="302494" cy="2605200"/>
+            <a:off x="7266403" y="1404721"/>
+            <a:ext cx="302494" cy="2567100"/>
           </a:xfrm>
           <a:prstGeom prst="bentConnector3">
             <a:avLst/>

--- a/5_seminar/Contents_Part_02/slides/slides_II_2.pptx
+++ b/5_seminar/Contents_Part_02/slides/slides_II_2.pptx
@@ -217,7 +217,7 @@
           <a:p>
             <a:fld id="{7A5B87F2-13FD-4A24-9F19-39B31C60B536}" type="datetimeFigureOut">
               <a:rPr lang="en-US" smtClean="0"/>
-              <a:t>4/26/2021</a:t>
+              <a:t>4/28/2021</a:t>
             </a:fld>
             <a:endParaRPr lang="en-US"/>
           </a:p>
@@ -2013,7 +2013,7 @@
           <a:p>
             <a:fld id="{5A1811BA-6AD9-41A7-B7A2-456C8523519C}" type="datetime1">
               <a:rPr lang="en-US" smtClean="0"/>
-              <a:t>4/26/2021</a:t>
+              <a:t>4/28/2021</a:t>
             </a:fld>
             <a:endParaRPr lang="en-US"/>
           </a:p>
@@ -2183,7 +2183,7 @@
           <a:p>
             <a:fld id="{B0494441-C196-4BB0-93EE-AF22360207AB}" type="datetime1">
               <a:rPr lang="en-US" smtClean="0"/>
-              <a:t>4/26/2021</a:t>
+              <a:t>4/28/2021</a:t>
             </a:fld>
             <a:endParaRPr lang="en-US"/>
           </a:p>
@@ -2363,7 +2363,7 @@
           <a:p>
             <a:fld id="{D7B9282B-C3CE-4F56-8DD1-5349F982F1D2}" type="datetime1">
               <a:rPr lang="en-US" smtClean="0"/>
-              <a:t>4/26/2021</a:t>
+              <a:t>4/28/2021</a:t>
             </a:fld>
             <a:endParaRPr lang="en-US"/>
           </a:p>
@@ -2533,7 +2533,7 @@
           <a:p>
             <a:fld id="{E6E86D6A-786F-4E85-AF3B-385015383ABA}" type="datetime1">
               <a:rPr lang="en-US" smtClean="0"/>
-              <a:t>4/26/2021</a:t>
+              <a:t>4/28/2021</a:t>
             </a:fld>
             <a:endParaRPr lang="en-US"/>
           </a:p>
@@ -2779,7 +2779,7 @@
           <a:p>
             <a:fld id="{051FFEB0-9C80-4A34-A5C7-72D52D52FC7D}" type="datetime1">
               <a:rPr lang="en-US" smtClean="0"/>
-              <a:t>4/26/2021</a:t>
+              <a:t>4/28/2021</a:t>
             </a:fld>
             <a:endParaRPr lang="en-US"/>
           </a:p>
@@ -3011,7 +3011,7 @@
           <a:p>
             <a:fld id="{084267AD-C299-471B-ABA1-D0EA94C7EDCF}" type="datetime1">
               <a:rPr lang="en-US" smtClean="0"/>
-              <a:t>4/26/2021</a:t>
+              <a:t>4/28/2021</a:t>
             </a:fld>
             <a:endParaRPr lang="en-US"/>
           </a:p>
@@ -3378,7 +3378,7 @@
           <a:p>
             <a:fld id="{6468DBC7-10F8-46A1-8CE1-DBB0A6F0EF3E}" type="datetime1">
               <a:rPr lang="en-US" smtClean="0"/>
-              <a:t>4/26/2021</a:t>
+              <a:t>4/28/2021</a:t>
             </a:fld>
             <a:endParaRPr lang="en-US"/>
           </a:p>
@@ -3496,7 +3496,7 @@
           <a:p>
             <a:fld id="{0A97ED80-8DDA-43A7-A78F-B0542D691D0E}" type="datetime1">
               <a:rPr lang="en-US" smtClean="0"/>
-              <a:t>4/26/2021</a:t>
+              <a:t>4/28/2021</a:t>
             </a:fld>
             <a:endParaRPr lang="en-US"/>
           </a:p>
@@ -3591,7 +3591,7 @@
           <a:p>
             <a:fld id="{0AF827E6-45BA-40D2-98F2-BE4FFF095577}" type="datetime1">
               <a:rPr lang="en-US" smtClean="0"/>
-              <a:t>4/26/2021</a:t>
+              <a:t>4/28/2021</a:t>
             </a:fld>
             <a:endParaRPr lang="en-US"/>
           </a:p>
@@ -3868,7 +3868,7 @@
           <a:p>
             <a:fld id="{42BD114C-22EA-4B1A-A45B-ED6465C7BB4E}" type="datetime1">
               <a:rPr lang="en-US" smtClean="0"/>
-              <a:t>4/26/2021</a:t>
+              <a:t>4/28/2021</a:t>
             </a:fld>
             <a:endParaRPr lang="en-US"/>
           </a:p>
@@ -4121,7 +4121,7 @@
           <a:p>
             <a:fld id="{F46F8903-38BE-4FD8-98FC-E4EF771B2D8C}" type="datetime1">
               <a:rPr lang="en-US" smtClean="0"/>
-              <a:t>4/26/2021</a:t>
+              <a:t>4/28/2021</a:t>
             </a:fld>
             <a:endParaRPr lang="en-US"/>
           </a:p>
@@ -4334,7 +4334,7 @@
           <a:p>
             <a:fld id="{A91AC8C7-9CA9-4E83-8CE3-AD3BE4150B39}" type="datetime1">
               <a:rPr lang="en-US" smtClean="0"/>
-              <a:t>4/26/2021</a:t>
+              <a:t>4/28/2021</a:t>
             </a:fld>
             <a:endParaRPr lang="en-US"/>
           </a:p>
